--- a/presentation.pptx
+++ b/presentation.pptx
@@ -6247,6 +6247,30 @@
 <file path=ppt/slides/slide10.xml><?xml version="1.0" encoding="utf-8"?>
 <p:sld xmlns:a="http://schemas.openxmlformats.org/drawingml/2006/main" xmlns:r="http://schemas.openxmlformats.org/officeDocument/2006/relationships" xmlns:p="http://schemas.openxmlformats.org/presentationml/2006/main">
   <p:cSld>
+    <p:bg>
+      <p:bgPr>
+        <a:blipFill rotWithShape="1">
+          <a:blip r:embed="rId2">
+            <a:duotone>
+              <a:schemeClr val="bg2">
+                <a:shade val="69000"/>
+                <a:hueMod val="108000"/>
+                <a:satMod val="164000"/>
+                <a:lumMod val="74000"/>
+              </a:schemeClr>
+              <a:schemeClr val="bg2">
+                <a:tint val="96000"/>
+                <a:hueMod val="88000"/>
+                <a:satMod val="140000"/>
+                <a:lumMod val="132000"/>
+              </a:schemeClr>
+            </a:duotone>
+          </a:blip>
+          <a:stretch/>
+        </a:blipFill>
+        <a:effectLst/>
+      </p:bgPr>
+    </p:bg>
     <p:spTree>
       <p:nvGrpSpPr>
         <p:cNvPr id="1" name=""/>
@@ -6261,41 +6285,360 @@
           <a:chExt cx="0" cy="0"/>
         </a:xfrm>
       </p:grpSpPr>
-      <p:sp>
-        <p:nvSpPr>
-          <p:cNvPr id="4" name="TextBox 3">
+      <p:pic>
+        <p:nvPicPr>
+          <p:cNvPr id="71" name="Picture 70">
             <a:extLst>
               <a:ext uri="{FF2B5EF4-FFF2-40B4-BE49-F238E27FC236}">
-                <a16:creationId xmlns:a16="http://schemas.microsoft.com/office/drawing/2014/main" id="{2869C79C-BD39-466D-852A-62FDC99D9898}"/>
+                <a16:creationId xmlns:a16="http://schemas.microsoft.com/office/drawing/2014/main" id="{5B89E5C5-A037-45B3-9D37-3658914D4799}"/>
+              </a:ext>
+              <a:ext uri="{C183D7F6-B498-43B3-948B-1728B52AA6E4}">
+                <adec:decorative xmlns:adec="http://schemas.microsoft.com/office/drawing/2017/decorative" val="1"/>
               </a:ext>
             </a:extLst>
           </p:cNvPr>
-          <p:cNvSpPr txBox="1"/>
-          <p:nvPr/>
-        </p:nvSpPr>
+          <p:cNvPicPr>
+            <a:picLocks noGrp="1" noRot="1" noChangeAspect="1" noMove="1" noResize="1" noEditPoints="1" noAdjustHandles="1" noChangeArrowheads="1" noChangeShapeType="1" noCrop="1"/>
+          </p:cNvPicPr>
+          <p:nvPr>
+            <p:extLst>
+              <p:ext uri="{386F3935-93C4-4BCD-93E2-E3B085C9AB24}">
+                <p16:designElem xmlns:p16="http://schemas.microsoft.com/office/powerpoint/2015/main" val="1"/>
+              </p:ext>
+            </p:extLst>
+          </p:nvPr>
+        </p:nvPicPr>
+        <p:blipFill rotWithShape="1">
+          <a:blip r:embed="rId3">
+            <a:extLst>
+              <a:ext uri="{28A0092B-C50C-407E-A947-70E740481C1C}">
+                <a14:useLocalDpi xmlns:a14="http://schemas.microsoft.com/office/drawing/2010/main" val="0"/>
+              </a:ext>
+            </a:extLst>
+          </a:blip>
+          <a:srcRect l="3613"/>
+          <a:stretch/>
+        </p:blipFill>
         <p:spPr>
           <a:xfrm>
-            <a:off x="4169664" y="2767280"/>
-            <a:ext cx="4974336" cy="1323439"/>
+            <a:off x="0" y="2669685"/>
+            <a:ext cx="4037012" cy="4188315"/>
+          </a:xfrm>
+          <a:prstGeom prst="rect">
+            <a:avLst/>
+          </a:prstGeom>
+        </p:spPr>
+      </p:pic>
+      <p:pic>
+        <p:nvPicPr>
+          <p:cNvPr id="73" name="Picture 72">
+            <a:extLst>
+              <a:ext uri="{FF2B5EF4-FFF2-40B4-BE49-F238E27FC236}">
+                <a16:creationId xmlns:a16="http://schemas.microsoft.com/office/drawing/2014/main" id="{5ACB93B0-521E-443D-9750-AFCFDDB3E801}"/>
+              </a:ext>
+              <a:ext uri="{C183D7F6-B498-43B3-948B-1728B52AA6E4}">
+                <adec:decorative xmlns:adec="http://schemas.microsoft.com/office/drawing/2017/decorative" val="1"/>
+              </a:ext>
+            </a:extLst>
+          </p:cNvPr>
+          <p:cNvPicPr>
+            <a:picLocks noGrp="1" noRot="1" noChangeAspect="1" noMove="1" noResize="1" noEditPoints="1" noAdjustHandles="1" noChangeArrowheads="1" noChangeShapeType="1" noCrop="1"/>
+          </p:cNvPicPr>
+          <p:nvPr>
+            <p:extLst>
+              <p:ext uri="{386F3935-93C4-4BCD-93E2-E3B085C9AB24}">
+                <p16:designElem xmlns:p16="http://schemas.microsoft.com/office/powerpoint/2015/main" val="1"/>
+              </p:ext>
+            </p:extLst>
+          </p:nvPr>
+        </p:nvPicPr>
+        <p:blipFill rotWithShape="1">
+          <a:blip r:embed="rId4">
+            <a:extLst>
+              <a:ext uri="{28A0092B-C50C-407E-A947-70E740481C1C}">
+                <a14:useLocalDpi xmlns:a14="http://schemas.microsoft.com/office/drawing/2010/main" val="0"/>
+              </a:ext>
+            </a:extLst>
+          </a:blip>
+          <a:srcRect l="35640"/>
+          <a:stretch/>
+        </p:blipFill>
+        <p:spPr>
+          <a:xfrm>
+            <a:off x="0" y="2892347"/>
+            <a:ext cx="1522412" cy="2365453"/>
+          </a:xfrm>
+          <a:prstGeom prst="rect">
+            <a:avLst/>
+          </a:prstGeom>
+        </p:spPr>
+      </p:pic>
+      <p:sp>
+        <p:nvSpPr>
+          <p:cNvPr id="75" name="Oval 74">
+            <a:extLst>
+              <a:ext uri="{FF2B5EF4-FFF2-40B4-BE49-F238E27FC236}">
+                <a16:creationId xmlns:a16="http://schemas.microsoft.com/office/drawing/2014/main" id="{DA1DAC79-DDBA-4382-9D43-6E5F685BE5FB}"/>
+              </a:ext>
+              <a:ext uri="{C183D7F6-B498-43B3-948B-1728B52AA6E4}">
+                <adec:decorative xmlns:adec="http://schemas.microsoft.com/office/drawing/2017/decorative" val="1"/>
+              </a:ext>
+            </a:extLst>
+          </p:cNvPr>
+          <p:cNvSpPr>
+            <a:spLocks noGrp="1" noRot="1" noChangeAspect="1" noMove="1" noResize="1" noEditPoints="1" noAdjustHandles="1" noChangeArrowheads="1" noChangeShapeType="1" noTextEdit="1"/>
+          </p:cNvSpPr>
+          <p:nvPr>
+            <p:extLst>
+              <p:ext uri="{386F3935-93C4-4BCD-93E2-E3B085C9AB24}">
+                <p16:designElem xmlns:p16="http://schemas.microsoft.com/office/powerpoint/2015/main" val="1"/>
+              </p:ext>
+            </p:extLst>
+          </p:nvPr>
+        </p:nvSpPr>
+        <p:spPr>
+          <a:xfrm>
+            <a:off x="8605878" y="1676400"/>
+            <a:ext cx="2819400" cy="2819400"/>
+          </a:xfrm>
+          <a:prstGeom prst="ellipse">
+            <a:avLst/>
+          </a:prstGeom>
+          <a:gradFill flip="none" rotWithShape="1">
+            <a:gsLst>
+              <a:gs pos="0">
+                <a:schemeClr val="bg2">
+                  <a:lumMod val="60000"/>
+                  <a:lumOff val="40000"/>
+                  <a:alpha val="7000"/>
+                </a:schemeClr>
+              </a:gs>
+              <a:gs pos="69000">
+                <a:schemeClr val="bg2">
+                  <a:lumMod val="60000"/>
+                  <a:lumOff val="40000"/>
+                  <a:alpha val="0"/>
+                </a:schemeClr>
+              </a:gs>
+              <a:gs pos="36000">
+                <a:schemeClr val="bg2">
+                  <a:lumMod val="60000"/>
+                  <a:lumOff val="40000"/>
+                  <a:alpha val="6000"/>
+                </a:schemeClr>
+              </a:gs>
+            </a:gsLst>
+            <a:path path="circle">
+              <a:fillToRect l="50000" t="50000" r="50000" b="50000"/>
+            </a:path>
+            <a:tileRect/>
+          </a:gradFill>
+          <a:ln>
+            <a:noFill/>
+          </a:ln>
+          <a:effectLst/>
+        </p:spPr>
+        <p:style>
+          <a:lnRef idx="1">
+            <a:schemeClr val="accent1"/>
+          </a:lnRef>
+          <a:fillRef idx="3">
+            <a:schemeClr val="accent1"/>
+          </a:fillRef>
+          <a:effectRef idx="2">
+            <a:schemeClr val="accent1"/>
+          </a:effectRef>
+          <a:fontRef idx="minor">
+            <a:schemeClr val="lt1"/>
+          </a:fontRef>
+        </p:style>
+      </p:sp>
+      <p:pic>
+        <p:nvPicPr>
+          <p:cNvPr id="77" name="Picture 76">
+            <a:extLst>
+              <a:ext uri="{FF2B5EF4-FFF2-40B4-BE49-F238E27FC236}">
+                <a16:creationId xmlns:a16="http://schemas.microsoft.com/office/drawing/2014/main" id="{E0880F10-995F-4F01-A83B-7ECDB7BE7905}"/>
+              </a:ext>
+              <a:ext uri="{C183D7F6-B498-43B3-948B-1728B52AA6E4}">
+                <adec:decorative xmlns:adec="http://schemas.microsoft.com/office/drawing/2017/decorative" val="1"/>
+              </a:ext>
+            </a:extLst>
+          </p:cNvPr>
+          <p:cNvPicPr>
+            <a:picLocks noGrp="1" noRot="1" noChangeAspect="1" noMove="1" noResize="1" noEditPoints="1" noAdjustHandles="1" noChangeArrowheads="1" noChangeShapeType="1" noCrop="1"/>
+          </p:cNvPicPr>
+          <p:nvPr>
+            <p:extLst>
+              <p:ext uri="{386F3935-93C4-4BCD-93E2-E3B085C9AB24}">
+                <p16:designElem xmlns:p16="http://schemas.microsoft.com/office/powerpoint/2015/main" val="1"/>
+              </p:ext>
+            </p:extLst>
+          </p:nvPr>
+        </p:nvPicPr>
+        <p:blipFill rotWithShape="1">
+          <a:blip r:embed="rId5">
+            <a:extLst>
+              <a:ext uri="{28A0092B-C50C-407E-A947-70E740481C1C}">
+                <a14:useLocalDpi xmlns:a14="http://schemas.microsoft.com/office/drawing/2010/main" val="0"/>
+              </a:ext>
+            </a:extLst>
+          </a:blip>
+          <a:srcRect t="28813"/>
+          <a:stretch/>
+        </p:blipFill>
+        <p:spPr>
+          <a:xfrm>
+            <a:off x="7999412" y="0"/>
+            <a:ext cx="1603387" cy="1141407"/>
+          </a:xfrm>
+          <a:prstGeom prst="rect">
+            <a:avLst/>
+          </a:prstGeom>
+        </p:spPr>
+      </p:pic>
+      <p:pic>
+        <p:nvPicPr>
+          <p:cNvPr id="79" name="Picture 78">
+            <a:extLst>
+              <a:ext uri="{FF2B5EF4-FFF2-40B4-BE49-F238E27FC236}">
+                <a16:creationId xmlns:a16="http://schemas.microsoft.com/office/drawing/2014/main" id="{A2D49266-1F08-40F2-B0E1-1D919DCB5780}"/>
+              </a:ext>
+              <a:ext uri="{C183D7F6-B498-43B3-948B-1728B52AA6E4}">
+                <adec:decorative xmlns:adec="http://schemas.microsoft.com/office/drawing/2017/decorative" val="1"/>
+              </a:ext>
+            </a:extLst>
+          </p:cNvPr>
+          <p:cNvPicPr>
+            <a:picLocks noGrp="1" noRot="1" noChangeAspect="1" noMove="1" noResize="1" noEditPoints="1" noAdjustHandles="1" noChangeArrowheads="1" noChangeShapeType="1" noCrop="1"/>
+          </p:cNvPicPr>
+          <p:nvPr>
+            <p:extLst>
+              <p:ext uri="{386F3935-93C4-4BCD-93E2-E3B085C9AB24}">
+                <p16:designElem xmlns:p16="http://schemas.microsoft.com/office/powerpoint/2015/main" val="1"/>
+              </p:ext>
+            </p:extLst>
+          </p:nvPr>
+        </p:nvPicPr>
+        <p:blipFill rotWithShape="1">
+          <a:blip r:embed="rId6">
+            <a:extLst>
+              <a:ext uri="{28A0092B-C50C-407E-A947-70E740481C1C}">
+                <a14:useLocalDpi xmlns:a14="http://schemas.microsoft.com/office/drawing/2010/main" val="0"/>
+              </a:ext>
+            </a:extLst>
+          </a:blip>
+          <a:srcRect b="23320"/>
+          <a:stretch/>
+        </p:blipFill>
+        <p:spPr>
+          <a:xfrm>
+            <a:off x="8605878" y="6096000"/>
+            <a:ext cx="993734" cy="762000"/>
+          </a:xfrm>
+          <a:prstGeom prst="rect">
+            <a:avLst/>
+          </a:prstGeom>
+        </p:spPr>
+      </p:pic>
+      <p:sp>
+        <p:nvSpPr>
+          <p:cNvPr id="81" name="Rectangle 80">
+            <a:extLst>
+              <a:ext uri="{FF2B5EF4-FFF2-40B4-BE49-F238E27FC236}">
+                <a16:creationId xmlns:a16="http://schemas.microsoft.com/office/drawing/2014/main" id="{6AACA73D-178F-4CFC-99E3-9F4FCBBDBA83}"/>
+              </a:ext>
+              <a:ext uri="{C183D7F6-B498-43B3-948B-1728B52AA6E4}">
+                <adec:decorative xmlns:adec="http://schemas.microsoft.com/office/drawing/2017/decorative" val="1"/>
+              </a:ext>
+            </a:extLst>
+          </p:cNvPr>
+          <p:cNvSpPr>
+            <a:spLocks noGrp="1" noRot="1" noChangeAspect="1" noMove="1" noResize="1" noEditPoints="1" noAdjustHandles="1" noChangeArrowheads="1" noChangeShapeType="1" noTextEdit="1"/>
+          </p:cNvSpPr>
+          <p:nvPr>
+            <p:extLst>
+              <p:ext uri="{386F3935-93C4-4BCD-93E2-E3B085C9AB24}">
+                <p16:designElem xmlns:p16="http://schemas.microsoft.com/office/powerpoint/2015/main" val="1"/>
+              </p:ext>
+            </p:extLst>
+          </p:nvPr>
+        </p:nvSpPr>
+        <p:spPr>
+          <a:xfrm>
+            <a:off x="10437812" y="0"/>
+            <a:ext cx="685800" cy="1143000"/>
+          </a:xfrm>
+          <a:prstGeom prst="rect">
+            <a:avLst/>
+          </a:prstGeom>
+          <a:solidFill>
+            <a:schemeClr val="accent1"/>
+          </a:solidFill>
+          <a:ln>
+            <a:noFill/>
+          </a:ln>
+        </p:spPr>
+        <p:style>
+          <a:lnRef idx="1">
+            <a:schemeClr val="accent1"/>
+          </a:lnRef>
+          <a:fillRef idx="3">
+            <a:schemeClr val="accent1"/>
+          </a:fillRef>
+          <a:effectRef idx="2">
+            <a:schemeClr val="accent1"/>
+          </a:effectRef>
+          <a:fontRef idx="minor">
+            <a:schemeClr val="lt1"/>
+          </a:fontRef>
+        </p:style>
+      </p:sp>
+      <p:pic>
+        <p:nvPicPr>
+          <p:cNvPr id="1026" name="Picture 2" descr="A Demo on Terraform: Create Azure Resource Group | by tarun bhatt | Medium">
+            <a:extLst>
+              <a:ext uri="{FF2B5EF4-FFF2-40B4-BE49-F238E27FC236}">
+                <a16:creationId xmlns:a16="http://schemas.microsoft.com/office/drawing/2014/main" id="{DF7BD77F-01A1-438B-967B-5A15BEEC4528}"/>
+              </a:ext>
+            </a:extLst>
+          </p:cNvPr>
+          <p:cNvPicPr>
+            <a:picLocks noChangeAspect="1" noChangeArrowheads="1"/>
+          </p:cNvPicPr>
+          <p:nvPr/>
+        </p:nvPicPr>
+        <p:blipFill rotWithShape="1">
+          <a:blip r:embed="rId7">
+            <a:extLst>
+              <a:ext uri="{28A0092B-C50C-407E-A947-70E740481C1C}">
+                <a14:useLocalDpi xmlns:a14="http://schemas.microsoft.com/office/drawing/2010/main" val="0"/>
+              </a:ext>
+            </a:extLst>
+          </a:blip>
+          <a:srcRect l="6329" r="13226" b="-1"/>
+          <a:stretch/>
+        </p:blipFill>
+        <p:spPr bwMode="auto">
+          <a:xfrm>
+            <a:off x="20" y="10"/>
+            <a:ext cx="12191980" cy="6857990"/>
           </a:xfrm>
           <a:prstGeom prst="rect">
             <a:avLst/>
           </a:prstGeom>
           <a:noFill/>
-        </p:spPr>
-        <p:txBody>
-          <a:bodyPr wrap="square" rtlCol="0">
-            <a:spAutoFit/>
-          </a:bodyPr>
-          <a:lstStyle/>
-          <a:p>
-            <a:r>
-              <a:rPr lang="en-US" sz="8000" b="1" dirty="0"/>
-              <a:t>Demo</a:t>
-            </a:r>
-          </a:p>
-        </p:txBody>
-      </p:sp>
+          <a:extLst>
+            <a:ext uri="{909E8E84-426E-40DD-AFC4-6F175D3DCCD1}">
+              <a14:hiddenFill xmlns:a14="http://schemas.microsoft.com/office/drawing/2010/main">
+                <a:solidFill>
+                  <a:srgbClr val="FFFFFF"/>
+                </a:solidFill>
+              </a14:hiddenFill>
+            </a:ext>
+          </a:extLst>
+        </p:spPr>
+      </p:pic>
     </p:spTree>
     <p:extLst>
       <p:ext uri="{BB962C8B-B14F-4D97-AF65-F5344CB8AC3E}">
@@ -6604,13 +6947,13 @@
   <p:clrMapOvr>
     <a:masterClrMapping/>
   </p:clrMapOvr>
-  <mc:AlternateContent xmlns:mc="http://schemas.openxmlformats.org/markup-compatibility/2006">
-    <mc:Choice xmlns:p159="http://schemas.microsoft.com/office/powerpoint/2015/09/main" Requires="p159">
+  <mc:AlternateContent xmlns:mc="http://schemas.openxmlformats.org/markup-compatibility/2006" xmlns:p159="http://schemas.microsoft.com/office/powerpoint/2015/09/main">
+    <mc:Choice Requires="p159">
       <p:transition xmlns:p14="http://schemas.microsoft.com/office/powerpoint/2010/main" spd="slow" p14:dur="2000">
         <p159:morph option="byObject"/>
       </p:transition>
     </mc:Choice>
-    <mc:Fallback>
+    <mc:Fallback xmlns="">
       <p:transition spd="slow">
         <p:fade/>
       </p:transition>
@@ -6699,13 +7042,13 @@
   <p:clrMapOvr>
     <a:masterClrMapping/>
   </p:clrMapOvr>
-  <mc:AlternateContent xmlns:mc="http://schemas.openxmlformats.org/markup-compatibility/2006">
-    <mc:Choice xmlns:p159="http://schemas.microsoft.com/office/powerpoint/2015/09/main" Requires="p159">
+  <mc:AlternateContent xmlns:mc="http://schemas.openxmlformats.org/markup-compatibility/2006" xmlns:p159="http://schemas.microsoft.com/office/powerpoint/2015/09/main">
+    <mc:Choice Requires="p159">
       <p:transition spd="slow">
         <p159:morph option="byObject"/>
       </p:transition>
     </mc:Choice>
-    <mc:Fallback>
+    <mc:Fallback xmlns="">
       <p:transition spd="slow">
         <p:fade/>
       </p:transition>

--- a/presentation.pptx
+++ b/presentation.pptx
@@ -16,6 +16,14 @@
     <p:sldId id="269" r:id="rId10"/>
     <p:sldId id="271" r:id="rId11"/>
     <p:sldId id="270" r:id="rId12"/>
+    <p:sldId id="272" r:id="rId13"/>
+    <p:sldId id="273" r:id="rId14"/>
+    <p:sldId id="275" r:id="rId15"/>
+    <p:sldId id="276" r:id="rId16"/>
+    <p:sldId id="277" r:id="rId17"/>
+    <p:sldId id="278" r:id="rId18"/>
+    <p:sldId id="279" r:id="rId19"/>
+    <p:sldId id="280" r:id="rId20"/>
   </p:sldIdLst>
   <p:sldSz cx="12192000" cy="6858000"/>
   <p:notesSz cx="6858000" cy="9144000"/>
@@ -6768,7 +6776,7 @@
         <p:spPr>
           <a:xfrm>
             <a:off x="776316" y="1708511"/>
-            <a:ext cx="3829895" cy="461665"/>
+            <a:ext cx="7646645" cy="461665"/>
           </a:xfrm>
           <a:prstGeom prst="rect">
             <a:avLst/>
@@ -6781,8 +6789,52 @@
           <a:lstStyle/>
           <a:p>
             <a:r>
+              <a:rPr lang="en-US" sz="2400" dirty="0" err="1"/>
+              <a:t>Tham</a:t>
+            </a:r>
+            <a:r>
               <a:rPr lang="en-US" sz="2400" dirty="0"/>
-              <a:t>Parameterized Statements</a:t>
+              <a:t> </a:t>
+            </a:r>
+            <a:r>
+              <a:rPr lang="en-US" sz="2400" dirty="0" err="1"/>
+              <a:t>số</a:t>
+            </a:r>
+            <a:r>
+              <a:rPr lang="en-US" sz="2400" dirty="0"/>
+              <a:t> </a:t>
+            </a:r>
+            <a:r>
+              <a:rPr lang="en-US" sz="2400" dirty="0" err="1"/>
+              <a:t>hóa</a:t>
+            </a:r>
+            <a:r>
+              <a:rPr lang="en-US" sz="2400" dirty="0"/>
+              <a:t> </a:t>
+            </a:r>
+            <a:r>
+              <a:rPr lang="en-US" sz="2400" dirty="0" err="1"/>
+              <a:t>các</a:t>
+            </a:r>
+            <a:r>
+              <a:rPr lang="en-US" sz="2400" dirty="0"/>
+              <a:t> </a:t>
+            </a:r>
+            <a:r>
+              <a:rPr lang="en-US" sz="2400" dirty="0" err="1"/>
+              <a:t>câu</a:t>
+            </a:r>
+            <a:r>
+              <a:rPr lang="en-US" sz="2400" dirty="0"/>
+              <a:t> </a:t>
+            </a:r>
+            <a:r>
+              <a:rPr lang="en-US" sz="2400" dirty="0" err="1"/>
+              <a:t>lệnh</a:t>
+            </a:r>
+            <a:r>
+              <a:rPr lang="en-US" sz="2400" dirty="0"/>
+              <a:t>(Parameterized Statements)</a:t>
             </a:r>
           </a:p>
         </p:txBody>
@@ -6815,10 +6867,9 @@
           <a:lstStyle/>
           <a:p>
             <a:r>
-              <a:rPr lang="en-US" sz="2400"/>
+              <a:rPr lang="en-US" sz="2400" dirty="0"/>
               <a:t>Escaping Inputs</a:t>
             </a:r>
-            <a:endParaRPr lang="en-US" sz="2400" dirty="0"/>
           </a:p>
         </p:txBody>
       </p:sp>
@@ -6856,10 +6907,1877 @@
           </a:p>
         </p:txBody>
       </p:sp>
+      <p:sp>
+        <p:nvSpPr>
+          <p:cNvPr id="8" name="Rectangle 7">
+            <a:extLst>
+              <a:ext uri="{FF2B5EF4-FFF2-40B4-BE49-F238E27FC236}">
+                <a16:creationId xmlns:a16="http://schemas.microsoft.com/office/drawing/2014/main" id="{BA3504D9-E7F0-44B4-A46E-CAACCCBF11B0}"/>
+              </a:ext>
+            </a:extLst>
+          </p:cNvPr>
+          <p:cNvSpPr/>
+          <p:nvPr/>
+        </p:nvSpPr>
+        <p:spPr>
+          <a:xfrm>
+            <a:off x="8985212" y="6549635"/>
+            <a:ext cx="3558934" cy="246221"/>
+          </a:xfrm>
+          <a:prstGeom prst="rect">
+            <a:avLst/>
+          </a:prstGeom>
+        </p:spPr>
+        <p:txBody>
+          <a:bodyPr wrap="square">
+            <a:spAutoFit/>
+          </a:bodyPr>
+          <a:lstStyle/>
+          <a:p>
+            <a:r>
+              <a:rPr lang="en-US" sz="1000" dirty="0"/>
+              <a:t>https://www.hacksplaining.com/prevention/sql-injection</a:t>
+            </a:r>
+          </a:p>
+        </p:txBody>
+      </p:sp>
     </p:spTree>
     <p:extLst>
       <p:ext uri="{BB962C8B-B14F-4D97-AF65-F5344CB8AC3E}">
         <p14:creationId xmlns:p14="http://schemas.microsoft.com/office/powerpoint/2010/main" val="1858028653"/>
+      </p:ext>
+    </p:extLst>
+  </p:cSld>
+  <p:clrMapOvr>
+    <a:masterClrMapping/>
+  </p:clrMapOvr>
+</p:sld>
+</file>
+
+<file path=ppt/slides/slide12.xml><?xml version="1.0" encoding="utf-8"?>
+<p:sld xmlns:a="http://schemas.openxmlformats.org/drawingml/2006/main" xmlns:r="http://schemas.openxmlformats.org/officeDocument/2006/relationships" xmlns:p="http://schemas.openxmlformats.org/presentationml/2006/main">
+  <p:cSld>
+    <p:spTree>
+      <p:nvGrpSpPr>
+        <p:cNvPr id="1" name=""/>
+        <p:cNvGrpSpPr/>
+        <p:nvPr/>
+      </p:nvGrpSpPr>
+      <p:grpSpPr>
+        <a:xfrm>
+          <a:off x="0" y="0"/>
+          <a:ext cx="0" cy="0"/>
+          <a:chOff x="0" y="0"/>
+          <a:chExt cx="0" cy="0"/>
+        </a:xfrm>
+      </p:grpSpPr>
+      <p:sp>
+        <p:nvSpPr>
+          <p:cNvPr id="4" name="Rectangle 3">
+            <a:extLst>
+              <a:ext uri="{FF2B5EF4-FFF2-40B4-BE49-F238E27FC236}">
+                <a16:creationId xmlns:a16="http://schemas.microsoft.com/office/drawing/2014/main" id="{D902DFF2-9D4D-44D7-8B1D-1D6EF3E6DE6D}"/>
+              </a:ext>
+            </a:extLst>
+          </p:cNvPr>
+          <p:cNvSpPr/>
+          <p:nvPr/>
+        </p:nvSpPr>
+        <p:spPr>
+          <a:xfrm>
+            <a:off x="776315" y="2386060"/>
+            <a:ext cx="3799438" cy="461665"/>
+          </a:xfrm>
+          <a:prstGeom prst="rect">
+            <a:avLst/>
+          </a:prstGeom>
+        </p:spPr>
+        <p:txBody>
+          <a:bodyPr wrap="none">
+            <a:spAutoFit/>
+          </a:bodyPr>
+          <a:lstStyle/>
+          <a:p>
+            <a:r>
+              <a:rPr lang="en-US" sz="2400" dirty="0">
+                <a:solidFill>
+                  <a:schemeClr val="tx1">
+                    <a:lumMod val="65000"/>
+                  </a:schemeClr>
+                </a:solidFill>
+              </a:rPr>
+              <a:t>Object Relational Mapping</a:t>
+            </a:r>
+          </a:p>
+        </p:txBody>
+      </p:sp>
+      <p:sp>
+        <p:nvSpPr>
+          <p:cNvPr id="5" name="Rectangle 4">
+            <a:extLst>
+              <a:ext uri="{FF2B5EF4-FFF2-40B4-BE49-F238E27FC236}">
+                <a16:creationId xmlns:a16="http://schemas.microsoft.com/office/drawing/2014/main" id="{B36067D8-AF08-4194-9D0F-4BC8618C9C21}"/>
+              </a:ext>
+            </a:extLst>
+          </p:cNvPr>
+          <p:cNvSpPr/>
+          <p:nvPr/>
+        </p:nvSpPr>
+        <p:spPr>
+          <a:xfrm>
+            <a:off x="776316" y="1708511"/>
+            <a:ext cx="7646645" cy="461665"/>
+          </a:xfrm>
+          <a:prstGeom prst="rect">
+            <a:avLst/>
+          </a:prstGeom>
+        </p:spPr>
+        <p:txBody>
+          <a:bodyPr wrap="none">
+            <a:spAutoFit/>
+          </a:bodyPr>
+          <a:lstStyle/>
+          <a:p>
+            <a:r>
+              <a:rPr lang="en-US" sz="2400" dirty="0" err="1"/>
+              <a:t>Tham</a:t>
+            </a:r>
+            <a:r>
+              <a:rPr lang="en-US" sz="2400" dirty="0"/>
+              <a:t> </a:t>
+            </a:r>
+            <a:r>
+              <a:rPr lang="en-US" sz="2400" dirty="0" err="1"/>
+              <a:t>số</a:t>
+            </a:r>
+            <a:r>
+              <a:rPr lang="en-US" sz="2400" dirty="0"/>
+              <a:t> </a:t>
+            </a:r>
+            <a:r>
+              <a:rPr lang="en-US" sz="2400" dirty="0" err="1"/>
+              <a:t>hóa</a:t>
+            </a:r>
+            <a:r>
+              <a:rPr lang="en-US" sz="2400" dirty="0"/>
+              <a:t> </a:t>
+            </a:r>
+            <a:r>
+              <a:rPr lang="en-US" sz="2400" dirty="0" err="1"/>
+              <a:t>các</a:t>
+            </a:r>
+            <a:r>
+              <a:rPr lang="en-US" sz="2400" dirty="0"/>
+              <a:t> </a:t>
+            </a:r>
+            <a:r>
+              <a:rPr lang="en-US" sz="2400" dirty="0" err="1"/>
+              <a:t>câu</a:t>
+            </a:r>
+            <a:r>
+              <a:rPr lang="en-US" sz="2400" dirty="0"/>
+              <a:t> </a:t>
+            </a:r>
+            <a:r>
+              <a:rPr lang="en-US" sz="2400" dirty="0" err="1"/>
+              <a:t>lệnh</a:t>
+            </a:r>
+            <a:r>
+              <a:rPr lang="en-US" sz="2400" dirty="0"/>
+              <a:t>(Parameterized Statements)</a:t>
+            </a:r>
+          </a:p>
+        </p:txBody>
+      </p:sp>
+      <p:sp>
+        <p:nvSpPr>
+          <p:cNvPr id="6" name="Rectangle 5">
+            <a:extLst>
+              <a:ext uri="{FF2B5EF4-FFF2-40B4-BE49-F238E27FC236}">
+                <a16:creationId xmlns:a16="http://schemas.microsoft.com/office/drawing/2014/main" id="{E217CC63-1D35-474A-A76A-6276EE77D018}"/>
+              </a:ext>
+            </a:extLst>
+          </p:cNvPr>
+          <p:cNvSpPr/>
+          <p:nvPr/>
+        </p:nvSpPr>
+        <p:spPr>
+          <a:xfrm>
+            <a:off x="776315" y="3063609"/>
+            <a:ext cx="2375971" cy="461665"/>
+          </a:xfrm>
+          <a:prstGeom prst="rect">
+            <a:avLst/>
+          </a:prstGeom>
+        </p:spPr>
+        <p:txBody>
+          <a:bodyPr wrap="none">
+            <a:spAutoFit/>
+          </a:bodyPr>
+          <a:lstStyle/>
+          <a:p>
+            <a:r>
+              <a:rPr lang="en-US" sz="2400" dirty="0">
+                <a:solidFill>
+                  <a:schemeClr val="tx1">
+                    <a:lumMod val="65000"/>
+                  </a:schemeClr>
+                </a:solidFill>
+              </a:rPr>
+              <a:t>Escaping Inputs</a:t>
+            </a:r>
+          </a:p>
+        </p:txBody>
+      </p:sp>
+      <p:sp>
+        <p:nvSpPr>
+          <p:cNvPr id="7" name="Rectangle 6">
+            <a:extLst>
+              <a:ext uri="{FF2B5EF4-FFF2-40B4-BE49-F238E27FC236}">
+                <a16:creationId xmlns:a16="http://schemas.microsoft.com/office/drawing/2014/main" id="{78DBB61E-238F-4BCC-9F66-9265F69D3BB7}"/>
+              </a:ext>
+            </a:extLst>
+          </p:cNvPr>
+          <p:cNvSpPr/>
+          <p:nvPr/>
+        </p:nvSpPr>
+        <p:spPr>
+          <a:xfrm>
+            <a:off x="776315" y="3741158"/>
+            <a:ext cx="2444900" cy="461665"/>
+          </a:xfrm>
+          <a:prstGeom prst="rect">
+            <a:avLst/>
+          </a:prstGeom>
+        </p:spPr>
+        <p:txBody>
+          <a:bodyPr wrap="none">
+            <a:spAutoFit/>
+          </a:bodyPr>
+          <a:lstStyle/>
+          <a:p>
+            <a:r>
+              <a:rPr lang="en-US" sz="2400" dirty="0">
+                <a:solidFill>
+                  <a:schemeClr val="tx1">
+                    <a:lumMod val="65000"/>
+                  </a:schemeClr>
+                </a:solidFill>
+              </a:rPr>
+              <a:t>Sanitizing Inputs</a:t>
+            </a:r>
+          </a:p>
+        </p:txBody>
+      </p:sp>
+    </p:spTree>
+    <p:extLst>
+      <p:ext uri="{BB962C8B-B14F-4D97-AF65-F5344CB8AC3E}">
+        <p14:creationId xmlns:p14="http://schemas.microsoft.com/office/powerpoint/2010/main" val="1415419516"/>
+      </p:ext>
+    </p:extLst>
+  </p:cSld>
+  <p:clrMapOvr>
+    <a:masterClrMapping/>
+  </p:clrMapOvr>
+  <mc:AlternateContent xmlns:mc="http://schemas.openxmlformats.org/markup-compatibility/2006">
+    <mc:Choice xmlns:p159="http://schemas.microsoft.com/office/powerpoint/2015/09/main" Requires="p159">
+      <p:transition spd="slow">
+        <p159:morph option="byObject"/>
+      </p:transition>
+    </mc:Choice>
+    <mc:Fallback>
+      <p:transition spd="slow">
+        <p:fade/>
+      </p:transition>
+    </mc:Fallback>
+  </mc:AlternateContent>
+</p:sld>
+</file>
+
+<file path=ppt/slides/slide13.xml><?xml version="1.0" encoding="utf-8"?>
+<p:sld xmlns:a="http://schemas.openxmlformats.org/drawingml/2006/main" xmlns:r="http://schemas.openxmlformats.org/officeDocument/2006/relationships" xmlns:p="http://schemas.openxmlformats.org/presentationml/2006/main">
+  <p:cSld>
+    <p:spTree>
+      <p:nvGrpSpPr>
+        <p:cNvPr id="1" name=""/>
+        <p:cNvGrpSpPr/>
+        <p:nvPr/>
+      </p:nvGrpSpPr>
+      <p:grpSpPr>
+        <a:xfrm>
+          <a:off x="0" y="0"/>
+          <a:ext cx="0" cy="0"/>
+          <a:chOff x="0" y="0"/>
+          <a:chExt cx="0" cy="0"/>
+        </a:xfrm>
+      </p:grpSpPr>
+      <p:pic>
+        <p:nvPicPr>
+          <p:cNvPr id="4" name="Picture 3">
+            <a:extLst>
+              <a:ext uri="{FF2B5EF4-FFF2-40B4-BE49-F238E27FC236}">
+                <a16:creationId xmlns:a16="http://schemas.microsoft.com/office/drawing/2014/main" id="{A8DC5AF6-0705-4AB5-816A-D0C7246FB271}"/>
+              </a:ext>
+            </a:extLst>
+          </p:cNvPr>
+          <p:cNvPicPr>
+            <a:picLocks noChangeAspect="1"/>
+          </p:cNvPicPr>
+          <p:nvPr/>
+        </p:nvPicPr>
+        <p:blipFill>
+          <a:blip r:embed="rId2"/>
+          <a:stretch>
+            <a:fillRect/>
+          </a:stretch>
+        </p:blipFill>
+        <p:spPr>
+          <a:xfrm>
+            <a:off x="647699" y="1952625"/>
+            <a:ext cx="5324475" cy="2952750"/>
+          </a:xfrm>
+          <a:prstGeom prst="rect">
+            <a:avLst/>
+          </a:prstGeom>
+        </p:spPr>
+      </p:pic>
+      <p:pic>
+        <p:nvPicPr>
+          <p:cNvPr id="6" name="Picture 5">
+            <a:extLst>
+              <a:ext uri="{FF2B5EF4-FFF2-40B4-BE49-F238E27FC236}">
+                <a16:creationId xmlns:a16="http://schemas.microsoft.com/office/drawing/2014/main" id="{4D316C99-8C04-45B0-BBDC-D009EB26AF05}"/>
+              </a:ext>
+            </a:extLst>
+          </p:cNvPr>
+          <p:cNvPicPr>
+            <a:picLocks noChangeAspect="1"/>
+          </p:cNvPicPr>
+          <p:nvPr/>
+        </p:nvPicPr>
+        <p:blipFill>
+          <a:blip r:embed="rId3"/>
+          <a:stretch>
+            <a:fillRect/>
+          </a:stretch>
+        </p:blipFill>
+        <p:spPr>
+          <a:xfrm>
+            <a:off x="6219828" y="1966912"/>
+            <a:ext cx="5334000" cy="3000375"/>
+          </a:xfrm>
+          <a:prstGeom prst="rect">
+            <a:avLst/>
+          </a:prstGeom>
+        </p:spPr>
+      </p:pic>
+    </p:spTree>
+    <p:extLst>
+      <p:ext uri="{BB962C8B-B14F-4D97-AF65-F5344CB8AC3E}">
+        <p14:creationId xmlns:p14="http://schemas.microsoft.com/office/powerpoint/2010/main" val="1406186505"/>
+      </p:ext>
+    </p:extLst>
+  </p:cSld>
+  <p:clrMapOvr>
+    <a:masterClrMapping/>
+  </p:clrMapOvr>
+  <p:transition spd="slow">
+    <p:push dir="u"/>
+  </p:transition>
+</p:sld>
+</file>
+
+<file path=ppt/slides/slide14.xml><?xml version="1.0" encoding="utf-8"?>
+<p:sld xmlns:a="http://schemas.openxmlformats.org/drawingml/2006/main" xmlns:r="http://schemas.openxmlformats.org/officeDocument/2006/relationships" xmlns:p="http://schemas.openxmlformats.org/presentationml/2006/main">
+  <p:cSld>
+    <p:spTree>
+      <p:nvGrpSpPr>
+        <p:cNvPr id="1" name=""/>
+        <p:cNvGrpSpPr/>
+        <p:nvPr/>
+      </p:nvGrpSpPr>
+      <p:grpSpPr>
+        <a:xfrm>
+          <a:off x="0" y="0"/>
+          <a:ext cx="0" cy="0"/>
+          <a:chOff x="0" y="0"/>
+          <a:chExt cx="0" cy="0"/>
+        </a:xfrm>
+      </p:grpSpPr>
+      <p:sp>
+        <p:nvSpPr>
+          <p:cNvPr id="4" name="Rectangle 3">
+            <a:extLst>
+              <a:ext uri="{FF2B5EF4-FFF2-40B4-BE49-F238E27FC236}">
+                <a16:creationId xmlns:a16="http://schemas.microsoft.com/office/drawing/2014/main" id="{D902DFF2-9D4D-44D7-8B1D-1D6EF3E6DE6D}"/>
+              </a:ext>
+            </a:extLst>
+          </p:cNvPr>
+          <p:cNvSpPr/>
+          <p:nvPr/>
+        </p:nvSpPr>
+        <p:spPr>
+          <a:xfrm>
+            <a:off x="776315" y="2386060"/>
+            <a:ext cx="3799438" cy="461665"/>
+          </a:xfrm>
+          <a:prstGeom prst="rect">
+            <a:avLst/>
+          </a:prstGeom>
+        </p:spPr>
+        <p:txBody>
+          <a:bodyPr wrap="none">
+            <a:spAutoFit/>
+          </a:bodyPr>
+          <a:lstStyle/>
+          <a:p>
+            <a:r>
+              <a:rPr lang="en-US" sz="2400" dirty="0"/>
+              <a:t>Object Relational Mapping</a:t>
+            </a:r>
+          </a:p>
+        </p:txBody>
+      </p:sp>
+      <p:sp>
+        <p:nvSpPr>
+          <p:cNvPr id="5" name="Rectangle 4">
+            <a:extLst>
+              <a:ext uri="{FF2B5EF4-FFF2-40B4-BE49-F238E27FC236}">
+                <a16:creationId xmlns:a16="http://schemas.microsoft.com/office/drawing/2014/main" id="{B36067D8-AF08-4194-9D0F-4BC8618C9C21}"/>
+              </a:ext>
+            </a:extLst>
+          </p:cNvPr>
+          <p:cNvSpPr/>
+          <p:nvPr/>
+        </p:nvSpPr>
+        <p:spPr>
+          <a:xfrm>
+            <a:off x="776316" y="1708511"/>
+            <a:ext cx="7646645" cy="461665"/>
+          </a:xfrm>
+          <a:prstGeom prst="rect">
+            <a:avLst/>
+          </a:prstGeom>
+        </p:spPr>
+        <p:txBody>
+          <a:bodyPr wrap="none">
+            <a:spAutoFit/>
+          </a:bodyPr>
+          <a:lstStyle/>
+          <a:p>
+            <a:r>
+              <a:rPr lang="en-US" sz="2400" dirty="0" err="1">
+                <a:solidFill>
+                  <a:schemeClr val="tx1">
+                    <a:lumMod val="65000"/>
+                  </a:schemeClr>
+                </a:solidFill>
+              </a:rPr>
+              <a:t>Tham</a:t>
+            </a:r>
+            <a:r>
+              <a:rPr lang="en-US" sz="2400" dirty="0">
+                <a:solidFill>
+                  <a:schemeClr val="tx1">
+                    <a:lumMod val="65000"/>
+                  </a:schemeClr>
+                </a:solidFill>
+              </a:rPr>
+              <a:t> </a:t>
+            </a:r>
+            <a:r>
+              <a:rPr lang="en-US" sz="2400" dirty="0" err="1">
+                <a:solidFill>
+                  <a:schemeClr val="tx1">
+                    <a:lumMod val="65000"/>
+                  </a:schemeClr>
+                </a:solidFill>
+              </a:rPr>
+              <a:t>số</a:t>
+            </a:r>
+            <a:r>
+              <a:rPr lang="en-US" sz="2400" dirty="0">
+                <a:solidFill>
+                  <a:schemeClr val="tx1">
+                    <a:lumMod val="65000"/>
+                  </a:schemeClr>
+                </a:solidFill>
+              </a:rPr>
+              <a:t> </a:t>
+            </a:r>
+            <a:r>
+              <a:rPr lang="en-US" sz="2400" dirty="0" err="1">
+                <a:solidFill>
+                  <a:schemeClr val="tx1">
+                    <a:lumMod val="65000"/>
+                  </a:schemeClr>
+                </a:solidFill>
+              </a:rPr>
+              <a:t>hóa</a:t>
+            </a:r>
+            <a:r>
+              <a:rPr lang="en-US" sz="2400" dirty="0">
+                <a:solidFill>
+                  <a:schemeClr val="tx1">
+                    <a:lumMod val="65000"/>
+                  </a:schemeClr>
+                </a:solidFill>
+              </a:rPr>
+              <a:t> </a:t>
+            </a:r>
+            <a:r>
+              <a:rPr lang="en-US" sz="2400" dirty="0" err="1">
+                <a:solidFill>
+                  <a:schemeClr val="tx1">
+                    <a:lumMod val="65000"/>
+                  </a:schemeClr>
+                </a:solidFill>
+              </a:rPr>
+              <a:t>các</a:t>
+            </a:r>
+            <a:r>
+              <a:rPr lang="en-US" sz="2400" dirty="0">
+                <a:solidFill>
+                  <a:schemeClr val="tx1">
+                    <a:lumMod val="65000"/>
+                  </a:schemeClr>
+                </a:solidFill>
+              </a:rPr>
+              <a:t> </a:t>
+            </a:r>
+            <a:r>
+              <a:rPr lang="en-US" sz="2400" dirty="0" err="1">
+                <a:solidFill>
+                  <a:schemeClr val="tx1">
+                    <a:lumMod val="65000"/>
+                  </a:schemeClr>
+                </a:solidFill>
+              </a:rPr>
+              <a:t>câu</a:t>
+            </a:r>
+            <a:r>
+              <a:rPr lang="en-US" sz="2400" dirty="0">
+                <a:solidFill>
+                  <a:schemeClr val="tx1">
+                    <a:lumMod val="65000"/>
+                  </a:schemeClr>
+                </a:solidFill>
+              </a:rPr>
+              <a:t> </a:t>
+            </a:r>
+            <a:r>
+              <a:rPr lang="en-US" sz="2400" dirty="0" err="1">
+                <a:solidFill>
+                  <a:schemeClr val="tx1">
+                    <a:lumMod val="65000"/>
+                  </a:schemeClr>
+                </a:solidFill>
+              </a:rPr>
+              <a:t>lệnh</a:t>
+            </a:r>
+            <a:r>
+              <a:rPr lang="en-US" sz="2400" dirty="0">
+                <a:solidFill>
+                  <a:schemeClr val="tx1">
+                    <a:lumMod val="65000"/>
+                  </a:schemeClr>
+                </a:solidFill>
+              </a:rPr>
+              <a:t>(Parameterized Statements)</a:t>
+            </a:r>
+          </a:p>
+        </p:txBody>
+      </p:sp>
+      <p:sp>
+        <p:nvSpPr>
+          <p:cNvPr id="6" name="Rectangle 5">
+            <a:extLst>
+              <a:ext uri="{FF2B5EF4-FFF2-40B4-BE49-F238E27FC236}">
+                <a16:creationId xmlns:a16="http://schemas.microsoft.com/office/drawing/2014/main" id="{E217CC63-1D35-474A-A76A-6276EE77D018}"/>
+              </a:ext>
+            </a:extLst>
+          </p:cNvPr>
+          <p:cNvSpPr/>
+          <p:nvPr/>
+        </p:nvSpPr>
+        <p:spPr>
+          <a:xfrm>
+            <a:off x="776315" y="3063609"/>
+            <a:ext cx="2375971" cy="461665"/>
+          </a:xfrm>
+          <a:prstGeom prst="rect">
+            <a:avLst/>
+          </a:prstGeom>
+        </p:spPr>
+        <p:txBody>
+          <a:bodyPr wrap="none">
+            <a:spAutoFit/>
+          </a:bodyPr>
+          <a:lstStyle/>
+          <a:p>
+            <a:r>
+              <a:rPr lang="en-US" sz="2400" dirty="0">
+                <a:solidFill>
+                  <a:schemeClr val="tx1">
+                    <a:lumMod val="65000"/>
+                  </a:schemeClr>
+                </a:solidFill>
+              </a:rPr>
+              <a:t>Escaping Inputs</a:t>
+            </a:r>
+          </a:p>
+        </p:txBody>
+      </p:sp>
+      <p:sp>
+        <p:nvSpPr>
+          <p:cNvPr id="7" name="Rectangle 6">
+            <a:extLst>
+              <a:ext uri="{FF2B5EF4-FFF2-40B4-BE49-F238E27FC236}">
+                <a16:creationId xmlns:a16="http://schemas.microsoft.com/office/drawing/2014/main" id="{78DBB61E-238F-4BCC-9F66-9265F69D3BB7}"/>
+              </a:ext>
+            </a:extLst>
+          </p:cNvPr>
+          <p:cNvSpPr/>
+          <p:nvPr/>
+        </p:nvSpPr>
+        <p:spPr>
+          <a:xfrm>
+            <a:off x="776315" y="3741158"/>
+            <a:ext cx="2444900" cy="461665"/>
+          </a:xfrm>
+          <a:prstGeom prst="rect">
+            <a:avLst/>
+          </a:prstGeom>
+        </p:spPr>
+        <p:txBody>
+          <a:bodyPr wrap="none">
+            <a:spAutoFit/>
+          </a:bodyPr>
+          <a:lstStyle/>
+          <a:p>
+            <a:r>
+              <a:rPr lang="en-US" sz="2400" dirty="0">
+                <a:solidFill>
+                  <a:schemeClr val="tx1">
+                    <a:lumMod val="65000"/>
+                  </a:schemeClr>
+                </a:solidFill>
+              </a:rPr>
+              <a:t>Sanitizing Inputs</a:t>
+            </a:r>
+          </a:p>
+        </p:txBody>
+      </p:sp>
+    </p:spTree>
+    <p:extLst>
+      <p:ext uri="{BB962C8B-B14F-4D97-AF65-F5344CB8AC3E}">
+        <p14:creationId xmlns:p14="http://schemas.microsoft.com/office/powerpoint/2010/main" val="214190090"/>
+      </p:ext>
+    </p:extLst>
+  </p:cSld>
+  <p:clrMapOvr>
+    <a:masterClrMapping/>
+  </p:clrMapOvr>
+  <p:transition spd="slow">
+    <p:push dir="u"/>
+  </p:transition>
+</p:sld>
+</file>
+
+<file path=ppt/slides/slide15.xml><?xml version="1.0" encoding="utf-8"?>
+<p:sld xmlns:a="http://schemas.openxmlformats.org/drawingml/2006/main" xmlns:r="http://schemas.openxmlformats.org/officeDocument/2006/relationships" xmlns:p="http://schemas.openxmlformats.org/presentationml/2006/main">
+  <p:cSld>
+    <p:spTree>
+      <p:nvGrpSpPr>
+        <p:cNvPr id="1" name=""/>
+        <p:cNvGrpSpPr/>
+        <p:nvPr/>
+      </p:nvGrpSpPr>
+      <p:grpSpPr>
+        <a:xfrm>
+          <a:off x="0" y="0"/>
+          <a:ext cx="0" cy="0"/>
+          <a:chOff x="0" y="0"/>
+          <a:chExt cx="0" cy="0"/>
+        </a:xfrm>
+      </p:grpSpPr>
+      <p:pic>
+        <p:nvPicPr>
+          <p:cNvPr id="4" name="Picture 3">
+            <a:extLst>
+              <a:ext uri="{FF2B5EF4-FFF2-40B4-BE49-F238E27FC236}">
+                <a16:creationId xmlns:a16="http://schemas.microsoft.com/office/drawing/2014/main" id="{5383F576-5745-4167-BA37-51C8D52A32BB}"/>
+              </a:ext>
+            </a:extLst>
+          </p:cNvPr>
+          <p:cNvPicPr>
+            <a:picLocks noChangeAspect="1"/>
+          </p:cNvPicPr>
+          <p:nvPr/>
+        </p:nvPicPr>
+        <p:blipFill>
+          <a:blip r:embed="rId2"/>
+          <a:stretch>
+            <a:fillRect/>
+          </a:stretch>
+        </p:blipFill>
+        <p:spPr>
+          <a:xfrm>
+            <a:off x="309563" y="2571750"/>
+            <a:ext cx="5324475" cy="1238250"/>
+          </a:xfrm>
+          <a:prstGeom prst="rect">
+            <a:avLst/>
+          </a:prstGeom>
+        </p:spPr>
+      </p:pic>
+      <p:pic>
+        <p:nvPicPr>
+          <p:cNvPr id="6" name="Picture 5">
+            <a:extLst>
+              <a:ext uri="{FF2B5EF4-FFF2-40B4-BE49-F238E27FC236}">
+                <a16:creationId xmlns:a16="http://schemas.microsoft.com/office/drawing/2014/main" id="{485A3B5F-D09E-46F3-AC9C-7AF569C3BD47}"/>
+              </a:ext>
+            </a:extLst>
+          </p:cNvPr>
+          <p:cNvPicPr>
+            <a:picLocks noChangeAspect="1"/>
+          </p:cNvPicPr>
+          <p:nvPr/>
+        </p:nvPicPr>
+        <p:blipFill>
+          <a:blip r:embed="rId3"/>
+          <a:stretch>
+            <a:fillRect/>
+          </a:stretch>
+        </p:blipFill>
+        <p:spPr>
+          <a:xfrm>
+            <a:off x="6557964" y="2638425"/>
+            <a:ext cx="5343525" cy="1104900"/>
+          </a:xfrm>
+          <a:prstGeom prst="rect">
+            <a:avLst/>
+          </a:prstGeom>
+        </p:spPr>
+      </p:pic>
+    </p:spTree>
+    <p:extLst>
+      <p:ext uri="{BB962C8B-B14F-4D97-AF65-F5344CB8AC3E}">
+        <p14:creationId xmlns:p14="http://schemas.microsoft.com/office/powerpoint/2010/main" val="3090178092"/>
+      </p:ext>
+    </p:extLst>
+  </p:cSld>
+  <p:clrMapOvr>
+    <a:masterClrMapping/>
+  </p:clrMapOvr>
+  <p:transition spd="slow">
+    <p:push dir="u"/>
+  </p:transition>
+</p:sld>
+</file>
+
+<file path=ppt/slides/slide16.xml><?xml version="1.0" encoding="utf-8"?>
+<p:sld xmlns:a="http://schemas.openxmlformats.org/drawingml/2006/main" xmlns:r="http://schemas.openxmlformats.org/officeDocument/2006/relationships" xmlns:p="http://schemas.openxmlformats.org/presentationml/2006/main">
+  <p:cSld>
+    <p:spTree>
+      <p:nvGrpSpPr>
+        <p:cNvPr id="1" name=""/>
+        <p:cNvGrpSpPr/>
+        <p:nvPr/>
+      </p:nvGrpSpPr>
+      <p:grpSpPr>
+        <a:xfrm>
+          <a:off x="0" y="0"/>
+          <a:ext cx="0" cy="0"/>
+          <a:chOff x="0" y="0"/>
+          <a:chExt cx="0" cy="0"/>
+        </a:xfrm>
+      </p:grpSpPr>
+      <p:sp>
+        <p:nvSpPr>
+          <p:cNvPr id="4" name="Rectangle 3">
+            <a:extLst>
+              <a:ext uri="{FF2B5EF4-FFF2-40B4-BE49-F238E27FC236}">
+                <a16:creationId xmlns:a16="http://schemas.microsoft.com/office/drawing/2014/main" id="{D902DFF2-9D4D-44D7-8B1D-1D6EF3E6DE6D}"/>
+              </a:ext>
+            </a:extLst>
+          </p:cNvPr>
+          <p:cNvSpPr/>
+          <p:nvPr/>
+        </p:nvSpPr>
+        <p:spPr>
+          <a:xfrm>
+            <a:off x="776315" y="2386060"/>
+            <a:ext cx="3799438" cy="461665"/>
+          </a:xfrm>
+          <a:prstGeom prst="rect">
+            <a:avLst/>
+          </a:prstGeom>
+        </p:spPr>
+        <p:txBody>
+          <a:bodyPr wrap="none">
+            <a:spAutoFit/>
+          </a:bodyPr>
+          <a:lstStyle/>
+          <a:p>
+            <a:r>
+              <a:rPr lang="en-US" sz="2400" dirty="0">
+                <a:solidFill>
+                  <a:schemeClr val="tx1">
+                    <a:lumMod val="65000"/>
+                  </a:schemeClr>
+                </a:solidFill>
+              </a:rPr>
+              <a:t>Object Relational Mapping</a:t>
+            </a:r>
+          </a:p>
+        </p:txBody>
+      </p:sp>
+      <p:sp>
+        <p:nvSpPr>
+          <p:cNvPr id="5" name="Rectangle 4">
+            <a:extLst>
+              <a:ext uri="{FF2B5EF4-FFF2-40B4-BE49-F238E27FC236}">
+                <a16:creationId xmlns:a16="http://schemas.microsoft.com/office/drawing/2014/main" id="{B36067D8-AF08-4194-9D0F-4BC8618C9C21}"/>
+              </a:ext>
+            </a:extLst>
+          </p:cNvPr>
+          <p:cNvSpPr/>
+          <p:nvPr/>
+        </p:nvSpPr>
+        <p:spPr>
+          <a:xfrm>
+            <a:off x="776316" y="1708511"/>
+            <a:ext cx="7646645" cy="461665"/>
+          </a:xfrm>
+          <a:prstGeom prst="rect">
+            <a:avLst/>
+          </a:prstGeom>
+        </p:spPr>
+        <p:txBody>
+          <a:bodyPr wrap="none">
+            <a:spAutoFit/>
+          </a:bodyPr>
+          <a:lstStyle/>
+          <a:p>
+            <a:r>
+              <a:rPr lang="en-US" sz="2400" dirty="0" err="1">
+                <a:solidFill>
+                  <a:schemeClr val="tx1">
+                    <a:lumMod val="65000"/>
+                  </a:schemeClr>
+                </a:solidFill>
+              </a:rPr>
+              <a:t>Tham</a:t>
+            </a:r>
+            <a:r>
+              <a:rPr lang="en-US" sz="2400" dirty="0">
+                <a:solidFill>
+                  <a:schemeClr val="tx1">
+                    <a:lumMod val="65000"/>
+                  </a:schemeClr>
+                </a:solidFill>
+              </a:rPr>
+              <a:t> </a:t>
+            </a:r>
+            <a:r>
+              <a:rPr lang="en-US" sz="2400" dirty="0" err="1">
+                <a:solidFill>
+                  <a:schemeClr val="tx1">
+                    <a:lumMod val="65000"/>
+                  </a:schemeClr>
+                </a:solidFill>
+              </a:rPr>
+              <a:t>số</a:t>
+            </a:r>
+            <a:r>
+              <a:rPr lang="en-US" sz="2400" dirty="0">
+                <a:solidFill>
+                  <a:schemeClr val="tx1">
+                    <a:lumMod val="65000"/>
+                  </a:schemeClr>
+                </a:solidFill>
+              </a:rPr>
+              <a:t> </a:t>
+            </a:r>
+            <a:r>
+              <a:rPr lang="en-US" sz="2400" dirty="0" err="1">
+                <a:solidFill>
+                  <a:schemeClr val="tx1">
+                    <a:lumMod val="65000"/>
+                  </a:schemeClr>
+                </a:solidFill>
+              </a:rPr>
+              <a:t>hóa</a:t>
+            </a:r>
+            <a:r>
+              <a:rPr lang="en-US" sz="2400" dirty="0">
+                <a:solidFill>
+                  <a:schemeClr val="tx1">
+                    <a:lumMod val="65000"/>
+                  </a:schemeClr>
+                </a:solidFill>
+              </a:rPr>
+              <a:t> </a:t>
+            </a:r>
+            <a:r>
+              <a:rPr lang="en-US" sz="2400" dirty="0" err="1">
+                <a:solidFill>
+                  <a:schemeClr val="tx1">
+                    <a:lumMod val="65000"/>
+                  </a:schemeClr>
+                </a:solidFill>
+              </a:rPr>
+              <a:t>các</a:t>
+            </a:r>
+            <a:r>
+              <a:rPr lang="en-US" sz="2400" dirty="0">
+                <a:solidFill>
+                  <a:schemeClr val="tx1">
+                    <a:lumMod val="65000"/>
+                  </a:schemeClr>
+                </a:solidFill>
+              </a:rPr>
+              <a:t> </a:t>
+            </a:r>
+            <a:r>
+              <a:rPr lang="en-US" sz="2400" dirty="0" err="1">
+                <a:solidFill>
+                  <a:schemeClr val="tx1">
+                    <a:lumMod val="65000"/>
+                  </a:schemeClr>
+                </a:solidFill>
+              </a:rPr>
+              <a:t>câu</a:t>
+            </a:r>
+            <a:r>
+              <a:rPr lang="en-US" sz="2400" dirty="0">
+                <a:solidFill>
+                  <a:schemeClr val="tx1">
+                    <a:lumMod val="65000"/>
+                  </a:schemeClr>
+                </a:solidFill>
+              </a:rPr>
+              <a:t> </a:t>
+            </a:r>
+            <a:r>
+              <a:rPr lang="en-US" sz="2400" dirty="0" err="1">
+                <a:solidFill>
+                  <a:schemeClr val="tx1">
+                    <a:lumMod val="65000"/>
+                  </a:schemeClr>
+                </a:solidFill>
+              </a:rPr>
+              <a:t>lệnh</a:t>
+            </a:r>
+            <a:r>
+              <a:rPr lang="en-US" sz="2400" dirty="0">
+                <a:solidFill>
+                  <a:schemeClr val="tx1">
+                    <a:lumMod val="65000"/>
+                  </a:schemeClr>
+                </a:solidFill>
+              </a:rPr>
+              <a:t>(Parameterized Statements)</a:t>
+            </a:r>
+          </a:p>
+        </p:txBody>
+      </p:sp>
+      <p:sp>
+        <p:nvSpPr>
+          <p:cNvPr id="6" name="Rectangle 5">
+            <a:extLst>
+              <a:ext uri="{FF2B5EF4-FFF2-40B4-BE49-F238E27FC236}">
+                <a16:creationId xmlns:a16="http://schemas.microsoft.com/office/drawing/2014/main" id="{E217CC63-1D35-474A-A76A-6276EE77D018}"/>
+              </a:ext>
+            </a:extLst>
+          </p:cNvPr>
+          <p:cNvSpPr/>
+          <p:nvPr/>
+        </p:nvSpPr>
+        <p:spPr>
+          <a:xfrm>
+            <a:off x="776315" y="3063609"/>
+            <a:ext cx="2375971" cy="461665"/>
+          </a:xfrm>
+          <a:prstGeom prst="rect">
+            <a:avLst/>
+          </a:prstGeom>
+        </p:spPr>
+        <p:txBody>
+          <a:bodyPr wrap="none">
+            <a:spAutoFit/>
+          </a:bodyPr>
+          <a:lstStyle/>
+          <a:p>
+            <a:r>
+              <a:rPr lang="en-US" sz="2400" dirty="0"/>
+              <a:t>Escaping Inputs</a:t>
+            </a:r>
+          </a:p>
+        </p:txBody>
+      </p:sp>
+      <p:sp>
+        <p:nvSpPr>
+          <p:cNvPr id="7" name="Rectangle 6">
+            <a:extLst>
+              <a:ext uri="{FF2B5EF4-FFF2-40B4-BE49-F238E27FC236}">
+                <a16:creationId xmlns:a16="http://schemas.microsoft.com/office/drawing/2014/main" id="{78DBB61E-238F-4BCC-9F66-9265F69D3BB7}"/>
+              </a:ext>
+            </a:extLst>
+          </p:cNvPr>
+          <p:cNvSpPr/>
+          <p:nvPr/>
+        </p:nvSpPr>
+        <p:spPr>
+          <a:xfrm>
+            <a:off x="776315" y="3741158"/>
+            <a:ext cx="2444900" cy="461665"/>
+          </a:xfrm>
+          <a:prstGeom prst="rect">
+            <a:avLst/>
+          </a:prstGeom>
+        </p:spPr>
+        <p:txBody>
+          <a:bodyPr wrap="none">
+            <a:spAutoFit/>
+          </a:bodyPr>
+          <a:lstStyle/>
+          <a:p>
+            <a:r>
+              <a:rPr lang="en-US" sz="2400" dirty="0">
+                <a:solidFill>
+                  <a:schemeClr val="tx1">
+                    <a:lumMod val="65000"/>
+                  </a:schemeClr>
+                </a:solidFill>
+              </a:rPr>
+              <a:t>Sanitizing Inputs</a:t>
+            </a:r>
+          </a:p>
+        </p:txBody>
+      </p:sp>
+    </p:spTree>
+    <p:extLst>
+      <p:ext uri="{BB962C8B-B14F-4D97-AF65-F5344CB8AC3E}">
+        <p14:creationId xmlns:p14="http://schemas.microsoft.com/office/powerpoint/2010/main" val="2401146887"/>
+      </p:ext>
+    </p:extLst>
+  </p:cSld>
+  <p:clrMapOvr>
+    <a:masterClrMapping/>
+  </p:clrMapOvr>
+  <p:transition spd="slow">
+    <p:push dir="u"/>
+  </p:transition>
+</p:sld>
+</file>
+
+<file path=ppt/slides/slide17.xml><?xml version="1.0" encoding="utf-8"?>
+<p:sld xmlns:a="http://schemas.openxmlformats.org/drawingml/2006/main" xmlns:r="http://schemas.openxmlformats.org/officeDocument/2006/relationships" xmlns:p="http://schemas.openxmlformats.org/presentationml/2006/main">
+  <p:cSld>
+    <p:spTree>
+      <p:nvGrpSpPr>
+        <p:cNvPr id="1" name=""/>
+        <p:cNvGrpSpPr/>
+        <p:nvPr/>
+      </p:nvGrpSpPr>
+      <p:grpSpPr>
+        <a:xfrm>
+          <a:off x="0" y="0"/>
+          <a:ext cx="0" cy="0"/>
+          <a:chOff x="0" y="0"/>
+          <a:chExt cx="0" cy="0"/>
+        </a:xfrm>
+      </p:grpSpPr>
+      <p:pic>
+        <p:nvPicPr>
+          <p:cNvPr id="2" name="Picture 1">
+            <a:extLst>
+              <a:ext uri="{FF2B5EF4-FFF2-40B4-BE49-F238E27FC236}">
+                <a16:creationId xmlns:a16="http://schemas.microsoft.com/office/drawing/2014/main" id="{58060BC1-CA16-4E3D-A14F-FF2685978310}"/>
+              </a:ext>
+            </a:extLst>
+          </p:cNvPr>
+          <p:cNvPicPr>
+            <a:picLocks noChangeAspect="1"/>
+          </p:cNvPicPr>
+          <p:nvPr/>
+        </p:nvPicPr>
+        <p:blipFill>
+          <a:blip r:embed="rId2"/>
+          <a:stretch>
+            <a:fillRect/>
+          </a:stretch>
+        </p:blipFill>
+        <p:spPr>
+          <a:xfrm>
+            <a:off x="1986054" y="3025065"/>
+            <a:ext cx="7639166" cy="1307237"/>
+          </a:xfrm>
+          <a:prstGeom prst="rect">
+            <a:avLst/>
+          </a:prstGeom>
+        </p:spPr>
+      </p:pic>
+    </p:spTree>
+    <p:extLst>
+      <p:ext uri="{BB962C8B-B14F-4D97-AF65-F5344CB8AC3E}">
+        <p14:creationId xmlns:p14="http://schemas.microsoft.com/office/powerpoint/2010/main" val="1169984549"/>
+      </p:ext>
+    </p:extLst>
+  </p:cSld>
+  <p:clrMapOvr>
+    <a:masterClrMapping/>
+  </p:clrMapOvr>
+  <p:transition spd="slow">
+    <p:push dir="u"/>
+  </p:transition>
+</p:sld>
+</file>
+
+<file path=ppt/slides/slide18.xml><?xml version="1.0" encoding="utf-8"?>
+<p:sld xmlns:a="http://schemas.openxmlformats.org/drawingml/2006/main" xmlns:r="http://schemas.openxmlformats.org/officeDocument/2006/relationships" xmlns:p="http://schemas.openxmlformats.org/presentationml/2006/main">
+  <p:cSld>
+    <p:spTree>
+      <p:nvGrpSpPr>
+        <p:cNvPr id="1" name=""/>
+        <p:cNvGrpSpPr/>
+        <p:nvPr/>
+      </p:nvGrpSpPr>
+      <p:grpSpPr>
+        <a:xfrm>
+          <a:off x="0" y="0"/>
+          <a:ext cx="0" cy="0"/>
+          <a:chOff x="0" y="0"/>
+          <a:chExt cx="0" cy="0"/>
+        </a:xfrm>
+      </p:grpSpPr>
+      <p:sp>
+        <p:nvSpPr>
+          <p:cNvPr id="4" name="Rectangle 3">
+            <a:extLst>
+              <a:ext uri="{FF2B5EF4-FFF2-40B4-BE49-F238E27FC236}">
+                <a16:creationId xmlns:a16="http://schemas.microsoft.com/office/drawing/2014/main" id="{D902DFF2-9D4D-44D7-8B1D-1D6EF3E6DE6D}"/>
+              </a:ext>
+            </a:extLst>
+          </p:cNvPr>
+          <p:cNvSpPr/>
+          <p:nvPr/>
+        </p:nvSpPr>
+        <p:spPr>
+          <a:xfrm>
+            <a:off x="776315" y="2386060"/>
+            <a:ext cx="3799438" cy="461665"/>
+          </a:xfrm>
+          <a:prstGeom prst="rect">
+            <a:avLst/>
+          </a:prstGeom>
+        </p:spPr>
+        <p:txBody>
+          <a:bodyPr wrap="none">
+            <a:spAutoFit/>
+          </a:bodyPr>
+          <a:lstStyle/>
+          <a:p>
+            <a:r>
+              <a:rPr lang="en-US" sz="2400" dirty="0">
+                <a:solidFill>
+                  <a:schemeClr val="tx1">
+                    <a:lumMod val="65000"/>
+                  </a:schemeClr>
+                </a:solidFill>
+              </a:rPr>
+              <a:t>Object Relational Mapping</a:t>
+            </a:r>
+          </a:p>
+        </p:txBody>
+      </p:sp>
+      <p:sp>
+        <p:nvSpPr>
+          <p:cNvPr id="5" name="Rectangle 4">
+            <a:extLst>
+              <a:ext uri="{FF2B5EF4-FFF2-40B4-BE49-F238E27FC236}">
+                <a16:creationId xmlns:a16="http://schemas.microsoft.com/office/drawing/2014/main" id="{B36067D8-AF08-4194-9D0F-4BC8618C9C21}"/>
+              </a:ext>
+            </a:extLst>
+          </p:cNvPr>
+          <p:cNvSpPr/>
+          <p:nvPr/>
+        </p:nvSpPr>
+        <p:spPr>
+          <a:xfrm>
+            <a:off x="776316" y="1708511"/>
+            <a:ext cx="7646645" cy="461665"/>
+          </a:xfrm>
+          <a:prstGeom prst="rect">
+            <a:avLst/>
+          </a:prstGeom>
+        </p:spPr>
+        <p:txBody>
+          <a:bodyPr wrap="none">
+            <a:spAutoFit/>
+          </a:bodyPr>
+          <a:lstStyle/>
+          <a:p>
+            <a:r>
+              <a:rPr lang="en-US" sz="2400" dirty="0" err="1">
+                <a:solidFill>
+                  <a:schemeClr val="tx1">
+                    <a:lumMod val="65000"/>
+                  </a:schemeClr>
+                </a:solidFill>
+              </a:rPr>
+              <a:t>Tham</a:t>
+            </a:r>
+            <a:r>
+              <a:rPr lang="en-US" sz="2400" dirty="0">
+                <a:solidFill>
+                  <a:schemeClr val="tx1">
+                    <a:lumMod val="65000"/>
+                  </a:schemeClr>
+                </a:solidFill>
+              </a:rPr>
+              <a:t> </a:t>
+            </a:r>
+            <a:r>
+              <a:rPr lang="en-US" sz="2400" dirty="0" err="1">
+                <a:solidFill>
+                  <a:schemeClr val="tx1">
+                    <a:lumMod val="65000"/>
+                  </a:schemeClr>
+                </a:solidFill>
+              </a:rPr>
+              <a:t>số</a:t>
+            </a:r>
+            <a:r>
+              <a:rPr lang="en-US" sz="2400" dirty="0">
+                <a:solidFill>
+                  <a:schemeClr val="tx1">
+                    <a:lumMod val="65000"/>
+                  </a:schemeClr>
+                </a:solidFill>
+              </a:rPr>
+              <a:t> </a:t>
+            </a:r>
+            <a:r>
+              <a:rPr lang="en-US" sz="2400" dirty="0" err="1">
+                <a:solidFill>
+                  <a:schemeClr val="tx1">
+                    <a:lumMod val="65000"/>
+                  </a:schemeClr>
+                </a:solidFill>
+              </a:rPr>
+              <a:t>hóa</a:t>
+            </a:r>
+            <a:r>
+              <a:rPr lang="en-US" sz="2400" dirty="0">
+                <a:solidFill>
+                  <a:schemeClr val="tx1">
+                    <a:lumMod val="65000"/>
+                  </a:schemeClr>
+                </a:solidFill>
+              </a:rPr>
+              <a:t> </a:t>
+            </a:r>
+            <a:r>
+              <a:rPr lang="en-US" sz="2400" dirty="0" err="1">
+                <a:solidFill>
+                  <a:schemeClr val="tx1">
+                    <a:lumMod val="65000"/>
+                  </a:schemeClr>
+                </a:solidFill>
+              </a:rPr>
+              <a:t>các</a:t>
+            </a:r>
+            <a:r>
+              <a:rPr lang="en-US" sz="2400" dirty="0">
+                <a:solidFill>
+                  <a:schemeClr val="tx1">
+                    <a:lumMod val="65000"/>
+                  </a:schemeClr>
+                </a:solidFill>
+              </a:rPr>
+              <a:t> </a:t>
+            </a:r>
+            <a:r>
+              <a:rPr lang="en-US" sz="2400" dirty="0" err="1">
+                <a:solidFill>
+                  <a:schemeClr val="tx1">
+                    <a:lumMod val="65000"/>
+                  </a:schemeClr>
+                </a:solidFill>
+              </a:rPr>
+              <a:t>câu</a:t>
+            </a:r>
+            <a:r>
+              <a:rPr lang="en-US" sz="2400" dirty="0">
+                <a:solidFill>
+                  <a:schemeClr val="tx1">
+                    <a:lumMod val="65000"/>
+                  </a:schemeClr>
+                </a:solidFill>
+              </a:rPr>
+              <a:t> </a:t>
+            </a:r>
+            <a:r>
+              <a:rPr lang="en-US" sz="2400" dirty="0" err="1">
+                <a:solidFill>
+                  <a:schemeClr val="tx1">
+                    <a:lumMod val="65000"/>
+                  </a:schemeClr>
+                </a:solidFill>
+              </a:rPr>
+              <a:t>lệnh</a:t>
+            </a:r>
+            <a:r>
+              <a:rPr lang="en-US" sz="2400" dirty="0">
+                <a:solidFill>
+                  <a:schemeClr val="tx1">
+                    <a:lumMod val="65000"/>
+                  </a:schemeClr>
+                </a:solidFill>
+              </a:rPr>
+              <a:t>(Parameterized Statements)</a:t>
+            </a:r>
+          </a:p>
+        </p:txBody>
+      </p:sp>
+      <p:sp>
+        <p:nvSpPr>
+          <p:cNvPr id="6" name="Rectangle 5">
+            <a:extLst>
+              <a:ext uri="{FF2B5EF4-FFF2-40B4-BE49-F238E27FC236}">
+                <a16:creationId xmlns:a16="http://schemas.microsoft.com/office/drawing/2014/main" id="{E217CC63-1D35-474A-A76A-6276EE77D018}"/>
+              </a:ext>
+            </a:extLst>
+          </p:cNvPr>
+          <p:cNvSpPr/>
+          <p:nvPr/>
+        </p:nvSpPr>
+        <p:spPr>
+          <a:xfrm>
+            <a:off x="776315" y="3063609"/>
+            <a:ext cx="2375971" cy="461665"/>
+          </a:xfrm>
+          <a:prstGeom prst="rect">
+            <a:avLst/>
+          </a:prstGeom>
+        </p:spPr>
+        <p:txBody>
+          <a:bodyPr wrap="none">
+            <a:spAutoFit/>
+          </a:bodyPr>
+          <a:lstStyle/>
+          <a:p>
+            <a:r>
+              <a:rPr lang="en-US" sz="2400" dirty="0">
+                <a:solidFill>
+                  <a:schemeClr val="tx1">
+                    <a:lumMod val="65000"/>
+                  </a:schemeClr>
+                </a:solidFill>
+              </a:rPr>
+              <a:t>Escaping Inputs</a:t>
+            </a:r>
+          </a:p>
+        </p:txBody>
+      </p:sp>
+      <p:sp>
+        <p:nvSpPr>
+          <p:cNvPr id="7" name="Rectangle 6">
+            <a:extLst>
+              <a:ext uri="{FF2B5EF4-FFF2-40B4-BE49-F238E27FC236}">
+                <a16:creationId xmlns:a16="http://schemas.microsoft.com/office/drawing/2014/main" id="{78DBB61E-238F-4BCC-9F66-9265F69D3BB7}"/>
+              </a:ext>
+            </a:extLst>
+          </p:cNvPr>
+          <p:cNvSpPr/>
+          <p:nvPr/>
+        </p:nvSpPr>
+        <p:spPr>
+          <a:xfrm>
+            <a:off x="776315" y="3741158"/>
+            <a:ext cx="2444900" cy="461665"/>
+          </a:xfrm>
+          <a:prstGeom prst="rect">
+            <a:avLst/>
+          </a:prstGeom>
+        </p:spPr>
+        <p:txBody>
+          <a:bodyPr wrap="none">
+            <a:spAutoFit/>
+          </a:bodyPr>
+          <a:lstStyle/>
+          <a:p>
+            <a:r>
+              <a:rPr lang="en-US" sz="2400" dirty="0"/>
+              <a:t>Sanitizing Inputs</a:t>
+            </a:r>
+          </a:p>
+        </p:txBody>
+      </p:sp>
+    </p:spTree>
+    <p:extLst>
+      <p:ext uri="{BB962C8B-B14F-4D97-AF65-F5344CB8AC3E}">
+        <p14:creationId xmlns:p14="http://schemas.microsoft.com/office/powerpoint/2010/main" val="3473034784"/>
+      </p:ext>
+    </p:extLst>
+  </p:cSld>
+  <p:clrMapOvr>
+    <a:masterClrMapping/>
+  </p:clrMapOvr>
+  <p:transition spd="slow">
+    <p:push dir="u"/>
+  </p:transition>
+</p:sld>
+</file>
+
+<file path=ppt/slides/slide19.xml><?xml version="1.0" encoding="utf-8"?>
+<p:sld xmlns:a="http://schemas.openxmlformats.org/drawingml/2006/main" xmlns:r="http://schemas.openxmlformats.org/officeDocument/2006/relationships" xmlns:p="http://schemas.openxmlformats.org/presentationml/2006/main">
+  <p:cSld>
+    <p:bg>
+      <p:bgPr>
+        <a:blipFill rotWithShape="1">
+          <a:blip r:embed="rId2">
+            <a:duotone>
+              <a:schemeClr val="bg2">
+                <a:shade val="69000"/>
+                <a:hueMod val="108000"/>
+                <a:satMod val="164000"/>
+                <a:lumMod val="74000"/>
+              </a:schemeClr>
+              <a:schemeClr val="bg2">
+                <a:tint val="96000"/>
+                <a:hueMod val="88000"/>
+                <a:satMod val="140000"/>
+                <a:lumMod val="132000"/>
+              </a:schemeClr>
+            </a:duotone>
+          </a:blip>
+          <a:stretch/>
+        </a:blipFill>
+        <a:effectLst/>
+      </p:bgPr>
+    </p:bg>
+    <p:spTree>
+      <p:nvGrpSpPr>
+        <p:cNvPr id="1" name=""/>
+        <p:cNvGrpSpPr/>
+        <p:nvPr/>
+      </p:nvGrpSpPr>
+      <p:grpSpPr>
+        <a:xfrm>
+          <a:off x="0" y="0"/>
+          <a:ext cx="0" cy="0"/>
+          <a:chOff x="0" y="0"/>
+          <a:chExt cx="0" cy="0"/>
+        </a:xfrm>
+      </p:grpSpPr>
+      <p:pic>
+        <p:nvPicPr>
+          <p:cNvPr id="1041" name="Picture 74">
+            <a:extLst>
+              <a:ext uri="{FF2B5EF4-FFF2-40B4-BE49-F238E27FC236}">
+                <a16:creationId xmlns:a16="http://schemas.microsoft.com/office/drawing/2014/main" id="{5B89E5C5-A037-45B3-9D37-3658914D4799}"/>
+              </a:ext>
+              <a:ext uri="{C183D7F6-B498-43B3-948B-1728B52AA6E4}">
+                <adec:decorative xmlns:adec="http://schemas.microsoft.com/office/drawing/2017/decorative" val="1"/>
+              </a:ext>
+            </a:extLst>
+          </p:cNvPr>
+          <p:cNvPicPr>
+            <a:picLocks noGrp="1" noRot="1" noChangeAspect="1" noMove="1" noResize="1" noEditPoints="1" noAdjustHandles="1" noChangeArrowheads="1" noChangeShapeType="1" noCrop="1"/>
+          </p:cNvPicPr>
+          <p:nvPr>
+            <p:extLst>
+              <p:ext uri="{386F3935-93C4-4BCD-93E2-E3B085C9AB24}">
+                <p16:designElem xmlns:p16="http://schemas.microsoft.com/office/powerpoint/2015/main" val="1"/>
+              </p:ext>
+            </p:extLst>
+          </p:nvPr>
+        </p:nvPicPr>
+        <p:blipFill rotWithShape="1">
+          <a:blip r:embed="rId3">
+            <a:extLst>
+              <a:ext uri="{28A0092B-C50C-407E-A947-70E740481C1C}">
+                <a14:useLocalDpi xmlns:a14="http://schemas.microsoft.com/office/drawing/2010/main" val="0"/>
+              </a:ext>
+            </a:extLst>
+          </a:blip>
+          <a:srcRect l="3613"/>
+          <a:stretch/>
+        </p:blipFill>
+        <p:spPr>
+          <a:xfrm>
+            <a:off x="0" y="2669685"/>
+            <a:ext cx="4037012" cy="4188315"/>
+          </a:xfrm>
+          <a:prstGeom prst="rect">
+            <a:avLst/>
+          </a:prstGeom>
+        </p:spPr>
+      </p:pic>
+      <p:pic>
+        <p:nvPicPr>
+          <p:cNvPr id="1042" name="Picture 76">
+            <a:extLst>
+              <a:ext uri="{FF2B5EF4-FFF2-40B4-BE49-F238E27FC236}">
+                <a16:creationId xmlns:a16="http://schemas.microsoft.com/office/drawing/2014/main" id="{5ACB93B0-521E-443D-9750-AFCFDDB3E801}"/>
+              </a:ext>
+              <a:ext uri="{C183D7F6-B498-43B3-948B-1728B52AA6E4}">
+                <adec:decorative xmlns:adec="http://schemas.microsoft.com/office/drawing/2017/decorative" val="1"/>
+              </a:ext>
+            </a:extLst>
+          </p:cNvPr>
+          <p:cNvPicPr>
+            <a:picLocks noGrp="1" noRot="1" noChangeAspect="1" noMove="1" noResize="1" noEditPoints="1" noAdjustHandles="1" noChangeArrowheads="1" noChangeShapeType="1" noCrop="1"/>
+          </p:cNvPicPr>
+          <p:nvPr>
+            <p:extLst>
+              <p:ext uri="{386F3935-93C4-4BCD-93E2-E3B085C9AB24}">
+                <p16:designElem xmlns:p16="http://schemas.microsoft.com/office/powerpoint/2015/main" val="1"/>
+              </p:ext>
+            </p:extLst>
+          </p:nvPr>
+        </p:nvPicPr>
+        <p:blipFill rotWithShape="1">
+          <a:blip r:embed="rId4">
+            <a:extLst>
+              <a:ext uri="{28A0092B-C50C-407E-A947-70E740481C1C}">
+                <a14:useLocalDpi xmlns:a14="http://schemas.microsoft.com/office/drawing/2010/main" val="0"/>
+              </a:ext>
+            </a:extLst>
+          </a:blip>
+          <a:srcRect l="35640"/>
+          <a:stretch/>
+        </p:blipFill>
+        <p:spPr>
+          <a:xfrm>
+            <a:off x="0" y="2892347"/>
+            <a:ext cx="1522412" cy="2365453"/>
+          </a:xfrm>
+          <a:prstGeom prst="rect">
+            <a:avLst/>
+          </a:prstGeom>
+        </p:spPr>
+      </p:pic>
+      <p:sp>
+        <p:nvSpPr>
+          <p:cNvPr id="1043" name="Oval 78">
+            <a:extLst>
+              <a:ext uri="{FF2B5EF4-FFF2-40B4-BE49-F238E27FC236}">
+                <a16:creationId xmlns:a16="http://schemas.microsoft.com/office/drawing/2014/main" id="{DA1DAC79-DDBA-4382-9D43-6E5F685BE5FB}"/>
+              </a:ext>
+              <a:ext uri="{C183D7F6-B498-43B3-948B-1728B52AA6E4}">
+                <adec:decorative xmlns:adec="http://schemas.microsoft.com/office/drawing/2017/decorative" val="1"/>
+              </a:ext>
+            </a:extLst>
+          </p:cNvPr>
+          <p:cNvSpPr>
+            <a:spLocks noGrp="1" noRot="1" noChangeAspect="1" noMove="1" noResize="1" noEditPoints="1" noAdjustHandles="1" noChangeArrowheads="1" noChangeShapeType="1" noTextEdit="1"/>
+          </p:cNvSpPr>
+          <p:nvPr>
+            <p:extLst>
+              <p:ext uri="{386F3935-93C4-4BCD-93E2-E3B085C9AB24}">
+                <p16:designElem xmlns:p16="http://schemas.microsoft.com/office/powerpoint/2015/main" val="1"/>
+              </p:ext>
+            </p:extLst>
+          </p:nvPr>
+        </p:nvSpPr>
+        <p:spPr>
+          <a:xfrm>
+            <a:off x="8605878" y="1676400"/>
+            <a:ext cx="2819400" cy="2819400"/>
+          </a:xfrm>
+          <a:prstGeom prst="ellipse">
+            <a:avLst/>
+          </a:prstGeom>
+          <a:gradFill flip="none" rotWithShape="1">
+            <a:gsLst>
+              <a:gs pos="0">
+                <a:schemeClr val="bg2">
+                  <a:lumMod val="60000"/>
+                  <a:lumOff val="40000"/>
+                  <a:alpha val="7000"/>
+                </a:schemeClr>
+              </a:gs>
+              <a:gs pos="69000">
+                <a:schemeClr val="bg2">
+                  <a:lumMod val="60000"/>
+                  <a:lumOff val="40000"/>
+                  <a:alpha val="0"/>
+                </a:schemeClr>
+              </a:gs>
+              <a:gs pos="36000">
+                <a:schemeClr val="bg2">
+                  <a:lumMod val="60000"/>
+                  <a:lumOff val="40000"/>
+                  <a:alpha val="6000"/>
+                </a:schemeClr>
+              </a:gs>
+            </a:gsLst>
+            <a:path path="circle">
+              <a:fillToRect l="50000" t="50000" r="50000" b="50000"/>
+            </a:path>
+            <a:tileRect/>
+          </a:gradFill>
+          <a:ln>
+            <a:noFill/>
+          </a:ln>
+          <a:effectLst/>
+        </p:spPr>
+        <p:style>
+          <a:lnRef idx="1">
+            <a:schemeClr val="accent1"/>
+          </a:lnRef>
+          <a:fillRef idx="3">
+            <a:schemeClr val="accent1"/>
+          </a:fillRef>
+          <a:effectRef idx="2">
+            <a:schemeClr val="accent1"/>
+          </a:effectRef>
+          <a:fontRef idx="minor">
+            <a:schemeClr val="lt1"/>
+          </a:fontRef>
+        </p:style>
+      </p:sp>
+      <p:pic>
+        <p:nvPicPr>
+          <p:cNvPr id="1044" name="Picture 80">
+            <a:extLst>
+              <a:ext uri="{FF2B5EF4-FFF2-40B4-BE49-F238E27FC236}">
+                <a16:creationId xmlns:a16="http://schemas.microsoft.com/office/drawing/2014/main" id="{E0880F10-995F-4F01-A83B-7ECDB7BE7905}"/>
+              </a:ext>
+              <a:ext uri="{C183D7F6-B498-43B3-948B-1728B52AA6E4}">
+                <adec:decorative xmlns:adec="http://schemas.microsoft.com/office/drawing/2017/decorative" val="1"/>
+              </a:ext>
+            </a:extLst>
+          </p:cNvPr>
+          <p:cNvPicPr>
+            <a:picLocks noGrp="1" noRot="1" noChangeAspect="1" noMove="1" noResize="1" noEditPoints="1" noAdjustHandles="1" noChangeArrowheads="1" noChangeShapeType="1" noCrop="1"/>
+          </p:cNvPicPr>
+          <p:nvPr>
+            <p:extLst>
+              <p:ext uri="{386F3935-93C4-4BCD-93E2-E3B085C9AB24}">
+                <p16:designElem xmlns:p16="http://schemas.microsoft.com/office/powerpoint/2015/main" val="1"/>
+              </p:ext>
+            </p:extLst>
+          </p:nvPr>
+        </p:nvPicPr>
+        <p:blipFill rotWithShape="1">
+          <a:blip r:embed="rId5">
+            <a:extLst>
+              <a:ext uri="{28A0092B-C50C-407E-A947-70E740481C1C}">
+                <a14:useLocalDpi xmlns:a14="http://schemas.microsoft.com/office/drawing/2010/main" val="0"/>
+              </a:ext>
+            </a:extLst>
+          </a:blip>
+          <a:srcRect t="28813"/>
+          <a:stretch/>
+        </p:blipFill>
+        <p:spPr>
+          <a:xfrm>
+            <a:off x="7999412" y="0"/>
+            <a:ext cx="1603387" cy="1141407"/>
+          </a:xfrm>
+          <a:prstGeom prst="rect">
+            <a:avLst/>
+          </a:prstGeom>
+        </p:spPr>
+      </p:pic>
+      <p:pic>
+        <p:nvPicPr>
+          <p:cNvPr id="1045" name="Picture 82">
+            <a:extLst>
+              <a:ext uri="{FF2B5EF4-FFF2-40B4-BE49-F238E27FC236}">
+                <a16:creationId xmlns:a16="http://schemas.microsoft.com/office/drawing/2014/main" id="{A2D49266-1F08-40F2-B0E1-1D919DCB5780}"/>
+              </a:ext>
+              <a:ext uri="{C183D7F6-B498-43B3-948B-1728B52AA6E4}">
+                <adec:decorative xmlns:adec="http://schemas.microsoft.com/office/drawing/2017/decorative" val="1"/>
+              </a:ext>
+            </a:extLst>
+          </p:cNvPr>
+          <p:cNvPicPr>
+            <a:picLocks noGrp="1" noRot="1" noChangeAspect="1" noMove="1" noResize="1" noEditPoints="1" noAdjustHandles="1" noChangeArrowheads="1" noChangeShapeType="1" noCrop="1"/>
+          </p:cNvPicPr>
+          <p:nvPr>
+            <p:extLst>
+              <p:ext uri="{386F3935-93C4-4BCD-93E2-E3B085C9AB24}">
+                <p16:designElem xmlns:p16="http://schemas.microsoft.com/office/powerpoint/2015/main" val="1"/>
+              </p:ext>
+            </p:extLst>
+          </p:nvPr>
+        </p:nvPicPr>
+        <p:blipFill rotWithShape="1">
+          <a:blip r:embed="rId6">
+            <a:extLst>
+              <a:ext uri="{28A0092B-C50C-407E-A947-70E740481C1C}">
+                <a14:useLocalDpi xmlns:a14="http://schemas.microsoft.com/office/drawing/2010/main" val="0"/>
+              </a:ext>
+            </a:extLst>
+          </a:blip>
+          <a:srcRect b="23320"/>
+          <a:stretch/>
+        </p:blipFill>
+        <p:spPr>
+          <a:xfrm>
+            <a:off x="8605878" y="6096000"/>
+            <a:ext cx="993734" cy="762000"/>
+          </a:xfrm>
+          <a:prstGeom prst="rect">
+            <a:avLst/>
+          </a:prstGeom>
+        </p:spPr>
+      </p:pic>
+      <p:sp>
+        <p:nvSpPr>
+          <p:cNvPr id="1046" name="Rectangle 84">
+            <a:extLst>
+              <a:ext uri="{FF2B5EF4-FFF2-40B4-BE49-F238E27FC236}">
+                <a16:creationId xmlns:a16="http://schemas.microsoft.com/office/drawing/2014/main" id="{6AACA73D-178F-4CFC-99E3-9F4FCBBDBA83}"/>
+              </a:ext>
+              <a:ext uri="{C183D7F6-B498-43B3-948B-1728B52AA6E4}">
+                <adec:decorative xmlns:adec="http://schemas.microsoft.com/office/drawing/2017/decorative" val="1"/>
+              </a:ext>
+            </a:extLst>
+          </p:cNvPr>
+          <p:cNvSpPr>
+            <a:spLocks noGrp="1" noRot="1" noChangeAspect="1" noMove="1" noResize="1" noEditPoints="1" noAdjustHandles="1" noChangeArrowheads="1" noChangeShapeType="1" noTextEdit="1"/>
+          </p:cNvSpPr>
+          <p:nvPr>
+            <p:extLst>
+              <p:ext uri="{386F3935-93C4-4BCD-93E2-E3B085C9AB24}">
+                <p16:designElem xmlns:p16="http://schemas.microsoft.com/office/powerpoint/2015/main" val="1"/>
+              </p:ext>
+            </p:extLst>
+          </p:nvPr>
+        </p:nvSpPr>
+        <p:spPr>
+          <a:xfrm>
+            <a:off x="10437812" y="0"/>
+            <a:ext cx="685800" cy="1143000"/>
+          </a:xfrm>
+          <a:prstGeom prst="rect">
+            <a:avLst/>
+          </a:prstGeom>
+          <a:solidFill>
+            <a:schemeClr val="accent1"/>
+          </a:solidFill>
+          <a:ln>
+            <a:noFill/>
+          </a:ln>
+        </p:spPr>
+        <p:style>
+          <a:lnRef idx="1">
+            <a:schemeClr val="accent1"/>
+          </a:lnRef>
+          <a:fillRef idx="3">
+            <a:schemeClr val="accent1"/>
+          </a:fillRef>
+          <a:effectRef idx="2">
+            <a:schemeClr val="accent1"/>
+          </a:effectRef>
+          <a:fontRef idx="minor">
+            <a:schemeClr val="lt1"/>
+          </a:fontRef>
+        </p:style>
+      </p:sp>
+      <p:pic>
+        <p:nvPicPr>
+          <p:cNvPr id="1030" name="Picture 6" descr="Live Q&amp;A webinars | DGMR Software">
+            <a:extLst>
+              <a:ext uri="{FF2B5EF4-FFF2-40B4-BE49-F238E27FC236}">
+                <a16:creationId xmlns:a16="http://schemas.microsoft.com/office/drawing/2014/main" id="{414876BF-A6C0-49D5-A7C8-4C3A70888C95}"/>
+              </a:ext>
+            </a:extLst>
+          </p:cNvPr>
+          <p:cNvPicPr>
+            <a:picLocks noChangeAspect="1" noChangeArrowheads="1"/>
+          </p:cNvPicPr>
+          <p:nvPr/>
+        </p:nvPicPr>
+        <p:blipFill rotWithShape="1">
+          <a:blip r:embed="rId7">
+            <a:extLst>
+              <a:ext uri="{28A0092B-C50C-407E-A947-70E740481C1C}">
+                <a14:useLocalDpi xmlns:a14="http://schemas.microsoft.com/office/drawing/2010/main" val="0"/>
+              </a:ext>
+            </a:extLst>
+          </a:blip>
+          <a:srcRect t="8650" b="12953"/>
+          <a:stretch/>
+        </p:blipFill>
+        <p:spPr bwMode="auto">
+          <a:xfrm>
+            <a:off x="20" y="10"/>
+            <a:ext cx="12191980" cy="6857990"/>
+          </a:xfrm>
+          <a:prstGeom prst="rect">
+            <a:avLst/>
+          </a:prstGeom>
+          <a:noFill/>
+          <a:extLst>
+            <a:ext uri="{909E8E84-426E-40DD-AFC4-6F175D3DCCD1}">
+              <a14:hiddenFill xmlns:a14="http://schemas.microsoft.com/office/drawing/2010/main">
+                <a:solidFill>
+                  <a:srgbClr val="FFFFFF"/>
+                </a:solidFill>
+              </a14:hiddenFill>
+            </a:ext>
+          </a:extLst>
+        </p:spPr>
+      </p:pic>
+      <p:sp>
+        <p:nvSpPr>
+          <p:cNvPr id="5" name="AutoShape 4" descr="Live Q&amp;A webinars | DGMR Software">
+            <a:extLst>
+              <a:ext uri="{FF2B5EF4-FFF2-40B4-BE49-F238E27FC236}">
+                <a16:creationId xmlns:a16="http://schemas.microsoft.com/office/drawing/2014/main" id="{FF4EF9D5-7111-4206-BB94-CB456F544CDC}"/>
+              </a:ext>
+            </a:extLst>
+          </p:cNvPr>
+          <p:cNvSpPr>
+            <a:spLocks noChangeAspect="1" noChangeArrowheads="1"/>
+          </p:cNvSpPr>
+          <p:nvPr/>
+        </p:nvSpPr>
+        <p:spPr bwMode="auto">
+          <a:xfrm>
+            <a:off x="5943600" y="3276600"/>
+            <a:ext cx="304800" cy="304800"/>
+          </a:xfrm>
+          <a:prstGeom prst="rect">
+            <a:avLst/>
+          </a:prstGeom>
+          <a:noFill/>
+          <a:extLst>
+            <a:ext uri="{909E8E84-426E-40DD-AFC4-6F175D3DCCD1}">
+              <a14:hiddenFill xmlns:a14="http://schemas.microsoft.com/office/drawing/2010/main">
+                <a:solidFill>
+                  <a:srgbClr val="FFFFFF"/>
+                </a:solidFill>
+              </a14:hiddenFill>
+            </a:ext>
+          </a:extLst>
+        </p:spPr>
+        <p:txBody>
+          <a:bodyPr vert="horz" wrap="square" lIns="91440" tIns="45720" rIns="91440" bIns="45720" numCol="1" anchor="t" anchorCtr="0" compatLnSpc="1">
+            <a:prstTxWarp prst="textNoShape">
+              <a:avLst/>
+            </a:prstTxWarp>
+          </a:bodyPr>
+          <a:lstStyle/>
+          <a:p>
+            <a:endParaRPr lang="en-US"/>
+          </a:p>
+        </p:txBody>
+      </p:sp>
+    </p:spTree>
+    <p:extLst>
+      <p:ext uri="{BB962C8B-B14F-4D97-AF65-F5344CB8AC3E}">
+        <p14:creationId xmlns:p14="http://schemas.microsoft.com/office/powerpoint/2010/main" val="3311078168"/>
       </p:ext>
     </p:extLst>
   </p:cSld>
@@ -7572,7 +9490,7 @@
         </p:nvSpPr>
         <p:spPr>
           <a:xfrm>
-            <a:off x="243919" y="1086172"/>
+            <a:off x="155142" y="1689854"/>
             <a:ext cx="4822730" cy="584775"/>
           </a:xfrm>
           <a:prstGeom prst="rect">
@@ -7631,7 +9549,7 @@
         </p:nvSpPr>
         <p:spPr>
           <a:xfrm>
-            <a:off x="243919" y="2027375"/>
+            <a:off x="155142" y="2575971"/>
             <a:ext cx="11948079" cy="1077218"/>
           </a:xfrm>
           <a:prstGeom prst="rect">
@@ -7672,7 +9590,7 @@
         </p:nvSpPr>
         <p:spPr>
           <a:xfrm>
-            <a:off x="243919" y="3753408"/>
+            <a:off x="155142" y="3954531"/>
             <a:ext cx="11756745" cy="1077218"/>
           </a:xfrm>
           <a:prstGeom prst="rect">
@@ -7730,7 +9648,7 @@
         </p:nvSpPr>
         <p:spPr>
           <a:xfrm>
-            <a:off x="6096000" y="6510528"/>
+            <a:off x="5882935" y="6421752"/>
             <a:ext cx="6118983" cy="215444"/>
           </a:xfrm>
           <a:prstGeom prst="rect">

--- a/presentation.pptx
+++ b/presentation.pptx
@@ -6657,6 +6657,9 @@
   <p:clrMapOvr>
     <a:masterClrMapping/>
   </p:clrMapOvr>
+  <p:transition spd="slow">
+    <p:push dir="u"/>
+  </p:transition>
 </p:sld>
 </file>
 
@@ -7179,13 +7182,13 @@
   <p:clrMapOvr>
     <a:masterClrMapping/>
   </p:clrMapOvr>
-  <mc:AlternateContent xmlns:mc="http://schemas.openxmlformats.org/markup-compatibility/2006">
-    <mc:Choice xmlns:p159="http://schemas.microsoft.com/office/powerpoint/2015/09/main" Requires="p159">
+  <mc:AlternateContent xmlns:mc="http://schemas.openxmlformats.org/markup-compatibility/2006" xmlns:p159="http://schemas.microsoft.com/office/powerpoint/2015/09/main">
+    <mc:Choice Requires="p159">
       <p:transition spd="slow">
         <p159:morph option="byObject"/>
       </p:transition>
     </mc:Choice>
-    <mc:Fallback>
+    <mc:Fallback xmlns="">
       <p:transition spd="slow">
         <p:fade/>
       </p:transition>
@@ -7239,6 +7242,9 @@
           <a:prstGeom prst="rect">
             <a:avLst/>
           </a:prstGeom>
+          <a:effectLst>
+            <a:softEdge rad="38100"/>
+          </a:effectLst>
         </p:spPr>
       </p:pic>
       <p:pic>
@@ -7269,6 +7275,9 @@
           <a:prstGeom prst="rect">
             <a:avLst/>
           </a:prstGeom>
+          <a:effectLst>
+            <a:softEdge rad="38100"/>
+          </a:effectLst>
         </p:spPr>
       </p:pic>
     </p:spTree>
@@ -9490,7 +9499,7 @@
         </p:nvSpPr>
         <p:spPr>
           <a:xfrm>
-            <a:off x="155142" y="1689854"/>
+            <a:off x="155142" y="3136612"/>
             <a:ext cx="4822730" cy="584775"/>
           </a:xfrm>
           <a:prstGeom prst="rect">
@@ -9549,7 +9558,7 @@
         </p:nvSpPr>
         <p:spPr>
           <a:xfrm>
-            <a:off x="155142" y="2575971"/>
+            <a:off x="155142" y="1826250"/>
             <a:ext cx="11948079" cy="1077218"/>
           </a:xfrm>
           <a:prstGeom prst="rect">
@@ -9719,7 +9728,7 @@
                                           </p:stCondLst>
                                         </p:cTn>
                                         <p:tgtEl>
-                                          <p:spTgt spid="4">
+                                          <p:spTgt spid="5">
                                             <p:txEl>
                                               <p:pRg st="0" end="0"/>
                                             </p:txEl>
@@ -9737,7 +9746,7 @@
                                       <p:cBhvr>
                                         <p:cTn id="7" dur="500"/>
                                         <p:tgtEl>
-                                          <p:spTgt spid="4">
+                                          <p:spTgt spid="5">
                                             <p:txEl>
                                               <p:pRg st="0" end="0"/>
                                             </p:txEl>
@@ -9780,7 +9789,7 @@
                                           </p:stCondLst>
                                         </p:cTn>
                                         <p:tgtEl>
-                                          <p:spTgt spid="5">
+                                          <p:spTgt spid="4">
                                             <p:txEl>
                                               <p:pRg st="0" end="0"/>
                                             </p:txEl>
@@ -9798,7 +9807,7 @@
                                       <p:cBhvr>
                                         <p:cTn id="12" dur="500"/>
                                         <p:tgtEl>
-                                          <p:spTgt spid="5">
+                                          <p:spTgt spid="4">
                                             <p:txEl>
                                               <p:pRg st="0" end="0"/>
                                             </p:txEl>

--- a/presentation.pptx
+++ b/presentation.pptx
@@ -2,27 +2,38 @@
 <file path=ppt/presentation.xml><?xml version="1.0" encoding="utf-8"?>
 <p:presentation xmlns:a="http://schemas.openxmlformats.org/drawingml/2006/main" xmlns:r="http://schemas.openxmlformats.org/officeDocument/2006/relationships" xmlns:p="http://schemas.openxmlformats.org/presentationml/2006/main" saveSubsetFonts="1">
   <p:sldMasterIdLst>
-    <p:sldMasterId id="2147484391" r:id="rId1"/>
+    <p:sldMasterId id="2147484517" r:id="rId1"/>
   </p:sldMasterIdLst>
+  <p:notesMasterIdLst>
+    <p:notesMasterId r:id="rId28"/>
+  </p:notesMasterIdLst>
   <p:sldIdLst>
     <p:sldId id="258" r:id="rId2"/>
     <p:sldId id="259" r:id="rId3"/>
     <p:sldId id="260" r:id="rId4"/>
-    <p:sldId id="261" r:id="rId5"/>
+    <p:sldId id="290" r:id="rId5"/>
     <p:sldId id="262" r:id="rId6"/>
     <p:sldId id="263" r:id="rId7"/>
-    <p:sldId id="264" r:id="rId8"/>
+    <p:sldId id="282" r:id="rId8"/>
     <p:sldId id="265" r:id="rId9"/>
-    <p:sldId id="267" r:id="rId10"/>
-    <p:sldId id="266" r:id="rId11"/>
-    <p:sldId id="269" r:id="rId12"/>
-    <p:sldId id="270" r:id="rId13"/>
-    <p:sldId id="271" r:id="rId14"/>
-    <p:sldId id="272" r:id="rId15"/>
-    <p:sldId id="273" r:id="rId16"/>
-    <p:sldId id="274" r:id="rId17"/>
-    <p:sldId id="275" r:id="rId18"/>
-    <p:sldId id="276" r:id="rId19"/>
+    <p:sldId id="285" r:id="rId10"/>
+    <p:sldId id="286" r:id="rId11"/>
+    <p:sldId id="292" r:id="rId12"/>
+    <p:sldId id="293" r:id="rId13"/>
+    <p:sldId id="291" r:id="rId14"/>
+    <p:sldId id="288" r:id="rId15"/>
+    <p:sldId id="283" r:id="rId16"/>
+    <p:sldId id="266" r:id="rId17"/>
+    <p:sldId id="284" r:id="rId18"/>
+    <p:sldId id="270" r:id="rId19"/>
+    <p:sldId id="277" r:id="rId20"/>
+    <p:sldId id="278" r:id="rId21"/>
+    <p:sldId id="279" r:id="rId22"/>
+    <p:sldId id="280" r:id="rId23"/>
+    <p:sldId id="273" r:id="rId24"/>
+    <p:sldId id="274" r:id="rId25"/>
+    <p:sldId id="275" r:id="rId26"/>
+    <p:sldId id="289" r:id="rId27"/>
   </p:sldIdLst>
   <p:sldSz cx="12192000" cy="6858000"/>
   <p:notesSz cx="6858000" cy="9144000"/>
@@ -141,6 +152,355 @@
 </p:cmAuthorLst>
 </file>
 
+<file path=ppt/notesMasters/notesMaster1.xml><?xml version="1.0" encoding="utf-8"?>
+<p:notesMaster xmlns:a="http://schemas.openxmlformats.org/drawingml/2006/main" xmlns:r="http://schemas.openxmlformats.org/officeDocument/2006/relationships" xmlns:p="http://schemas.openxmlformats.org/presentationml/2006/main">
+  <p:cSld>
+    <p:bg>
+      <p:bgRef idx="1001">
+        <a:schemeClr val="bg1"/>
+      </p:bgRef>
+    </p:bg>
+    <p:spTree>
+      <p:nvGrpSpPr>
+        <p:cNvPr id="1" name=""/>
+        <p:cNvGrpSpPr/>
+        <p:nvPr/>
+      </p:nvGrpSpPr>
+      <p:grpSpPr>
+        <a:xfrm>
+          <a:off x="0" y="0"/>
+          <a:ext cx="0" cy="0"/>
+          <a:chOff x="0" y="0"/>
+          <a:chExt cx="0" cy="0"/>
+        </a:xfrm>
+      </p:grpSpPr>
+      <p:sp>
+        <p:nvSpPr>
+          <p:cNvPr id="2" name="Header Placeholder 1"/>
+          <p:cNvSpPr>
+            <a:spLocks noGrp="1"/>
+          </p:cNvSpPr>
+          <p:nvPr>
+            <p:ph type="hdr" sz="quarter"/>
+          </p:nvPr>
+        </p:nvSpPr>
+        <p:spPr>
+          <a:xfrm>
+            <a:off x="0" y="0"/>
+            <a:ext cx="2971800" cy="458788"/>
+          </a:xfrm>
+          <a:prstGeom prst="rect">
+            <a:avLst/>
+          </a:prstGeom>
+        </p:spPr>
+        <p:txBody>
+          <a:bodyPr vert="horz" lIns="91440" tIns="45720" rIns="91440" bIns="45720" rtlCol="0"/>
+          <a:lstStyle>
+            <a:lvl1pPr algn="l">
+              <a:defRPr sz="1200"/>
+            </a:lvl1pPr>
+          </a:lstStyle>
+          <a:p>
+            <a:endParaRPr lang="en-US"/>
+          </a:p>
+        </p:txBody>
+      </p:sp>
+      <p:sp>
+        <p:nvSpPr>
+          <p:cNvPr id="3" name="Date Placeholder 2"/>
+          <p:cNvSpPr>
+            <a:spLocks noGrp="1"/>
+          </p:cNvSpPr>
+          <p:nvPr>
+            <p:ph type="dt" idx="1"/>
+          </p:nvPr>
+        </p:nvSpPr>
+        <p:spPr>
+          <a:xfrm>
+            <a:off x="3884613" y="0"/>
+            <a:ext cx="2971800" cy="458788"/>
+          </a:xfrm>
+          <a:prstGeom prst="rect">
+            <a:avLst/>
+          </a:prstGeom>
+        </p:spPr>
+        <p:txBody>
+          <a:bodyPr vert="horz" lIns="91440" tIns="45720" rIns="91440" bIns="45720" rtlCol="0"/>
+          <a:lstStyle>
+            <a:lvl1pPr algn="r">
+              <a:defRPr sz="1200"/>
+            </a:lvl1pPr>
+          </a:lstStyle>
+          <a:p>
+            <a:fld id="{F67D5963-50FA-4EFE-AEEF-A56DE609D6F3}" type="datetimeFigureOut">
+              <a:rPr lang="en-US" smtClean="0"/>
+              <a:t>12/24/2020</a:t>
+            </a:fld>
+            <a:endParaRPr lang="en-US"/>
+          </a:p>
+        </p:txBody>
+      </p:sp>
+      <p:sp>
+        <p:nvSpPr>
+          <p:cNvPr id="4" name="Slide Image Placeholder 3"/>
+          <p:cNvSpPr>
+            <a:spLocks noGrp="1" noRot="1" noChangeAspect="1"/>
+          </p:cNvSpPr>
+          <p:nvPr>
+            <p:ph type="sldImg" idx="2"/>
+          </p:nvPr>
+        </p:nvSpPr>
+        <p:spPr>
+          <a:xfrm>
+            <a:off x="685800" y="1143000"/>
+            <a:ext cx="5486400" cy="3086100"/>
+          </a:xfrm>
+          <a:prstGeom prst="rect">
+            <a:avLst/>
+          </a:prstGeom>
+          <a:noFill/>
+          <a:ln w="12700">
+            <a:solidFill>
+              <a:prstClr val="black"/>
+            </a:solidFill>
+          </a:ln>
+        </p:spPr>
+        <p:txBody>
+          <a:bodyPr vert="horz" lIns="91440" tIns="45720" rIns="91440" bIns="45720" rtlCol="0" anchor="ctr"/>
+          <a:lstStyle/>
+          <a:p>
+            <a:endParaRPr lang="en-US"/>
+          </a:p>
+        </p:txBody>
+      </p:sp>
+      <p:sp>
+        <p:nvSpPr>
+          <p:cNvPr id="5" name="Notes Placeholder 4"/>
+          <p:cNvSpPr>
+            <a:spLocks noGrp="1"/>
+          </p:cNvSpPr>
+          <p:nvPr>
+            <p:ph type="body" sz="quarter" idx="3"/>
+          </p:nvPr>
+        </p:nvSpPr>
+        <p:spPr>
+          <a:xfrm>
+            <a:off x="685800" y="4400550"/>
+            <a:ext cx="5486400" cy="3600450"/>
+          </a:xfrm>
+          <a:prstGeom prst="rect">
+            <a:avLst/>
+          </a:prstGeom>
+        </p:spPr>
+        <p:txBody>
+          <a:bodyPr vert="horz" lIns="91440" tIns="45720" rIns="91440" bIns="45720" rtlCol="0"/>
+          <a:lstStyle/>
+          <a:p>
+            <a:pPr lvl="0"/>
+            <a:r>
+              <a:rPr lang="en-US"/>
+              <a:t>Click to edit Master text styles</a:t>
+            </a:r>
+          </a:p>
+          <a:p>
+            <a:pPr lvl="1"/>
+            <a:r>
+              <a:rPr lang="en-US"/>
+              <a:t>Second level</a:t>
+            </a:r>
+          </a:p>
+          <a:p>
+            <a:pPr lvl="2"/>
+            <a:r>
+              <a:rPr lang="en-US"/>
+              <a:t>Third level</a:t>
+            </a:r>
+          </a:p>
+          <a:p>
+            <a:pPr lvl="3"/>
+            <a:r>
+              <a:rPr lang="en-US"/>
+              <a:t>Fourth level</a:t>
+            </a:r>
+          </a:p>
+          <a:p>
+            <a:pPr lvl="4"/>
+            <a:r>
+              <a:rPr lang="en-US"/>
+              <a:t>Fifth level</a:t>
+            </a:r>
+          </a:p>
+        </p:txBody>
+      </p:sp>
+      <p:sp>
+        <p:nvSpPr>
+          <p:cNvPr id="6" name="Footer Placeholder 5"/>
+          <p:cNvSpPr>
+            <a:spLocks noGrp="1"/>
+          </p:cNvSpPr>
+          <p:nvPr>
+            <p:ph type="ftr" sz="quarter" idx="4"/>
+          </p:nvPr>
+        </p:nvSpPr>
+        <p:spPr>
+          <a:xfrm>
+            <a:off x="0" y="8685213"/>
+            <a:ext cx="2971800" cy="458787"/>
+          </a:xfrm>
+          <a:prstGeom prst="rect">
+            <a:avLst/>
+          </a:prstGeom>
+        </p:spPr>
+        <p:txBody>
+          <a:bodyPr vert="horz" lIns="91440" tIns="45720" rIns="91440" bIns="45720" rtlCol="0" anchor="b"/>
+          <a:lstStyle>
+            <a:lvl1pPr algn="l">
+              <a:defRPr sz="1200"/>
+            </a:lvl1pPr>
+          </a:lstStyle>
+          <a:p>
+            <a:endParaRPr lang="en-US"/>
+          </a:p>
+        </p:txBody>
+      </p:sp>
+      <p:sp>
+        <p:nvSpPr>
+          <p:cNvPr id="7" name="Slide Number Placeholder 6"/>
+          <p:cNvSpPr>
+            <a:spLocks noGrp="1"/>
+          </p:cNvSpPr>
+          <p:nvPr>
+            <p:ph type="sldNum" sz="quarter" idx="5"/>
+          </p:nvPr>
+        </p:nvSpPr>
+        <p:spPr>
+          <a:xfrm>
+            <a:off x="3884613" y="8685213"/>
+            <a:ext cx="2971800" cy="458787"/>
+          </a:xfrm>
+          <a:prstGeom prst="rect">
+            <a:avLst/>
+          </a:prstGeom>
+        </p:spPr>
+        <p:txBody>
+          <a:bodyPr vert="horz" lIns="91440" tIns="45720" rIns="91440" bIns="45720" rtlCol="0" anchor="b"/>
+          <a:lstStyle>
+            <a:lvl1pPr algn="r">
+              <a:defRPr sz="1200"/>
+            </a:lvl1pPr>
+          </a:lstStyle>
+          <a:p>
+            <a:fld id="{9EB0A4B5-A584-4AE8-8D7A-3EEEE9C1FF2E}" type="slidenum">
+              <a:rPr lang="en-US" smtClean="0"/>
+              <a:t>‹#›</a:t>
+            </a:fld>
+            <a:endParaRPr lang="en-US"/>
+          </a:p>
+        </p:txBody>
+      </p:sp>
+    </p:spTree>
+    <p:extLst>
+      <p:ext uri="{BB962C8B-B14F-4D97-AF65-F5344CB8AC3E}">
+        <p14:creationId xmlns:p14="http://schemas.microsoft.com/office/powerpoint/2010/main" val="1793978166"/>
+      </p:ext>
+    </p:extLst>
+  </p:cSld>
+  <p:clrMap bg1="lt1" tx1="dk1" bg2="lt2" tx2="dk2" accent1="accent1" accent2="accent2" accent3="accent3" accent4="accent4" accent5="accent5" accent6="accent6" hlink="hlink" folHlink="folHlink"/>
+  <p:notesStyle>
+    <a:lvl1pPr marL="0" algn="l" defTabSz="914400" rtl="0" eaLnBrk="1" latinLnBrk="0" hangingPunct="1">
+      <a:defRPr sz="1200" kern="1200">
+        <a:solidFill>
+          <a:schemeClr val="tx1"/>
+        </a:solidFill>
+        <a:latin typeface="+mn-lt"/>
+        <a:ea typeface="+mn-ea"/>
+        <a:cs typeface="+mn-cs"/>
+      </a:defRPr>
+    </a:lvl1pPr>
+    <a:lvl2pPr marL="457200" algn="l" defTabSz="914400" rtl="0" eaLnBrk="1" latinLnBrk="0" hangingPunct="1">
+      <a:defRPr sz="1200" kern="1200">
+        <a:solidFill>
+          <a:schemeClr val="tx1"/>
+        </a:solidFill>
+        <a:latin typeface="+mn-lt"/>
+        <a:ea typeface="+mn-ea"/>
+        <a:cs typeface="+mn-cs"/>
+      </a:defRPr>
+    </a:lvl2pPr>
+    <a:lvl3pPr marL="914400" algn="l" defTabSz="914400" rtl="0" eaLnBrk="1" latinLnBrk="0" hangingPunct="1">
+      <a:defRPr sz="1200" kern="1200">
+        <a:solidFill>
+          <a:schemeClr val="tx1"/>
+        </a:solidFill>
+        <a:latin typeface="+mn-lt"/>
+        <a:ea typeface="+mn-ea"/>
+        <a:cs typeface="+mn-cs"/>
+      </a:defRPr>
+    </a:lvl3pPr>
+    <a:lvl4pPr marL="1371600" algn="l" defTabSz="914400" rtl="0" eaLnBrk="1" latinLnBrk="0" hangingPunct="1">
+      <a:defRPr sz="1200" kern="1200">
+        <a:solidFill>
+          <a:schemeClr val="tx1"/>
+        </a:solidFill>
+        <a:latin typeface="+mn-lt"/>
+        <a:ea typeface="+mn-ea"/>
+        <a:cs typeface="+mn-cs"/>
+      </a:defRPr>
+    </a:lvl4pPr>
+    <a:lvl5pPr marL="1828800" algn="l" defTabSz="914400" rtl="0" eaLnBrk="1" latinLnBrk="0" hangingPunct="1">
+      <a:defRPr sz="1200" kern="1200">
+        <a:solidFill>
+          <a:schemeClr val="tx1"/>
+        </a:solidFill>
+        <a:latin typeface="+mn-lt"/>
+        <a:ea typeface="+mn-ea"/>
+        <a:cs typeface="+mn-cs"/>
+      </a:defRPr>
+    </a:lvl5pPr>
+    <a:lvl6pPr marL="2286000" algn="l" defTabSz="914400" rtl="0" eaLnBrk="1" latinLnBrk="0" hangingPunct="1">
+      <a:defRPr sz="1200" kern="1200">
+        <a:solidFill>
+          <a:schemeClr val="tx1"/>
+        </a:solidFill>
+        <a:latin typeface="+mn-lt"/>
+        <a:ea typeface="+mn-ea"/>
+        <a:cs typeface="+mn-cs"/>
+      </a:defRPr>
+    </a:lvl6pPr>
+    <a:lvl7pPr marL="2743200" algn="l" defTabSz="914400" rtl="0" eaLnBrk="1" latinLnBrk="0" hangingPunct="1">
+      <a:defRPr sz="1200" kern="1200">
+        <a:solidFill>
+          <a:schemeClr val="tx1"/>
+        </a:solidFill>
+        <a:latin typeface="+mn-lt"/>
+        <a:ea typeface="+mn-ea"/>
+        <a:cs typeface="+mn-cs"/>
+      </a:defRPr>
+    </a:lvl7pPr>
+    <a:lvl8pPr marL="3200400" algn="l" defTabSz="914400" rtl="0" eaLnBrk="1" latinLnBrk="0" hangingPunct="1">
+      <a:defRPr sz="1200" kern="1200">
+        <a:solidFill>
+          <a:schemeClr val="tx1"/>
+        </a:solidFill>
+        <a:latin typeface="+mn-lt"/>
+        <a:ea typeface="+mn-ea"/>
+        <a:cs typeface="+mn-cs"/>
+      </a:defRPr>
+    </a:lvl8pPr>
+    <a:lvl9pPr marL="3657600" algn="l" defTabSz="914400" rtl="0" eaLnBrk="1" latinLnBrk="0" hangingPunct="1">
+      <a:defRPr sz="1200" kern="1200">
+        <a:solidFill>
+          <a:schemeClr val="tx1"/>
+        </a:solidFill>
+        <a:latin typeface="+mn-lt"/>
+        <a:ea typeface="+mn-ea"/>
+        <a:cs typeface="+mn-cs"/>
+      </a:defRPr>
+    </a:lvl9pPr>
+  </p:notesStyle>
+</p:notesMaster>
+</file>
+
 <file path=ppt/slideLayouts/slideLayout1.xml><?xml version="1.0" encoding="utf-8"?>
 <p:sldLayout xmlns:a="http://schemas.openxmlformats.org/drawingml/2006/main" xmlns:r="http://schemas.openxmlformats.org/officeDocument/2006/relationships" xmlns:p="http://schemas.openxmlformats.org/presentationml/2006/main" type="title" preserve="1">
   <p:cSld name="Title Slide">
@@ -431,7 +791,7 @@
     </p:spTree>
     <p:extLst>
       <p:ext uri="{BB962C8B-B14F-4D97-AF65-F5344CB8AC3E}">
-        <p14:creationId xmlns:p14="http://schemas.microsoft.com/office/powerpoint/2010/main" val="3698992597"/>
+        <p14:creationId xmlns:p14="http://schemas.microsoft.com/office/powerpoint/2010/main" val="1578115184"/>
       </p:ext>
     </p:extLst>
   </p:cSld>
@@ -755,7 +1115,7 @@
     </p:spTree>
     <p:extLst>
       <p:ext uri="{BB962C8B-B14F-4D97-AF65-F5344CB8AC3E}">
-        <p14:creationId xmlns:p14="http://schemas.microsoft.com/office/powerpoint/2010/main" val="1108406069"/>
+        <p14:creationId xmlns:p14="http://schemas.microsoft.com/office/powerpoint/2010/main" val="3826057684"/>
       </p:ext>
     </p:extLst>
   </p:cSld>
@@ -1033,7 +1393,7 @@
     </p:spTree>
     <p:extLst>
       <p:ext uri="{BB962C8B-B14F-4D97-AF65-F5344CB8AC3E}">
-        <p14:creationId xmlns:p14="http://schemas.microsoft.com/office/powerpoint/2010/main" val="2175609397"/>
+        <p14:creationId xmlns:p14="http://schemas.microsoft.com/office/powerpoint/2010/main" val="3480903345"/>
       </p:ext>
     </p:extLst>
   </p:cSld>
@@ -1601,7 +1961,7 @@
     </p:spTree>
     <p:extLst>
       <p:ext uri="{BB962C8B-B14F-4D97-AF65-F5344CB8AC3E}">
-        <p14:creationId xmlns:p14="http://schemas.microsoft.com/office/powerpoint/2010/main" val="3801567877"/>
+        <p14:creationId xmlns:p14="http://schemas.microsoft.com/office/powerpoint/2010/main" val="3464447182"/>
       </p:ext>
     </p:extLst>
   </p:cSld>
@@ -1879,7 +2239,7 @@
     </p:spTree>
     <p:extLst>
       <p:ext uri="{BB962C8B-B14F-4D97-AF65-F5344CB8AC3E}">
-        <p14:creationId xmlns:p14="http://schemas.microsoft.com/office/powerpoint/2010/main" val="180941678"/>
+        <p14:creationId xmlns:p14="http://schemas.microsoft.com/office/powerpoint/2010/main" val="857081549"/>
       </p:ext>
     </p:extLst>
   </p:cSld>
@@ -2441,7 +2801,7 @@
     </p:spTree>
     <p:extLst>
       <p:ext uri="{BB962C8B-B14F-4D97-AF65-F5344CB8AC3E}">
-        <p14:creationId xmlns:p14="http://schemas.microsoft.com/office/powerpoint/2010/main" val="2562700242"/>
+        <p14:creationId xmlns:p14="http://schemas.microsoft.com/office/powerpoint/2010/main" val="11532019"/>
       </p:ext>
     </p:extLst>
   </p:cSld>
@@ -2768,7 +3128,7 @@
     </p:spTree>
     <p:extLst>
       <p:ext uri="{BB962C8B-B14F-4D97-AF65-F5344CB8AC3E}">
-        <p14:creationId xmlns:p14="http://schemas.microsoft.com/office/powerpoint/2010/main" val="3917765779"/>
+        <p14:creationId xmlns:p14="http://schemas.microsoft.com/office/powerpoint/2010/main" val="557649332"/>
       </p:ext>
     </p:extLst>
   </p:cSld>
@@ -2973,7 +3333,7 @@
     </p:spTree>
     <p:extLst>
       <p:ext uri="{BB962C8B-B14F-4D97-AF65-F5344CB8AC3E}">
-        <p14:creationId xmlns:p14="http://schemas.microsoft.com/office/powerpoint/2010/main" val="1689891538"/>
+        <p14:creationId xmlns:p14="http://schemas.microsoft.com/office/powerpoint/2010/main" val="1919240396"/>
       </p:ext>
     </p:extLst>
   </p:cSld>
@@ -3183,7 +3543,7 @@
     </p:spTree>
     <p:extLst>
       <p:ext uri="{BB962C8B-B14F-4D97-AF65-F5344CB8AC3E}">
-        <p14:creationId xmlns:p14="http://schemas.microsoft.com/office/powerpoint/2010/main" val="4251014240"/>
+        <p14:creationId xmlns:p14="http://schemas.microsoft.com/office/powerpoint/2010/main" val="915500694"/>
       </p:ext>
     </p:extLst>
   </p:cSld>
@@ -3383,7 +3743,7 @@
     </p:spTree>
     <p:extLst>
       <p:ext uri="{BB962C8B-B14F-4D97-AF65-F5344CB8AC3E}">
-        <p14:creationId xmlns:p14="http://schemas.microsoft.com/office/powerpoint/2010/main" val="3052038032"/>
+        <p14:creationId xmlns:p14="http://schemas.microsoft.com/office/powerpoint/2010/main" val="1139240286"/>
       </p:ext>
     </p:extLst>
   </p:cSld>
@@ -3659,7 +4019,7 @@
     </p:spTree>
     <p:extLst>
       <p:ext uri="{BB962C8B-B14F-4D97-AF65-F5344CB8AC3E}">
-        <p14:creationId xmlns:p14="http://schemas.microsoft.com/office/powerpoint/2010/main" val="623534602"/>
+        <p14:creationId xmlns:p14="http://schemas.microsoft.com/office/powerpoint/2010/main" val="1531055942"/>
       </p:ext>
     </p:extLst>
   </p:cSld>
@@ -3925,7 +4285,7 @@
     </p:spTree>
     <p:extLst>
       <p:ext uri="{BB962C8B-B14F-4D97-AF65-F5344CB8AC3E}">
-        <p14:creationId xmlns:p14="http://schemas.microsoft.com/office/powerpoint/2010/main" val="851709413"/>
+        <p14:creationId xmlns:p14="http://schemas.microsoft.com/office/powerpoint/2010/main" val="3944849800"/>
       </p:ext>
     </p:extLst>
   </p:cSld>
@@ -4299,7 +4659,7 @@
     </p:spTree>
     <p:extLst>
       <p:ext uri="{BB962C8B-B14F-4D97-AF65-F5344CB8AC3E}">
-        <p14:creationId xmlns:p14="http://schemas.microsoft.com/office/powerpoint/2010/main" val="951853101"/>
+        <p14:creationId xmlns:p14="http://schemas.microsoft.com/office/powerpoint/2010/main" val="523608594"/>
       </p:ext>
     </p:extLst>
   </p:cSld>
@@ -4447,7 +4807,7 @@
     </p:spTree>
     <p:extLst>
       <p:ext uri="{BB962C8B-B14F-4D97-AF65-F5344CB8AC3E}">
-        <p14:creationId xmlns:p14="http://schemas.microsoft.com/office/powerpoint/2010/main" val="2990251922"/>
+        <p14:creationId xmlns:p14="http://schemas.microsoft.com/office/powerpoint/2010/main" val="317327372"/>
       </p:ext>
     </p:extLst>
   </p:cSld>
@@ -4572,7 +4932,7 @@
     </p:spTree>
     <p:extLst>
       <p:ext uri="{BB962C8B-B14F-4D97-AF65-F5344CB8AC3E}">
-        <p14:creationId xmlns:p14="http://schemas.microsoft.com/office/powerpoint/2010/main" val="2481828527"/>
+        <p14:creationId xmlns:p14="http://schemas.microsoft.com/office/powerpoint/2010/main" val="2014800785"/>
       </p:ext>
     </p:extLst>
   </p:cSld>
@@ -4857,7 +5217,7 @@
     </p:spTree>
     <p:extLst>
       <p:ext uri="{BB962C8B-B14F-4D97-AF65-F5344CB8AC3E}">
-        <p14:creationId xmlns:p14="http://schemas.microsoft.com/office/powerpoint/2010/main" val="3961303189"/>
+        <p14:creationId xmlns:p14="http://schemas.microsoft.com/office/powerpoint/2010/main" val="1755941817"/>
       </p:ext>
     </p:extLst>
   </p:cSld>
@@ -5181,7 +5541,7 @@
     </p:spTree>
     <p:extLst>
       <p:ext uri="{BB962C8B-B14F-4D97-AF65-F5344CB8AC3E}">
-        <p14:creationId xmlns:p14="http://schemas.microsoft.com/office/powerpoint/2010/main" val="3035085449"/>
+        <p14:creationId xmlns:p14="http://schemas.microsoft.com/office/powerpoint/2010/main" val="2714251947"/>
       </p:ext>
     </p:extLst>
   </p:cSld>
@@ -5431,29 +5791,29 @@
     </p:spTree>
     <p:extLst>
       <p:ext uri="{BB962C8B-B14F-4D97-AF65-F5344CB8AC3E}">
-        <p14:creationId xmlns:p14="http://schemas.microsoft.com/office/powerpoint/2010/main" val="1273426969"/>
+        <p14:creationId xmlns:p14="http://schemas.microsoft.com/office/powerpoint/2010/main" val="573014710"/>
       </p:ext>
     </p:extLst>
   </p:cSld>
   <p:clrMap bg1="dk1" tx1="lt1" bg2="dk2" tx2="lt2" accent1="accent1" accent2="accent2" accent3="accent3" accent4="accent4" accent5="accent5" accent6="accent6" hlink="hlink" folHlink="folHlink"/>
   <p:sldLayoutIdLst>
-    <p:sldLayoutId id="2147484392" r:id="rId1"/>
-    <p:sldLayoutId id="2147484393" r:id="rId2"/>
-    <p:sldLayoutId id="2147484394" r:id="rId3"/>
-    <p:sldLayoutId id="2147484395" r:id="rId4"/>
-    <p:sldLayoutId id="2147484396" r:id="rId5"/>
-    <p:sldLayoutId id="2147484397" r:id="rId6"/>
-    <p:sldLayoutId id="2147484398" r:id="rId7"/>
-    <p:sldLayoutId id="2147484399" r:id="rId8"/>
-    <p:sldLayoutId id="2147484400" r:id="rId9"/>
-    <p:sldLayoutId id="2147484401" r:id="rId10"/>
-    <p:sldLayoutId id="2147484402" r:id="rId11"/>
-    <p:sldLayoutId id="2147484403" r:id="rId12"/>
-    <p:sldLayoutId id="2147484404" r:id="rId13"/>
-    <p:sldLayoutId id="2147484405" r:id="rId14"/>
-    <p:sldLayoutId id="2147484406" r:id="rId15"/>
-    <p:sldLayoutId id="2147484407" r:id="rId16"/>
-    <p:sldLayoutId id="2147484408" r:id="rId17"/>
+    <p:sldLayoutId id="2147484518" r:id="rId1"/>
+    <p:sldLayoutId id="2147484519" r:id="rId2"/>
+    <p:sldLayoutId id="2147484520" r:id="rId3"/>
+    <p:sldLayoutId id="2147484521" r:id="rId4"/>
+    <p:sldLayoutId id="2147484522" r:id="rId5"/>
+    <p:sldLayoutId id="2147484523" r:id="rId6"/>
+    <p:sldLayoutId id="2147484524" r:id="rId7"/>
+    <p:sldLayoutId id="2147484525" r:id="rId8"/>
+    <p:sldLayoutId id="2147484526" r:id="rId9"/>
+    <p:sldLayoutId id="2147484527" r:id="rId10"/>
+    <p:sldLayoutId id="2147484528" r:id="rId11"/>
+    <p:sldLayoutId id="2147484529" r:id="rId12"/>
+    <p:sldLayoutId id="2147484530" r:id="rId13"/>
+    <p:sldLayoutId id="2147484531" r:id="rId14"/>
+    <p:sldLayoutId id="2147484532" r:id="rId15"/>
+    <p:sldLayoutId id="2147484533" r:id="rId16"/>
+    <p:sldLayoutId id="2147484534" r:id="rId17"/>
   </p:sldLayoutIdLst>
   <p:txStyles>
     <p:titleStyle>
@@ -6011,6 +6371,1534 @@
 <file path=ppt/slides/slide10.xml><?xml version="1.0" encoding="utf-8"?>
 <p:sld xmlns:a="http://schemas.openxmlformats.org/drawingml/2006/main" xmlns:r="http://schemas.openxmlformats.org/officeDocument/2006/relationships" xmlns:p="http://schemas.openxmlformats.org/presentationml/2006/main">
   <p:cSld>
+    <p:spTree>
+      <p:nvGrpSpPr>
+        <p:cNvPr id="1" name=""/>
+        <p:cNvGrpSpPr/>
+        <p:nvPr/>
+      </p:nvGrpSpPr>
+      <p:grpSpPr>
+        <a:xfrm>
+          <a:off x="0" y="0"/>
+          <a:ext cx="0" cy="0"/>
+          <a:chOff x="0" y="0"/>
+          <a:chExt cx="0" cy="0"/>
+        </a:xfrm>
+      </p:grpSpPr>
+      <p:sp>
+        <p:nvSpPr>
+          <p:cNvPr id="2" name="Title 1"/>
+          <p:cNvSpPr>
+            <a:spLocks noGrp="1"/>
+          </p:cNvSpPr>
+          <p:nvPr>
+            <p:ph type="title"/>
+          </p:nvPr>
+        </p:nvSpPr>
+        <p:spPr>
+          <a:xfrm>
+            <a:off x="711927" y="0"/>
+            <a:ext cx="10131425" cy="1456267"/>
+          </a:xfrm>
+        </p:spPr>
+        <p:txBody>
+          <a:bodyPr>
+            <a:normAutofit/>
+          </a:bodyPr>
+          <a:lstStyle/>
+          <a:p>
+            <a:r>
+              <a:rPr lang="en-US" sz="2800">
+                <a:latin typeface="Calibri" panose="020F0502020204030204" pitchFamily="34" charset="0"/>
+                <a:cs typeface="Calibri" panose="020F0502020204030204" pitchFamily="34" charset="0"/>
+              </a:rPr>
+              <a:t>Dạng tấn công thông qua kiểm tra đăng nhập</a:t>
+            </a:r>
+          </a:p>
+        </p:txBody>
+      </p:sp>
+      <p:pic>
+        <p:nvPicPr>
+          <p:cNvPr id="6" name="Picture 5"/>
+          <p:cNvPicPr>
+            <a:picLocks noChangeAspect="1"/>
+          </p:cNvPicPr>
+          <p:nvPr/>
+        </p:nvPicPr>
+        <p:blipFill>
+          <a:blip r:embed="rId2"/>
+          <a:stretch>
+            <a:fillRect/>
+          </a:stretch>
+        </p:blipFill>
+        <p:spPr>
+          <a:xfrm>
+            <a:off x="827383" y="1456267"/>
+            <a:ext cx="4341998" cy="3878989"/>
+          </a:xfrm>
+          <a:prstGeom prst="rect">
+            <a:avLst/>
+          </a:prstGeom>
+        </p:spPr>
+      </p:pic>
+      <p:sp>
+        <p:nvSpPr>
+          <p:cNvPr id="8" name="TextBox 7"/>
+          <p:cNvSpPr txBox="1"/>
+          <p:nvPr/>
+        </p:nvSpPr>
+        <p:spPr>
+          <a:xfrm>
+            <a:off x="5561911" y="1680554"/>
+            <a:ext cx="6025463" cy="1631216"/>
+          </a:xfrm>
+          <a:prstGeom prst="rect">
+            <a:avLst/>
+          </a:prstGeom>
+          <a:noFill/>
+        </p:spPr>
+        <p:txBody>
+          <a:bodyPr wrap="square" rtlCol="0">
+            <a:spAutoFit/>
+          </a:bodyPr>
+          <a:lstStyle/>
+          <a:p>
+            <a:r>
+              <a:rPr lang="en-US" sz="2000">
+                <a:latin typeface="Calibri" panose="020F0502020204030204" pitchFamily="34" charset="0"/>
+                <a:cs typeface="Calibri" panose="020F0502020204030204" pitchFamily="34" charset="0"/>
+              </a:rPr>
+              <a:t>Nhập thông tin  như hình bên câu lệnh sau sẽ được thực hiện:</a:t>
+            </a:r>
+          </a:p>
+          <a:p>
+            <a:br>
+              <a:rPr lang="en-US" sz="2000">
+                <a:latin typeface="Calibri" panose="020F0502020204030204" pitchFamily="34" charset="0"/>
+                <a:cs typeface="Calibri" panose="020F0502020204030204" pitchFamily="34" charset="0"/>
+              </a:rPr>
+            </a:br>
+            <a:r>
+              <a:rPr lang="en-US" sz="2000">
+                <a:latin typeface="Calibri" panose="020F0502020204030204" pitchFamily="34" charset="0"/>
+                <a:cs typeface="Calibri" panose="020F0502020204030204" pitchFamily="34" charset="0"/>
+              </a:rPr>
+              <a:t>SELECT * FROM users WHERE email='noidungbatky' OR 1 = 1 LIMIT 1 --' AND password='12131231' LIMIT 1</a:t>
+            </a:r>
+          </a:p>
+        </p:txBody>
+      </p:sp>
+      <p:sp>
+        <p:nvSpPr>
+          <p:cNvPr id="9" name="TextBox 8"/>
+          <p:cNvSpPr txBox="1"/>
+          <p:nvPr/>
+        </p:nvSpPr>
+        <p:spPr>
+          <a:xfrm>
+            <a:off x="5561911" y="3536057"/>
+            <a:ext cx="5800854" cy="707886"/>
+          </a:xfrm>
+          <a:prstGeom prst="rect">
+            <a:avLst/>
+          </a:prstGeom>
+          <a:noFill/>
+        </p:spPr>
+        <p:txBody>
+          <a:bodyPr wrap="square" rtlCol="0">
+            <a:spAutoFit/>
+          </a:bodyPr>
+          <a:lstStyle/>
+          <a:p>
+            <a:r>
+              <a:rPr lang="en-US" sz="2000" dirty="0">
+                <a:latin typeface="Calibri" panose="020F0502020204030204" pitchFamily="34" charset="0"/>
+                <a:cs typeface="Calibri" panose="020F0502020204030204" pitchFamily="34" charset="0"/>
+              </a:rPr>
+              <a:t>Do </a:t>
+            </a:r>
+            <a:r>
+              <a:rPr lang="en-US" sz="2000" dirty="0" err="1">
+                <a:latin typeface="Calibri" panose="020F0502020204030204" pitchFamily="34" charset="0"/>
+                <a:cs typeface="Calibri" panose="020F0502020204030204" pitchFamily="34" charset="0"/>
+              </a:rPr>
+              <a:t>câu</a:t>
+            </a:r>
+            <a:r>
+              <a:rPr lang="en-US" sz="2000" dirty="0">
+                <a:latin typeface="Calibri" panose="020F0502020204030204" pitchFamily="34" charset="0"/>
+                <a:cs typeface="Calibri" panose="020F0502020204030204" pitchFamily="34" charset="0"/>
+              </a:rPr>
+              <a:t> </a:t>
+            </a:r>
+            <a:r>
+              <a:rPr lang="en-US" sz="2000" dirty="0" err="1">
+                <a:latin typeface="Calibri" panose="020F0502020204030204" pitchFamily="34" charset="0"/>
+                <a:cs typeface="Calibri" panose="020F0502020204030204" pitchFamily="34" charset="0"/>
+              </a:rPr>
+              <a:t>lệnh</a:t>
+            </a:r>
+            <a:r>
+              <a:rPr lang="en-US" sz="2000" dirty="0">
+                <a:latin typeface="Calibri" panose="020F0502020204030204" pitchFamily="34" charset="0"/>
+                <a:cs typeface="Calibri" panose="020F0502020204030204" pitchFamily="34" charset="0"/>
+              </a:rPr>
+              <a:t> </a:t>
+            </a:r>
+            <a:r>
+              <a:rPr lang="en-US" sz="2000" dirty="0" err="1">
+                <a:latin typeface="Calibri" panose="020F0502020204030204" pitchFamily="34" charset="0"/>
+                <a:cs typeface="Calibri" panose="020F0502020204030204" pitchFamily="34" charset="0"/>
+              </a:rPr>
+              <a:t>trên</a:t>
+            </a:r>
+            <a:r>
+              <a:rPr lang="en-US" sz="2000" dirty="0">
+                <a:latin typeface="Calibri" panose="020F0502020204030204" pitchFamily="34" charset="0"/>
+                <a:cs typeface="Calibri" panose="020F0502020204030204" pitchFamily="34" charset="0"/>
+              </a:rPr>
+              <a:t> </a:t>
+            </a:r>
+            <a:r>
+              <a:rPr lang="en-US" sz="2000" dirty="0" err="1">
+                <a:latin typeface="Calibri" panose="020F0502020204030204" pitchFamily="34" charset="0"/>
+                <a:cs typeface="Calibri" panose="020F0502020204030204" pitchFamily="34" charset="0"/>
+              </a:rPr>
+              <a:t>luôn</a:t>
+            </a:r>
+            <a:r>
+              <a:rPr lang="en-US" sz="2000" dirty="0">
+                <a:latin typeface="Calibri" panose="020F0502020204030204" pitchFamily="34" charset="0"/>
+                <a:cs typeface="Calibri" panose="020F0502020204030204" pitchFamily="34" charset="0"/>
+              </a:rPr>
+              <a:t> </a:t>
+            </a:r>
+            <a:r>
+              <a:rPr lang="en-US" sz="2000" dirty="0" err="1">
+                <a:latin typeface="Calibri" panose="020F0502020204030204" pitchFamily="34" charset="0"/>
+                <a:cs typeface="Calibri" panose="020F0502020204030204" pitchFamily="34" charset="0"/>
+              </a:rPr>
+              <a:t>đúng</a:t>
+            </a:r>
+            <a:r>
+              <a:rPr lang="en-US" sz="2000" dirty="0">
+                <a:latin typeface="Calibri" panose="020F0502020204030204" pitchFamily="34" charset="0"/>
+                <a:cs typeface="Calibri" panose="020F0502020204030204" pitchFamily="34" charset="0"/>
+              </a:rPr>
+              <a:t> </a:t>
+            </a:r>
+            <a:r>
+              <a:rPr lang="en-US" sz="2000" dirty="0" err="1">
+                <a:latin typeface="Calibri" panose="020F0502020204030204" pitchFamily="34" charset="0"/>
+                <a:cs typeface="Calibri" panose="020F0502020204030204" pitchFamily="34" charset="0"/>
+              </a:rPr>
+              <a:t>nên</a:t>
+            </a:r>
+            <a:r>
+              <a:rPr lang="en-US" sz="2000" dirty="0">
+                <a:latin typeface="Calibri" panose="020F0502020204030204" pitchFamily="34" charset="0"/>
+                <a:cs typeface="Calibri" panose="020F0502020204030204" pitchFamily="34" charset="0"/>
+              </a:rPr>
+              <a:t> </a:t>
+            </a:r>
+            <a:r>
+              <a:rPr lang="en-US" sz="2000" dirty="0" err="1">
+                <a:latin typeface="Calibri" panose="020F0502020204030204" pitchFamily="34" charset="0"/>
+                <a:cs typeface="Calibri" panose="020F0502020204030204" pitchFamily="34" charset="0"/>
+              </a:rPr>
+              <a:t>sẽ</a:t>
+            </a:r>
+            <a:r>
+              <a:rPr lang="en-US" sz="2000" dirty="0">
+                <a:latin typeface="Calibri" panose="020F0502020204030204" pitchFamily="34" charset="0"/>
+                <a:cs typeface="Calibri" panose="020F0502020204030204" pitchFamily="34" charset="0"/>
+              </a:rPr>
+              <a:t> </a:t>
+            </a:r>
+            <a:r>
+              <a:rPr lang="en-US" sz="2000" dirty="0" err="1">
+                <a:latin typeface="Calibri" panose="020F0502020204030204" pitchFamily="34" charset="0"/>
+                <a:cs typeface="Calibri" panose="020F0502020204030204" pitchFamily="34" charset="0"/>
+              </a:rPr>
+              <a:t>đăng</a:t>
+            </a:r>
+            <a:r>
+              <a:rPr lang="en-US" sz="2000" dirty="0">
+                <a:latin typeface="Calibri" panose="020F0502020204030204" pitchFamily="34" charset="0"/>
+                <a:cs typeface="Calibri" panose="020F0502020204030204" pitchFamily="34" charset="0"/>
+              </a:rPr>
+              <a:t> </a:t>
+            </a:r>
+            <a:r>
+              <a:rPr lang="en-US" sz="2000" dirty="0" err="1">
+                <a:latin typeface="Calibri" panose="020F0502020204030204" pitchFamily="34" charset="0"/>
+                <a:cs typeface="Calibri" panose="020F0502020204030204" pitchFamily="34" charset="0"/>
+              </a:rPr>
+              <a:t>nhập</a:t>
+            </a:r>
+            <a:r>
+              <a:rPr lang="en-US" sz="2000" dirty="0">
+                <a:latin typeface="Calibri" panose="020F0502020204030204" pitchFamily="34" charset="0"/>
+                <a:cs typeface="Calibri" panose="020F0502020204030204" pitchFamily="34" charset="0"/>
+              </a:rPr>
+              <a:t> </a:t>
+            </a:r>
+            <a:r>
+              <a:rPr lang="en-US" sz="2000" dirty="0" err="1">
+                <a:latin typeface="Calibri" panose="020F0502020204030204" pitchFamily="34" charset="0"/>
+                <a:cs typeface="Calibri" panose="020F0502020204030204" pitchFamily="34" charset="0"/>
+              </a:rPr>
+              <a:t>thành</a:t>
+            </a:r>
+            <a:r>
+              <a:rPr lang="en-US" sz="2000" dirty="0">
+                <a:latin typeface="Calibri" panose="020F0502020204030204" pitchFamily="34" charset="0"/>
+                <a:cs typeface="Calibri" panose="020F0502020204030204" pitchFamily="34" charset="0"/>
+              </a:rPr>
+              <a:t> </a:t>
+            </a:r>
+            <a:r>
+              <a:rPr lang="en-US" sz="2000" dirty="0" err="1">
+                <a:latin typeface="Calibri" panose="020F0502020204030204" pitchFamily="34" charset="0"/>
+                <a:cs typeface="Calibri" panose="020F0502020204030204" pitchFamily="34" charset="0"/>
+              </a:rPr>
+              <a:t>công</a:t>
+            </a:r>
+            <a:r>
+              <a:rPr lang="en-US" sz="2000" dirty="0">
+                <a:latin typeface="Calibri" panose="020F0502020204030204" pitchFamily="34" charset="0"/>
+                <a:cs typeface="Calibri" panose="020F0502020204030204" pitchFamily="34" charset="0"/>
+              </a:rPr>
+              <a:t>.</a:t>
+            </a:r>
+          </a:p>
+        </p:txBody>
+      </p:sp>
+    </p:spTree>
+    <p:extLst>
+      <p:ext uri="{BB962C8B-B14F-4D97-AF65-F5344CB8AC3E}">
+        <p14:creationId xmlns:p14="http://schemas.microsoft.com/office/powerpoint/2010/main" val="3321881536"/>
+      </p:ext>
+    </p:extLst>
+  </p:cSld>
+  <p:clrMapOvr>
+    <a:masterClrMapping/>
+  </p:clrMapOvr>
+</p:sld>
+</file>
+
+<file path=ppt/slides/slide11.xml><?xml version="1.0" encoding="utf-8"?>
+<p:sld xmlns:a="http://schemas.openxmlformats.org/drawingml/2006/main" xmlns:r="http://schemas.openxmlformats.org/officeDocument/2006/relationships" xmlns:p="http://schemas.openxmlformats.org/presentationml/2006/main">
+  <p:cSld>
+    <p:spTree>
+      <p:nvGrpSpPr>
+        <p:cNvPr id="1" name=""/>
+        <p:cNvGrpSpPr/>
+        <p:nvPr/>
+      </p:nvGrpSpPr>
+      <p:grpSpPr>
+        <a:xfrm>
+          <a:off x="0" y="0"/>
+          <a:ext cx="0" cy="0"/>
+          <a:chOff x="0" y="0"/>
+          <a:chExt cx="0" cy="0"/>
+        </a:xfrm>
+      </p:grpSpPr>
+      <p:sp>
+        <p:nvSpPr>
+          <p:cNvPr id="2" name="Title 1"/>
+          <p:cNvSpPr>
+            <a:spLocks noGrp="1"/>
+          </p:cNvSpPr>
+          <p:nvPr>
+            <p:ph type="title"/>
+          </p:nvPr>
+        </p:nvSpPr>
+        <p:spPr>
+          <a:xfrm>
+            <a:off x="349625" y="233083"/>
+            <a:ext cx="7478593" cy="869576"/>
+          </a:xfrm>
+        </p:spPr>
+        <p:txBody>
+          <a:bodyPr>
+            <a:normAutofit/>
+          </a:bodyPr>
+          <a:lstStyle/>
+          <a:p>
+            <a:r>
+              <a:rPr lang="en-US" sz="2800"/>
+              <a:t>	Dạng tấn công sử dụng câu lệnh select</a:t>
+            </a:r>
+          </a:p>
+        </p:txBody>
+      </p:sp>
+      <p:sp>
+        <p:nvSpPr>
+          <p:cNvPr id="4" name="TextBox 3"/>
+          <p:cNvSpPr txBox="1"/>
+          <p:nvPr/>
+        </p:nvSpPr>
+        <p:spPr>
+          <a:xfrm>
+            <a:off x="1446904" y="1102659"/>
+            <a:ext cx="9277702" cy="1200329"/>
+          </a:xfrm>
+          <a:prstGeom prst="rect">
+            <a:avLst/>
+          </a:prstGeom>
+          <a:noFill/>
+        </p:spPr>
+        <p:txBody>
+          <a:bodyPr wrap="square" rtlCol="0">
+            <a:spAutoFit/>
+          </a:bodyPr>
+          <a:lstStyle/>
+          <a:p>
+            <a:r>
+              <a:rPr lang="en-US"/>
+              <a:t>Các trang web có dạng như: index.php?id=21 , index.asp?id=6,.. thêm các kí tự ('), ("), (%27),(00%) vào sau id để kiểm tra nếu nó hiện ra lỗi hoặc không hiện ra 1 cái gì (khác hoàn toàn với lúc ban đầu thì 90% có khả năng khai thác được lỗi này)</a:t>
+            </a:r>
+          </a:p>
+          <a:p>
+            <a:endParaRPr lang="en-US"/>
+          </a:p>
+        </p:txBody>
+      </p:sp>
+      <p:sp>
+        <p:nvSpPr>
+          <p:cNvPr id="5" name="TextBox 4"/>
+          <p:cNvSpPr txBox="1"/>
+          <p:nvPr/>
+        </p:nvSpPr>
+        <p:spPr>
+          <a:xfrm>
+            <a:off x="1446904" y="2118322"/>
+            <a:ext cx="6035040" cy="369332"/>
+          </a:xfrm>
+          <a:prstGeom prst="rect">
+            <a:avLst/>
+          </a:prstGeom>
+          <a:noFill/>
+        </p:spPr>
+        <p:txBody>
+          <a:bodyPr wrap="square" rtlCol="0">
+            <a:spAutoFit/>
+          </a:bodyPr>
+          <a:lstStyle/>
+          <a:p>
+            <a:r>
+              <a:rPr lang="en-US" u="sng">
+                <a:solidFill>
+                  <a:srgbClr val="FFFF00"/>
+                </a:solidFill>
+              </a:rPr>
+              <a:t>http://www.vietfarmsfsf.com/?php=product_detail&amp;id=260</a:t>
+            </a:r>
+          </a:p>
+        </p:txBody>
+      </p:sp>
+      <p:pic>
+        <p:nvPicPr>
+          <p:cNvPr id="6" name="Picture 5"/>
+          <p:cNvPicPr>
+            <a:picLocks noChangeAspect="1"/>
+          </p:cNvPicPr>
+          <p:nvPr/>
+        </p:nvPicPr>
+        <p:blipFill>
+          <a:blip r:embed="rId2"/>
+          <a:stretch>
+            <a:fillRect/>
+          </a:stretch>
+        </p:blipFill>
+        <p:spPr>
+          <a:xfrm>
+            <a:off x="1446904" y="2663112"/>
+            <a:ext cx="7643801" cy="3829128"/>
+          </a:xfrm>
+          <a:prstGeom prst="rect">
+            <a:avLst/>
+          </a:prstGeom>
+        </p:spPr>
+      </p:pic>
+    </p:spTree>
+    <p:extLst>
+      <p:ext uri="{BB962C8B-B14F-4D97-AF65-F5344CB8AC3E}">
+        <p14:creationId xmlns:p14="http://schemas.microsoft.com/office/powerpoint/2010/main" val="3620931713"/>
+      </p:ext>
+    </p:extLst>
+  </p:cSld>
+  <p:clrMapOvr>
+    <a:masterClrMapping/>
+  </p:clrMapOvr>
+  <p:transition spd="slow">
+    <p:push dir="u"/>
+  </p:transition>
+</p:sld>
+</file>
+
+<file path=ppt/slides/slide12.xml><?xml version="1.0" encoding="utf-8"?>
+<p:sld xmlns:a="http://schemas.openxmlformats.org/drawingml/2006/main" xmlns:r="http://schemas.openxmlformats.org/officeDocument/2006/relationships" xmlns:p="http://schemas.openxmlformats.org/presentationml/2006/main">
+  <p:cSld>
+    <p:spTree>
+      <p:nvGrpSpPr>
+        <p:cNvPr id="1" name=""/>
+        <p:cNvGrpSpPr/>
+        <p:nvPr/>
+      </p:nvGrpSpPr>
+      <p:grpSpPr>
+        <a:xfrm>
+          <a:off x="0" y="0"/>
+          <a:ext cx="0" cy="0"/>
+          <a:chOff x="0" y="0"/>
+          <a:chExt cx="0" cy="0"/>
+        </a:xfrm>
+      </p:grpSpPr>
+      <p:pic>
+        <p:nvPicPr>
+          <p:cNvPr id="3" name="Picture 2"/>
+          <p:cNvPicPr/>
+          <p:nvPr/>
+        </p:nvPicPr>
+        <p:blipFill>
+          <a:blip r:embed="rId2"/>
+          <a:stretch>
+            <a:fillRect/>
+          </a:stretch>
+        </p:blipFill>
+        <p:spPr>
+          <a:xfrm>
+            <a:off x="1556657" y="1175657"/>
+            <a:ext cx="8815251" cy="5243378"/>
+          </a:xfrm>
+          <a:prstGeom prst="rect">
+            <a:avLst/>
+          </a:prstGeom>
+        </p:spPr>
+      </p:pic>
+      <p:sp>
+        <p:nvSpPr>
+          <p:cNvPr id="4" name="TextBox 3"/>
+          <p:cNvSpPr txBox="1"/>
+          <p:nvPr/>
+        </p:nvSpPr>
+        <p:spPr>
+          <a:xfrm>
+            <a:off x="1465217" y="483326"/>
+            <a:ext cx="3161211" cy="461665"/>
+          </a:xfrm>
+          <a:prstGeom prst="rect">
+            <a:avLst/>
+          </a:prstGeom>
+          <a:noFill/>
+        </p:spPr>
+        <p:txBody>
+          <a:bodyPr wrap="square" rtlCol="0">
+            <a:spAutoFit/>
+          </a:bodyPr>
+          <a:lstStyle/>
+          <a:p>
+            <a:r>
+              <a:rPr lang="en-US" sz="2400"/>
+              <a:t>Lấy data trong bảng</a:t>
+            </a:r>
+          </a:p>
+        </p:txBody>
+      </p:sp>
+    </p:spTree>
+    <p:extLst>
+      <p:ext uri="{BB962C8B-B14F-4D97-AF65-F5344CB8AC3E}">
+        <p14:creationId xmlns:p14="http://schemas.microsoft.com/office/powerpoint/2010/main" val="563429336"/>
+      </p:ext>
+    </p:extLst>
+  </p:cSld>
+  <p:clrMapOvr>
+    <a:masterClrMapping/>
+  </p:clrMapOvr>
+  <p:transition spd="slow">
+    <p:push dir="u"/>
+  </p:transition>
+</p:sld>
+</file>
+
+<file path=ppt/slides/slide13.xml><?xml version="1.0" encoding="utf-8"?>
+<p:sld xmlns:a="http://schemas.openxmlformats.org/drawingml/2006/main" xmlns:r="http://schemas.openxmlformats.org/officeDocument/2006/relationships" xmlns:p="http://schemas.openxmlformats.org/presentationml/2006/main">
+  <p:cSld>
+    <p:spTree>
+      <p:nvGrpSpPr>
+        <p:cNvPr id="1" name=""/>
+        <p:cNvGrpSpPr/>
+        <p:nvPr/>
+      </p:nvGrpSpPr>
+      <p:grpSpPr>
+        <a:xfrm>
+          <a:off x="0" y="0"/>
+          <a:ext cx="0" cy="0"/>
+          <a:chOff x="0" y="0"/>
+          <a:chExt cx="0" cy="0"/>
+        </a:xfrm>
+      </p:grpSpPr>
+      <p:pic>
+        <p:nvPicPr>
+          <p:cNvPr id="3" name="Picture 2"/>
+          <p:cNvPicPr/>
+          <p:nvPr/>
+        </p:nvPicPr>
+        <p:blipFill>
+          <a:blip r:embed="rId2"/>
+          <a:stretch>
+            <a:fillRect/>
+          </a:stretch>
+        </p:blipFill>
+        <p:spPr>
+          <a:xfrm>
+            <a:off x="1905997" y="1619793"/>
+            <a:ext cx="8283031" cy="4633641"/>
+          </a:xfrm>
+          <a:prstGeom prst="rect">
+            <a:avLst/>
+          </a:prstGeom>
+        </p:spPr>
+      </p:pic>
+      <p:sp>
+        <p:nvSpPr>
+          <p:cNvPr id="4" name="TextBox 3"/>
+          <p:cNvSpPr txBox="1"/>
+          <p:nvPr/>
+        </p:nvSpPr>
+        <p:spPr>
+          <a:xfrm>
+            <a:off x="1775369" y="679269"/>
+            <a:ext cx="4715691" cy="461665"/>
+          </a:xfrm>
+          <a:prstGeom prst="rect">
+            <a:avLst/>
+          </a:prstGeom>
+          <a:noFill/>
+        </p:spPr>
+        <p:txBody>
+          <a:bodyPr wrap="square" rtlCol="0">
+            <a:spAutoFit/>
+          </a:bodyPr>
+          <a:lstStyle/>
+          <a:p>
+            <a:r>
+              <a:rPr lang="en-US" sz="2400"/>
+              <a:t>Tất cả các bảng</a:t>
+            </a:r>
+          </a:p>
+        </p:txBody>
+      </p:sp>
+    </p:spTree>
+    <p:extLst>
+      <p:ext uri="{BB962C8B-B14F-4D97-AF65-F5344CB8AC3E}">
+        <p14:creationId xmlns:p14="http://schemas.microsoft.com/office/powerpoint/2010/main" val="1062667958"/>
+      </p:ext>
+    </p:extLst>
+  </p:cSld>
+  <p:clrMapOvr>
+    <a:masterClrMapping/>
+  </p:clrMapOvr>
+  <p:transition spd="slow">
+    <p:push dir="u"/>
+  </p:transition>
+</p:sld>
+</file>
+
+<file path=ppt/slides/slide14.xml><?xml version="1.0" encoding="utf-8"?>
+<p:sld xmlns:a="http://schemas.openxmlformats.org/drawingml/2006/main" xmlns:r="http://schemas.openxmlformats.org/officeDocument/2006/relationships" xmlns:p="http://schemas.openxmlformats.org/presentationml/2006/main">
+  <p:cSld>
+    <p:spTree>
+      <p:nvGrpSpPr>
+        <p:cNvPr id="1" name=""/>
+        <p:cNvGrpSpPr/>
+        <p:nvPr/>
+      </p:nvGrpSpPr>
+      <p:grpSpPr>
+        <a:xfrm>
+          <a:off x="0" y="0"/>
+          <a:ext cx="0" cy="0"/>
+          <a:chOff x="0" y="0"/>
+          <a:chExt cx="0" cy="0"/>
+        </a:xfrm>
+      </p:grpSpPr>
+      <p:sp>
+        <p:nvSpPr>
+          <p:cNvPr id="2" name="Title 1"/>
+          <p:cNvSpPr>
+            <a:spLocks noGrp="1"/>
+          </p:cNvSpPr>
+          <p:nvPr>
+            <p:ph type="title"/>
+          </p:nvPr>
+        </p:nvSpPr>
+        <p:spPr>
+          <a:xfrm>
+            <a:off x="685801" y="609601"/>
+            <a:ext cx="10131425" cy="722810"/>
+          </a:xfrm>
+        </p:spPr>
+        <p:txBody>
+          <a:bodyPr>
+            <a:normAutofit/>
+          </a:bodyPr>
+          <a:lstStyle/>
+          <a:p>
+            <a:r>
+              <a:rPr lang="en-US" sz="2800">
+                <a:latin typeface="+mn-lt"/>
+              </a:rPr>
+              <a:t>Dạng tấn công sử dụng câu lệnh insert</a:t>
+            </a:r>
+          </a:p>
+        </p:txBody>
+      </p:sp>
+      <p:sp>
+        <p:nvSpPr>
+          <p:cNvPr id="3" name="TextBox 2"/>
+          <p:cNvSpPr txBox="1"/>
+          <p:nvPr/>
+        </p:nvSpPr>
+        <p:spPr>
+          <a:xfrm>
+            <a:off x="773972" y="1938569"/>
+            <a:ext cx="7759338" cy="369332"/>
+          </a:xfrm>
+          <a:prstGeom prst="rect">
+            <a:avLst/>
+          </a:prstGeom>
+          <a:noFill/>
+        </p:spPr>
+        <p:txBody>
+          <a:bodyPr wrap="square" rtlCol="0">
+            <a:spAutoFit/>
+          </a:bodyPr>
+          <a:lstStyle/>
+          <a:p>
+            <a:pPr lvl="0" defTabSz="914400" eaLnBrk="0" fontAlgn="base" hangingPunct="0">
+              <a:spcBef>
+                <a:spcPct val="0"/>
+              </a:spcBef>
+              <a:spcAft>
+                <a:spcPct val="0"/>
+              </a:spcAft>
+            </a:pPr>
+            <a:r>
+              <a:rPr lang="en-US" altLang="en-US" dirty="0">
+                <a:ea typeface="Calibri" panose="020F0502020204030204" pitchFamily="34" charset="0"/>
+                <a:cs typeface="Times New Roman" panose="02020603050405020304" pitchFamily="18" charset="0"/>
+              </a:rPr>
+              <a:t>INSERT INTO </a:t>
+            </a:r>
+            <a:r>
+              <a:rPr lang="en-US" altLang="en-US" dirty="0" err="1">
+                <a:ea typeface="Calibri" panose="020F0502020204030204" pitchFamily="34" charset="0"/>
+                <a:cs typeface="Times New Roman" panose="02020603050405020304" pitchFamily="18" charset="0"/>
+              </a:rPr>
+              <a:t>TableName</a:t>
+            </a:r>
+            <a:r>
+              <a:rPr lang="en-US" altLang="en-US" dirty="0">
+                <a:ea typeface="Calibri" panose="020F0502020204030204" pitchFamily="34" charset="0"/>
+                <a:cs typeface="Times New Roman" panose="02020603050405020304" pitchFamily="18" charset="0"/>
+              </a:rPr>
+              <a:t> VALUES('1st Value', '2nd Value', '3rd Value')</a:t>
+            </a:r>
+            <a:r>
+              <a:rPr lang="en-US" altLang="en-US" sz="1400" dirty="0"/>
+              <a:t> </a:t>
+            </a:r>
+            <a:endParaRPr lang="en-US" altLang="en-US" sz="2400" dirty="0"/>
+          </a:p>
+        </p:txBody>
+      </p:sp>
+      <p:sp>
+        <p:nvSpPr>
+          <p:cNvPr id="8" name="Right Arrow 7"/>
+          <p:cNvSpPr/>
+          <p:nvPr/>
+        </p:nvSpPr>
+        <p:spPr>
+          <a:xfrm>
+            <a:off x="888272" y="2445601"/>
+            <a:ext cx="1031966" cy="483326"/>
+          </a:xfrm>
+          <a:prstGeom prst="rightArrow">
+            <a:avLst/>
+          </a:prstGeom>
+        </p:spPr>
+        <p:style>
+          <a:lnRef idx="2">
+            <a:schemeClr val="accent1">
+              <a:shade val="50000"/>
+            </a:schemeClr>
+          </a:lnRef>
+          <a:fillRef idx="1">
+            <a:schemeClr val="accent1"/>
+          </a:fillRef>
+          <a:effectRef idx="0">
+            <a:schemeClr val="accent1"/>
+          </a:effectRef>
+          <a:fontRef idx="minor">
+            <a:schemeClr val="lt1"/>
+          </a:fontRef>
+        </p:style>
+        <p:txBody>
+          <a:bodyPr rtlCol="0" anchor="ctr"/>
+          <a:lstStyle/>
+          <a:p>
+            <a:pPr algn="ctr"/>
+            <a:endParaRPr lang="en-US"/>
+          </a:p>
+        </p:txBody>
+      </p:sp>
+      <p:sp>
+        <p:nvSpPr>
+          <p:cNvPr id="9" name="TextBox 8"/>
+          <p:cNvSpPr txBox="1"/>
+          <p:nvPr/>
+        </p:nvSpPr>
+        <p:spPr>
+          <a:xfrm>
+            <a:off x="2061256" y="2476119"/>
+            <a:ext cx="5081451" cy="400110"/>
+          </a:xfrm>
+          <a:prstGeom prst="rect">
+            <a:avLst/>
+          </a:prstGeom>
+          <a:noFill/>
+        </p:spPr>
+        <p:txBody>
+          <a:bodyPr wrap="square" rtlCol="0">
+            <a:spAutoFit/>
+          </a:bodyPr>
+          <a:lstStyle/>
+          <a:p>
+            <a:r>
+              <a:rPr lang="en-US" sz="2000"/>
+              <a:t>Câu lệnh này chắc chắn sẽ bị lỗi sql injection</a:t>
+            </a:r>
+          </a:p>
+        </p:txBody>
+      </p:sp>
+      <p:sp>
+        <p:nvSpPr>
+          <p:cNvPr id="10" name="TextBox 9"/>
+          <p:cNvSpPr txBox="1"/>
+          <p:nvPr/>
+        </p:nvSpPr>
+        <p:spPr>
+          <a:xfrm>
+            <a:off x="888272" y="3317967"/>
+            <a:ext cx="10149842" cy="400110"/>
+          </a:xfrm>
+          <a:prstGeom prst="rect">
+            <a:avLst/>
+          </a:prstGeom>
+          <a:noFill/>
+        </p:spPr>
+        <p:txBody>
+          <a:bodyPr wrap="square" rtlCol="0">
+            <a:spAutoFit/>
+          </a:bodyPr>
+          <a:lstStyle/>
+          <a:p>
+            <a:r>
+              <a:rPr lang="en-US" sz="2000"/>
+              <a:t>Khi chúng ta nhập trường thứ nhất như: </a:t>
+            </a:r>
+            <a:r>
+              <a:rPr lang="en-US" altLang="en-US" sz="2000">
+                <a:ea typeface="Calibri" panose="020F0502020204030204" pitchFamily="34" charset="0"/>
+                <a:cs typeface="Times New Roman" panose="02020603050405020304" pitchFamily="18" charset="0"/>
+              </a:rPr>
+              <a:t>' + (SELECT field1 FROM Users) + ' </a:t>
+            </a:r>
+            <a:endParaRPr lang="en-US" sz="2000"/>
+          </a:p>
+        </p:txBody>
+      </p:sp>
+      <p:sp>
+        <p:nvSpPr>
+          <p:cNvPr id="12" name="TextBox 11"/>
+          <p:cNvSpPr txBox="1"/>
+          <p:nvPr/>
+        </p:nvSpPr>
+        <p:spPr>
+          <a:xfrm>
+            <a:off x="773972" y="4212514"/>
+            <a:ext cx="10378441" cy="1015663"/>
+          </a:xfrm>
+          <a:prstGeom prst="rect">
+            <a:avLst/>
+          </a:prstGeom>
+          <a:noFill/>
+        </p:spPr>
+        <p:txBody>
+          <a:bodyPr wrap="square" rtlCol="0">
+            <a:spAutoFit/>
+          </a:bodyPr>
+          <a:lstStyle/>
+          <a:p>
+            <a:r>
+              <a:rPr lang="en-US" sz="2000" dirty="0" err="1"/>
+              <a:t>Câu</a:t>
+            </a:r>
+            <a:r>
+              <a:rPr lang="en-US" sz="2000" dirty="0"/>
+              <a:t> </a:t>
+            </a:r>
+            <a:r>
+              <a:rPr lang="en-US" sz="2000" dirty="0" err="1"/>
+              <a:t>truy</a:t>
+            </a:r>
+            <a:r>
+              <a:rPr lang="en-US" sz="2000" dirty="0"/>
+              <a:t> </a:t>
+            </a:r>
+            <a:r>
+              <a:rPr lang="en-US" sz="2000" dirty="0" err="1"/>
+              <a:t>vấn</a:t>
+            </a:r>
+            <a:r>
+              <a:rPr lang="en-US" sz="2000" dirty="0"/>
+              <a:t> </a:t>
+            </a:r>
+            <a:r>
+              <a:rPr lang="en-US" sz="2000" dirty="0" err="1"/>
+              <a:t>sẽ</a:t>
+            </a:r>
+            <a:r>
+              <a:rPr lang="en-US" sz="2000" dirty="0"/>
+              <a:t> </a:t>
+            </a:r>
+            <a:r>
+              <a:rPr lang="en-US" sz="2000" dirty="0" err="1"/>
+              <a:t>trở</a:t>
+            </a:r>
+            <a:r>
+              <a:rPr lang="en-US" sz="2000" dirty="0"/>
+              <a:t> </a:t>
+            </a:r>
+            <a:r>
+              <a:rPr lang="en-US" sz="2000" dirty="0" err="1"/>
+              <a:t>thành</a:t>
+            </a:r>
+            <a:r>
+              <a:rPr lang="en-US" sz="2000" dirty="0"/>
+              <a:t>:  </a:t>
+            </a:r>
+          </a:p>
+          <a:p>
+            <a:r>
+              <a:rPr lang="en-US" sz="2000" dirty="0"/>
+              <a:t>INSERT INTO </a:t>
+            </a:r>
+            <a:r>
+              <a:rPr lang="en-US" sz="2000" dirty="0" err="1"/>
+              <a:t>TableName</a:t>
+            </a:r>
+            <a:r>
+              <a:rPr lang="en-US" sz="2000" dirty="0"/>
+              <a:t> VALUES(' ' + (SELECT field1 FROM  Users) + ' ', '</a:t>
+            </a:r>
+            <a:r>
+              <a:rPr lang="en-US" sz="2000" dirty="0" err="1"/>
+              <a:t>abc</a:t>
+            </a:r>
+            <a:r>
+              <a:rPr lang="en-US" sz="2000" dirty="0"/>
+              <a:t>', 'def')</a:t>
+            </a:r>
+          </a:p>
+          <a:p>
+            <a:r>
+              <a:rPr lang="en-US" sz="2000" dirty="0"/>
+              <a:t> </a:t>
+            </a:r>
+          </a:p>
+        </p:txBody>
+      </p:sp>
+      <p:sp>
+        <p:nvSpPr>
+          <p:cNvPr id="14" name="Right Arrow 13"/>
+          <p:cNvSpPr/>
+          <p:nvPr/>
+        </p:nvSpPr>
+        <p:spPr>
+          <a:xfrm>
+            <a:off x="888272" y="5205574"/>
+            <a:ext cx="1031966" cy="483326"/>
+          </a:xfrm>
+          <a:prstGeom prst="rightArrow">
+            <a:avLst/>
+          </a:prstGeom>
+        </p:spPr>
+        <p:style>
+          <a:lnRef idx="2">
+            <a:schemeClr val="accent1">
+              <a:shade val="50000"/>
+            </a:schemeClr>
+          </a:lnRef>
+          <a:fillRef idx="1">
+            <a:schemeClr val="accent1"/>
+          </a:fillRef>
+          <a:effectRef idx="0">
+            <a:schemeClr val="accent1"/>
+          </a:effectRef>
+          <a:fontRef idx="minor">
+            <a:schemeClr val="lt1"/>
+          </a:fontRef>
+        </p:style>
+        <p:txBody>
+          <a:bodyPr rtlCol="0" anchor="ctr"/>
+          <a:lstStyle/>
+          <a:p>
+            <a:pPr algn="ctr"/>
+            <a:endParaRPr lang="en-US"/>
+          </a:p>
+        </p:txBody>
+      </p:sp>
+      <p:sp>
+        <p:nvSpPr>
+          <p:cNvPr id="15" name="TextBox 14"/>
+          <p:cNvSpPr txBox="1"/>
+          <p:nvPr/>
+        </p:nvSpPr>
+        <p:spPr>
+          <a:xfrm>
+            <a:off x="2061256" y="5247182"/>
+            <a:ext cx="8114710" cy="400110"/>
+          </a:xfrm>
+          <a:prstGeom prst="rect">
+            <a:avLst/>
+          </a:prstGeom>
+          <a:noFill/>
+        </p:spPr>
+        <p:txBody>
+          <a:bodyPr wrap="square" rtlCol="0">
+            <a:spAutoFit/>
+          </a:bodyPr>
+          <a:lstStyle/>
+          <a:p>
+            <a:r>
+              <a:rPr lang="en-US" sz="2000"/>
+              <a:t>Khi đó ta đã yêu cầu thực hiện them lệnh SELECT field1 FROM  TableName</a:t>
+            </a:r>
+          </a:p>
+        </p:txBody>
+      </p:sp>
+    </p:spTree>
+    <p:extLst>
+      <p:ext uri="{BB962C8B-B14F-4D97-AF65-F5344CB8AC3E}">
+        <p14:creationId xmlns:p14="http://schemas.microsoft.com/office/powerpoint/2010/main" val="1018518016"/>
+      </p:ext>
+    </p:extLst>
+  </p:cSld>
+  <p:clrMapOvr>
+    <a:masterClrMapping/>
+  </p:clrMapOvr>
+</p:sld>
+</file>
+
+<file path=ppt/slides/slide15.xml><?xml version="1.0" encoding="utf-8"?>
+<p:sld xmlns:a="http://schemas.openxmlformats.org/drawingml/2006/main" xmlns:r="http://schemas.openxmlformats.org/officeDocument/2006/relationships" xmlns:p="http://schemas.openxmlformats.org/presentationml/2006/main">
+  <p:cSld>
+    <p:spTree>
+      <p:nvGrpSpPr>
+        <p:cNvPr id="1" name=""/>
+        <p:cNvGrpSpPr/>
+        <p:nvPr/>
+      </p:nvGrpSpPr>
+      <p:grpSpPr>
+        <a:xfrm>
+          <a:off x="0" y="0"/>
+          <a:ext cx="0" cy="0"/>
+          <a:chOff x="0" y="0"/>
+          <a:chExt cx="0" cy="0"/>
+        </a:xfrm>
+      </p:grpSpPr>
+      <p:sp>
+        <p:nvSpPr>
+          <p:cNvPr id="3" name="Title 2">
+            <a:extLst>
+              <a:ext uri="{FF2B5EF4-FFF2-40B4-BE49-F238E27FC236}">
+                <a16:creationId xmlns:a16="http://schemas.microsoft.com/office/drawing/2014/main" id="{49FF221F-A327-4C5F-9E4F-8602DAFCF440}"/>
+              </a:ext>
+            </a:extLst>
+          </p:cNvPr>
+          <p:cNvSpPr>
+            <a:spLocks noGrp="1"/>
+          </p:cNvSpPr>
+          <p:nvPr>
+            <p:ph type="title"/>
+          </p:nvPr>
+        </p:nvSpPr>
+        <p:spPr/>
+        <p:txBody>
+          <a:bodyPr/>
+          <a:lstStyle/>
+          <a:p>
+            <a:pPr algn="ctr"/>
+            <a:r>
+              <a:rPr lang="en-US" b="1" dirty="0" err="1"/>
+              <a:t>Nội</a:t>
+            </a:r>
+            <a:r>
+              <a:rPr lang="en-US" b="1" dirty="0"/>
+              <a:t> dung</a:t>
+            </a:r>
+          </a:p>
+        </p:txBody>
+      </p:sp>
+      <p:sp>
+        <p:nvSpPr>
+          <p:cNvPr id="9" name="TextBox 8">
+            <a:extLst>
+              <a:ext uri="{FF2B5EF4-FFF2-40B4-BE49-F238E27FC236}">
+                <a16:creationId xmlns:a16="http://schemas.microsoft.com/office/drawing/2014/main" id="{7D5A808D-A6F2-4934-BCBB-72219B399144}"/>
+              </a:ext>
+            </a:extLst>
+          </p:cNvPr>
+          <p:cNvSpPr txBox="1"/>
+          <p:nvPr/>
+        </p:nvSpPr>
+        <p:spPr>
+          <a:xfrm>
+            <a:off x="957312" y="1987396"/>
+            <a:ext cx="2794355" cy="523220"/>
+          </a:xfrm>
+          <a:prstGeom prst="rect">
+            <a:avLst/>
+          </a:prstGeom>
+          <a:noFill/>
+        </p:spPr>
+        <p:txBody>
+          <a:bodyPr wrap="none" rtlCol="0">
+            <a:spAutoFit/>
+          </a:bodyPr>
+          <a:lstStyle/>
+          <a:p>
+            <a:r>
+              <a:rPr lang="en-US" sz="2800" dirty="0" err="1">
+                <a:solidFill>
+                  <a:schemeClr val="bg1">
+                    <a:lumMod val="50000"/>
+                    <a:lumOff val="50000"/>
+                  </a:schemeClr>
+                </a:solidFill>
+              </a:rPr>
+              <a:t>Giới</a:t>
+            </a:r>
+            <a:r>
+              <a:rPr lang="en-US" sz="2800" dirty="0">
+                <a:solidFill>
+                  <a:schemeClr val="bg1">
+                    <a:lumMod val="50000"/>
+                    <a:lumOff val="50000"/>
+                  </a:schemeClr>
+                </a:solidFill>
+              </a:rPr>
+              <a:t> </a:t>
+            </a:r>
+            <a:r>
+              <a:rPr lang="en-US" sz="2800" dirty="0" err="1">
+                <a:solidFill>
+                  <a:schemeClr val="bg1">
+                    <a:lumMod val="50000"/>
+                    <a:lumOff val="50000"/>
+                  </a:schemeClr>
+                </a:solidFill>
+              </a:rPr>
+              <a:t>thiệu</a:t>
+            </a:r>
+            <a:r>
+              <a:rPr lang="en-US" sz="2800" dirty="0">
+                <a:solidFill>
+                  <a:schemeClr val="bg1">
+                    <a:lumMod val="50000"/>
+                    <a:lumOff val="50000"/>
+                  </a:schemeClr>
+                </a:solidFill>
+              </a:rPr>
+              <a:t> </a:t>
+            </a:r>
+            <a:r>
+              <a:rPr lang="en-US" sz="2800" dirty="0" err="1">
+                <a:solidFill>
+                  <a:schemeClr val="bg1">
+                    <a:lumMod val="50000"/>
+                    <a:lumOff val="50000"/>
+                  </a:schemeClr>
+                </a:solidFill>
+              </a:rPr>
+              <a:t>sơ</a:t>
+            </a:r>
+            <a:r>
+              <a:rPr lang="en-US" sz="2800" dirty="0">
+                <a:solidFill>
+                  <a:schemeClr val="bg1">
+                    <a:lumMod val="50000"/>
+                    <a:lumOff val="50000"/>
+                  </a:schemeClr>
+                </a:solidFill>
+              </a:rPr>
+              <a:t> </a:t>
+            </a:r>
+            <a:r>
+              <a:rPr lang="en-US" sz="2800" dirty="0" err="1">
+                <a:solidFill>
+                  <a:schemeClr val="bg1">
+                    <a:lumMod val="50000"/>
+                    <a:lumOff val="50000"/>
+                  </a:schemeClr>
+                </a:solidFill>
+              </a:rPr>
+              <a:t>lược</a:t>
+            </a:r>
+            <a:endParaRPr lang="en-US" sz="2800" dirty="0">
+              <a:solidFill>
+                <a:schemeClr val="bg1">
+                  <a:lumMod val="50000"/>
+                  <a:lumOff val="50000"/>
+                </a:schemeClr>
+              </a:solidFill>
+            </a:endParaRPr>
+          </a:p>
+        </p:txBody>
+      </p:sp>
+      <p:sp>
+        <p:nvSpPr>
+          <p:cNvPr id="10" name="TextBox 9">
+            <a:extLst>
+              <a:ext uri="{FF2B5EF4-FFF2-40B4-BE49-F238E27FC236}">
+                <a16:creationId xmlns:a16="http://schemas.microsoft.com/office/drawing/2014/main" id="{688BCB9E-72E7-45F8-AE31-2CA6B2F9746E}"/>
+              </a:ext>
+            </a:extLst>
+          </p:cNvPr>
+          <p:cNvSpPr txBox="1"/>
+          <p:nvPr/>
+        </p:nvSpPr>
+        <p:spPr>
+          <a:xfrm>
+            <a:off x="1003569" y="2596286"/>
+            <a:ext cx="2464008" cy="523220"/>
+          </a:xfrm>
+          <a:prstGeom prst="rect">
+            <a:avLst/>
+          </a:prstGeom>
+          <a:noFill/>
+        </p:spPr>
+        <p:txBody>
+          <a:bodyPr wrap="none" rtlCol="0">
+            <a:spAutoFit/>
+          </a:bodyPr>
+          <a:lstStyle/>
+          <a:p>
+            <a:r>
+              <a:rPr lang="en-US" sz="2800" dirty="0" err="1">
+                <a:solidFill>
+                  <a:schemeClr val="bg1">
+                    <a:lumMod val="50000"/>
+                    <a:lumOff val="50000"/>
+                  </a:schemeClr>
+                </a:solidFill>
+              </a:rPr>
+              <a:t>Cách</a:t>
+            </a:r>
+            <a:r>
+              <a:rPr lang="en-US" sz="2800" dirty="0">
+                <a:solidFill>
+                  <a:schemeClr val="bg1">
+                    <a:lumMod val="50000"/>
+                    <a:lumOff val="50000"/>
+                  </a:schemeClr>
+                </a:solidFill>
+              </a:rPr>
+              <a:t> </a:t>
+            </a:r>
+            <a:r>
+              <a:rPr lang="en-US" sz="2800" dirty="0" err="1">
+                <a:solidFill>
+                  <a:schemeClr val="bg1">
+                    <a:lumMod val="50000"/>
+                    <a:lumOff val="50000"/>
+                  </a:schemeClr>
+                </a:solidFill>
+              </a:rPr>
+              <a:t>hoạt</a:t>
+            </a:r>
+            <a:r>
+              <a:rPr lang="en-US" sz="2800" dirty="0">
+                <a:solidFill>
+                  <a:schemeClr val="bg1">
+                    <a:lumMod val="50000"/>
+                    <a:lumOff val="50000"/>
+                  </a:schemeClr>
+                </a:solidFill>
+              </a:rPr>
+              <a:t> </a:t>
+            </a:r>
+            <a:r>
+              <a:rPr lang="en-US" sz="2800" dirty="0" err="1">
+                <a:solidFill>
+                  <a:schemeClr val="bg1">
+                    <a:lumMod val="50000"/>
+                    <a:lumOff val="50000"/>
+                  </a:schemeClr>
+                </a:solidFill>
+              </a:rPr>
+              <a:t>động</a:t>
+            </a:r>
+            <a:endParaRPr lang="en-US" sz="2800" dirty="0">
+              <a:solidFill>
+                <a:schemeClr val="bg1">
+                  <a:lumMod val="50000"/>
+                  <a:lumOff val="50000"/>
+                </a:schemeClr>
+              </a:solidFill>
+            </a:endParaRPr>
+          </a:p>
+        </p:txBody>
+      </p:sp>
+      <p:sp>
+        <p:nvSpPr>
+          <p:cNvPr id="11" name="TextBox 10">
+            <a:extLst>
+              <a:ext uri="{FF2B5EF4-FFF2-40B4-BE49-F238E27FC236}">
+                <a16:creationId xmlns:a16="http://schemas.microsoft.com/office/drawing/2014/main" id="{AD697506-962D-4AF4-AF07-7F196BB37255}"/>
+              </a:ext>
+            </a:extLst>
+          </p:cNvPr>
+          <p:cNvSpPr txBox="1"/>
+          <p:nvPr/>
+        </p:nvSpPr>
+        <p:spPr>
+          <a:xfrm>
+            <a:off x="957311" y="5231373"/>
+            <a:ext cx="1059906" cy="523220"/>
+          </a:xfrm>
+          <a:prstGeom prst="rect">
+            <a:avLst/>
+          </a:prstGeom>
+          <a:noFill/>
+        </p:spPr>
+        <p:txBody>
+          <a:bodyPr wrap="none" rtlCol="0">
+            <a:spAutoFit/>
+          </a:bodyPr>
+          <a:lstStyle/>
+          <a:p>
+            <a:r>
+              <a:rPr lang="en-US" sz="2800" dirty="0">
+                <a:solidFill>
+                  <a:schemeClr val="bg1">
+                    <a:lumMod val="50000"/>
+                    <a:lumOff val="50000"/>
+                  </a:schemeClr>
+                </a:solidFill>
+              </a:rPr>
+              <a:t>Demo</a:t>
+            </a:r>
+          </a:p>
+        </p:txBody>
+      </p:sp>
+      <p:sp>
+        <p:nvSpPr>
+          <p:cNvPr id="12" name="TextBox 11">
+            <a:extLst>
+              <a:ext uri="{FF2B5EF4-FFF2-40B4-BE49-F238E27FC236}">
+                <a16:creationId xmlns:a16="http://schemas.microsoft.com/office/drawing/2014/main" id="{8E3FAFB7-30F7-4891-936A-58C2BB5A7E15}"/>
+              </a:ext>
+            </a:extLst>
+          </p:cNvPr>
+          <p:cNvSpPr txBox="1"/>
+          <p:nvPr/>
+        </p:nvSpPr>
+        <p:spPr>
+          <a:xfrm>
+            <a:off x="957311" y="3950559"/>
+            <a:ext cx="1179297" cy="523220"/>
+          </a:xfrm>
+          <a:prstGeom prst="rect">
+            <a:avLst/>
+          </a:prstGeom>
+          <a:noFill/>
+        </p:spPr>
+        <p:txBody>
+          <a:bodyPr wrap="none" rtlCol="0">
+            <a:spAutoFit/>
+          </a:bodyPr>
+          <a:lstStyle/>
+          <a:p>
+            <a:r>
+              <a:rPr lang="en-US" sz="2800" dirty="0" err="1"/>
+              <a:t>Tác</a:t>
+            </a:r>
+            <a:r>
+              <a:rPr lang="en-US" sz="2800" dirty="0"/>
+              <a:t> </a:t>
+            </a:r>
+            <a:r>
+              <a:rPr lang="en-US" sz="2800" dirty="0" err="1"/>
+              <a:t>hại</a:t>
+            </a:r>
+            <a:endParaRPr lang="en-US" sz="2800" dirty="0"/>
+          </a:p>
+        </p:txBody>
+      </p:sp>
+      <p:sp>
+        <p:nvSpPr>
+          <p:cNvPr id="13" name="TextBox 12">
+            <a:extLst>
+              <a:ext uri="{FF2B5EF4-FFF2-40B4-BE49-F238E27FC236}">
+                <a16:creationId xmlns:a16="http://schemas.microsoft.com/office/drawing/2014/main" id="{4BC5DD41-BD3F-4DED-9D57-404D56AC1E37}"/>
+              </a:ext>
+            </a:extLst>
+          </p:cNvPr>
+          <p:cNvSpPr txBox="1"/>
+          <p:nvPr/>
+        </p:nvSpPr>
+        <p:spPr>
+          <a:xfrm>
+            <a:off x="990904" y="4598474"/>
+            <a:ext cx="2465483" cy="523220"/>
+          </a:xfrm>
+          <a:prstGeom prst="rect">
+            <a:avLst/>
+          </a:prstGeom>
+          <a:noFill/>
+        </p:spPr>
+        <p:txBody>
+          <a:bodyPr wrap="none" rtlCol="0">
+            <a:spAutoFit/>
+          </a:bodyPr>
+          <a:lstStyle/>
+          <a:p>
+            <a:r>
+              <a:rPr lang="en-US" sz="2800" dirty="0" err="1">
+                <a:solidFill>
+                  <a:schemeClr val="bg1">
+                    <a:lumMod val="50000"/>
+                    <a:lumOff val="50000"/>
+                  </a:schemeClr>
+                </a:solidFill>
+              </a:rPr>
+              <a:t>Cách</a:t>
+            </a:r>
+            <a:r>
+              <a:rPr lang="en-US" sz="2800" dirty="0">
+                <a:solidFill>
+                  <a:schemeClr val="bg1">
+                    <a:lumMod val="50000"/>
+                    <a:lumOff val="50000"/>
+                  </a:schemeClr>
+                </a:solidFill>
+              </a:rPr>
+              <a:t> </a:t>
+            </a:r>
+            <a:r>
+              <a:rPr lang="en-US" sz="2800" dirty="0" err="1">
+                <a:solidFill>
+                  <a:schemeClr val="bg1">
+                    <a:lumMod val="50000"/>
+                    <a:lumOff val="50000"/>
+                  </a:schemeClr>
+                </a:solidFill>
+              </a:rPr>
+              <a:t>ngăn</a:t>
+            </a:r>
+            <a:r>
+              <a:rPr lang="en-US" sz="2800" dirty="0">
+                <a:solidFill>
+                  <a:schemeClr val="bg1">
+                    <a:lumMod val="50000"/>
+                    <a:lumOff val="50000"/>
+                  </a:schemeClr>
+                </a:solidFill>
+              </a:rPr>
+              <a:t> </a:t>
+            </a:r>
+            <a:r>
+              <a:rPr lang="en-US" sz="2800" dirty="0" err="1">
+                <a:solidFill>
+                  <a:schemeClr val="bg1">
+                    <a:lumMod val="50000"/>
+                    <a:lumOff val="50000"/>
+                  </a:schemeClr>
+                </a:solidFill>
+              </a:rPr>
+              <a:t>chặn</a:t>
+            </a:r>
+            <a:endParaRPr lang="en-US" sz="2800" dirty="0">
+              <a:solidFill>
+                <a:schemeClr val="bg1">
+                  <a:lumMod val="50000"/>
+                  <a:lumOff val="50000"/>
+                </a:schemeClr>
+              </a:solidFill>
+            </a:endParaRPr>
+          </a:p>
+        </p:txBody>
+      </p:sp>
+      <p:sp>
+        <p:nvSpPr>
+          <p:cNvPr id="14" name="TextBox 13"/>
+          <p:cNvSpPr txBox="1"/>
+          <p:nvPr/>
+        </p:nvSpPr>
+        <p:spPr>
+          <a:xfrm>
+            <a:off x="938197" y="3302645"/>
+            <a:ext cx="5691683" cy="523220"/>
+          </a:xfrm>
+          <a:prstGeom prst="rect">
+            <a:avLst/>
+          </a:prstGeom>
+          <a:noFill/>
+        </p:spPr>
+        <p:txBody>
+          <a:bodyPr wrap="square" rtlCol="0">
+            <a:spAutoFit/>
+          </a:bodyPr>
+          <a:lstStyle/>
+          <a:p>
+            <a:r>
+              <a:rPr lang="en-US" sz="2800">
+                <a:solidFill>
+                  <a:schemeClr val="bg1">
+                    <a:lumMod val="50000"/>
+                    <a:lumOff val="50000"/>
+                  </a:schemeClr>
+                </a:solidFill>
+                <a:latin typeface="Calibri" panose="020F0502020204030204" pitchFamily="34" charset="0"/>
+                <a:cs typeface="Calibri" panose="020F0502020204030204" pitchFamily="34" charset="0"/>
+              </a:rPr>
+              <a:t>Một số dạng tấn công thường gặp</a:t>
+            </a:r>
+          </a:p>
+        </p:txBody>
+      </p:sp>
+    </p:spTree>
+    <p:extLst>
+      <p:ext uri="{BB962C8B-B14F-4D97-AF65-F5344CB8AC3E}">
+        <p14:creationId xmlns:p14="http://schemas.microsoft.com/office/powerpoint/2010/main" val="212705763"/>
+      </p:ext>
+    </p:extLst>
+  </p:cSld>
+  <p:clrMapOvr>
+    <a:masterClrMapping/>
+  </p:clrMapOvr>
+  <p:transition spd="slow">
+    <p:push dir="u"/>
+  </p:transition>
+</p:sld>
+</file>
+
+<file path=ppt/slides/slide16.xml><?xml version="1.0" encoding="utf-8"?>
+<p:sld xmlns:a="http://schemas.openxmlformats.org/drawingml/2006/main" xmlns:r="http://schemas.openxmlformats.org/officeDocument/2006/relationships" xmlns:p="http://schemas.openxmlformats.org/presentationml/2006/main">
+  <p:cSld>
     <p:bg>
       <p:bgPr>
         <a:blipFill>
@@ -6036,51 +7924,6 @@
       </p:grpSpPr>
       <p:pic>
         <p:nvPicPr>
-          <p:cNvPr id="9" name="Picture 8">
-            <a:extLst>
-              <a:ext uri="{FF2B5EF4-FFF2-40B4-BE49-F238E27FC236}">
-                <a16:creationId xmlns:a16="http://schemas.microsoft.com/office/drawing/2014/main" id="{4432DA31-8308-4F44-87C4-068169AA4DCA}"/>
-              </a:ext>
-              <a:ext uri="{C183D7F6-B498-43B3-948B-1728B52AA6E4}">
-                <adec:decorative xmlns:adec="http://schemas.microsoft.com/office/drawing/2017/decorative" val="1"/>
-              </a:ext>
-            </a:extLst>
-          </p:cNvPr>
-          <p:cNvPicPr>
-            <a:picLocks noGrp="1" noRot="1" noChangeAspect="1" noMove="1" noResize="1" noEditPoints="1" noAdjustHandles="1" noChangeArrowheads="1" noChangeShapeType="1" noCrop="1"/>
-          </p:cNvPicPr>
-          <p:nvPr>
-            <p:extLst>
-              <p:ext uri="{386F3935-93C4-4BCD-93E2-E3B085C9AB24}">
-                <p16:designElem xmlns:p16="http://schemas.microsoft.com/office/powerpoint/2015/main" val="1"/>
-              </p:ext>
-            </p:extLst>
-          </p:nvPr>
-        </p:nvPicPr>
-        <p:blipFill>
-          <a:blip r:embed="rId3">
-            <a:extLst>
-              <a:ext uri="{28A0092B-C50C-407E-A947-70E740481C1C}">
-                <a14:useLocalDpi xmlns:a14="http://schemas.microsoft.com/office/drawing/2010/main" val="0"/>
-              </a:ext>
-            </a:extLst>
-          </a:blip>
-          <a:stretch>
-            <a:fillRect/>
-          </a:stretch>
-        </p:blipFill>
-        <p:spPr>
-          <a:xfrm>
-            <a:off x="0" y="0"/>
-            <a:ext cx="12188825" cy="6856214"/>
-          </a:xfrm>
-          <a:prstGeom prst="rect">
-            <a:avLst/>
-          </a:prstGeom>
-        </p:spPr>
-      </p:pic>
-      <p:pic>
-        <p:nvPicPr>
           <p:cNvPr id="4" name="Graphic 3" descr="Danger">
             <a:extLst>
               <a:ext uri="{FF2B5EF4-FFF2-40B4-BE49-F238E27FC236}">
@@ -6094,13 +7937,13 @@
           <p:nvPr/>
         </p:nvPicPr>
         <p:blipFill>
-          <a:blip r:embed="rId4">
+          <a:blip r:embed="rId3">
             <a:extLst>
               <a:ext uri="{28A0092B-C50C-407E-A947-70E740481C1C}">
                 <a14:useLocalDpi xmlns:a14="http://schemas.microsoft.com/office/drawing/2010/main" val="0"/>
               </a:ext>
               <a:ext uri="{96DAC541-7B7A-43D3-8B79-37D633B846F1}">
-                <asvg:svgBlip xmlns:asvg="http://schemas.microsoft.com/office/drawing/2016/SVG/main" r:embed="rId5"/>
+                <asvg:svgBlip xmlns:asvg="http://schemas.microsoft.com/office/drawing/2016/SVG/main" r:embed="rId4"/>
               </a:ext>
             </a:extLst>
           </a:blip>
@@ -6625,6 +8468,9 @@
   <p:clrMapOvr>
     <a:masterClrMapping/>
   </p:clrMapOvr>
+  <p:transition spd="slow">
+    <p:push dir="u"/>
+  </p:transition>
   <p:timing>
     <p:tnLst>
       <p:par>
@@ -6662,7 +8508,7 @@
                                           </p:stCondLst>
                                         </p:cTn>
                                         <p:tgtEl>
-                                          <p:spTgt spid="9"/>
+                                          <p:spTgt spid="4"/>
                                         </p:tgtEl>
                                         <p:attrNameLst>
                                           <p:attrName>style.visibility</p:attrName>
@@ -6675,50 +8521,6 @@
                                     <p:animEffect transition="in" filter="fade">
                                       <p:cBhvr>
                                         <p:cTn id="7" dur="500"/>
-                                        <p:tgtEl>
-                                          <p:spTgt spid="9"/>
-                                        </p:tgtEl>
-                                      </p:cBhvr>
-                                    </p:animEffect>
-                                  </p:childTnLst>
-                                </p:cTn>
-                              </p:par>
-                            </p:childTnLst>
-                          </p:cTn>
-                        </p:par>
-                        <p:par>
-                          <p:cTn id="8" fill="hold">
-                            <p:stCondLst>
-                              <p:cond delay="500"/>
-                            </p:stCondLst>
-                            <p:childTnLst>
-                              <p:par>
-                                <p:cTn id="9" presetID="10" presetClass="entr" presetSubtype="0" fill="hold" nodeType="afterEffect">
-                                  <p:stCondLst>
-                                    <p:cond delay="0"/>
-                                  </p:stCondLst>
-                                  <p:childTnLst>
-                                    <p:set>
-                                      <p:cBhvr>
-                                        <p:cTn id="10" dur="1" fill="hold">
-                                          <p:stCondLst>
-                                            <p:cond delay="0"/>
-                                          </p:stCondLst>
-                                        </p:cTn>
-                                        <p:tgtEl>
-                                          <p:spTgt spid="4"/>
-                                        </p:tgtEl>
-                                        <p:attrNameLst>
-                                          <p:attrName>style.visibility</p:attrName>
-                                        </p:attrNameLst>
-                                      </p:cBhvr>
-                                      <p:to>
-                                        <p:strVal val="visible"/>
-                                      </p:to>
-                                    </p:set>
-                                    <p:animEffect transition="in" filter="fade">
-                                      <p:cBhvr>
-                                        <p:cTn id="11" dur="500"/>
                                         <p:tgtEl>
                                           <p:spTgt spid="4"/>
                                         </p:tgtEl>
@@ -6734,26 +8536,26 @@
                     </p:cTn>
                   </p:par>
                   <p:par>
-                    <p:cTn id="12" fill="hold">
+                    <p:cTn id="8" fill="hold">
                       <p:stCondLst>
                         <p:cond delay="indefinite"/>
                       </p:stCondLst>
                       <p:childTnLst>
                         <p:par>
-                          <p:cTn id="13" fill="hold">
+                          <p:cTn id="9" fill="hold">
                             <p:stCondLst>
                               <p:cond delay="0"/>
                             </p:stCondLst>
                             <p:childTnLst>
                               <p:par>
-                                <p:cTn id="14" presetID="10" presetClass="entr" presetSubtype="0" fill="hold" grpId="0" nodeType="clickEffect">
+                                <p:cTn id="10" presetID="10" presetClass="entr" presetSubtype="0" fill="hold" grpId="0" nodeType="clickEffect">
                                   <p:stCondLst>
                                     <p:cond delay="0"/>
                                   </p:stCondLst>
                                   <p:childTnLst>
                                     <p:set>
                                       <p:cBhvr>
-                                        <p:cTn id="15" dur="1" fill="hold">
+                                        <p:cTn id="11" dur="1" fill="hold">
                                           <p:stCondLst>
                                             <p:cond delay="0"/>
                                           </p:stCondLst>
@@ -6771,7 +8573,7 @@
                                     </p:set>
                                     <p:animEffect transition="in" filter="fade">
                                       <p:cBhvr>
-                                        <p:cTn id="16" dur="500"/>
+                                        <p:cTn id="12" dur="500"/>
                                         <p:tgtEl>
                                           <p:spTgt spid="6"/>
                                         </p:tgtEl>
@@ -6787,26 +8589,26 @@
                     </p:cTn>
                   </p:par>
                   <p:par>
-                    <p:cTn id="17" fill="hold">
+                    <p:cTn id="13" fill="hold">
                       <p:stCondLst>
                         <p:cond delay="indefinite"/>
                       </p:stCondLst>
                       <p:childTnLst>
                         <p:par>
-                          <p:cTn id="18" fill="hold">
+                          <p:cTn id="14" fill="hold">
                             <p:stCondLst>
                               <p:cond delay="0"/>
                             </p:stCondLst>
                             <p:childTnLst>
                               <p:par>
-                                <p:cTn id="19" presetID="10" presetClass="entr" presetSubtype="0" fill="hold" grpId="0" nodeType="clickEffect">
+                                <p:cTn id="15" presetID="10" presetClass="entr" presetSubtype="0" fill="hold" grpId="0" nodeType="clickEffect">
                                   <p:stCondLst>
                                     <p:cond delay="0"/>
                                   </p:stCondLst>
                                   <p:childTnLst>
                                     <p:set>
                                       <p:cBhvr>
-                                        <p:cTn id="20" dur="1" fill="hold">
+                                        <p:cTn id="16" dur="1" fill="hold">
                                           <p:stCondLst>
                                             <p:cond delay="0"/>
                                           </p:stCondLst>
@@ -6824,7 +8626,7 @@
                                     </p:set>
                                     <p:animEffect transition="in" filter="fade">
                                       <p:cBhvr>
-                                        <p:cTn id="21" dur="500"/>
+                                        <p:cTn id="17" dur="500"/>
                                         <p:tgtEl>
                                           <p:spTgt spid="7"/>
                                         </p:tgtEl>
@@ -6840,26 +8642,26 @@
                     </p:cTn>
                   </p:par>
                   <p:par>
-                    <p:cTn id="22" fill="hold">
+                    <p:cTn id="18" fill="hold">
                       <p:stCondLst>
                         <p:cond delay="indefinite"/>
                       </p:stCondLst>
                       <p:childTnLst>
                         <p:par>
-                          <p:cTn id="23" fill="hold">
+                          <p:cTn id="19" fill="hold">
                             <p:stCondLst>
                               <p:cond delay="0"/>
                             </p:stCondLst>
                             <p:childTnLst>
                               <p:par>
-                                <p:cTn id="24" presetID="10" presetClass="entr" presetSubtype="0" fill="hold" grpId="0" nodeType="clickEffect">
+                                <p:cTn id="20" presetID="10" presetClass="entr" presetSubtype="0" fill="hold" grpId="0" nodeType="clickEffect">
                                   <p:stCondLst>
                                     <p:cond delay="0"/>
                                   </p:stCondLst>
                                   <p:childTnLst>
                                     <p:set>
                                       <p:cBhvr>
-                                        <p:cTn id="25" dur="1" fill="hold">
+                                        <p:cTn id="21" dur="1" fill="hold">
                                           <p:stCondLst>
                                             <p:cond delay="0"/>
                                           </p:stCondLst>
@@ -6877,7 +8679,7 @@
                                     </p:set>
                                     <p:animEffect transition="in" filter="fade">
                                       <p:cBhvr>
-                                        <p:cTn id="26" dur="500"/>
+                                        <p:cTn id="22" dur="500"/>
                                         <p:tgtEl>
                                           <p:spTgt spid="8"/>
                                         </p:tgtEl>
@@ -6893,26 +8695,26 @@
                     </p:cTn>
                   </p:par>
                   <p:par>
-                    <p:cTn id="27" fill="hold">
+                    <p:cTn id="23" fill="hold">
                       <p:stCondLst>
                         <p:cond delay="indefinite"/>
                       </p:stCondLst>
                       <p:childTnLst>
                         <p:par>
-                          <p:cTn id="28" fill="hold">
+                          <p:cTn id="24" fill="hold">
                             <p:stCondLst>
                               <p:cond delay="0"/>
                             </p:stCondLst>
                             <p:childTnLst>
                               <p:par>
-                                <p:cTn id="29" presetID="10" presetClass="entr" presetSubtype="0" fill="hold" grpId="0" nodeType="clickEffect">
+                                <p:cTn id="25" presetID="10" presetClass="entr" presetSubtype="0" fill="hold" grpId="0" nodeType="clickEffect">
                                   <p:stCondLst>
                                     <p:cond delay="0"/>
                                   </p:stCondLst>
                                   <p:childTnLst>
                                     <p:set>
                                       <p:cBhvr>
-                                        <p:cTn id="30" dur="1" fill="hold">
+                                        <p:cTn id="26" dur="1" fill="hold">
                                           <p:stCondLst>
                                             <p:cond delay="0"/>
                                           </p:stCondLst>
@@ -6930,7 +8732,7 @@
                                     </p:set>
                                     <p:animEffect transition="in" filter="fade">
                                       <p:cBhvr>
-                                        <p:cTn id="31" dur="500"/>
+                                        <p:cTn id="27" dur="500"/>
                                         <p:tgtEl>
                                           <p:spTgt spid="10"/>
                                         </p:tgtEl>
@@ -6976,7 +8778,7 @@
 </p:sld>
 </file>
 
-<file path=ppt/slides/slide11.xml><?xml version="1.0" encoding="utf-8"?>
+<file path=ppt/slides/slide17.xml><?xml version="1.0" encoding="utf-8"?>
 <p:sld xmlns:a="http://schemas.openxmlformats.org/drawingml/2006/main" xmlns:r="http://schemas.openxmlformats.org/officeDocument/2006/relationships" xmlns:p="http://schemas.openxmlformats.org/presentationml/2006/main">
   <p:cSld>
     <p:spTree>
@@ -7028,7 +8830,7 @@
       </p:sp>
       <p:sp>
         <p:nvSpPr>
-          <p:cNvPr id="4" name="TextBox 3">
+          <p:cNvPr id="9" name="TextBox 8">
             <a:extLst>
               <a:ext uri="{FF2B5EF4-FFF2-40B4-BE49-F238E27FC236}">
                 <a16:creationId xmlns:a16="http://schemas.microsoft.com/office/drawing/2014/main" id="{7D5A808D-A6F2-4934-BCBB-72219B399144}"/>
@@ -7040,7 +8842,7 @@
         </p:nvSpPr>
         <p:spPr>
           <a:xfrm>
-            <a:off x="958787" y="2325950"/>
+            <a:off x="957312" y="1987396"/>
             <a:ext cx="2794355" cy="523220"/>
           </a:xfrm>
           <a:prstGeom prst="rect">
@@ -7144,7 +8946,7 @@
       </p:sp>
       <p:sp>
         <p:nvSpPr>
-          <p:cNvPr id="5" name="TextBox 4">
+          <p:cNvPr id="10" name="TextBox 9">
             <a:extLst>
               <a:ext uri="{FF2B5EF4-FFF2-40B4-BE49-F238E27FC236}">
                 <a16:creationId xmlns:a16="http://schemas.microsoft.com/office/drawing/2014/main" id="{688BCB9E-72E7-45F8-AE31-2CA6B2F9746E}"/>
@@ -7156,7 +8958,7 @@
         </p:nvSpPr>
         <p:spPr>
           <a:xfrm>
-            <a:off x="958787" y="2955365"/>
+            <a:off x="1003569" y="2596286"/>
             <a:ext cx="2464008" cy="523220"/>
           </a:xfrm>
           <a:prstGeom prst="rect">
@@ -7173,8 +8975,9 @@
             <a:r>
               <a:rPr lang="en-US" sz="2800" dirty="0" err="1">
                 <a:solidFill>
-                  <a:schemeClr val="tx1">
+                  <a:schemeClr val="bg1">
                     <a:lumMod val="50000"/>
+                    <a:lumOff val="50000"/>
                   </a:schemeClr>
                 </a:solidFill>
               </a:rPr>
@@ -7183,8 +8986,9 @@
             <a:r>
               <a:rPr lang="en-US" sz="2800" dirty="0">
                 <a:solidFill>
-                  <a:schemeClr val="tx1">
+                  <a:schemeClr val="bg1">
                     <a:lumMod val="50000"/>
+                    <a:lumOff val="50000"/>
                   </a:schemeClr>
                 </a:solidFill>
               </a:rPr>
@@ -7193,8 +8997,9 @@
             <a:r>
               <a:rPr lang="en-US" sz="2800" dirty="0" err="1">
                 <a:solidFill>
-                  <a:schemeClr val="tx1">
+                  <a:schemeClr val="bg1">
                     <a:lumMod val="50000"/>
+                    <a:lumOff val="50000"/>
                   </a:schemeClr>
                 </a:solidFill>
               </a:rPr>
@@ -7203,8 +9008,9 @@
             <a:r>
               <a:rPr lang="en-US" sz="2800" dirty="0">
                 <a:solidFill>
-                  <a:schemeClr val="tx1">
+                  <a:schemeClr val="bg1">
                     <a:lumMod val="50000"/>
+                    <a:lumOff val="50000"/>
                   </a:schemeClr>
                 </a:solidFill>
               </a:rPr>
@@ -7213,8 +9019,9 @@
             <a:r>
               <a:rPr lang="en-US" sz="2800" dirty="0" err="1">
                 <a:solidFill>
-                  <a:schemeClr val="tx1">
+                  <a:schemeClr val="bg1">
                     <a:lumMod val="50000"/>
+                    <a:lumOff val="50000"/>
                   </a:schemeClr>
                 </a:solidFill>
               </a:rPr>
@@ -7222,8 +9029,9 @@
             </a:r>
             <a:endParaRPr lang="en-US" sz="2800" dirty="0">
               <a:solidFill>
-                <a:schemeClr val="tx1">
+                <a:schemeClr val="bg1">
                   <a:lumMod val="50000"/>
+                  <a:lumOff val="50000"/>
                 </a:schemeClr>
               </a:solidFill>
             </a:endParaRPr>
@@ -7232,7 +9040,7 @@
       </p:sp>
       <p:sp>
         <p:nvSpPr>
-          <p:cNvPr id="6" name="TextBox 5">
+          <p:cNvPr id="11" name="TextBox 10">
             <a:extLst>
               <a:ext uri="{FF2B5EF4-FFF2-40B4-BE49-F238E27FC236}">
                 <a16:creationId xmlns:a16="http://schemas.microsoft.com/office/drawing/2014/main" id="{AD697506-962D-4AF4-AF07-7F196BB37255}"/>
@@ -7244,7 +9052,7 @@
         </p:nvSpPr>
         <p:spPr>
           <a:xfrm>
-            <a:off x="957312" y="4841811"/>
+            <a:off x="957311" y="5231373"/>
             <a:ext cx="1059906" cy="523220"/>
           </a:xfrm>
           <a:prstGeom prst="rect">
@@ -7261,8 +9069,9 @@
             <a:r>
               <a:rPr lang="en-US" sz="2800" dirty="0">
                 <a:solidFill>
-                  <a:schemeClr val="tx1">
+                  <a:schemeClr val="bg1">
                     <a:lumMod val="50000"/>
+                    <a:lumOff val="50000"/>
                   </a:schemeClr>
                 </a:solidFill>
               </a:rPr>
@@ -7273,7 +9082,7 @@
       </p:sp>
       <p:sp>
         <p:nvSpPr>
-          <p:cNvPr id="7" name="TextBox 6">
+          <p:cNvPr id="12" name="TextBox 11">
             <a:extLst>
               <a:ext uri="{FF2B5EF4-FFF2-40B4-BE49-F238E27FC236}">
                 <a16:creationId xmlns:a16="http://schemas.microsoft.com/office/drawing/2014/main" id="{8E3FAFB7-30F7-4891-936A-58C2BB5A7E15}"/>
@@ -7285,7 +9094,7 @@
         </p:nvSpPr>
         <p:spPr>
           <a:xfrm>
-            <a:off x="957312" y="3584780"/>
+            <a:off x="957311" y="3950559"/>
             <a:ext cx="1179297" cy="523220"/>
           </a:xfrm>
           <a:prstGeom prst="rect">
@@ -7302,8 +9111,9 @@
             <a:r>
               <a:rPr lang="en-US" sz="2800" dirty="0" err="1">
                 <a:solidFill>
-                  <a:schemeClr val="tx1">
+                  <a:schemeClr val="bg1">
                     <a:lumMod val="50000"/>
+                    <a:lumOff val="50000"/>
                   </a:schemeClr>
                 </a:solidFill>
               </a:rPr>
@@ -7312,8 +9122,9 @@
             <a:r>
               <a:rPr lang="en-US" sz="2800" dirty="0">
                 <a:solidFill>
-                  <a:schemeClr val="tx1">
+                  <a:schemeClr val="bg1">
                     <a:lumMod val="50000"/>
+                    <a:lumOff val="50000"/>
                   </a:schemeClr>
                 </a:solidFill>
               </a:rPr>
@@ -7322,8 +9133,9 @@
             <a:r>
               <a:rPr lang="en-US" sz="2800" dirty="0" err="1">
                 <a:solidFill>
-                  <a:schemeClr val="tx1">
+                  <a:schemeClr val="bg1">
                     <a:lumMod val="50000"/>
+                    <a:lumOff val="50000"/>
                   </a:schemeClr>
                 </a:solidFill>
               </a:rPr>
@@ -7331,8 +9143,9 @@
             </a:r>
             <a:endParaRPr lang="en-US" sz="2800" dirty="0">
               <a:solidFill>
-                <a:schemeClr val="tx1">
+                <a:schemeClr val="bg1">
                   <a:lumMod val="50000"/>
+                  <a:lumOff val="50000"/>
                 </a:schemeClr>
               </a:solidFill>
             </a:endParaRPr>
@@ -7341,7 +9154,7 @@
       </p:sp>
       <p:sp>
         <p:nvSpPr>
-          <p:cNvPr id="8" name="TextBox 7">
+          <p:cNvPr id="13" name="TextBox 12">
             <a:extLst>
               <a:ext uri="{FF2B5EF4-FFF2-40B4-BE49-F238E27FC236}">
                 <a16:creationId xmlns:a16="http://schemas.microsoft.com/office/drawing/2014/main" id="{4BC5DD41-BD3F-4DED-9D57-404D56AC1E37}"/>
@@ -7353,7 +9166,7 @@
         </p:nvSpPr>
         <p:spPr>
           <a:xfrm>
-            <a:off x="957312" y="4214195"/>
+            <a:off x="990904" y="4598474"/>
             <a:ext cx="2465483" cy="523220"/>
           </a:xfrm>
           <a:prstGeom prst="rect">
@@ -7391,10 +9204,48 @@
           </a:p>
         </p:txBody>
       </p:sp>
+      <p:sp>
+        <p:nvSpPr>
+          <p:cNvPr id="14" name="TextBox 13"/>
+          <p:cNvSpPr txBox="1"/>
+          <p:nvPr/>
+        </p:nvSpPr>
+        <p:spPr>
+          <a:xfrm>
+            <a:off x="938197" y="3302645"/>
+            <a:ext cx="5691683" cy="523220"/>
+          </a:xfrm>
+          <a:prstGeom prst="rect">
+            <a:avLst/>
+          </a:prstGeom>
+          <a:noFill/>
+        </p:spPr>
+        <p:txBody>
+          <a:bodyPr wrap="square" rtlCol="0">
+            <a:spAutoFit/>
+          </a:bodyPr>
+          <a:lstStyle/>
+          <a:p>
+            <a:r>
+              <a:rPr lang="en-US" sz="2800">
+                <a:solidFill>
+                  <a:schemeClr val="bg1">
+                    <a:lumMod val="50000"/>
+                    <a:lumOff val="50000"/>
+                  </a:schemeClr>
+                </a:solidFill>
+                <a:latin typeface="Calibri" panose="020F0502020204030204" pitchFamily="34" charset="0"/>
+                <a:cs typeface="Calibri" panose="020F0502020204030204" pitchFamily="34" charset="0"/>
+              </a:rPr>
+              <a:t>Một số dạng tấn công thường gặp</a:t>
+            </a:r>
+          </a:p>
+        </p:txBody>
+      </p:sp>
     </p:spTree>
     <p:extLst>
       <p:ext uri="{BB962C8B-B14F-4D97-AF65-F5344CB8AC3E}">
-        <p14:creationId xmlns:p14="http://schemas.microsoft.com/office/powerpoint/2010/main" val="529025338"/>
+        <p14:creationId xmlns:p14="http://schemas.microsoft.com/office/powerpoint/2010/main" val="1853928782"/>
       </p:ext>
     </p:extLst>
   </p:cSld>
@@ -7407,7 +9258,7 @@
 </p:sld>
 </file>
 
-<file path=ppt/slides/slide12.xml><?xml version="1.0" encoding="utf-8"?>
+<file path=ppt/slides/slide18.xml><?xml version="1.0" encoding="utf-8"?>
 <p:sld xmlns:a="http://schemas.openxmlformats.org/drawingml/2006/main" xmlns:r="http://schemas.openxmlformats.org/officeDocument/2006/relationships" xmlns:p="http://schemas.openxmlformats.org/presentationml/2006/main">
   <p:cSld>
     <p:spTree>
@@ -7439,7 +9290,7 @@
           <p:nvPr/>
         </p:nvPicPr>
         <p:blipFill>
-          <a:blip r:embed="rId2">
+          <a:blip r:embed="rId2" cstate="hqprint">
             <a:extLst>
               <a:ext uri="{28A0092B-C50C-407E-A947-70E740481C1C}">
                 <a14:useLocalDpi xmlns:a14="http://schemas.microsoft.com/office/drawing/2010/main" val="0"/>
@@ -7455,8 +9306,8 @@
         </p:blipFill>
         <p:spPr>
           <a:xfrm>
-            <a:off x="1084555" y="2971800"/>
-            <a:ext cx="914400" cy="914400"/>
+            <a:off x="550153" y="2106631"/>
+            <a:ext cx="2480429" cy="2480429"/>
           </a:xfrm>
           <a:prstGeom prst="rect">
             <a:avLst/>
@@ -7476,9 +9327,9 @@
           <p:nvPr/>
         </p:nvSpPr>
         <p:spPr>
-          <a:xfrm rot="19415227">
-            <a:off x="2111170" y="2226078"/>
-            <a:ext cx="1873188" cy="279696"/>
+          <a:xfrm>
+            <a:off x="3631474" y="1070814"/>
+            <a:ext cx="692612" cy="422451"/>
           </a:xfrm>
           <a:prstGeom prst="rightArrow">
             <a:avLst/>
@@ -7505,16 +9356,264 @@
           <a:lstStyle/>
           <a:p>
             <a:pPr algn="ctr"/>
-            <a:endParaRPr lang="en-US"/>
-          </a:p>
-        </p:txBody>
-      </p:sp>
-      <p:sp>
-        <p:nvSpPr>
-          <p:cNvPr id="28" name="Arrow: Right 27">
+            <a:endParaRPr lang="en-US" sz="2000"/>
+          </a:p>
+        </p:txBody>
+      </p:sp>
+      <p:sp>
+        <p:nvSpPr>
+          <p:cNvPr id="31" name="TextBox 30">
             <a:extLst>
               <a:ext uri="{FF2B5EF4-FFF2-40B4-BE49-F238E27FC236}">
-                <a16:creationId xmlns:a16="http://schemas.microsoft.com/office/drawing/2014/main" id="{518290A7-C9DE-4336-BFD8-B4BCF2B6B4A0}"/>
+                <a16:creationId xmlns:a16="http://schemas.microsoft.com/office/drawing/2014/main" id="{9CF592EF-7A4D-4F38-9E08-359DA8816914}"/>
+              </a:ext>
+            </a:extLst>
+          </p:cNvPr>
+          <p:cNvSpPr txBox="1"/>
+          <p:nvPr/>
+        </p:nvSpPr>
+        <p:spPr>
+          <a:xfrm>
+            <a:off x="4425872" y="1070814"/>
+            <a:ext cx="5175327" cy="400110"/>
+          </a:xfrm>
+          <a:prstGeom prst="rect">
+            <a:avLst/>
+          </a:prstGeom>
+          <a:noFill/>
+        </p:spPr>
+        <p:txBody>
+          <a:bodyPr wrap="square" rtlCol="0">
+            <a:spAutoFit/>
+          </a:bodyPr>
+          <a:lstStyle/>
+          <a:p>
+            <a:pPr lvl="0"/>
+            <a:r>
+              <a:rPr lang="vi-VN" sz="2000" b="1" dirty="0">
+                <a:latin typeface="Calibri" panose="020F0502020204030204" pitchFamily="34" charset="0"/>
+                <a:cs typeface="Calibri" panose="020F0502020204030204" pitchFamily="34" charset="0"/>
+              </a:rPr>
+              <a:t>Lọc dữ liệu từ người dùng</a:t>
+            </a:r>
+            <a:endParaRPr lang="en-US" sz="2000" b="1" dirty="0">
+              <a:latin typeface="Calibri" panose="020F0502020204030204" pitchFamily="34" charset="0"/>
+              <a:cs typeface="Calibri" panose="020F0502020204030204" pitchFamily="34" charset="0"/>
+            </a:endParaRPr>
+          </a:p>
+        </p:txBody>
+      </p:sp>
+      <p:sp>
+        <p:nvSpPr>
+          <p:cNvPr id="32" name="TextBox 31">
+            <a:extLst>
+              <a:ext uri="{FF2B5EF4-FFF2-40B4-BE49-F238E27FC236}">
+                <a16:creationId xmlns:a16="http://schemas.microsoft.com/office/drawing/2014/main" id="{4F1929E4-EBCF-4FF0-AE14-66137D7997EB}"/>
+              </a:ext>
+            </a:extLst>
+          </p:cNvPr>
+          <p:cNvSpPr txBox="1"/>
+          <p:nvPr/>
+        </p:nvSpPr>
+        <p:spPr>
+          <a:xfrm>
+            <a:off x="4425872" y="2167901"/>
+            <a:ext cx="4846028" cy="400110"/>
+          </a:xfrm>
+          <a:prstGeom prst="rect">
+            <a:avLst/>
+          </a:prstGeom>
+          <a:noFill/>
+        </p:spPr>
+        <p:txBody>
+          <a:bodyPr wrap="square" rtlCol="0">
+            <a:spAutoFit/>
+          </a:bodyPr>
+          <a:lstStyle/>
+          <a:p>
+            <a:pPr lvl="0"/>
+            <a:r>
+              <a:rPr lang="en-US" sz="2000" b="1" dirty="0" err="1"/>
+              <a:t>Không</a:t>
+            </a:r>
+            <a:r>
+              <a:rPr lang="en-US" sz="2000" b="1" dirty="0"/>
+              <a:t> </a:t>
+            </a:r>
+            <a:r>
+              <a:rPr lang="en-US" sz="2000" b="1" dirty="0" err="1"/>
+              <a:t>cộng</a:t>
+            </a:r>
+            <a:r>
+              <a:rPr lang="en-US" sz="2000" b="1" dirty="0"/>
+              <a:t> </a:t>
+            </a:r>
+            <a:r>
+              <a:rPr lang="en-US" sz="2000" b="1" dirty="0" err="1"/>
+              <a:t>chuỗi</a:t>
+            </a:r>
+            <a:r>
+              <a:rPr lang="en-US" sz="2000" b="1" dirty="0"/>
+              <a:t> </a:t>
+            </a:r>
+            <a:r>
+              <a:rPr lang="en-US" sz="2000" b="1" dirty="0" err="1"/>
+              <a:t>để</a:t>
+            </a:r>
+            <a:r>
+              <a:rPr lang="en-US" sz="2000" b="1" dirty="0"/>
+              <a:t> </a:t>
+            </a:r>
+            <a:r>
+              <a:rPr lang="en-US" sz="2000" b="1" dirty="0" err="1"/>
+              <a:t>tạo</a:t>
+            </a:r>
+            <a:r>
+              <a:rPr lang="en-US" sz="2000" b="1" dirty="0"/>
+              <a:t> SQL</a:t>
+            </a:r>
+          </a:p>
+        </p:txBody>
+      </p:sp>
+      <p:sp>
+        <p:nvSpPr>
+          <p:cNvPr id="33" name="TextBox 32">
+            <a:extLst>
+              <a:ext uri="{FF2B5EF4-FFF2-40B4-BE49-F238E27FC236}">
+                <a16:creationId xmlns:a16="http://schemas.microsoft.com/office/drawing/2014/main" id="{B1A02E87-210C-4239-8197-5ABF14718058}"/>
+              </a:ext>
+            </a:extLst>
+          </p:cNvPr>
+          <p:cNvSpPr txBox="1"/>
+          <p:nvPr/>
+        </p:nvSpPr>
+        <p:spPr>
+          <a:xfrm>
+            <a:off x="4425872" y="3349462"/>
+            <a:ext cx="4176263" cy="400110"/>
+          </a:xfrm>
+          <a:prstGeom prst="rect">
+            <a:avLst/>
+          </a:prstGeom>
+          <a:noFill/>
+        </p:spPr>
+        <p:txBody>
+          <a:bodyPr wrap="square" rtlCol="0">
+            <a:spAutoFit/>
+          </a:bodyPr>
+          <a:lstStyle/>
+          <a:p>
+            <a:pPr lvl="0"/>
+            <a:r>
+              <a:rPr lang="en-US" sz="2000" b="1" dirty="0" err="1"/>
+              <a:t>Không</a:t>
+            </a:r>
+            <a:r>
+              <a:rPr lang="en-US" sz="2000" b="1" dirty="0"/>
+              <a:t> </a:t>
+            </a:r>
+            <a:r>
+              <a:rPr lang="en-US" sz="2000" b="1" dirty="0" err="1"/>
+              <a:t>hiển</a:t>
+            </a:r>
+            <a:r>
+              <a:rPr lang="en-US" sz="2000" b="1" dirty="0"/>
+              <a:t> </a:t>
+            </a:r>
+            <a:r>
+              <a:rPr lang="en-US" sz="2000" b="1" dirty="0" err="1"/>
+              <a:t>thị</a:t>
+            </a:r>
+            <a:r>
+              <a:rPr lang="en-US" sz="2000" b="1" dirty="0"/>
+              <a:t> exception, message </a:t>
+            </a:r>
+            <a:r>
+              <a:rPr lang="en-US" sz="2000" b="1" dirty="0" err="1"/>
+              <a:t>lỗi</a:t>
+            </a:r>
+            <a:endParaRPr lang="en-US" sz="2000" dirty="0"/>
+          </a:p>
+        </p:txBody>
+      </p:sp>
+      <p:sp>
+        <p:nvSpPr>
+          <p:cNvPr id="35" name="TextBox 34">
+            <a:extLst>
+              <a:ext uri="{FF2B5EF4-FFF2-40B4-BE49-F238E27FC236}">
+                <a16:creationId xmlns:a16="http://schemas.microsoft.com/office/drawing/2014/main" id="{5DF139DE-96C8-42BC-8108-04DD37088A86}"/>
+              </a:ext>
+            </a:extLst>
+          </p:cNvPr>
+          <p:cNvSpPr txBox="1"/>
+          <p:nvPr/>
+        </p:nvSpPr>
+        <p:spPr>
+          <a:xfrm>
+            <a:off x="4458773" y="4423218"/>
+            <a:ext cx="5877993" cy="400110"/>
+          </a:xfrm>
+          <a:prstGeom prst="rect">
+            <a:avLst/>
+          </a:prstGeom>
+          <a:noFill/>
+        </p:spPr>
+        <p:txBody>
+          <a:bodyPr wrap="square" rtlCol="0">
+            <a:spAutoFit/>
+          </a:bodyPr>
+          <a:lstStyle/>
+          <a:p>
+            <a:pPr lvl="0"/>
+            <a:r>
+              <a:rPr lang="en-US" sz="2000" b="1" dirty="0" err="1"/>
+              <a:t>Phân</a:t>
+            </a:r>
+            <a:r>
+              <a:rPr lang="en-US" sz="2000" b="1" dirty="0"/>
+              <a:t> </a:t>
+            </a:r>
+            <a:r>
+              <a:rPr lang="en-US" sz="2000" b="1" dirty="0" err="1"/>
+              <a:t>quyền</a:t>
+            </a:r>
+            <a:r>
+              <a:rPr lang="en-US" sz="2000" b="1" dirty="0"/>
+              <a:t> </a:t>
+            </a:r>
+            <a:r>
+              <a:rPr lang="en-US" sz="2000" b="1" dirty="0" err="1"/>
+              <a:t>rõ</a:t>
+            </a:r>
+            <a:r>
+              <a:rPr lang="en-US" sz="2000" b="1" dirty="0"/>
+              <a:t> </a:t>
+            </a:r>
+            <a:r>
+              <a:rPr lang="en-US" sz="2000" b="1" dirty="0" err="1"/>
+              <a:t>ràng</a:t>
+            </a:r>
+            <a:r>
+              <a:rPr lang="en-US" sz="2000" b="1" dirty="0"/>
+              <a:t> </a:t>
+            </a:r>
+            <a:r>
+              <a:rPr lang="en-US" sz="2000" b="1" dirty="0" err="1"/>
+              <a:t>trong</a:t>
+            </a:r>
+            <a:r>
+              <a:rPr lang="en-US" sz="2000" b="1" dirty="0"/>
+              <a:t> DB</a:t>
+            </a:r>
+          </a:p>
+        </p:txBody>
+      </p:sp>
+      <p:sp>
+        <p:nvSpPr>
+          <p:cNvPr id="12" name="Arrow: Right 26">
+            <a:extLst>
+              <a:ext uri="{FF2B5EF4-FFF2-40B4-BE49-F238E27FC236}">
+                <a16:creationId xmlns:a16="http://schemas.microsoft.com/office/drawing/2014/main" id="{733CB25D-9260-479E-8642-5346DD9B0DB4}"/>
               </a:ext>
             </a:extLst>
           </p:cNvPr>
@@ -7522,9 +9621,9 @@
           <p:nvPr/>
         </p:nvSpPr>
         <p:spPr>
-          <a:xfrm rot="20670029">
-            <a:off x="2447490" y="2832337"/>
-            <a:ext cx="1873188" cy="279696"/>
+          <a:xfrm>
+            <a:off x="3631474" y="2141342"/>
+            <a:ext cx="692612" cy="422451"/>
           </a:xfrm>
           <a:prstGeom prst="rightArrow">
             <a:avLst/>
@@ -7551,16 +9650,16 @@
           <a:lstStyle/>
           <a:p>
             <a:pPr algn="ctr"/>
-            <a:endParaRPr lang="en-US"/>
-          </a:p>
-        </p:txBody>
-      </p:sp>
-      <p:sp>
-        <p:nvSpPr>
-          <p:cNvPr id="29" name="Arrow: Right 28">
+            <a:endParaRPr lang="en-US" sz="2000"/>
+          </a:p>
+        </p:txBody>
+      </p:sp>
+      <p:sp>
+        <p:nvSpPr>
+          <p:cNvPr id="13" name="Arrow: Right 26">
             <a:extLst>
               <a:ext uri="{FF2B5EF4-FFF2-40B4-BE49-F238E27FC236}">
-                <a16:creationId xmlns:a16="http://schemas.microsoft.com/office/drawing/2014/main" id="{6309AA4D-E1E7-42CF-B7E0-06970452A301}"/>
+                <a16:creationId xmlns:a16="http://schemas.microsoft.com/office/drawing/2014/main" id="{733CB25D-9260-479E-8642-5346DD9B0DB4}"/>
               </a:ext>
             </a:extLst>
           </p:cNvPr>
@@ -7568,9 +9667,9 @@
           <p:nvPr/>
         </p:nvSpPr>
         <p:spPr>
-          <a:xfrm rot="610887">
-            <a:off x="2440632" y="3656720"/>
-            <a:ext cx="1873188" cy="279696"/>
+          <a:xfrm>
+            <a:off x="3631474" y="3346845"/>
+            <a:ext cx="692612" cy="422451"/>
           </a:xfrm>
           <a:prstGeom prst="rightArrow">
             <a:avLst/>
@@ -7597,16 +9696,16 @@
           <a:lstStyle/>
           <a:p>
             <a:pPr algn="ctr"/>
-            <a:endParaRPr lang="en-US"/>
-          </a:p>
-        </p:txBody>
-      </p:sp>
-      <p:sp>
-        <p:nvSpPr>
-          <p:cNvPr id="30" name="Arrow: Right 29">
+            <a:endParaRPr lang="en-US" sz="2000"/>
+          </a:p>
+        </p:txBody>
+      </p:sp>
+      <p:sp>
+        <p:nvSpPr>
+          <p:cNvPr id="14" name="Arrow: Right 26">
             <a:extLst>
               <a:ext uri="{FF2B5EF4-FFF2-40B4-BE49-F238E27FC236}">
-                <a16:creationId xmlns:a16="http://schemas.microsoft.com/office/drawing/2014/main" id="{877600D4-2D47-45E4-B70D-57163817ACE4}"/>
+                <a16:creationId xmlns:a16="http://schemas.microsoft.com/office/drawing/2014/main" id="{733CB25D-9260-479E-8642-5346DD9B0DB4}"/>
               </a:ext>
             </a:extLst>
           </p:cNvPr>
@@ -7614,9 +9713,9 @@
           <p:nvPr/>
         </p:nvSpPr>
         <p:spPr>
-          <a:xfrm rot="1520379">
-            <a:off x="2327344" y="4328983"/>
-            <a:ext cx="1873188" cy="279696"/>
+          <a:xfrm>
+            <a:off x="3631474" y="4400877"/>
+            <a:ext cx="692612" cy="422451"/>
           </a:xfrm>
           <a:prstGeom prst="rightArrow">
             <a:avLst/>
@@ -7643,26 +9742,66 @@
           <a:lstStyle/>
           <a:p>
             <a:pPr algn="ctr"/>
-            <a:endParaRPr lang="en-US"/>
-          </a:p>
-        </p:txBody>
-      </p:sp>
-      <p:sp>
-        <p:nvSpPr>
-          <p:cNvPr id="31" name="TextBox 30">
+            <a:endParaRPr lang="en-US" sz="2000"/>
+          </a:p>
+        </p:txBody>
+      </p:sp>
+      <p:sp>
+        <p:nvSpPr>
+          <p:cNvPr id="15" name="Arrow: Right 26">
             <a:extLst>
               <a:ext uri="{FF2B5EF4-FFF2-40B4-BE49-F238E27FC236}">
-                <a16:creationId xmlns:a16="http://schemas.microsoft.com/office/drawing/2014/main" id="{9CF592EF-7A4D-4F38-9E08-359DA8816914}"/>
+                <a16:creationId xmlns:a16="http://schemas.microsoft.com/office/drawing/2014/main" id="{733CB25D-9260-479E-8642-5346DD9B0DB4}"/>
               </a:ext>
             </a:extLst>
           </p:cNvPr>
+          <p:cNvSpPr/>
+          <p:nvPr/>
+        </p:nvSpPr>
+        <p:spPr>
+          <a:xfrm>
+            <a:off x="3631474" y="5436630"/>
+            <a:ext cx="692612" cy="422451"/>
+          </a:xfrm>
+          <a:prstGeom prst="rightArrow">
+            <a:avLst/>
+          </a:prstGeom>
+        </p:spPr>
+        <p:style>
+          <a:lnRef idx="2">
+            <a:schemeClr val="accent1">
+              <a:shade val="50000"/>
+            </a:schemeClr>
+          </a:lnRef>
+          <a:fillRef idx="1">
+            <a:schemeClr val="accent1"/>
+          </a:fillRef>
+          <a:effectRef idx="0">
+            <a:schemeClr val="accent1"/>
+          </a:effectRef>
+          <a:fontRef idx="minor">
+            <a:schemeClr val="lt1"/>
+          </a:fontRef>
+        </p:style>
+        <p:txBody>
+          <a:bodyPr rtlCol="0" anchor="ctr"/>
+          <a:lstStyle/>
+          <a:p>
+            <a:pPr algn="ctr"/>
+            <a:endParaRPr lang="en-US" sz="2000"/>
+          </a:p>
+        </p:txBody>
+      </p:sp>
+      <p:sp>
+        <p:nvSpPr>
+          <p:cNvPr id="2" name="TextBox 1"/>
           <p:cNvSpPr txBox="1"/>
           <p:nvPr/>
         </p:nvSpPr>
         <p:spPr>
           <a:xfrm>
-            <a:off x="4096573" y="1492871"/>
-            <a:ext cx="3233767" cy="400110"/>
+            <a:off x="4458773" y="5458971"/>
+            <a:ext cx="3342069" cy="400110"/>
           </a:xfrm>
           <a:prstGeom prst="rect">
             <a:avLst/>
@@ -7670,120 +9809,22 @@
           <a:noFill/>
         </p:spPr>
         <p:txBody>
-          <a:bodyPr wrap="square" rtlCol="0">
+          <a:bodyPr wrap="none" rtlCol="0">
             <a:spAutoFit/>
           </a:bodyPr>
           <a:lstStyle/>
           <a:p>
             <a:r>
-              <a:rPr lang="en-US" sz="2000" dirty="0"/>
-              <a:t>Parameterized Statements</a:t>
-            </a:r>
-          </a:p>
-        </p:txBody>
-      </p:sp>
-      <p:sp>
-        <p:nvSpPr>
-          <p:cNvPr id="32" name="TextBox 31">
-            <a:extLst>
-              <a:ext uri="{FF2B5EF4-FFF2-40B4-BE49-F238E27FC236}">
-                <a16:creationId xmlns:a16="http://schemas.microsoft.com/office/drawing/2014/main" id="{4F1929E4-EBCF-4FF0-AE14-66137D7997EB}"/>
-              </a:ext>
-            </a:extLst>
-          </p:cNvPr>
-          <p:cNvSpPr txBox="1"/>
-          <p:nvPr/>
-        </p:nvSpPr>
-        <p:spPr>
-          <a:xfrm>
-            <a:off x="4651899" y="2573836"/>
-            <a:ext cx="3364638" cy="400110"/>
-          </a:xfrm>
-          <a:prstGeom prst="rect">
-            <a:avLst/>
-          </a:prstGeom>
-          <a:noFill/>
-        </p:spPr>
-        <p:txBody>
-          <a:bodyPr wrap="square" rtlCol="0">
-            <a:spAutoFit/>
-          </a:bodyPr>
-          <a:lstStyle/>
-          <a:p>
-            <a:r>
-              <a:rPr lang="en-US" sz="2000" dirty="0"/>
-              <a:t>Object Relational Mapping</a:t>
-            </a:r>
-          </a:p>
-        </p:txBody>
-      </p:sp>
-      <p:sp>
-        <p:nvSpPr>
-          <p:cNvPr id="33" name="TextBox 32">
-            <a:extLst>
-              <a:ext uri="{FF2B5EF4-FFF2-40B4-BE49-F238E27FC236}">
-                <a16:creationId xmlns:a16="http://schemas.microsoft.com/office/drawing/2014/main" id="{B1A02E87-210C-4239-8197-5ABF14718058}"/>
-              </a:ext>
-            </a:extLst>
-          </p:cNvPr>
-          <p:cNvSpPr txBox="1"/>
-          <p:nvPr/>
-        </p:nvSpPr>
-        <p:spPr>
-          <a:xfrm>
-            <a:off x="4767308" y="3744849"/>
-            <a:ext cx="3000653" cy="400110"/>
-          </a:xfrm>
-          <a:prstGeom prst="rect">
-            <a:avLst/>
-          </a:prstGeom>
-          <a:noFill/>
-        </p:spPr>
-        <p:txBody>
-          <a:bodyPr wrap="square" rtlCol="0">
-            <a:spAutoFit/>
-          </a:bodyPr>
-          <a:lstStyle/>
-          <a:p>
-            <a:r>
-              <a:rPr lang="en-US" sz="2000" dirty="0"/>
-              <a:t>Escaping Inputs</a:t>
-            </a:r>
-          </a:p>
-        </p:txBody>
-      </p:sp>
-      <p:sp>
-        <p:nvSpPr>
-          <p:cNvPr id="35" name="TextBox 34">
-            <a:extLst>
-              <a:ext uri="{FF2B5EF4-FFF2-40B4-BE49-F238E27FC236}">
-                <a16:creationId xmlns:a16="http://schemas.microsoft.com/office/drawing/2014/main" id="{5DF139DE-96C8-42BC-8108-04DD37088A86}"/>
-              </a:ext>
-            </a:extLst>
-          </p:cNvPr>
-          <p:cNvSpPr txBox="1"/>
-          <p:nvPr/>
-        </p:nvSpPr>
-        <p:spPr>
-          <a:xfrm>
-            <a:off x="4452152" y="5117626"/>
-            <a:ext cx="1882066" cy="400110"/>
-          </a:xfrm>
-          <a:prstGeom prst="rect">
-            <a:avLst/>
-          </a:prstGeom>
-          <a:noFill/>
-        </p:spPr>
-        <p:txBody>
-          <a:bodyPr wrap="square" rtlCol="0">
-            <a:spAutoFit/>
-          </a:bodyPr>
-          <a:lstStyle/>
-          <a:p>
-            <a:r>
-              <a:rPr lang="en-US" sz="2000" dirty="0"/>
-              <a:t>Sanitizing Inputs</a:t>
-            </a:r>
+              <a:rPr lang="vi-VN" sz="2000" b="1" dirty="0">
+                <a:latin typeface="Calibri" panose="020F0502020204030204" pitchFamily="34" charset="0"/>
+                <a:cs typeface="Calibri" panose="020F0502020204030204" pitchFamily="34" charset="0"/>
+              </a:rPr>
+              <a:t>Backup dữ liệu thường xuyên</a:t>
+            </a:r>
+            <a:endParaRPr lang="en-US" sz="2000" dirty="0">
+              <a:latin typeface="Calibri" panose="020F0502020204030204" pitchFamily="34" charset="0"/>
+              <a:cs typeface="Calibri" panose="020F0502020204030204" pitchFamily="34" charset="0"/>
+            </a:endParaRPr>
           </a:p>
         </p:txBody>
       </p:sp>
@@ -7797,10 +9838,885 @@
   <p:clrMapOvr>
     <a:masterClrMapping/>
   </p:clrMapOvr>
+  <p:transition spd="slow">
+    <p:push dir="u"/>
+  </p:transition>
+  <p:timing>
+    <p:tnLst>
+      <p:par>
+        <p:cTn id="1" dur="indefinite" restart="never" nodeType="tmRoot">
+          <p:childTnLst>
+            <p:seq concurrent="1" nextAc="seek">
+              <p:cTn id="2" dur="indefinite" nodeType="mainSeq">
+                <p:childTnLst>
+                  <p:par>
+                    <p:cTn id="3" fill="hold">
+                      <p:stCondLst>
+                        <p:cond delay="indefinite"/>
+                        <p:cond evt="onBegin" delay="0">
+                          <p:tn val="2"/>
+                        </p:cond>
+                      </p:stCondLst>
+                      <p:childTnLst>
+                        <p:par>
+                          <p:cTn id="4" fill="hold">
+                            <p:stCondLst>
+                              <p:cond delay="0"/>
+                            </p:stCondLst>
+                            <p:childTnLst>
+                              <p:par>
+                                <p:cTn id="5" presetID="10" presetClass="entr" presetSubtype="0" fill="hold" nodeType="withEffect">
+                                  <p:stCondLst>
+                                    <p:cond delay="0"/>
+                                  </p:stCondLst>
+                                  <p:childTnLst>
+                                    <p:set>
+                                      <p:cBhvr>
+                                        <p:cTn id="6" dur="1" fill="hold">
+                                          <p:stCondLst>
+                                            <p:cond delay="0"/>
+                                          </p:stCondLst>
+                                        </p:cTn>
+                                        <p:tgtEl>
+                                          <p:spTgt spid="4"/>
+                                        </p:tgtEl>
+                                        <p:attrNameLst>
+                                          <p:attrName>style.visibility</p:attrName>
+                                        </p:attrNameLst>
+                                      </p:cBhvr>
+                                      <p:to>
+                                        <p:strVal val="visible"/>
+                                      </p:to>
+                                    </p:set>
+                                    <p:animEffect transition="in" filter="fade">
+                                      <p:cBhvr>
+                                        <p:cTn id="7" dur="500"/>
+                                        <p:tgtEl>
+                                          <p:spTgt spid="4"/>
+                                        </p:tgtEl>
+                                      </p:cBhvr>
+                                    </p:animEffect>
+                                  </p:childTnLst>
+                                </p:cTn>
+                              </p:par>
+                            </p:childTnLst>
+                          </p:cTn>
+                        </p:par>
+                      </p:childTnLst>
+                    </p:cTn>
+                  </p:par>
+                  <p:par>
+                    <p:cTn id="8" fill="hold">
+                      <p:stCondLst>
+                        <p:cond delay="indefinite"/>
+                      </p:stCondLst>
+                      <p:childTnLst>
+                        <p:par>
+                          <p:cTn id="9" fill="hold">
+                            <p:stCondLst>
+                              <p:cond delay="0"/>
+                            </p:stCondLst>
+                            <p:childTnLst>
+                              <p:par>
+                                <p:cTn id="10" presetID="42" presetClass="entr" presetSubtype="0" fill="hold" grpId="0" nodeType="clickEffect">
+                                  <p:stCondLst>
+                                    <p:cond delay="0"/>
+                                  </p:stCondLst>
+                                  <p:childTnLst>
+                                    <p:set>
+                                      <p:cBhvr>
+                                        <p:cTn id="11" dur="1" fill="hold">
+                                          <p:stCondLst>
+                                            <p:cond delay="0"/>
+                                          </p:stCondLst>
+                                        </p:cTn>
+                                        <p:tgtEl>
+                                          <p:spTgt spid="27"/>
+                                        </p:tgtEl>
+                                        <p:attrNameLst>
+                                          <p:attrName>style.visibility</p:attrName>
+                                        </p:attrNameLst>
+                                      </p:cBhvr>
+                                      <p:to>
+                                        <p:strVal val="visible"/>
+                                      </p:to>
+                                    </p:set>
+                                    <p:animEffect transition="in" filter="fade">
+                                      <p:cBhvr>
+                                        <p:cTn id="12" dur="1000"/>
+                                        <p:tgtEl>
+                                          <p:spTgt spid="27"/>
+                                        </p:tgtEl>
+                                      </p:cBhvr>
+                                    </p:animEffect>
+                                    <p:anim calcmode="lin" valueType="num">
+                                      <p:cBhvr>
+                                        <p:cTn id="13" dur="1000" fill="hold"/>
+                                        <p:tgtEl>
+                                          <p:spTgt spid="27"/>
+                                        </p:tgtEl>
+                                        <p:attrNameLst>
+                                          <p:attrName>ppt_x</p:attrName>
+                                        </p:attrNameLst>
+                                      </p:cBhvr>
+                                      <p:tavLst>
+                                        <p:tav tm="0">
+                                          <p:val>
+                                            <p:strVal val="#ppt_x"/>
+                                          </p:val>
+                                        </p:tav>
+                                        <p:tav tm="100000">
+                                          <p:val>
+                                            <p:strVal val="#ppt_x"/>
+                                          </p:val>
+                                        </p:tav>
+                                      </p:tavLst>
+                                    </p:anim>
+                                    <p:anim calcmode="lin" valueType="num">
+                                      <p:cBhvr>
+                                        <p:cTn id="14" dur="1000" fill="hold"/>
+                                        <p:tgtEl>
+                                          <p:spTgt spid="27"/>
+                                        </p:tgtEl>
+                                        <p:attrNameLst>
+                                          <p:attrName>ppt_y</p:attrName>
+                                        </p:attrNameLst>
+                                      </p:cBhvr>
+                                      <p:tavLst>
+                                        <p:tav tm="0">
+                                          <p:val>
+                                            <p:strVal val="#ppt_y+.1"/>
+                                          </p:val>
+                                        </p:tav>
+                                        <p:tav tm="100000">
+                                          <p:val>
+                                            <p:strVal val="#ppt_y"/>
+                                          </p:val>
+                                        </p:tav>
+                                      </p:tavLst>
+                                    </p:anim>
+                                  </p:childTnLst>
+                                </p:cTn>
+                              </p:par>
+                            </p:childTnLst>
+                          </p:cTn>
+                        </p:par>
+                      </p:childTnLst>
+                    </p:cTn>
+                  </p:par>
+                  <p:par>
+                    <p:cTn id="15" fill="hold">
+                      <p:stCondLst>
+                        <p:cond delay="indefinite"/>
+                      </p:stCondLst>
+                      <p:childTnLst>
+                        <p:par>
+                          <p:cTn id="16" fill="hold">
+                            <p:stCondLst>
+                              <p:cond delay="0"/>
+                            </p:stCondLst>
+                            <p:childTnLst>
+                              <p:par>
+                                <p:cTn id="17" presetID="10" presetClass="entr" presetSubtype="0" fill="hold" grpId="0" nodeType="clickEffect">
+                                  <p:stCondLst>
+                                    <p:cond delay="0"/>
+                                  </p:stCondLst>
+                                  <p:childTnLst>
+                                    <p:set>
+                                      <p:cBhvr>
+                                        <p:cTn id="18" dur="1" fill="hold">
+                                          <p:stCondLst>
+                                            <p:cond delay="0"/>
+                                          </p:stCondLst>
+                                        </p:cTn>
+                                        <p:tgtEl>
+                                          <p:spTgt spid="31"/>
+                                        </p:tgtEl>
+                                        <p:attrNameLst>
+                                          <p:attrName>style.visibility</p:attrName>
+                                        </p:attrNameLst>
+                                      </p:cBhvr>
+                                      <p:to>
+                                        <p:strVal val="visible"/>
+                                      </p:to>
+                                    </p:set>
+                                    <p:animEffect transition="in" filter="fade">
+                                      <p:cBhvr>
+                                        <p:cTn id="19" dur="500"/>
+                                        <p:tgtEl>
+                                          <p:spTgt spid="31"/>
+                                        </p:tgtEl>
+                                      </p:cBhvr>
+                                    </p:animEffect>
+                                  </p:childTnLst>
+                                </p:cTn>
+                              </p:par>
+                            </p:childTnLst>
+                          </p:cTn>
+                        </p:par>
+                      </p:childTnLst>
+                    </p:cTn>
+                  </p:par>
+                  <p:par>
+                    <p:cTn id="20" fill="hold">
+                      <p:stCondLst>
+                        <p:cond delay="indefinite"/>
+                      </p:stCondLst>
+                      <p:childTnLst>
+                        <p:par>
+                          <p:cTn id="21" fill="hold">
+                            <p:stCondLst>
+                              <p:cond delay="0"/>
+                            </p:stCondLst>
+                            <p:childTnLst>
+                              <p:par>
+                                <p:cTn id="22" presetID="42" presetClass="entr" presetSubtype="0" fill="hold" grpId="0" nodeType="clickEffect">
+                                  <p:stCondLst>
+                                    <p:cond delay="0"/>
+                                  </p:stCondLst>
+                                  <p:childTnLst>
+                                    <p:set>
+                                      <p:cBhvr>
+                                        <p:cTn id="23" dur="1" fill="hold">
+                                          <p:stCondLst>
+                                            <p:cond delay="0"/>
+                                          </p:stCondLst>
+                                        </p:cTn>
+                                        <p:tgtEl>
+                                          <p:spTgt spid="12"/>
+                                        </p:tgtEl>
+                                        <p:attrNameLst>
+                                          <p:attrName>style.visibility</p:attrName>
+                                        </p:attrNameLst>
+                                      </p:cBhvr>
+                                      <p:to>
+                                        <p:strVal val="visible"/>
+                                      </p:to>
+                                    </p:set>
+                                    <p:animEffect transition="in" filter="fade">
+                                      <p:cBhvr>
+                                        <p:cTn id="24" dur="1000"/>
+                                        <p:tgtEl>
+                                          <p:spTgt spid="12"/>
+                                        </p:tgtEl>
+                                      </p:cBhvr>
+                                    </p:animEffect>
+                                    <p:anim calcmode="lin" valueType="num">
+                                      <p:cBhvr>
+                                        <p:cTn id="25" dur="1000" fill="hold"/>
+                                        <p:tgtEl>
+                                          <p:spTgt spid="12"/>
+                                        </p:tgtEl>
+                                        <p:attrNameLst>
+                                          <p:attrName>ppt_x</p:attrName>
+                                        </p:attrNameLst>
+                                      </p:cBhvr>
+                                      <p:tavLst>
+                                        <p:tav tm="0">
+                                          <p:val>
+                                            <p:strVal val="#ppt_x"/>
+                                          </p:val>
+                                        </p:tav>
+                                        <p:tav tm="100000">
+                                          <p:val>
+                                            <p:strVal val="#ppt_x"/>
+                                          </p:val>
+                                        </p:tav>
+                                      </p:tavLst>
+                                    </p:anim>
+                                    <p:anim calcmode="lin" valueType="num">
+                                      <p:cBhvr>
+                                        <p:cTn id="26" dur="1000" fill="hold"/>
+                                        <p:tgtEl>
+                                          <p:spTgt spid="12"/>
+                                        </p:tgtEl>
+                                        <p:attrNameLst>
+                                          <p:attrName>ppt_y</p:attrName>
+                                        </p:attrNameLst>
+                                      </p:cBhvr>
+                                      <p:tavLst>
+                                        <p:tav tm="0">
+                                          <p:val>
+                                            <p:strVal val="#ppt_y+.1"/>
+                                          </p:val>
+                                        </p:tav>
+                                        <p:tav tm="100000">
+                                          <p:val>
+                                            <p:strVal val="#ppt_y"/>
+                                          </p:val>
+                                        </p:tav>
+                                      </p:tavLst>
+                                    </p:anim>
+                                  </p:childTnLst>
+                                </p:cTn>
+                              </p:par>
+                            </p:childTnLst>
+                          </p:cTn>
+                        </p:par>
+                      </p:childTnLst>
+                    </p:cTn>
+                  </p:par>
+                  <p:par>
+                    <p:cTn id="27" fill="hold">
+                      <p:stCondLst>
+                        <p:cond delay="indefinite"/>
+                      </p:stCondLst>
+                      <p:childTnLst>
+                        <p:par>
+                          <p:cTn id="28" fill="hold">
+                            <p:stCondLst>
+                              <p:cond delay="0"/>
+                            </p:stCondLst>
+                            <p:childTnLst>
+                              <p:par>
+                                <p:cTn id="29" presetID="10" presetClass="entr" presetSubtype="0" fill="hold" grpId="0" nodeType="clickEffect">
+                                  <p:stCondLst>
+                                    <p:cond delay="0"/>
+                                  </p:stCondLst>
+                                  <p:childTnLst>
+                                    <p:set>
+                                      <p:cBhvr>
+                                        <p:cTn id="30" dur="1" fill="hold">
+                                          <p:stCondLst>
+                                            <p:cond delay="0"/>
+                                          </p:stCondLst>
+                                        </p:cTn>
+                                        <p:tgtEl>
+                                          <p:spTgt spid="32"/>
+                                        </p:tgtEl>
+                                        <p:attrNameLst>
+                                          <p:attrName>style.visibility</p:attrName>
+                                        </p:attrNameLst>
+                                      </p:cBhvr>
+                                      <p:to>
+                                        <p:strVal val="visible"/>
+                                      </p:to>
+                                    </p:set>
+                                    <p:animEffect transition="in" filter="fade">
+                                      <p:cBhvr>
+                                        <p:cTn id="31" dur="500"/>
+                                        <p:tgtEl>
+                                          <p:spTgt spid="32"/>
+                                        </p:tgtEl>
+                                      </p:cBhvr>
+                                    </p:animEffect>
+                                  </p:childTnLst>
+                                </p:cTn>
+                              </p:par>
+                            </p:childTnLst>
+                          </p:cTn>
+                        </p:par>
+                      </p:childTnLst>
+                    </p:cTn>
+                  </p:par>
+                  <p:par>
+                    <p:cTn id="32" fill="hold">
+                      <p:stCondLst>
+                        <p:cond delay="indefinite"/>
+                      </p:stCondLst>
+                      <p:childTnLst>
+                        <p:par>
+                          <p:cTn id="33" fill="hold">
+                            <p:stCondLst>
+                              <p:cond delay="0"/>
+                            </p:stCondLst>
+                            <p:childTnLst>
+                              <p:par>
+                                <p:cTn id="34" presetID="42" presetClass="entr" presetSubtype="0" fill="hold" grpId="0" nodeType="clickEffect">
+                                  <p:stCondLst>
+                                    <p:cond delay="0"/>
+                                  </p:stCondLst>
+                                  <p:childTnLst>
+                                    <p:set>
+                                      <p:cBhvr>
+                                        <p:cTn id="35" dur="1" fill="hold">
+                                          <p:stCondLst>
+                                            <p:cond delay="0"/>
+                                          </p:stCondLst>
+                                        </p:cTn>
+                                        <p:tgtEl>
+                                          <p:spTgt spid="13"/>
+                                        </p:tgtEl>
+                                        <p:attrNameLst>
+                                          <p:attrName>style.visibility</p:attrName>
+                                        </p:attrNameLst>
+                                      </p:cBhvr>
+                                      <p:to>
+                                        <p:strVal val="visible"/>
+                                      </p:to>
+                                    </p:set>
+                                    <p:animEffect transition="in" filter="fade">
+                                      <p:cBhvr>
+                                        <p:cTn id="36" dur="1000"/>
+                                        <p:tgtEl>
+                                          <p:spTgt spid="13"/>
+                                        </p:tgtEl>
+                                      </p:cBhvr>
+                                    </p:animEffect>
+                                    <p:anim calcmode="lin" valueType="num">
+                                      <p:cBhvr>
+                                        <p:cTn id="37" dur="1000" fill="hold"/>
+                                        <p:tgtEl>
+                                          <p:spTgt spid="13"/>
+                                        </p:tgtEl>
+                                        <p:attrNameLst>
+                                          <p:attrName>ppt_x</p:attrName>
+                                        </p:attrNameLst>
+                                      </p:cBhvr>
+                                      <p:tavLst>
+                                        <p:tav tm="0">
+                                          <p:val>
+                                            <p:strVal val="#ppt_x"/>
+                                          </p:val>
+                                        </p:tav>
+                                        <p:tav tm="100000">
+                                          <p:val>
+                                            <p:strVal val="#ppt_x"/>
+                                          </p:val>
+                                        </p:tav>
+                                      </p:tavLst>
+                                    </p:anim>
+                                    <p:anim calcmode="lin" valueType="num">
+                                      <p:cBhvr>
+                                        <p:cTn id="38" dur="1000" fill="hold"/>
+                                        <p:tgtEl>
+                                          <p:spTgt spid="13"/>
+                                        </p:tgtEl>
+                                        <p:attrNameLst>
+                                          <p:attrName>ppt_y</p:attrName>
+                                        </p:attrNameLst>
+                                      </p:cBhvr>
+                                      <p:tavLst>
+                                        <p:tav tm="0">
+                                          <p:val>
+                                            <p:strVal val="#ppt_y+.1"/>
+                                          </p:val>
+                                        </p:tav>
+                                        <p:tav tm="100000">
+                                          <p:val>
+                                            <p:strVal val="#ppt_y"/>
+                                          </p:val>
+                                        </p:tav>
+                                      </p:tavLst>
+                                    </p:anim>
+                                  </p:childTnLst>
+                                </p:cTn>
+                              </p:par>
+                            </p:childTnLst>
+                          </p:cTn>
+                        </p:par>
+                      </p:childTnLst>
+                    </p:cTn>
+                  </p:par>
+                  <p:par>
+                    <p:cTn id="39" fill="hold">
+                      <p:stCondLst>
+                        <p:cond delay="indefinite"/>
+                      </p:stCondLst>
+                      <p:childTnLst>
+                        <p:par>
+                          <p:cTn id="40" fill="hold">
+                            <p:stCondLst>
+                              <p:cond delay="0"/>
+                            </p:stCondLst>
+                            <p:childTnLst>
+                              <p:par>
+                                <p:cTn id="41" presetID="10" presetClass="entr" presetSubtype="0" fill="hold" nodeType="clickEffect">
+                                  <p:stCondLst>
+                                    <p:cond delay="0"/>
+                                  </p:stCondLst>
+                                  <p:childTnLst>
+                                    <p:set>
+                                      <p:cBhvr>
+                                        <p:cTn id="42" dur="1" fill="hold">
+                                          <p:stCondLst>
+                                            <p:cond delay="0"/>
+                                          </p:stCondLst>
+                                        </p:cTn>
+                                        <p:tgtEl>
+                                          <p:spTgt spid="33">
+                                            <p:txEl>
+                                              <p:pRg st="0" end="0"/>
+                                            </p:txEl>
+                                          </p:spTgt>
+                                        </p:tgtEl>
+                                        <p:attrNameLst>
+                                          <p:attrName>style.visibility</p:attrName>
+                                        </p:attrNameLst>
+                                      </p:cBhvr>
+                                      <p:to>
+                                        <p:strVal val="visible"/>
+                                      </p:to>
+                                    </p:set>
+                                    <p:animEffect transition="in" filter="fade">
+                                      <p:cBhvr>
+                                        <p:cTn id="43" dur="500"/>
+                                        <p:tgtEl>
+                                          <p:spTgt spid="33">
+                                            <p:txEl>
+                                              <p:pRg st="0" end="0"/>
+                                            </p:txEl>
+                                          </p:spTgt>
+                                        </p:tgtEl>
+                                      </p:cBhvr>
+                                    </p:animEffect>
+                                  </p:childTnLst>
+                                </p:cTn>
+                              </p:par>
+                            </p:childTnLst>
+                          </p:cTn>
+                        </p:par>
+                      </p:childTnLst>
+                    </p:cTn>
+                  </p:par>
+                  <p:par>
+                    <p:cTn id="44" fill="hold">
+                      <p:stCondLst>
+                        <p:cond delay="indefinite"/>
+                      </p:stCondLst>
+                      <p:childTnLst>
+                        <p:par>
+                          <p:cTn id="45" fill="hold">
+                            <p:stCondLst>
+                              <p:cond delay="0"/>
+                            </p:stCondLst>
+                            <p:childTnLst>
+                              <p:par>
+                                <p:cTn id="46" presetID="42" presetClass="entr" presetSubtype="0" fill="hold" grpId="0" nodeType="clickEffect">
+                                  <p:stCondLst>
+                                    <p:cond delay="0"/>
+                                  </p:stCondLst>
+                                  <p:childTnLst>
+                                    <p:set>
+                                      <p:cBhvr>
+                                        <p:cTn id="47" dur="1" fill="hold">
+                                          <p:stCondLst>
+                                            <p:cond delay="0"/>
+                                          </p:stCondLst>
+                                        </p:cTn>
+                                        <p:tgtEl>
+                                          <p:spTgt spid="14"/>
+                                        </p:tgtEl>
+                                        <p:attrNameLst>
+                                          <p:attrName>style.visibility</p:attrName>
+                                        </p:attrNameLst>
+                                      </p:cBhvr>
+                                      <p:to>
+                                        <p:strVal val="visible"/>
+                                      </p:to>
+                                    </p:set>
+                                    <p:animEffect transition="in" filter="fade">
+                                      <p:cBhvr>
+                                        <p:cTn id="48" dur="1000"/>
+                                        <p:tgtEl>
+                                          <p:spTgt spid="14"/>
+                                        </p:tgtEl>
+                                      </p:cBhvr>
+                                    </p:animEffect>
+                                    <p:anim calcmode="lin" valueType="num">
+                                      <p:cBhvr>
+                                        <p:cTn id="49" dur="1000" fill="hold"/>
+                                        <p:tgtEl>
+                                          <p:spTgt spid="14"/>
+                                        </p:tgtEl>
+                                        <p:attrNameLst>
+                                          <p:attrName>ppt_x</p:attrName>
+                                        </p:attrNameLst>
+                                      </p:cBhvr>
+                                      <p:tavLst>
+                                        <p:tav tm="0">
+                                          <p:val>
+                                            <p:strVal val="#ppt_x"/>
+                                          </p:val>
+                                        </p:tav>
+                                        <p:tav tm="100000">
+                                          <p:val>
+                                            <p:strVal val="#ppt_x"/>
+                                          </p:val>
+                                        </p:tav>
+                                      </p:tavLst>
+                                    </p:anim>
+                                    <p:anim calcmode="lin" valueType="num">
+                                      <p:cBhvr>
+                                        <p:cTn id="50" dur="1000" fill="hold"/>
+                                        <p:tgtEl>
+                                          <p:spTgt spid="14"/>
+                                        </p:tgtEl>
+                                        <p:attrNameLst>
+                                          <p:attrName>ppt_y</p:attrName>
+                                        </p:attrNameLst>
+                                      </p:cBhvr>
+                                      <p:tavLst>
+                                        <p:tav tm="0">
+                                          <p:val>
+                                            <p:strVal val="#ppt_y+.1"/>
+                                          </p:val>
+                                        </p:tav>
+                                        <p:tav tm="100000">
+                                          <p:val>
+                                            <p:strVal val="#ppt_y"/>
+                                          </p:val>
+                                        </p:tav>
+                                      </p:tavLst>
+                                    </p:anim>
+                                  </p:childTnLst>
+                                </p:cTn>
+                              </p:par>
+                            </p:childTnLst>
+                          </p:cTn>
+                        </p:par>
+                      </p:childTnLst>
+                    </p:cTn>
+                  </p:par>
+                  <p:par>
+                    <p:cTn id="51" fill="hold">
+                      <p:stCondLst>
+                        <p:cond delay="indefinite"/>
+                      </p:stCondLst>
+                      <p:childTnLst>
+                        <p:par>
+                          <p:cTn id="52" fill="hold">
+                            <p:stCondLst>
+                              <p:cond delay="0"/>
+                            </p:stCondLst>
+                            <p:childTnLst>
+                              <p:par>
+                                <p:cTn id="53" presetID="10" presetClass="entr" presetSubtype="0" fill="hold" grpId="0" nodeType="clickEffect">
+                                  <p:stCondLst>
+                                    <p:cond delay="0"/>
+                                  </p:stCondLst>
+                                  <p:childTnLst>
+                                    <p:set>
+                                      <p:cBhvr>
+                                        <p:cTn id="54" dur="1" fill="hold">
+                                          <p:stCondLst>
+                                            <p:cond delay="0"/>
+                                          </p:stCondLst>
+                                        </p:cTn>
+                                        <p:tgtEl>
+                                          <p:spTgt spid="35"/>
+                                        </p:tgtEl>
+                                        <p:attrNameLst>
+                                          <p:attrName>style.visibility</p:attrName>
+                                        </p:attrNameLst>
+                                      </p:cBhvr>
+                                      <p:to>
+                                        <p:strVal val="visible"/>
+                                      </p:to>
+                                    </p:set>
+                                    <p:animEffect transition="in" filter="fade">
+                                      <p:cBhvr>
+                                        <p:cTn id="55" dur="500"/>
+                                        <p:tgtEl>
+                                          <p:spTgt spid="35"/>
+                                        </p:tgtEl>
+                                      </p:cBhvr>
+                                    </p:animEffect>
+                                  </p:childTnLst>
+                                </p:cTn>
+                              </p:par>
+                            </p:childTnLst>
+                          </p:cTn>
+                        </p:par>
+                      </p:childTnLst>
+                    </p:cTn>
+                  </p:par>
+                  <p:par>
+                    <p:cTn id="56" fill="hold">
+                      <p:stCondLst>
+                        <p:cond delay="indefinite"/>
+                      </p:stCondLst>
+                      <p:childTnLst>
+                        <p:par>
+                          <p:cTn id="57" fill="hold">
+                            <p:stCondLst>
+                              <p:cond delay="0"/>
+                            </p:stCondLst>
+                            <p:childTnLst>
+                              <p:par>
+                                <p:cTn id="58" presetID="42" presetClass="entr" presetSubtype="0" fill="hold" grpId="0" nodeType="clickEffect">
+                                  <p:stCondLst>
+                                    <p:cond delay="0"/>
+                                  </p:stCondLst>
+                                  <p:childTnLst>
+                                    <p:set>
+                                      <p:cBhvr>
+                                        <p:cTn id="59" dur="1" fill="hold">
+                                          <p:stCondLst>
+                                            <p:cond delay="0"/>
+                                          </p:stCondLst>
+                                        </p:cTn>
+                                        <p:tgtEl>
+                                          <p:spTgt spid="15"/>
+                                        </p:tgtEl>
+                                        <p:attrNameLst>
+                                          <p:attrName>style.visibility</p:attrName>
+                                        </p:attrNameLst>
+                                      </p:cBhvr>
+                                      <p:to>
+                                        <p:strVal val="visible"/>
+                                      </p:to>
+                                    </p:set>
+                                    <p:animEffect transition="in" filter="fade">
+                                      <p:cBhvr>
+                                        <p:cTn id="60" dur="1000"/>
+                                        <p:tgtEl>
+                                          <p:spTgt spid="15"/>
+                                        </p:tgtEl>
+                                      </p:cBhvr>
+                                    </p:animEffect>
+                                    <p:anim calcmode="lin" valueType="num">
+                                      <p:cBhvr>
+                                        <p:cTn id="61" dur="1000" fill="hold"/>
+                                        <p:tgtEl>
+                                          <p:spTgt spid="15"/>
+                                        </p:tgtEl>
+                                        <p:attrNameLst>
+                                          <p:attrName>ppt_x</p:attrName>
+                                        </p:attrNameLst>
+                                      </p:cBhvr>
+                                      <p:tavLst>
+                                        <p:tav tm="0">
+                                          <p:val>
+                                            <p:strVal val="#ppt_x"/>
+                                          </p:val>
+                                        </p:tav>
+                                        <p:tav tm="100000">
+                                          <p:val>
+                                            <p:strVal val="#ppt_x"/>
+                                          </p:val>
+                                        </p:tav>
+                                      </p:tavLst>
+                                    </p:anim>
+                                    <p:anim calcmode="lin" valueType="num">
+                                      <p:cBhvr>
+                                        <p:cTn id="62" dur="1000" fill="hold"/>
+                                        <p:tgtEl>
+                                          <p:spTgt spid="15"/>
+                                        </p:tgtEl>
+                                        <p:attrNameLst>
+                                          <p:attrName>ppt_y</p:attrName>
+                                        </p:attrNameLst>
+                                      </p:cBhvr>
+                                      <p:tavLst>
+                                        <p:tav tm="0">
+                                          <p:val>
+                                            <p:strVal val="#ppt_y+.1"/>
+                                          </p:val>
+                                        </p:tav>
+                                        <p:tav tm="100000">
+                                          <p:val>
+                                            <p:strVal val="#ppt_y"/>
+                                          </p:val>
+                                        </p:tav>
+                                      </p:tavLst>
+                                    </p:anim>
+                                  </p:childTnLst>
+                                </p:cTn>
+                              </p:par>
+                            </p:childTnLst>
+                          </p:cTn>
+                        </p:par>
+                      </p:childTnLst>
+                    </p:cTn>
+                  </p:par>
+                  <p:par>
+                    <p:cTn id="63" fill="hold">
+                      <p:stCondLst>
+                        <p:cond delay="indefinite"/>
+                      </p:stCondLst>
+                      <p:childTnLst>
+                        <p:par>
+                          <p:cTn id="64" fill="hold">
+                            <p:stCondLst>
+                              <p:cond delay="0"/>
+                            </p:stCondLst>
+                            <p:childTnLst>
+                              <p:par>
+                                <p:cTn id="65" presetID="10" presetClass="entr" presetSubtype="0" fill="hold" nodeType="clickEffect">
+                                  <p:stCondLst>
+                                    <p:cond delay="0"/>
+                                  </p:stCondLst>
+                                  <p:childTnLst>
+                                    <p:set>
+                                      <p:cBhvr>
+                                        <p:cTn id="66" dur="1" fill="hold">
+                                          <p:stCondLst>
+                                            <p:cond delay="0"/>
+                                          </p:stCondLst>
+                                        </p:cTn>
+                                        <p:tgtEl>
+                                          <p:spTgt spid="2">
+                                            <p:txEl>
+                                              <p:pRg st="0" end="0"/>
+                                            </p:txEl>
+                                          </p:spTgt>
+                                        </p:tgtEl>
+                                        <p:attrNameLst>
+                                          <p:attrName>style.visibility</p:attrName>
+                                        </p:attrNameLst>
+                                      </p:cBhvr>
+                                      <p:to>
+                                        <p:strVal val="visible"/>
+                                      </p:to>
+                                    </p:set>
+                                    <p:animEffect transition="in" filter="fade">
+                                      <p:cBhvr>
+                                        <p:cTn id="67" dur="500"/>
+                                        <p:tgtEl>
+                                          <p:spTgt spid="2">
+                                            <p:txEl>
+                                              <p:pRg st="0" end="0"/>
+                                            </p:txEl>
+                                          </p:spTgt>
+                                        </p:tgtEl>
+                                      </p:cBhvr>
+                                    </p:animEffect>
+                                  </p:childTnLst>
+                                </p:cTn>
+                              </p:par>
+                            </p:childTnLst>
+                          </p:cTn>
+                        </p:par>
+                      </p:childTnLst>
+                    </p:cTn>
+                  </p:par>
+                </p:childTnLst>
+              </p:cTn>
+              <p:prevCondLst>
+                <p:cond evt="onPrev" delay="0">
+                  <p:tgtEl>
+                    <p:sldTgt/>
+                  </p:tgtEl>
+                </p:cond>
+              </p:prevCondLst>
+              <p:nextCondLst>
+                <p:cond evt="onNext" delay="0">
+                  <p:tgtEl>
+                    <p:sldTgt/>
+                  </p:tgtEl>
+                </p:cond>
+              </p:nextCondLst>
+            </p:seq>
+          </p:childTnLst>
+        </p:cTn>
+      </p:par>
+    </p:tnLst>
+    <p:bldLst>
+      <p:bldP spid="27" grpId="0" animBg="1"/>
+      <p:bldP spid="31" grpId="0"/>
+      <p:bldP spid="32" grpId="0"/>
+      <p:bldP spid="35" grpId="0"/>
+      <p:bldP spid="12" grpId="0" animBg="1"/>
+      <p:bldP spid="13" grpId="0" animBg="1"/>
+      <p:bldP spid="14" grpId="0" animBg="1"/>
+      <p:bldP spid="15" grpId="0" animBg="1"/>
+    </p:bldLst>
+  </p:timing>
 </p:sld>
 </file>
 
-<file path=ppt/slides/slide13.xml><?xml version="1.0" encoding="utf-8"?>
+<file path=ppt/slides/slide19.xml><?xml version="1.0" encoding="utf-8"?>
 <p:sld xmlns:a="http://schemas.openxmlformats.org/drawingml/2006/main" xmlns:r="http://schemas.openxmlformats.org/officeDocument/2006/relationships" xmlns:p="http://schemas.openxmlformats.org/presentationml/2006/main">
   <p:cSld>
     <p:spTree>
@@ -7817,15 +10733,189 @@
           <a:chExt cx="0" cy="0"/>
         </a:xfrm>
       </p:grpSpPr>
+      <p:sp>
+        <p:nvSpPr>
+          <p:cNvPr id="2" name="Title 1"/>
+          <p:cNvSpPr>
+            <a:spLocks noGrp="1"/>
+          </p:cNvSpPr>
+          <p:nvPr>
+            <p:ph type="title"/>
+          </p:nvPr>
+        </p:nvSpPr>
+        <p:spPr>
+          <a:xfrm>
+            <a:off x="1012372" y="172735"/>
+            <a:ext cx="10131425" cy="1456267"/>
+          </a:xfrm>
+        </p:spPr>
+        <p:txBody>
+          <a:bodyPr/>
+          <a:lstStyle/>
+          <a:p>
+            <a:r>
+              <a:rPr lang="en-US"/>
+              <a:t>Lọc dữ liệu từ người dùng</a:t>
+            </a:r>
+          </a:p>
+        </p:txBody>
+      </p:sp>
+      <p:sp>
+        <p:nvSpPr>
+          <p:cNvPr id="3" name="TextBox 2"/>
+          <p:cNvSpPr txBox="1"/>
+          <p:nvPr/>
+        </p:nvSpPr>
+        <p:spPr>
+          <a:xfrm>
+            <a:off x="1345473" y="2102278"/>
+            <a:ext cx="9091752" cy="400110"/>
+          </a:xfrm>
+          <a:prstGeom prst="rect">
+            <a:avLst/>
+          </a:prstGeom>
+          <a:noFill/>
+        </p:spPr>
+        <p:txBody>
+          <a:bodyPr wrap="square" rtlCol="0">
+            <a:spAutoFit/>
+          </a:bodyPr>
+          <a:lstStyle/>
+          <a:p>
+            <a:r>
+              <a:rPr lang="en-US" sz="2000" dirty="0" err="1"/>
+              <a:t>Nếu</a:t>
+            </a:r>
+            <a:r>
+              <a:rPr lang="en-US" sz="2000" dirty="0"/>
+              <a:t> </a:t>
+            </a:r>
+            <a:r>
+              <a:rPr lang="en-US" sz="2000" dirty="0" err="1"/>
+              <a:t>dữ</a:t>
+            </a:r>
+            <a:r>
+              <a:rPr lang="en-US" sz="2000" dirty="0"/>
+              <a:t> </a:t>
+            </a:r>
+            <a:r>
+              <a:rPr lang="en-US" sz="2000" dirty="0" err="1"/>
+              <a:t>liệu</a:t>
+            </a:r>
+            <a:r>
+              <a:rPr lang="en-US" sz="2000" dirty="0"/>
+              <a:t> </a:t>
+            </a:r>
+            <a:r>
+              <a:rPr lang="en-US" sz="2000" dirty="0" err="1"/>
+              <a:t>là</a:t>
+            </a:r>
+            <a:r>
+              <a:rPr lang="en-US" sz="2000" dirty="0"/>
+              <a:t> </a:t>
+            </a:r>
+            <a:r>
+              <a:rPr lang="en-US" sz="2000" dirty="0" err="1"/>
+              <a:t>chuỗi</a:t>
+            </a:r>
+            <a:r>
+              <a:rPr lang="en-US" sz="2000" dirty="0"/>
+              <a:t> </a:t>
+            </a:r>
+            <a:r>
+              <a:rPr lang="en-US" sz="2000" dirty="0" err="1"/>
+              <a:t>thay</a:t>
+            </a:r>
+            <a:r>
+              <a:rPr lang="en-US" sz="2000" dirty="0"/>
+              <a:t> </a:t>
+            </a:r>
+            <a:r>
+              <a:rPr lang="en-US" sz="2000" dirty="0" err="1"/>
+              <a:t>thế</a:t>
+            </a:r>
+            <a:r>
+              <a:rPr lang="en-US" sz="2000" dirty="0"/>
+              <a:t> </a:t>
+            </a:r>
+            <a:r>
+              <a:rPr lang="en-US" sz="2000" dirty="0" err="1"/>
+              <a:t>dấu</a:t>
+            </a:r>
+            <a:r>
+              <a:rPr lang="en-US" sz="2000" dirty="0"/>
+              <a:t> </a:t>
+            </a:r>
+            <a:r>
+              <a:rPr lang="en-US" sz="2000" dirty="0" err="1"/>
+              <a:t>nháy</a:t>
+            </a:r>
+            <a:r>
+              <a:rPr lang="en-US" sz="2000" dirty="0"/>
+              <a:t> </a:t>
+            </a:r>
+            <a:r>
+              <a:rPr lang="en-US" sz="2000" dirty="0" err="1"/>
+              <a:t>đơn</a:t>
+            </a:r>
+            <a:r>
+              <a:rPr lang="en-US" sz="2000" dirty="0"/>
+              <a:t> </a:t>
+            </a:r>
+            <a:r>
+              <a:rPr lang="en-US" sz="2000" dirty="0" err="1"/>
+              <a:t>thành</a:t>
+            </a:r>
+            <a:r>
+              <a:rPr lang="en-US" sz="2000" dirty="0"/>
+              <a:t> 2 </a:t>
+            </a:r>
+            <a:r>
+              <a:rPr lang="en-US" sz="2000" dirty="0" err="1"/>
+              <a:t>dấu</a:t>
+            </a:r>
+            <a:r>
+              <a:rPr lang="en-US" sz="2000" dirty="0"/>
+              <a:t> </a:t>
+            </a:r>
+            <a:r>
+              <a:rPr lang="en-US" sz="2000" dirty="0" err="1"/>
+              <a:t>nháy</a:t>
+            </a:r>
+            <a:r>
+              <a:rPr lang="en-US" sz="2000" dirty="0"/>
+              <a:t> </a:t>
+            </a:r>
+            <a:r>
+              <a:rPr lang="en-US" sz="2000" dirty="0" err="1"/>
+              <a:t>đơn</a:t>
+            </a:r>
+            <a:r>
+              <a:rPr lang="en-US" sz="2000" dirty="0"/>
+              <a:t> </a:t>
+            </a:r>
+            <a:r>
+              <a:rPr lang="en-US" sz="2000" dirty="0" err="1"/>
+              <a:t>bằng</a:t>
+            </a:r>
+            <a:r>
+              <a:rPr lang="en-US" sz="2000" dirty="0"/>
+              <a:t> </a:t>
+            </a:r>
+            <a:r>
+              <a:rPr lang="en-US" sz="2000" dirty="0" err="1"/>
+              <a:t>hàm</a:t>
+            </a:r>
+            <a:r>
+              <a:rPr lang="en-US" sz="2000" dirty="0"/>
+              <a:t> replace:</a:t>
+            </a:r>
+          </a:p>
+        </p:txBody>
+      </p:sp>
       <p:pic>
         <p:nvPicPr>
-          <p:cNvPr id="3" name="Picture 2">
-            <a:extLst>
-              <a:ext uri="{FF2B5EF4-FFF2-40B4-BE49-F238E27FC236}">
-                <a16:creationId xmlns:a16="http://schemas.microsoft.com/office/drawing/2014/main" id="{A7DF8052-8C25-4E55-A245-B47BA5B9201E}"/>
-              </a:ext>
-            </a:extLst>
-          </p:cNvPr>
+          <p:cNvPr id="6" name="Picture 5"/>
           <p:cNvPicPr>
             <a:picLocks noChangeAspect="1"/>
           </p:cNvPicPr>
@@ -7839,23 +10929,146 @@
         </p:blipFill>
         <p:spPr>
           <a:xfrm>
-            <a:off x="688528" y="1479842"/>
-            <a:ext cx="4691340" cy="3273657"/>
+            <a:off x="1345473" y="2765314"/>
+            <a:ext cx="7301115" cy="847695"/>
           </a:xfrm>
           <a:prstGeom prst="rect">
             <a:avLst/>
           </a:prstGeom>
         </p:spPr>
       </p:pic>
+      <p:sp>
+        <p:nvSpPr>
+          <p:cNvPr id="7" name="TextBox 6"/>
+          <p:cNvSpPr txBox="1"/>
+          <p:nvPr/>
+        </p:nvSpPr>
+        <p:spPr>
+          <a:xfrm>
+            <a:off x="1293221" y="4082868"/>
+            <a:ext cx="6230983" cy="400110"/>
+          </a:xfrm>
+          <a:prstGeom prst="rect">
+            <a:avLst/>
+          </a:prstGeom>
+          <a:noFill/>
+        </p:spPr>
+        <p:txBody>
+          <a:bodyPr wrap="square" rtlCol="0">
+            <a:spAutoFit/>
+          </a:bodyPr>
+          <a:lstStyle/>
+          <a:p>
+            <a:r>
+              <a:rPr lang="en-US" sz="2000" dirty="0" err="1"/>
+              <a:t>Nếu</a:t>
+            </a:r>
+            <a:r>
+              <a:rPr lang="en-US" sz="2000" dirty="0"/>
+              <a:t> </a:t>
+            </a:r>
+            <a:r>
+              <a:rPr lang="en-US" sz="2000" dirty="0" err="1"/>
+              <a:t>dữ</a:t>
+            </a:r>
+            <a:r>
+              <a:rPr lang="en-US" sz="2000" dirty="0"/>
+              <a:t> </a:t>
+            </a:r>
+            <a:r>
+              <a:rPr lang="en-US" sz="2000" dirty="0" err="1"/>
+              <a:t>liệu</a:t>
+            </a:r>
+            <a:r>
+              <a:rPr lang="en-US" sz="2000" dirty="0"/>
+              <a:t> </a:t>
+            </a:r>
+            <a:r>
+              <a:rPr lang="en-US" sz="2000" dirty="0" err="1"/>
+              <a:t>là</a:t>
+            </a:r>
+            <a:r>
+              <a:rPr lang="en-US" sz="2000" dirty="0"/>
+              <a:t> </a:t>
+            </a:r>
+            <a:r>
+              <a:rPr lang="en-US" sz="2000" dirty="0" err="1"/>
+              <a:t>số</a:t>
+            </a:r>
+            <a:r>
+              <a:rPr lang="en-US" sz="2000" dirty="0"/>
+              <a:t> </a:t>
+            </a:r>
+            <a:r>
+              <a:rPr lang="en-US" sz="2000" dirty="0" err="1"/>
+              <a:t>thì</a:t>
+            </a:r>
+            <a:r>
+              <a:rPr lang="en-US" sz="2000" dirty="0"/>
+              <a:t> </a:t>
+            </a:r>
+            <a:r>
+              <a:rPr lang="en-US" sz="2000" dirty="0" err="1"/>
+              <a:t>kiểm</a:t>
+            </a:r>
+            <a:r>
+              <a:rPr lang="en-US" sz="2000" dirty="0"/>
+              <a:t> </a:t>
+            </a:r>
+            <a:r>
+              <a:rPr lang="en-US" sz="2000" dirty="0" err="1"/>
+              <a:t>tra</a:t>
+            </a:r>
+            <a:r>
+              <a:rPr lang="en-US" sz="2000" dirty="0"/>
+              <a:t> </a:t>
+            </a:r>
+            <a:r>
+              <a:rPr lang="en-US" sz="2000" dirty="0" err="1"/>
+              <a:t>nó</a:t>
+            </a:r>
+            <a:r>
+              <a:rPr lang="en-US" sz="2000" dirty="0"/>
+              <a:t> </a:t>
+            </a:r>
+            <a:r>
+              <a:rPr lang="en-US" sz="2000" dirty="0" err="1"/>
+              <a:t>có</a:t>
+            </a:r>
+            <a:r>
+              <a:rPr lang="en-US" sz="2000" dirty="0"/>
+              <a:t> </a:t>
+            </a:r>
+            <a:r>
+              <a:rPr lang="en-US" sz="2000" dirty="0" err="1"/>
+              <a:t>đúng</a:t>
+            </a:r>
+            <a:r>
+              <a:rPr lang="en-US" sz="2000" dirty="0"/>
+              <a:t> </a:t>
+            </a:r>
+            <a:r>
+              <a:rPr lang="en-US" sz="2000" dirty="0" err="1"/>
+              <a:t>kiểu</a:t>
+            </a:r>
+            <a:r>
+              <a:rPr lang="en-US" sz="2000" dirty="0"/>
+              <a:t> hay </a:t>
+            </a:r>
+            <a:r>
+              <a:rPr lang="en-US" sz="2000" dirty="0" err="1"/>
+              <a:t>không</a:t>
+            </a:r>
+            <a:r>
+              <a:rPr lang="en-US" sz="2000" dirty="0"/>
+              <a:t>: </a:t>
+            </a:r>
+          </a:p>
+        </p:txBody>
+      </p:sp>
       <p:pic>
         <p:nvPicPr>
-          <p:cNvPr id="5" name="Picture 4">
-            <a:extLst>
-              <a:ext uri="{FF2B5EF4-FFF2-40B4-BE49-F238E27FC236}">
-                <a16:creationId xmlns:a16="http://schemas.microsoft.com/office/drawing/2014/main" id="{71710E4A-8EDF-4514-8E9F-371E2C178380}"/>
-              </a:ext>
-            </a:extLst>
-          </p:cNvPr>
+          <p:cNvPr id="9" name="Picture 8"/>
           <p:cNvPicPr>
             <a:picLocks noChangeAspect="1"/>
           </p:cNvPicPr>
@@ -7869,8 +11082,8 @@
         </p:blipFill>
         <p:spPr>
           <a:xfrm>
-            <a:off x="6021417" y="1479842"/>
-            <a:ext cx="4995771" cy="3273657"/>
+            <a:off x="1345473" y="4735278"/>
+            <a:ext cx="5917476" cy="1205114"/>
           </a:xfrm>
           <a:prstGeom prst="rect">
             <a:avLst/>
@@ -7880,7 +11093,7 @@
     </p:spTree>
     <p:extLst>
       <p:ext uri="{BB962C8B-B14F-4D97-AF65-F5344CB8AC3E}">
-        <p14:creationId xmlns:p14="http://schemas.microsoft.com/office/powerpoint/2010/main" val="1346183184"/>
+        <p14:creationId xmlns:p14="http://schemas.microsoft.com/office/powerpoint/2010/main" val="1899055427"/>
       </p:ext>
     </p:extLst>
   </p:cSld>
@@ -7890,406 +11103,420 @@
   <p:transition spd="slow">
     <p:push dir="u"/>
   </p:transition>
-</p:sld>
-</file>
-
-<file path=ppt/slides/slide14.xml><?xml version="1.0" encoding="utf-8"?>
-<p:sld xmlns:a="http://schemas.openxmlformats.org/drawingml/2006/main" xmlns:r="http://schemas.openxmlformats.org/officeDocument/2006/relationships" xmlns:p="http://schemas.openxmlformats.org/presentationml/2006/main">
-  <p:cSld>
-    <p:spTree>
-      <p:nvGrpSpPr>
-        <p:cNvPr id="1" name=""/>
-        <p:cNvGrpSpPr/>
-        <p:nvPr/>
-      </p:nvGrpSpPr>
-      <p:grpSpPr>
-        <a:xfrm>
-          <a:off x="0" y="0"/>
-          <a:ext cx="0" cy="0"/>
-          <a:chOff x="0" y="0"/>
-          <a:chExt cx="0" cy="0"/>
-        </a:xfrm>
-      </p:grpSpPr>
-      <p:pic>
-        <p:nvPicPr>
-          <p:cNvPr id="3" name="Picture 2">
-            <a:extLst>
-              <a:ext uri="{FF2B5EF4-FFF2-40B4-BE49-F238E27FC236}">
-                <a16:creationId xmlns:a16="http://schemas.microsoft.com/office/drawing/2014/main" id="{74F5EB10-60A7-4500-8659-C6DD55153887}"/>
-              </a:ext>
-            </a:extLst>
-          </p:cNvPr>
-          <p:cNvPicPr>
-            <a:picLocks noChangeAspect="1"/>
-          </p:cNvPicPr>
-          <p:nvPr/>
-        </p:nvPicPr>
-        <p:blipFill>
-          <a:blip r:embed="rId2"/>
-          <a:stretch>
-            <a:fillRect/>
-          </a:stretch>
-        </p:blipFill>
-        <p:spPr>
-          <a:xfrm>
-            <a:off x="841991" y="2558568"/>
-            <a:ext cx="4810125" cy="1951287"/>
-          </a:xfrm>
-          <a:prstGeom prst="rect">
-            <a:avLst/>
-          </a:prstGeom>
-        </p:spPr>
-      </p:pic>
-      <p:pic>
-        <p:nvPicPr>
-          <p:cNvPr id="4" name="Picture 3">
-            <a:extLst>
-              <a:ext uri="{FF2B5EF4-FFF2-40B4-BE49-F238E27FC236}">
-                <a16:creationId xmlns:a16="http://schemas.microsoft.com/office/drawing/2014/main" id="{2C0BE595-CC54-4DD4-AF1D-F75EA1038E71}"/>
-              </a:ext>
-            </a:extLst>
-          </p:cNvPr>
-          <p:cNvPicPr>
-            <a:picLocks noChangeAspect="1"/>
-          </p:cNvPicPr>
-          <p:nvPr/>
-        </p:nvPicPr>
-        <p:blipFill>
-          <a:blip r:embed="rId3"/>
-          <a:stretch>
-            <a:fillRect/>
-          </a:stretch>
-        </p:blipFill>
-        <p:spPr>
-          <a:xfrm>
-            <a:off x="6855224" y="2558569"/>
-            <a:ext cx="4494785" cy="1951286"/>
-          </a:xfrm>
-          <a:prstGeom prst="rect">
-            <a:avLst/>
-          </a:prstGeom>
-        </p:spPr>
-      </p:pic>
-    </p:spTree>
-    <p:extLst>
-      <p:ext uri="{BB962C8B-B14F-4D97-AF65-F5344CB8AC3E}">
-        <p14:creationId xmlns:p14="http://schemas.microsoft.com/office/powerpoint/2010/main" val="960499305"/>
-      </p:ext>
-    </p:extLst>
-  </p:cSld>
-  <p:clrMapOvr>
-    <a:masterClrMapping/>
-  </p:clrMapOvr>
-</p:sld>
-</file>
-
-<file path=ppt/slides/slide15.xml><?xml version="1.0" encoding="utf-8"?>
-<p:sld xmlns:a="http://schemas.openxmlformats.org/drawingml/2006/main" xmlns:r="http://schemas.openxmlformats.org/officeDocument/2006/relationships" xmlns:p="http://schemas.openxmlformats.org/presentationml/2006/main">
-  <p:cSld>
-    <p:spTree>
-      <p:nvGrpSpPr>
-        <p:cNvPr id="1" name=""/>
-        <p:cNvGrpSpPr/>
-        <p:nvPr/>
-      </p:nvGrpSpPr>
-      <p:grpSpPr>
-        <a:xfrm>
-          <a:off x="0" y="0"/>
-          <a:ext cx="0" cy="0"/>
-          <a:chOff x="0" y="0"/>
-          <a:chExt cx="0" cy="0"/>
-        </a:xfrm>
-      </p:grpSpPr>
-      <p:pic>
-        <p:nvPicPr>
-          <p:cNvPr id="2050" name="Picture 2" descr="A Demo on Terraform: Create Azure Resource Group | by tarun bhatt | Medium">
-            <a:extLst>
-              <a:ext uri="{FF2B5EF4-FFF2-40B4-BE49-F238E27FC236}">
-                <a16:creationId xmlns:a16="http://schemas.microsoft.com/office/drawing/2014/main" id="{070C1B7E-EFDD-4E44-A86B-24CC7DCA8FCA}"/>
-              </a:ext>
-            </a:extLst>
-          </p:cNvPr>
-          <p:cNvPicPr>
-            <a:picLocks noChangeAspect="1" noChangeArrowheads="1"/>
-          </p:cNvPicPr>
-          <p:nvPr/>
-        </p:nvPicPr>
-        <p:blipFill>
-          <a:blip r:embed="rId2">
-            <a:extLst>
-              <a:ext uri="{28A0092B-C50C-407E-A947-70E740481C1C}">
-                <a14:useLocalDpi xmlns:a14="http://schemas.microsoft.com/office/drawing/2010/main" val="0"/>
-              </a:ext>
-            </a:extLst>
-          </a:blip>
-          <a:srcRect/>
-          <a:stretch>
-            <a:fillRect/>
-          </a:stretch>
-        </p:blipFill>
-        <p:spPr bwMode="auto">
-          <a:xfrm>
-            <a:off x="0" y="-1"/>
-            <a:ext cx="12192000" cy="6858001"/>
-          </a:xfrm>
-          <a:prstGeom prst="rect">
-            <a:avLst/>
-          </a:prstGeom>
-          <a:noFill/>
-          <a:extLst>
-            <a:ext uri="{909E8E84-426E-40DD-AFC4-6F175D3DCCD1}">
-              <a14:hiddenFill xmlns:a14="http://schemas.microsoft.com/office/drawing/2010/main">
-                <a:solidFill>
-                  <a:srgbClr val="FFFFFF"/>
-                </a:solidFill>
-              </a14:hiddenFill>
-            </a:ext>
-          </a:extLst>
-        </p:spPr>
-      </p:pic>
-    </p:spTree>
-    <p:extLst>
-      <p:ext uri="{BB962C8B-B14F-4D97-AF65-F5344CB8AC3E}">
-        <p14:creationId xmlns:p14="http://schemas.microsoft.com/office/powerpoint/2010/main" val="978684323"/>
-      </p:ext>
-    </p:extLst>
-  </p:cSld>
-  <p:clrMapOvr>
-    <a:masterClrMapping/>
-  </p:clrMapOvr>
-</p:sld>
-</file>
-
-<file path=ppt/slides/slide16.xml><?xml version="1.0" encoding="utf-8"?>
-<p:sld xmlns:a="http://schemas.openxmlformats.org/drawingml/2006/main" xmlns:r="http://schemas.openxmlformats.org/officeDocument/2006/relationships" xmlns:p="http://schemas.openxmlformats.org/presentationml/2006/main">
-  <p:cSld>
-    <p:spTree>
-      <p:nvGrpSpPr>
-        <p:cNvPr id="1" name=""/>
-        <p:cNvGrpSpPr/>
-        <p:nvPr/>
-      </p:nvGrpSpPr>
-      <p:grpSpPr>
-        <a:xfrm>
-          <a:off x="0" y="0"/>
-          <a:ext cx="0" cy="0"/>
-          <a:chOff x="0" y="0"/>
-          <a:chExt cx="0" cy="0"/>
-        </a:xfrm>
-      </p:grpSpPr>
-      <p:pic>
-        <p:nvPicPr>
-          <p:cNvPr id="3074" name="Picture 2" descr="CTO Q&amp;A Session #1: October 30, 2018 | by XTRD | xtradeio | Medium">
-            <a:extLst>
-              <a:ext uri="{FF2B5EF4-FFF2-40B4-BE49-F238E27FC236}">
-                <a16:creationId xmlns:a16="http://schemas.microsoft.com/office/drawing/2014/main" id="{86B9F5E8-93FD-45B0-8BB2-2E36C2199DDF}"/>
-              </a:ext>
-            </a:extLst>
-          </p:cNvPr>
-          <p:cNvPicPr>
-            <a:picLocks noChangeAspect="1" noChangeArrowheads="1"/>
-          </p:cNvPicPr>
-          <p:nvPr/>
-        </p:nvPicPr>
-        <p:blipFill>
-          <a:blip r:embed="rId2">
-            <a:extLst>
-              <a:ext uri="{28A0092B-C50C-407E-A947-70E740481C1C}">
-                <a14:useLocalDpi xmlns:a14="http://schemas.microsoft.com/office/drawing/2010/main" val="0"/>
-              </a:ext>
-            </a:extLst>
-          </a:blip>
-          <a:srcRect/>
-          <a:stretch>
-            <a:fillRect/>
-          </a:stretch>
-        </p:blipFill>
-        <p:spPr bwMode="auto">
-          <a:xfrm>
-            <a:off x="-27214" y="0"/>
-            <a:ext cx="12246428" cy="6858000"/>
-          </a:xfrm>
-          <a:prstGeom prst="rect">
-            <a:avLst/>
-          </a:prstGeom>
-          <a:noFill/>
-          <a:extLst>
-            <a:ext uri="{909E8E84-426E-40DD-AFC4-6F175D3DCCD1}">
-              <a14:hiddenFill xmlns:a14="http://schemas.microsoft.com/office/drawing/2010/main">
-                <a:solidFill>
-                  <a:srgbClr val="FFFFFF"/>
-                </a:solidFill>
-              </a14:hiddenFill>
-            </a:ext>
-          </a:extLst>
-        </p:spPr>
-      </p:pic>
-    </p:spTree>
-    <p:extLst>
-      <p:ext uri="{BB962C8B-B14F-4D97-AF65-F5344CB8AC3E}">
-        <p14:creationId xmlns:p14="http://schemas.microsoft.com/office/powerpoint/2010/main" val="1700745806"/>
-      </p:ext>
-    </p:extLst>
-  </p:cSld>
-  <p:clrMapOvr>
-    <a:masterClrMapping/>
-  </p:clrMapOvr>
-</p:sld>
-</file>
-
-<file path=ppt/slides/slide17.xml><?xml version="1.0" encoding="utf-8"?>
-<p:sld xmlns:a="http://schemas.openxmlformats.org/drawingml/2006/main" xmlns:r="http://schemas.openxmlformats.org/officeDocument/2006/relationships" xmlns:p="http://schemas.openxmlformats.org/presentationml/2006/main">
-  <p:cSld>
-    <p:spTree>
-      <p:nvGrpSpPr>
-        <p:cNvPr id="1" name=""/>
-        <p:cNvGrpSpPr/>
-        <p:nvPr/>
-      </p:nvGrpSpPr>
-      <p:grpSpPr>
-        <a:xfrm>
-          <a:off x="0" y="0"/>
-          <a:ext cx="0" cy="0"/>
-          <a:chOff x="0" y="0"/>
-          <a:chExt cx="0" cy="0"/>
-        </a:xfrm>
-      </p:grpSpPr>
-      <p:sp>
-        <p:nvSpPr>
-          <p:cNvPr id="2" name="Title 1">
-            <a:extLst>
-              <a:ext uri="{FF2B5EF4-FFF2-40B4-BE49-F238E27FC236}">
-                <a16:creationId xmlns:a16="http://schemas.microsoft.com/office/drawing/2014/main" id="{400CC710-96C4-4093-B9E9-2EA978290F18}"/>
-              </a:ext>
-            </a:extLst>
-          </p:cNvPr>
-          <p:cNvSpPr>
-            <a:spLocks noGrp="1"/>
-          </p:cNvSpPr>
-          <p:nvPr>
-            <p:ph type="title"/>
-          </p:nvPr>
-        </p:nvSpPr>
-        <p:spPr/>
-        <p:txBody>
-          <a:bodyPr/>
-          <a:lstStyle/>
-          <a:p>
-            <a:endParaRPr lang="en-US"/>
-          </a:p>
-        </p:txBody>
-      </p:sp>
-    </p:spTree>
-    <p:extLst>
-      <p:ext uri="{BB962C8B-B14F-4D97-AF65-F5344CB8AC3E}">
-        <p14:creationId xmlns:p14="http://schemas.microsoft.com/office/powerpoint/2010/main" val="2118582917"/>
-      </p:ext>
-    </p:extLst>
-  </p:cSld>
-  <p:clrMapOvr>
-    <a:masterClrMapping/>
-  </p:clrMapOvr>
-</p:sld>
-</file>
-
-<file path=ppt/slides/slide18.xml><?xml version="1.0" encoding="utf-8"?>
-<p:sld xmlns:a="http://schemas.openxmlformats.org/drawingml/2006/main" xmlns:r="http://schemas.openxmlformats.org/officeDocument/2006/relationships" xmlns:p="http://schemas.openxmlformats.org/presentationml/2006/main">
-  <p:cSld>
-    <p:spTree>
-      <p:nvGrpSpPr>
-        <p:cNvPr id="1" name=""/>
-        <p:cNvGrpSpPr/>
-        <p:nvPr/>
-      </p:nvGrpSpPr>
-      <p:grpSpPr>
-        <a:xfrm>
-          <a:off x="0" y="0"/>
-          <a:ext cx="0" cy="0"/>
-          <a:chOff x="0" y="0"/>
-          <a:chExt cx="0" cy="0"/>
-        </a:xfrm>
-      </p:grpSpPr>
-      <p:sp>
-        <p:nvSpPr>
-          <p:cNvPr id="2" name="Title 1">
-            <a:extLst>
-              <a:ext uri="{FF2B5EF4-FFF2-40B4-BE49-F238E27FC236}">
-                <a16:creationId xmlns:a16="http://schemas.microsoft.com/office/drawing/2014/main" id="{2D0413C9-A6D0-4172-9ABB-AA19DF3A10FF}"/>
-              </a:ext>
-            </a:extLst>
-          </p:cNvPr>
-          <p:cNvSpPr>
-            <a:spLocks noGrp="1"/>
-          </p:cNvSpPr>
-          <p:nvPr>
-            <p:ph type="title"/>
-          </p:nvPr>
-        </p:nvSpPr>
-        <p:spPr/>
-        <p:txBody>
-          <a:bodyPr/>
-          <a:lstStyle/>
-          <a:p>
-            <a:endParaRPr lang="en-US"/>
-          </a:p>
-        </p:txBody>
-      </p:sp>
-      <p:sp>
-        <p:nvSpPr>
-          <p:cNvPr id="3" name="Rectangle 2">
-            <a:extLst>
-              <a:ext uri="{FF2B5EF4-FFF2-40B4-BE49-F238E27FC236}">
-                <a16:creationId xmlns:a16="http://schemas.microsoft.com/office/drawing/2014/main" id="{1F6DD4E3-DA54-4AF8-B240-8F5FE3E337C8}"/>
-              </a:ext>
-            </a:extLst>
-          </p:cNvPr>
-          <p:cNvSpPr/>
-          <p:nvPr/>
-        </p:nvSpPr>
-        <p:spPr>
-          <a:xfrm>
-            <a:off x="3048000" y="2690336"/>
-            <a:ext cx="6096000" cy="1477328"/>
-          </a:xfrm>
-          <a:prstGeom prst="rect">
-            <a:avLst/>
-          </a:prstGeom>
-        </p:spPr>
-        <p:txBody>
-          <a:bodyPr>
-            <a:spAutoFit/>
-          </a:bodyPr>
-          <a:lstStyle/>
-          <a:p>
-            <a:r>
-              <a:rPr lang="en-US" dirty="0"/>
-              <a:t>https://www.hacksplaining.com/prevention/sql-injection</a:t>
-            </a:r>
-          </a:p>
-          <a:p>
-            <a:r>
-              <a:rPr lang="en-US" dirty="0"/>
-              <a:t>https://codelearn.io/sharing/giai-thich-cac-khai-niem-ve-injection-trong-software-engineering-dependency-injection-sql-injection-etc</a:t>
-            </a:r>
-          </a:p>
-          <a:p>
-            <a:r>
-              <a:rPr lang="en-US" dirty="0"/>
-              <a:t>https://www.hacksplaining.com/prevention/sql-injection</a:t>
-            </a:r>
-          </a:p>
-        </p:txBody>
-      </p:sp>
-    </p:spTree>
-    <p:extLst>
-      <p:ext uri="{BB962C8B-B14F-4D97-AF65-F5344CB8AC3E}">
-        <p14:creationId xmlns:p14="http://schemas.microsoft.com/office/powerpoint/2010/main" val="4268189115"/>
-      </p:ext>
-    </p:extLst>
-  </p:cSld>
-  <p:clrMapOvr>
-    <a:masterClrMapping/>
-  </p:clrMapOvr>
+  <p:timing>
+    <p:tnLst>
+      <p:par>
+        <p:cTn id="1" dur="indefinite" restart="never" nodeType="tmRoot">
+          <p:childTnLst>
+            <p:seq concurrent="1" nextAc="seek">
+              <p:cTn id="2" dur="indefinite" nodeType="mainSeq">
+                <p:childTnLst>
+                  <p:par>
+                    <p:cTn id="3" fill="hold">
+                      <p:stCondLst>
+                        <p:cond delay="indefinite"/>
+                      </p:stCondLst>
+                      <p:childTnLst>
+                        <p:par>
+                          <p:cTn id="4" fill="hold">
+                            <p:stCondLst>
+                              <p:cond delay="0"/>
+                            </p:stCondLst>
+                            <p:childTnLst>
+                              <p:par>
+                                <p:cTn id="5" presetID="2" presetClass="entr" presetSubtype="4" fill="hold" grpId="0" nodeType="clickEffect">
+                                  <p:stCondLst>
+                                    <p:cond delay="0"/>
+                                  </p:stCondLst>
+                                  <p:childTnLst>
+                                    <p:set>
+                                      <p:cBhvr>
+                                        <p:cTn id="6" dur="1" fill="hold">
+                                          <p:stCondLst>
+                                            <p:cond delay="0"/>
+                                          </p:stCondLst>
+                                        </p:cTn>
+                                        <p:tgtEl>
+                                          <p:spTgt spid="3"/>
+                                        </p:tgtEl>
+                                        <p:attrNameLst>
+                                          <p:attrName>style.visibility</p:attrName>
+                                        </p:attrNameLst>
+                                      </p:cBhvr>
+                                      <p:to>
+                                        <p:strVal val="visible"/>
+                                      </p:to>
+                                    </p:set>
+                                    <p:anim calcmode="lin" valueType="num">
+                                      <p:cBhvr additive="base">
+                                        <p:cTn id="7" dur="500" fill="hold"/>
+                                        <p:tgtEl>
+                                          <p:spTgt spid="3"/>
+                                        </p:tgtEl>
+                                        <p:attrNameLst>
+                                          <p:attrName>ppt_x</p:attrName>
+                                        </p:attrNameLst>
+                                      </p:cBhvr>
+                                      <p:tavLst>
+                                        <p:tav tm="0">
+                                          <p:val>
+                                            <p:strVal val="#ppt_x"/>
+                                          </p:val>
+                                        </p:tav>
+                                        <p:tav tm="100000">
+                                          <p:val>
+                                            <p:strVal val="#ppt_x"/>
+                                          </p:val>
+                                        </p:tav>
+                                      </p:tavLst>
+                                    </p:anim>
+                                    <p:anim calcmode="lin" valueType="num">
+                                      <p:cBhvr additive="base">
+                                        <p:cTn id="8" dur="500" fill="hold"/>
+                                        <p:tgtEl>
+                                          <p:spTgt spid="3"/>
+                                        </p:tgtEl>
+                                        <p:attrNameLst>
+                                          <p:attrName>ppt_y</p:attrName>
+                                        </p:attrNameLst>
+                                      </p:cBhvr>
+                                      <p:tavLst>
+                                        <p:tav tm="0">
+                                          <p:val>
+                                            <p:strVal val="1+#ppt_h/2"/>
+                                          </p:val>
+                                        </p:tav>
+                                        <p:tav tm="100000">
+                                          <p:val>
+                                            <p:strVal val="#ppt_y"/>
+                                          </p:val>
+                                        </p:tav>
+                                      </p:tavLst>
+                                    </p:anim>
+                                  </p:childTnLst>
+                                </p:cTn>
+                              </p:par>
+                            </p:childTnLst>
+                          </p:cTn>
+                        </p:par>
+                      </p:childTnLst>
+                    </p:cTn>
+                  </p:par>
+                  <p:par>
+                    <p:cTn id="9" fill="hold">
+                      <p:stCondLst>
+                        <p:cond delay="indefinite"/>
+                      </p:stCondLst>
+                      <p:childTnLst>
+                        <p:par>
+                          <p:cTn id="10" fill="hold">
+                            <p:stCondLst>
+                              <p:cond delay="0"/>
+                            </p:stCondLst>
+                            <p:childTnLst>
+                              <p:par>
+                                <p:cTn id="11" presetID="42" presetClass="entr" presetSubtype="0" fill="hold" nodeType="clickEffect">
+                                  <p:stCondLst>
+                                    <p:cond delay="0"/>
+                                  </p:stCondLst>
+                                  <p:childTnLst>
+                                    <p:set>
+                                      <p:cBhvr>
+                                        <p:cTn id="12" dur="1" fill="hold">
+                                          <p:stCondLst>
+                                            <p:cond delay="0"/>
+                                          </p:stCondLst>
+                                        </p:cTn>
+                                        <p:tgtEl>
+                                          <p:spTgt spid="6"/>
+                                        </p:tgtEl>
+                                        <p:attrNameLst>
+                                          <p:attrName>style.visibility</p:attrName>
+                                        </p:attrNameLst>
+                                      </p:cBhvr>
+                                      <p:to>
+                                        <p:strVal val="visible"/>
+                                      </p:to>
+                                    </p:set>
+                                    <p:animEffect transition="in" filter="fade">
+                                      <p:cBhvr>
+                                        <p:cTn id="13" dur="1000"/>
+                                        <p:tgtEl>
+                                          <p:spTgt spid="6"/>
+                                        </p:tgtEl>
+                                      </p:cBhvr>
+                                    </p:animEffect>
+                                    <p:anim calcmode="lin" valueType="num">
+                                      <p:cBhvr>
+                                        <p:cTn id="14" dur="1000" fill="hold"/>
+                                        <p:tgtEl>
+                                          <p:spTgt spid="6"/>
+                                        </p:tgtEl>
+                                        <p:attrNameLst>
+                                          <p:attrName>ppt_x</p:attrName>
+                                        </p:attrNameLst>
+                                      </p:cBhvr>
+                                      <p:tavLst>
+                                        <p:tav tm="0">
+                                          <p:val>
+                                            <p:strVal val="#ppt_x"/>
+                                          </p:val>
+                                        </p:tav>
+                                        <p:tav tm="100000">
+                                          <p:val>
+                                            <p:strVal val="#ppt_x"/>
+                                          </p:val>
+                                        </p:tav>
+                                      </p:tavLst>
+                                    </p:anim>
+                                    <p:anim calcmode="lin" valueType="num">
+                                      <p:cBhvr>
+                                        <p:cTn id="15" dur="1000" fill="hold"/>
+                                        <p:tgtEl>
+                                          <p:spTgt spid="6"/>
+                                        </p:tgtEl>
+                                        <p:attrNameLst>
+                                          <p:attrName>ppt_y</p:attrName>
+                                        </p:attrNameLst>
+                                      </p:cBhvr>
+                                      <p:tavLst>
+                                        <p:tav tm="0">
+                                          <p:val>
+                                            <p:strVal val="#ppt_y+.1"/>
+                                          </p:val>
+                                        </p:tav>
+                                        <p:tav tm="100000">
+                                          <p:val>
+                                            <p:strVal val="#ppt_y"/>
+                                          </p:val>
+                                        </p:tav>
+                                      </p:tavLst>
+                                    </p:anim>
+                                  </p:childTnLst>
+                                </p:cTn>
+                              </p:par>
+                            </p:childTnLst>
+                          </p:cTn>
+                        </p:par>
+                      </p:childTnLst>
+                    </p:cTn>
+                  </p:par>
+                  <p:par>
+                    <p:cTn id="16" fill="hold">
+                      <p:stCondLst>
+                        <p:cond delay="indefinite"/>
+                      </p:stCondLst>
+                      <p:childTnLst>
+                        <p:par>
+                          <p:cTn id="17" fill="hold">
+                            <p:stCondLst>
+                              <p:cond delay="0"/>
+                            </p:stCondLst>
+                            <p:childTnLst>
+                              <p:par>
+                                <p:cTn id="18" presetID="2" presetClass="entr" presetSubtype="4" fill="hold" grpId="0" nodeType="clickEffect">
+                                  <p:stCondLst>
+                                    <p:cond delay="0"/>
+                                  </p:stCondLst>
+                                  <p:childTnLst>
+                                    <p:set>
+                                      <p:cBhvr>
+                                        <p:cTn id="19" dur="1" fill="hold">
+                                          <p:stCondLst>
+                                            <p:cond delay="0"/>
+                                          </p:stCondLst>
+                                        </p:cTn>
+                                        <p:tgtEl>
+                                          <p:spTgt spid="7"/>
+                                        </p:tgtEl>
+                                        <p:attrNameLst>
+                                          <p:attrName>style.visibility</p:attrName>
+                                        </p:attrNameLst>
+                                      </p:cBhvr>
+                                      <p:to>
+                                        <p:strVal val="visible"/>
+                                      </p:to>
+                                    </p:set>
+                                    <p:anim calcmode="lin" valueType="num">
+                                      <p:cBhvr additive="base">
+                                        <p:cTn id="20" dur="500" fill="hold"/>
+                                        <p:tgtEl>
+                                          <p:spTgt spid="7"/>
+                                        </p:tgtEl>
+                                        <p:attrNameLst>
+                                          <p:attrName>ppt_x</p:attrName>
+                                        </p:attrNameLst>
+                                      </p:cBhvr>
+                                      <p:tavLst>
+                                        <p:tav tm="0">
+                                          <p:val>
+                                            <p:strVal val="#ppt_x"/>
+                                          </p:val>
+                                        </p:tav>
+                                        <p:tav tm="100000">
+                                          <p:val>
+                                            <p:strVal val="#ppt_x"/>
+                                          </p:val>
+                                        </p:tav>
+                                      </p:tavLst>
+                                    </p:anim>
+                                    <p:anim calcmode="lin" valueType="num">
+                                      <p:cBhvr additive="base">
+                                        <p:cTn id="21" dur="500" fill="hold"/>
+                                        <p:tgtEl>
+                                          <p:spTgt spid="7"/>
+                                        </p:tgtEl>
+                                        <p:attrNameLst>
+                                          <p:attrName>ppt_y</p:attrName>
+                                        </p:attrNameLst>
+                                      </p:cBhvr>
+                                      <p:tavLst>
+                                        <p:tav tm="0">
+                                          <p:val>
+                                            <p:strVal val="1+#ppt_h/2"/>
+                                          </p:val>
+                                        </p:tav>
+                                        <p:tav tm="100000">
+                                          <p:val>
+                                            <p:strVal val="#ppt_y"/>
+                                          </p:val>
+                                        </p:tav>
+                                      </p:tavLst>
+                                    </p:anim>
+                                  </p:childTnLst>
+                                </p:cTn>
+                              </p:par>
+                            </p:childTnLst>
+                          </p:cTn>
+                        </p:par>
+                      </p:childTnLst>
+                    </p:cTn>
+                  </p:par>
+                  <p:par>
+                    <p:cTn id="22" fill="hold">
+                      <p:stCondLst>
+                        <p:cond delay="indefinite"/>
+                      </p:stCondLst>
+                      <p:childTnLst>
+                        <p:par>
+                          <p:cTn id="23" fill="hold">
+                            <p:stCondLst>
+                              <p:cond delay="0"/>
+                            </p:stCondLst>
+                            <p:childTnLst>
+                              <p:par>
+                                <p:cTn id="24" presetID="42" presetClass="entr" presetSubtype="0" fill="hold" nodeType="clickEffect">
+                                  <p:stCondLst>
+                                    <p:cond delay="0"/>
+                                  </p:stCondLst>
+                                  <p:childTnLst>
+                                    <p:set>
+                                      <p:cBhvr>
+                                        <p:cTn id="25" dur="1" fill="hold">
+                                          <p:stCondLst>
+                                            <p:cond delay="0"/>
+                                          </p:stCondLst>
+                                        </p:cTn>
+                                        <p:tgtEl>
+                                          <p:spTgt spid="9"/>
+                                        </p:tgtEl>
+                                        <p:attrNameLst>
+                                          <p:attrName>style.visibility</p:attrName>
+                                        </p:attrNameLst>
+                                      </p:cBhvr>
+                                      <p:to>
+                                        <p:strVal val="visible"/>
+                                      </p:to>
+                                    </p:set>
+                                    <p:animEffect transition="in" filter="fade">
+                                      <p:cBhvr>
+                                        <p:cTn id="26" dur="1000"/>
+                                        <p:tgtEl>
+                                          <p:spTgt spid="9"/>
+                                        </p:tgtEl>
+                                      </p:cBhvr>
+                                    </p:animEffect>
+                                    <p:anim calcmode="lin" valueType="num">
+                                      <p:cBhvr>
+                                        <p:cTn id="27" dur="1000" fill="hold"/>
+                                        <p:tgtEl>
+                                          <p:spTgt spid="9"/>
+                                        </p:tgtEl>
+                                        <p:attrNameLst>
+                                          <p:attrName>ppt_x</p:attrName>
+                                        </p:attrNameLst>
+                                      </p:cBhvr>
+                                      <p:tavLst>
+                                        <p:tav tm="0">
+                                          <p:val>
+                                            <p:strVal val="#ppt_x"/>
+                                          </p:val>
+                                        </p:tav>
+                                        <p:tav tm="100000">
+                                          <p:val>
+                                            <p:strVal val="#ppt_x"/>
+                                          </p:val>
+                                        </p:tav>
+                                      </p:tavLst>
+                                    </p:anim>
+                                    <p:anim calcmode="lin" valueType="num">
+                                      <p:cBhvr>
+                                        <p:cTn id="28" dur="1000" fill="hold"/>
+                                        <p:tgtEl>
+                                          <p:spTgt spid="9"/>
+                                        </p:tgtEl>
+                                        <p:attrNameLst>
+                                          <p:attrName>ppt_y</p:attrName>
+                                        </p:attrNameLst>
+                                      </p:cBhvr>
+                                      <p:tavLst>
+                                        <p:tav tm="0">
+                                          <p:val>
+                                            <p:strVal val="#ppt_y+.1"/>
+                                          </p:val>
+                                        </p:tav>
+                                        <p:tav tm="100000">
+                                          <p:val>
+                                            <p:strVal val="#ppt_y"/>
+                                          </p:val>
+                                        </p:tav>
+                                      </p:tavLst>
+                                    </p:anim>
+                                  </p:childTnLst>
+                                </p:cTn>
+                              </p:par>
+                            </p:childTnLst>
+                          </p:cTn>
+                        </p:par>
+                      </p:childTnLst>
+                    </p:cTn>
+                  </p:par>
+                </p:childTnLst>
+              </p:cTn>
+              <p:prevCondLst>
+                <p:cond evt="onPrev" delay="0">
+                  <p:tgtEl>
+                    <p:sldTgt/>
+                  </p:tgtEl>
+                </p:cond>
+              </p:prevCondLst>
+              <p:nextCondLst>
+                <p:cond evt="onNext" delay="0">
+                  <p:tgtEl>
+                    <p:sldTgt/>
+                  </p:tgtEl>
+                </p:cond>
+              </p:nextCondLst>
+            </p:seq>
+          </p:childTnLst>
+        </p:cTn>
+      </p:par>
+    </p:tnLst>
+    <p:bldLst>
+      <p:bldP spid="3" grpId="0"/>
+      <p:bldP spid="7" grpId="0"/>
+    </p:bldLst>
+  </p:timing>
 </p:sld>
 </file>
 
@@ -8991,6 +12218,1156 @@
 </p:sld>
 </file>
 
+<file path=ppt/slides/slide20.xml><?xml version="1.0" encoding="utf-8"?>
+<p:sld xmlns:a="http://schemas.openxmlformats.org/drawingml/2006/main" xmlns:r="http://schemas.openxmlformats.org/officeDocument/2006/relationships" xmlns:p="http://schemas.openxmlformats.org/presentationml/2006/main">
+  <p:cSld>
+    <p:spTree>
+      <p:nvGrpSpPr>
+        <p:cNvPr id="1" name=""/>
+        <p:cNvGrpSpPr/>
+        <p:nvPr/>
+      </p:nvGrpSpPr>
+      <p:grpSpPr>
+        <a:xfrm>
+          <a:off x="0" y="0"/>
+          <a:ext cx="0" cy="0"/>
+          <a:chOff x="0" y="0"/>
+          <a:chExt cx="0" cy="0"/>
+        </a:xfrm>
+      </p:grpSpPr>
+      <p:sp>
+        <p:nvSpPr>
+          <p:cNvPr id="2" name="Title 1"/>
+          <p:cNvSpPr>
+            <a:spLocks noGrp="1"/>
+          </p:cNvSpPr>
+          <p:nvPr>
+            <p:ph type="title"/>
+          </p:nvPr>
+        </p:nvSpPr>
+        <p:spPr/>
+        <p:txBody>
+          <a:bodyPr/>
+          <a:lstStyle/>
+          <a:p>
+            <a:r>
+              <a:rPr lang="en-US"/>
+              <a:t>Không cộng chuỗi để tạo các sql</a:t>
+            </a:r>
+          </a:p>
+        </p:txBody>
+      </p:sp>
+      <p:sp>
+        <p:nvSpPr>
+          <p:cNvPr id="4" name="TextBox 3"/>
+          <p:cNvSpPr txBox="1"/>
+          <p:nvPr/>
+        </p:nvSpPr>
+        <p:spPr>
+          <a:xfrm>
+            <a:off x="685801" y="2377440"/>
+            <a:ext cx="9255033" cy="830997"/>
+          </a:xfrm>
+          <a:prstGeom prst="rect">
+            <a:avLst/>
+          </a:prstGeom>
+          <a:noFill/>
+        </p:spPr>
+        <p:txBody>
+          <a:bodyPr wrap="square" rtlCol="0">
+            <a:spAutoFit/>
+          </a:bodyPr>
+          <a:lstStyle/>
+          <a:p>
+            <a:r>
+              <a:rPr lang="en-US" sz="2400"/>
+              <a:t>Sử dụng parameter thay vì cộng chuỗi. Nếu dữ liệu truyền vào không hợp pháp, SQL Engine sẽ tự động báo lỗi, ta không cần dùng code để check.</a:t>
+            </a:r>
+          </a:p>
+        </p:txBody>
+      </p:sp>
+    </p:spTree>
+    <p:extLst>
+      <p:ext uri="{BB962C8B-B14F-4D97-AF65-F5344CB8AC3E}">
+        <p14:creationId xmlns:p14="http://schemas.microsoft.com/office/powerpoint/2010/main" val="3642563505"/>
+      </p:ext>
+    </p:extLst>
+  </p:cSld>
+  <p:clrMapOvr>
+    <a:masterClrMapping/>
+  </p:clrMapOvr>
+  <p:transition spd="slow">
+    <p:push dir="u"/>
+  </p:transition>
+</p:sld>
+</file>
+
+<file path=ppt/slides/slide21.xml><?xml version="1.0" encoding="utf-8"?>
+<p:sld xmlns:a="http://schemas.openxmlformats.org/drawingml/2006/main" xmlns:r="http://schemas.openxmlformats.org/officeDocument/2006/relationships" xmlns:p="http://schemas.openxmlformats.org/presentationml/2006/main">
+  <p:cSld>
+    <p:spTree>
+      <p:nvGrpSpPr>
+        <p:cNvPr id="1" name=""/>
+        <p:cNvGrpSpPr/>
+        <p:nvPr/>
+      </p:nvGrpSpPr>
+      <p:grpSpPr>
+        <a:xfrm>
+          <a:off x="0" y="0"/>
+          <a:ext cx="0" cy="0"/>
+          <a:chOff x="0" y="0"/>
+          <a:chExt cx="0" cy="0"/>
+        </a:xfrm>
+      </p:grpSpPr>
+      <p:sp>
+        <p:nvSpPr>
+          <p:cNvPr id="2" name="Title 1"/>
+          <p:cNvSpPr>
+            <a:spLocks noGrp="1"/>
+          </p:cNvSpPr>
+          <p:nvPr>
+            <p:ph type="title"/>
+          </p:nvPr>
+        </p:nvSpPr>
+        <p:spPr/>
+        <p:txBody>
+          <a:bodyPr/>
+          <a:lstStyle/>
+          <a:p>
+            <a:r>
+              <a:rPr lang="en-US" dirty="0" err="1"/>
+              <a:t>Không</a:t>
+            </a:r>
+            <a:r>
+              <a:rPr lang="en-US" dirty="0"/>
+              <a:t> </a:t>
+            </a:r>
+            <a:r>
+              <a:rPr lang="en-US" dirty="0" err="1"/>
+              <a:t>hiển</a:t>
+            </a:r>
+            <a:r>
+              <a:rPr lang="en-US" dirty="0"/>
+              <a:t> </a:t>
+            </a:r>
+            <a:r>
+              <a:rPr lang="en-US" dirty="0" err="1"/>
+              <a:t>thị</a:t>
+            </a:r>
+            <a:r>
+              <a:rPr lang="en-US" dirty="0"/>
+              <a:t> exception, message </a:t>
+            </a:r>
+            <a:r>
+              <a:rPr lang="en-US" dirty="0" err="1"/>
+              <a:t>lỗi</a:t>
+            </a:r>
+            <a:endParaRPr lang="en-US" dirty="0"/>
+          </a:p>
+        </p:txBody>
+      </p:sp>
+      <p:pic>
+        <p:nvPicPr>
+          <p:cNvPr id="3" name="Picture 2"/>
+          <p:cNvPicPr>
+            <a:picLocks noChangeAspect="1"/>
+          </p:cNvPicPr>
+          <p:nvPr/>
+        </p:nvPicPr>
+        <p:blipFill>
+          <a:blip r:embed="rId2"/>
+          <a:stretch>
+            <a:fillRect/>
+          </a:stretch>
+        </p:blipFill>
+        <p:spPr>
+          <a:xfrm>
+            <a:off x="1465809" y="3240699"/>
+            <a:ext cx="6429375" cy="1103948"/>
+          </a:xfrm>
+          <a:prstGeom prst="rect">
+            <a:avLst/>
+          </a:prstGeom>
+        </p:spPr>
+      </p:pic>
+      <p:sp>
+        <p:nvSpPr>
+          <p:cNvPr id="4" name="TextBox 3"/>
+          <p:cNvSpPr txBox="1"/>
+          <p:nvPr/>
+        </p:nvSpPr>
+        <p:spPr>
+          <a:xfrm>
+            <a:off x="1365069" y="2116571"/>
+            <a:ext cx="8575765" cy="707886"/>
+          </a:xfrm>
+          <a:prstGeom prst="rect">
+            <a:avLst/>
+          </a:prstGeom>
+          <a:noFill/>
+        </p:spPr>
+        <p:txBody>
+          <a:bodyPr wrap="square" rtlCol="0">
+            <a:spAutoFit/>
+          </a:bodyPr>
+          <a:lstStyle/>
+          <a:p>
+            <a:r>
+              <a:rPr lang="en-US" sz="2000"/>
+              <a:t>Khi có lỗi, ta chỉ hiện thông báo lỗi chứ đừng hiển thị đầy đủ thông tin về lỗi, tránh hacker lợi dụng.</a:t>
+            </a:r>
+          </a:p>
+        </p:txBody>
+      </p:sp>
+      <p:pic>
+        <p:nvPicPr>
+          <p:cNvPr id="5" name="Picture 4"/>
+          <p:cNvPicPr>
+            <a:picLocks noChangeAspect="1"/>
+          </p:cNvPicPr>
+          <p:nvPr/>
+        </p:nvPicPr>
+        <p:blipFill>
+          <a:blip r:embed="rId3"/>
+          <a:stretch>
+            <a:fillRect/>
+          </a:stretch>
+        </p:blipFill>
+        <p:spPr>
+          <a:xfrm>
+            <a:off x="1465809" y="4760889"/>
+            <a:ext cx="6429375" cy="1257300"/>
+          </a:xfrm>
+          <a:prstGeom prst="rect">
+            <a:avLst/>
+          </a:prstGeom>
+        </p:spPr>
+      </p:pic>
+    </p:spTree>
+    <p:extLst>
+      <p:ext uri="{BB962C8B-B14F-4D97-AF65-F5344CB8AC3E}">
+        <p14:creationId xmlns:p14="http://schemas.microsoft.com/office/powerpoint/2010/main" val="745741314"/>
+      </p:ext>
+    </p:extLst>
+  </p:cSld>
+  <p:clrMapOvr>
+    <a:masterClrMapping/>
+  </p:clrMapOvr>
+  <p:transition spd="slow">
+    <p:push dir="u"/>
+  </p:transition>
+</p:sld>
+</file>
+
+<file path=ppt/slides/slide22.xml><?xml version="1.0" encoding="utf-8"?>
+<p:sld xmlns:a="http://schemas.openxmlformats.org/drawingml/2006/main" xmlns:r="http://schemas.openxmlformats.org/officeDocument/2006/relationships" xmlns:p="http://schemas.openxmlformats.org/presentationml/2006/main">
+  <p:cSld>
+    <p:spTree>
+      <p:nvGrpSpPr>
+        <p:cNvPr id="1" name=""/>
+        <p:cNvGrpSpPr/>
+        <p:nvPr/>
+      </p:nvGrpSpPr>
+      <p:grpSpPr>
+        <a:xfrm>
+          <a:off x="0" y="0"/>
+          <a:ext cx="0" cy="0"/>
+          <a:chOff x="0" y="0"/>
+          <a:chExt cx="0" cy="0"/>
+        </a:xfrm>
+      </p:grpSpPr>
+      <p:sp>
+        <p:nvSpPr>
+          <p:cNvPr id="2" name="Title 1"/>
+          <p:cNvSpPr>
+            <a:spLocks noGrp="1"/>
+          </p:cNvSpPr>
+          <p:nvPr>
+            <p:ph type="title"/>
+          </p:nvPr>
+        </p:nvSpPr>
+        <p:spPr/>
+        <p:txBody>
+          <a:bodyPr/>
+          <a:lstStyle/>
+          <a:p>
+            <a:r>
+              <a:rPr lang="en-US" dirty="0" err="1"/>
+              <a:t>Phân</a:t>
+            </a:r>
+            <a:r>
+              <a:rPr lang="en-US" dirty="0"/>
+              <a:t> </a:t>
+            </a:r>
+            <a:r>
+              <a:rPr lang="en-US" dirty="0" err="1"/>
+              <a:t>quyền</a:t>
+            </a:r>
+            <a:r>
+              <a:rPr lang="en-US" dirty="0"/>
+              <a:t> </a:t>
+            </a:r>
+            <a:r>
+              <a:rPr lang="en-US" dirty="0" err="1"/>
+              <a:t>rõ</a:t>
+            </a:r>
+            <a:r>
+              <a:rPr lang="en-US" dirty="0"/>
+              <a:t> rang </a:t>
+            </a:r>
+            <a:r>
+              <a:rPr lang="en-US" dirty="0" err="1"/>
+              <a:t>trong</a:t>
+            </a:r>
+            <a:r>
+              <a:rPr lang="en-US" dirty="0"/>
+              <a:t> </a:t>
+            </a:r>
+            <a:r>
+              <a:rPr lang="en-US" dirty="0" err="1"/>
+              <a:t>db</a:t>
+            </a:r>
+            <a:endParaRPr lang="en-US" dirty="0"/>
+          </a:p>
+        </p:txBody>
+      </p:sp>
+      <p:sp>
+        <p:nvSpPr>
+          <p:cNvPr id="3" name="TextBox 2"/>
+          <p:cNvSpPr txBox="1"/>
+          <p:nvPr/>
+        </p:nvSpPr>
+        <p:spPr>
+          <a:xfrm>
+            <a:off x="1136468" y="2534194"/>
+            <a:ext cx="8987245" cy="830997"/>
+          </a:xfrm>
+          <a:prstGeom prst="rect">
+            <a:avLst/>
+          </a:prstGeom>
+          <a:noFill/>
+        </p:spPr>
+        <p:txBody>
+          <a:bodyPr wrap="square" rtlCol="0">
+            <a:spAutoFit/>
+          </a:bodyPr>
+          <a:lstStyle/>
+          <a:p>
+            <a:r>
+              <a:rPr lang="en-US" sz="2400" dirty="0" err="1"/>
+              <a:t>Gán</a:t>
+            </a:r>
+            <a:r>
+              <a:rPr lang="en-US" sz="2400" dirty="0"/>
+              <a:t> </a:t>
+            </a:r>
+            <a:r>
+              <a:rPr lang="en-US" sz="2400" dirty="0" err="1"/>
+              <a:t>quyền</a:t>
+            </a:r>
+            <a:r>
+              <a:rPr lang="en-US" sz="2400" dirty="0"/>
+              <a:t> </a:t>
+            </a:r>
+            <a:r>
+              <a:rPr lang="en-US" sz="2400" dirty="0" err="1"/>
+              <a:t>truy</a:t>
+            </a:r>
+            <a:r>
+              <a:rPr lang="en-US" sz="2400" dirty="0"/>
+              <a:t> </a:t>
+            </a:r>
+            <a:r>
+              <a:rPr lang="en-US" sz="2400" dirty="0" err="1"/>
+              <a:t>cấp</a:t>
+            </a:r>
+            <a:r>
+              <a:rPr lang="en-US" sz="2400" dirty="0"/>
+              <a:t> </a:t>
+            </a:r>
+            <a:r>
+              <a:rPr lang="en-US" sz="2400" dirty="0" err="1"/>
+              <a:t>cho</a:t>
+            </a:r>
+            <a:r>
+              <a:rPr lang="en-US" sz="2400" dirty="0"/>
+              <a:t> </a:t>
+            </a:r>
+            <a:r>
+              <a:rPr lang="en-US" sz="2400" dirty="0" err="1"/>
+              <a:t>người</a:t>
+            </a:r>
+            <a:r>
+              <a:rPr lang="en-US" sz="2400" dirty="0"/>
+              <a:t> </a:t>
+            </a:r>
+            <a:r>
+              <a:rPr lang="en-US" sz="2400" dirty="0" err="1"/>
+              <a:t>dùng</a:t>
+            </a:r>
+            <a:r>
+              <a:rPr lang="vi-VN" sz="2400" dirty="0"/>
+              <a:t> </a:t>
+            </a:r>
+            <a:r>
+              <a:rPr lang="vi-VN" sz="2400" dirty="0">
+                <a:latin typeface="Calibri" panose="020F0502020204030204" pitchFamily="34" charset="0"/>
+                <a:cs typeface="Calibri" panose="020F0502020204030204" pitchFamily="34" charset="0"/>
+              </a:rPr>
+              <a:t>Lúc này, dù hacker có inject được sql cũng không thể đọc dữ liệu từ các bảng chính, sửa hay xoá dữ liệu.</a:t>
+            </a:r>
+            <a:endParaRPr lang="en-US" sz="2400" dirty="0">
+              <a:latin typeface="Calibri" panose="020F0502020204030204" pitchFamily="34" charset="0"/>
+              <a:cs typeface="Calibri" panose="020F0502020204030204" pitchFamily="34" charset="0"/>
+            </a:endParaRPr>
+          </a:p>
+        </p:txBody>
+      </p:sp>
+    </p:spTree>
+    <p:extLst>
+      <p:ext uri="{BB962C8B-B14F-4D97-AF65-F5344CB8AC3E}">
+        <p14:creationId xmlns:p14="http://schemas.microsoft.com/office/powerpoint/2010/main" val="3316632330"/>
+      </p:ext>
+    </p:extLst>
+  </p:cSld>
+  <p:clrMapOvr>
+    <a:masterClrMapping/>
+  </p:clrMapOvr>
+  <p:transition spd="slow">
+    <p:push dir="u"/>
+  </p:transition>
+</p:sld>
+</file>
+
+<file path=ppt/slides/slide23.xml><?xml version="1.0" encoding="utf-8"?>
+<p:sld xmlns:a="http://schemas.openxmlformats.org/drawingml/2006/main" xmlns:r="http://schemas.openxmlformats.org/officeDocument/2006/relationships" xmlns:p="http://schemas.openxmlformats.org/presentationml/2006/main">
+  <p:cSld>
+    <p:spTree>
+      <p:nvGrpSpPr>
+        <p:cNvPr id="1" name=""/>
+        <p:cNvGrpSpPr/>
+        <p:nvPr/>
+      </p:nvGrpSpPr>
+      <p:grpSpPr>
+        <a:xfrm>
+          <a:off x="0" y="0"/>
+          <a:ext cx="0" cy="0"/>
+          <a:chOff x="0" y="0"/>
+          <a:chExt cx="0" cy="0"/>
+        </a:xfrm>
+      </p:grpSpPr>
+      <p:pic>
+        <p:nvPicPr>
+          <p:cNvPr id="2050" name="Picture 2" descr="A Demo on Terraform: Create Azure Resource Group | by tarun bhatt | Medium">
+            <a:extLst>
+              <a:ext uri="{FF2B5EF4-FFF2-40B4-BE49-F238E27FC236}">
+                <a16:creationId xmlns:a16="http://schemas.microsoft.com/office/drawing/2014/main" id="{070C1B7E-EFDD-4E44-A86B-24CC7DCA8FCA}"/>
+              </a:ext>
+            </a:extLst>
+          </p:cNvPr>
+          <p:cNvPicPr>
+            <a:picLocks noChangeAspect="1" noChangeArrowheads="1"/>
+          </p:cNvPicPr>
+          <p:nvPr/>
+        </p:nvPicPr>
+        <p:blipFill>
+          <a:blip r:embed="rId2">
+            <a:extLst>
+              <a:ext uri="{28A0092B-C50C-407E-A947-70E740481C1C}">
+                <a14:useLocalDpi xmlns:a14="http://schemas.microsoft.com/office/drawing/2010/main" val="0"/>
+              </a:ext>
+            </a:extLst>
+          </a:blip>
+          <a:srcRect/>
+          <a:stretch>
+            <a:fillRect/>
+          </a:stretch>
+        </p:blipFill>
+        <p:spPr bwMode="auto">
+          <a:xfrm>
+            <a:off x="0" y="-1"/>
+            <a:ext cx="12192000" cy="6858001"/>
+          </a:xfrm>
+          <a:prstGeom prst="rect">
+            <a:avLst/>
+          </a:prstGeom>
+          <a:noFill/>
+          <a:extLst>
+            <a:ext uri="{909E8E84-426E-40DD-AFC4-6F175D3DCCD1}">
+              <a14:hiddenFill xmlns:a14="http://schemas.microsoft.com/office/drawing/2010/main">
+                <a:solidFill>
+                  <a:srgbClr val="FFFFFF"/>
+                </a:solidFill>
+              </a14:hiddenFill>
+            </a:ext>
+          </a:extLst>
+        </p:spPr>
+      </p:pic>
+    </p:spTree>
+    <p:extLst>
+      <p:ext uri="{BB962C8B-B14F-4D97-AF65-F5344CB8AC3E}">
+        <p14:creationId xmlns:p14="http://schemas.microsoft.com/office/powerpoint/2010/main" val="978684323"/>
+      </p:ext>
+    </p:extLst>
+  </p:cSld>
+  <p:clrMapOvr>
+    <a:masterClrMapping/>
+  </p:clrMapOvr>
+  <p:transition spd="slow">
+    <p:push dir="u"/>
+  </p:transition>
+</p:sld>
+</file>
+
+<file path=ppt/slides/slide24.xml><?xml version="1.0" encoding="utf-8"?>
+<p:sld xmlns:a="http://schemas.openxmlformats.org/drawingml/2006/main" xmlns:r="http://schemas.openxmlformats.org/officeDocument/2006/relationships" xmlns:p="http://schemas.openxmlformats.org/presentationml/2006/main">
+  <p:cSld>
+    <p:spTree>
+      <p:nvGrpSpPr>
+        <p:cNvPr id="1" name=""/>
+        <p:cNvGrpSpPr/>
+        <p:nvPr/>
+      </p:nvGrpSpPr>
+      <p:grpSpPr>
+        <a:xfrm>
+          <a:off x="0" y="0"/>
+          <a:ext cx="0" cy="0"/>
+          <a:chOff x="0" y="0"/>
+          <a:chExt cx="0" cy="0"/>
+        </a:xfrm>
+      </p:grpSpPr>
+      <p:pic>
+        <p:nvPicPr>
+          <p:cNvPr id="3074" name="Picture 2" descr="CTO Q&amp;A Session #1: October 30, 2018 | by XTRD | xtradeio | Medium">
+            <a:extLst>
+              <a:ext uri="{FF2B5EF4-FFF2-40B4-BE49-F238E27FC236}">
+                <a16:creationId xmlns:a16="http://schemas.microsoft.com/office/drawing/2014/main" id="{86B9F5E8-93FD-45B0-8BB2-2E36C2199DDF}"/>
+              </a:ext>
+            </a:extLst>
+          </p:cNvPr>
+          <p:cNvPicPr>
+            <a:picLocks noChangeAspect="1" noChangeArrowheads="1"/>
+          </p:cNvPicPr>
+          <p:nvPr/>
+        </p:nvPicPr>
+        <p:blipFill>
+          <a:blip r:embed="rId2">
+            <a:extLst>
+              <a:ext uri="{28A0092B-C50C-407E-A947-70E740481C1C}">
+                <a14:useLocalDpi xmlns:a14="http://schemas.microsoft.com/office/drawing/2010/main" val="0"/>
+              </a:ext>
+            </a:extLst>
+          </a:blip>
+          <a:srcRect/>
+          <a:stretch>
+            <a:fillRect/>
+          </a:stretch>
+        </p:blipFill>
+        <p:spPr bwMode="auto">
+          <a:xfrm>
+            <a:off x="-27214" y="0"/>
+            <a:ext cx="12246428" cy="6858000"/>
+          </a:xfrm>
+          <a:prstGeom prst="rect">
+            <a:avLst/>
+          </a:prstGeom>
+          <a:noFill/>
+          <a:extLst>
+            <a:ext uri="{909E8E84-426E-40DD-AFC4-6F175D3DCCD1}">
+              <a14:hiddenFill xmlns:a14="http://schemas.microsoft.com/office/drawing/2010/main">
+                <a:solidFill>
+                  <a:srgbClr val="FFFFFF"/>
+                </a:solidFill>
+              </a14:hiddenFill>
+            </a:ext>
+          </a:extLst>
+        </p:spPr>
+      </p:pic>
+    </p:spTree>
+    <p:extLst>
+      <p:ext uri="{BB962C8B-B14F-4D97-AF65-F5344CB8AC3E}">
+        <p14:creationId xmlns:p14="http://schemas.microsoft.com/office/powerpoint/2010/main" val="1700745806"/>
+      </p:ext>
+    </p:extLst>
+  </p:cSld>
+  <p:clrMapOvr>
+    <a:masterClrMapping/>
+  </p:clrMapOvr>
+  <p:transition spd="slow">
+    <p:push dir="u"/>
+  </p:transition>
+</p:sld>
+</file>
+
+<file path=ppt/slides/slide25.xml><?xml version="1.0" encoding="utf-8"?>
+<p:sld xmlns:a="http://schemas.openxmlformats.org/drawingml/2006/main" xmlns:r="http://schemas.openxmlformats.org/officeDocument/2006/relationships" xmlns:p="http://schemas.openxmlformats.org/presentationml/2006/main">
+  <p:cSld>
+    <p:spTree>
+      <p:nvGrpSpPr>
+        <p:cNvPr id="1" name=""/>
+        <p:cNvGrpSpPr/>
+        <p:nvPr/>
+      </p:nvGrpSpPr>
+      <p:grpSpPr>
+        <a:xfrm>
+          <a:off x="0" y="0"/>
+          <a:ext cx="0" cy="0"/>
+          <a:chOff x="0" y="0"/>
+          <a:chExt cx="0" cy="0"/>
+        </a:xfrm>
+      </p:grpSpPr>
+      <p:sp>
+        <p:nvSpPr>
+          <p:cNvPr id="3" name="TextBox 2"/>
+          <p:cNvSpPr txBox="1"/>
+          <p:nvPr/>
+        </p:nvSpPr>
+        <p:spPr>
+          <a:xfrm flipH="1">
+            <a:off x="4569326" y="1280160"/>
+            <a:ext cx="2227216" cy="646331"/>
+          </a:xfrm>
+          <a:prstGeom prst="rect">
+            <a:avLst/>
+          </a:prstGeom>
+          <a:noFill/>
+        </p:spPr>
+        <p:txBody>
+          <a:bodyPr wrap="square" rtlCol="0">
+            <a:spAutoFit/>
+          </a:bodyPr>
+          <a:lstStyle/>
+          <a:p>
+            <a:r>
+              <a:rPr lang="en-US" sz="3600" dirty="0">
+                <a:latin typeface="Calibri" panose="020F0502020204030204" pitchFamily="34" charset="0"/>
+                <a:cs typeface="Calibri" panose="020F0502020204030204" pitchFamily="34" charset="0"/>
+              </a:rPr>
+              <a:t>TỔNG HỢP</a:t>
+            </a:r>
+          </a:p>
+        </p:txBody>
+      </p:sp>
+      <p:sp>
+        <p:nvSpPr>
+          <p:cNvPr id="4" name="TextBox 3"/>
+          <p:cNvSpPr txBox="1"/>
+          <p:nvPr/>
+        </p:nvSpPr>
+        <p:spPr>
+          <a:xfrm>
+            <a:off x="1614595" y="2157527"/>
+            <a:ext cx="9117874" cy="3785652"/>
+          </a:xfrm>
+          <a:prstGeom prst="rect">
+            <a:avLst/>
+          </a:prstGeom>
+          <a:noFill/>
+        </p:spPr>
+        <p:txBody>
+          <a:bodyPr wrap="square" rtlCol="0">
+            <a:spAutoFit/>
+          </a:bodyPr>
+          <a:lstStyle/>
+          <a:p>
+            <a:pPr algn="just"/>
+            <a:r>
+              <a:rPr lang="en-US" sz="2400" dirty="0" err="1">
+                <a:latin typeface="Calibri" panose="020F0502020204030204" pitchFamily="34" charset="0"/>
+                <a:cs typeface="Calibri" panose="020F0502020204030204" pitchFamily="34" charset="0"/>
+              </a:rPr>
+              <a:t>Dữ</a:t>
+            </a:r>
+            <a:r>
+              <a:rPr lang="en-US" sz="2400" dirty="0">
+                <a:latin typeface="Calibri" panose="020F0502020204030204" pitchFamily="34" charset="0"/>
+                <a:cs typeface="Calibri" panose="020F0502020204030204" pitchFamily="34" charset="0"/>
+              </a:rPr>
+              <a:t> </a:t>
+            </a:r>
+            <a:r>
+              <a:rPr lang="en-US" sz="2400" dirty="0" err="1">
+                <a:latin typeface="Calibri" panose="020F0502020204030204" pitchFamily="34" charset="0"/>
+                <a:cs typeface="Calibri" panose="020F0502020204030204" pitchFamily="34" charset="0"/>
+              </a:rPr>
+              <a:t>liệu</a:t>
+            </a:r>
+            <a:r>
+              <a:rPr lang="en-US" sz="2400" dirty="0">
+                <a:latin typeface="Calibri" panose="020F0502020204030204" pitchFamily="34" charset="0"/>
+                <a:cs typeface="Calibri" panose="020F0502020204030204" pitchFamily="34" charset="0"/>
+              </a:rPr>
+              <a:t> </a:t>
+            </a:r>
+            <a:r>
+              <a:rPr lang="en-US" sz="2400" dirty="0" err="1">
+                <a:latin typeface="Calibri" panose="020F0502020204030204" pitchFamily="34" charset="0"/>
+                <a:cs typeface="Calibri" panose="020F0502020204030204" pitchFamily="34" charset="0"/>
+              </a:rPr>
+              <a:t>là</a:t>
+            </a:r>
+            <a:r>
+              <a:rPr lang="en-US" sz="2400" dirty="0">
+                <a:latin typeface="Calibri" panose="020F0502020204030204" pitchFamily="34" charset="0"/>
+                <a:cs typeface="Calibri" panose="020F0502020204030204" pitchFamily="34" charset="0"/>
+              </a:rPr>
+              <a:t> </a:t>
+            </a:r>
+            <a:r>
+              <a:rPr lang="en-US" sz="2400" dirty="0" err="1">
+                <a:latin typeface="Calibri" panose="020F0502020204030204" pitchFamily="34" charset="0"/>
+                <a:cs typeface="Calibri" panose="020F0502020204030204" pitchFamily="34" charset="0"/>
+              </a:rPr>
+              <a:t>một</a:t>
+            </a:r>
+            <a:r>
+              <a:rPr lang="en-US" sz="2400" dirty="0">
+                <a:latin typeface="Calibri" panose="020F0502020204030204" pitchFamily="34" charset="0"/>
+                <a:cs typeface="Calibri" panose="020F0502020204030204" pitchFamily="34" charset="0"/>
+              </a:rPr>
+              <a:t> </a:t>
+            </a:r>
+            <a:r>
+              <a:rPr lang="en-US" sz="2400" dirty="0" err="1">
+                <a:latin typeface="Calibri" panose="020F0502020204030204" pitchFamily="34" charset="0"/>
+                <a:cs typeface="Calibri" panose="020F0502020204030204" pitchFamily="34" charset="0"/>
+              </a:rPr>
+              <a:t>trong</a:t>
+            </a:r>
+            <a:r>
+              <a:rPr lang="en-US" sz="2400" dirty="0">
+                <a:latin typeface="Calibri" panose="020F0502020204030204" pitchFamily="34" charset="0"/>
+                <a:cs typeface="Calibri" panose="020F0502020204030204" pitchFamily="34" charset="0"/>
+              </a:rPr>
+              <a:t> </a:t>
+            </a:r>
+            <a:r>
+              <a:rPr lang="en-US" sz="2400" dirty="0" err="1">
+                <a:latin typeface="Calibri" panose="020F0502020204030204" pitchFamily="34" charset="0"/>
+                <a:cs typeface="Calibri" panose="020F0502020204030204" pitchFamily="34" charset="0"/>
+              </a:rPr>
+              <a:t>những</a:t>
+            </a:r>
+            <a:r>
+              <a:rPr lang="en-US" sz="2400" dirty="0">
+                <a:latin typeface="Calibri" panose="020F0502020204030204" pitchFamily="34" charset="0"/>
+                <a:cs typeface="Calibri" panose="020F0502020204030204" pitchFamily="34" charset="0"/>
+              </a:rPr>
+              <a:t> </a:t>
+            </a:r>
+            <a:r>
+              <a:rPr lang="en-US" sz="2400" dirty="0" err="1">
+                <a:latin typeface="Calibri" panose="020F0502020204030204" pitchFamily="34" charset="0"/>
+                <a:cs typeface="Calibri" panose="020F0502020204030204" pitchFamily="34" charset="0"/>
+              </a:rPr>
+              <a:t>thứ</a:t>
+            </a:r>
+            <a:r>
+              <a:rPr lang="en-US" sz="2400" dirty="0">
+                <a:latin typeface="Calibri" panose="020F0502020204030204" pitchFamily="34" charset="0"/>
+                <a:cs typeface="Calibri" panose="020F0502020204030204" pitchFamily="34" charset="0"/>
+              </a:rPr>
+              <a:t> “</a:t>
+            </a:r>
+            <a:r>
+              <a:rPr lang="en-US" sz="2400" dirty="0" err="1">
+                <a:latin typeface="Calibri" panose="020F0502020204030204" pitchFamily="34" charset="0"/>
+                <a:cs typeface="Calibri" panose="020F0502020204030204" pitchFamily="34" charset="0"/>
+              </a:rPr>
+              <a:t>đáng</a:t>
+            </a:r>
+            <a:r>
+              <a:rPr lang="en-US" sz="2400" dirty="0">
+                <a:latin typeface="Calibri" panose="020F0502020204030204" pitchFamily="34" charset="0"/>
+                <a:cs typeface="Calibri" panose="020F0502020204030204" pitchFamily="34" charset="0"/>
+              </a:rPr>
+              <a:t> </a:t>
+            </a:r>
+            <a:r>
+              <a:rPr lang="en-US" sz="2400" dirty="0" err="1">
+                <a:latin typeface="Calibri" panose="020F0502020204030204" pitchFamily="34" charset="0"/>
+                <a:cs typeface="Calibri" panose="020F0502020204030204" pitchFamily="34" charset="0"/>
+              </a:rPr>
+              <a:t>tiền</a:t>
+            </a:r>
+            <a:r>
+              <a:rPr lang="en-US" sz="2400" dirty="0">
+                <a:latin typeface="Calibri" panose="020F0502020204030204" pitchFamily="34" charset="0"/>
+                <a:cs typeface="Calibri" panose="020F0502020204030204" pitchFamily="34" charset="0"/>
+              </a:rPr>
+              <a:t>” </a:t>
+            </a:r>
+            <a:r>
+              <a:rPr lang="en-US" sz="2400" dirty="0" err="1">
+                <a:latin typeface="Calibri" panose="020F0502020204030204" pitchFamily="34" charset="0"/>
+                <a:cs typeface="Calibri" panose="020F0502020204030204" pitchFamily="34" charset="0"/>
+              </a:rPr>
+              <a:t>nhất</a:t>
+            </a:r>
+            <a:r>
+              <a:rPr lang="en-US" sz="2400" dirty="0">
+                <a:latin typeface="Calibri" panose="020F0502020204030204" pitchFamily="34" charset="0"/>
+                <a:cs typeface="Calibri" panose="020F0502020204030204" pitchFamily="34" charset="0"/>
+              </a:rPr>
+              <a:t> </a:t>
+            </a:r>
+            <a:r>
+              <a:rPr lang="en-US" sz="2400" dirty="0" err="1">
+                <a:latin typeface="Calibri" panose="020F0502020204030204" pitchFamily="34" charset="0"/>
+                <a:cs typeface="Calibri" panose="020F0502020204030204" pitchFamily="34" charset="0"/>
+              </a:rPr>
+              <a:t>trong</a:t>
+            </a:r>
+            <a:r>
+              <a:rPr lang="en-US" sz="2400" dirty="0">
+                <a:latin typeface="Calibri" panose="020F0502020204030204" pitchFamily="34" charset="0"/>
+                <a:cs typeface="Calibri" panose="020F0502020204030204" pitchFamily="34" charset="0"/>
+              </a:rPr>
+              <a:t> website </a:t>
+            </a:r>
+            <a:r>
+              <a:rPr lang="en-US" sz="2400" dirty="0" err="1">
+                <a:latin typeface="Calibri" panose="020F0502020204030204" pitchFamily="34" charset="0"/>
+                <a:cs typeface="Calibri" panose="020F0502020204030204" pitchFamily="34" charset="0"/>
+              </a:rPr>
+              <a:t>của</a:t>
+            </a:r>
+            <a:r>
+              <a:rPr lang="en-US" sz="2400" dirty="0">
+                <a:latin typeface="Calibri" panose="020F0502020204030204" pitchFamily="34" charset="0"/>
+                <a:cs typeface="Calibri" panose="020F0502020204030204" pitchFamily="34" charset="0"/>
+              </a:rPr>
+              <a:t> </a:t>
+            </a:r>
+            <a:r>
+              <a:rPr lang="en-US" sz="2400" dirty="0" err="1">
+                <a:latin typeface="Calibri" panose="020F0502020204030204" pitchFamily="34" charset="0"/>
+                <a:cs typeface="Calibri" panose="020F0502020204030204" pitchFamily="34" charset="0"/>
+              </a:rPr>
+              <a:t>bạn</a:t>
+            </a:r>
+            <a:r>
+              <a:rPr lang="en-US" sz="2400" dirty="0">
+                <a:latin typeface="Calibri" panose="020F0502020204030204" pitchFamily="34" charset="0"/>
+                <a:cs typeface="Calibri" panose="020F0502020204030204" pitchFamily="34" charset="0"/>
+              </a:rPr>
+              <a:t>. M</a:t>
+            </a:r>
+            <a:r>
+              <a:rPr lang="vi-VN" sz="2400" dirty="0">
+                <a:latin typeface="Calibri" panose="020F0502020204030204" pitchFamily="34" charset="0"/>
+                <a:cs typeface="Calibri" panose="020F0502020204030204" pitchFamily="34" charset="0"/>
+              </a:rPr>
+              <a:t>ặc dù SQL rất nguy hại nhưng cũng dễ phòng chống. Gần đây, hầu như chúng ta ít viết SQL thuần mà toàn sử dụng ORM (Object-Relational Mapping) framework. Các framework web này sẽ tự tạo câu lệnh SQL nên hacker cũng khó tấn công hơn.</a:t>
+            </a:r>
+            <a:endParaRPr lang="en-US" sz="2400" dirty="0">
+              <a:latin typeface="Calibri" panose="020F0502020204030204" pitchFamily="34" charset="0"/>
+              <a:cs typeface="Calibri" panose="020F0502020204030204" pitchFamily="34" charset="0"/>
+            </a:endParaRPr>
+          </a:p>
+          <a:p>
+            <a:pPr algn="just"/>
+            <a:endParaRPr lang="en-US" sz="2400" dirty="0">
+              <a:latin typeface="Calibri" panose="020F0502020204030204" pitchFamily="34" charset="0"/>
+              <a:cs typeface="Calibri" panose="020F0502020204030204" pitchFamily="34" charset="0"/>
+            </a:endParaRPr>
+          </a:p>
+          <a:p>
+            <a:pPr algn="just"/>
+            <a:endParaRPr lang="vi-VN" sz="2400" dirty="0">
+              <a:latin typeface="Calibri" panose="020F0502020204030204" pitchFamily="34" charset="0"/>
+              <a:cs typeface="Calibri" panose="020F0502020204030204" pitchFamily="34" charset="0"/>
+            </a:endParaRPr>
+          </a:p>
+          <a:p>
+            <a:pPr algn="just"/>
+            <a:r>
+              <a:rPr lang="vi-VN" sz="2400" dirty="0">
+                <a:latin typeface="Calibri" panose="020F0502020204030204" pitchFamily="34" charset="0"/>
+                <a:cs typeface="Calibri" panose="020F0502020204030204" pitchFamily="34" charset="0"/>
+              </a:rPr>
+              <a:t>Tuy nhiên, có rất nhiều site vẫn sử dụng SQL thuần để truy cập dữ liệu. Đây chính là mồi ngon cho hacker. </a:t>
+            </a:r>
+          </a:p>
+          <a:p>
+            <a:endParaRPr lang="en-US" sz="2400" dirty="0">
+              <a:latin typeface="Calibri" panose="020F0502020204030204" pitchFamily="34" charset="0"/>
+              <a:cs typeface="Calibri" panose="020F0502020204030204" pitchFamily="34" charset="0"/>
+            </a:endParaRPr>
+          </a:p>
+        </p:txBody>
+      </p:sp>
+    </p:spTree>
+    <p:extLst>
+      <p:ext uri="{BB962C8B-B14F-4D97-AF65-F5344CB8AC3E}">
+        <p14:creationId xmlns:p14="http://schemas.microsoft.com/office/powerpoint/2010/main" val="2118582917"/>
+      </p:ext>
+    </p:extLst>
+  </p:cSld>
+  <p:clrMapOvr>
+    <a:masterClrMapping/>
+  </p:clrMapOvr>
+  <p:transition spd="slow">
+    <p:push dir="u"/>
+  </p:transition>
+</p:sld>
+</file>
+
+<file path=ppt/slides/slide26.xml><?xml version="1.0" encoding="utf-8"?>
+<p:sld xmlns:a="http://schemas.openxmlformats.org/drawingml/2006/main" xmlns:r="http://schemas.openxmlformats.org/officeDocument/2006/relationships" xmlns:p="http://schemas.openxmlformats.org/presentationml/2006/main">
+  <p:cSld>
+    <p:spTree>
+      <p:nvGrpSpPr>
+        <p:cNvPr id="1" name=""/>
+        <p:cNvGrpSpPr/>
+        <p:nvPr/>
+      </p:nvGrpSpPr>
+      <p:grpSpPr>
+        <a:xfrm>
+          <a:off x="0" y="0"/>
+          <a:ext cx="0" cy="0"/>
+          <a:chOff x="0" y="0"/>
+          <a:chExt cx="0" cy="0"/>
+        </a:xfrm>
+      </p:grpSpPr>
+      <p:sp>
+        <p:nvSpPr>
+          <p:cNvPr id="3" name="Title 3">
+            <a:extLst>
+              <a:ext uri="{FF2B5EF4-FFF2-40B4-BE49-F238E27FC236}">
+                <a16:creationId xmlns:a16="http://schemas.microsoft.com/office/drawing/2014/main" id="{801CC752-413D-4C33-983D-E6C353F80813}"/>
+              </a:ext>
+            </a:extLst>
+          </p:cNvPr>
+          <p:cNvSpPr txBox="1">
+            <a:spLocks/>
+          </p:cNvSpPr>
+          <p:nvPr/>
+        </p:nvSpPr>
+        <p:spPr>
+          <a:xfrm>
+            <a:off x="685802" y="609600"/>
+            <a:ext cx="11157010" cy="922867"/>
+          </a:xfrm>
+          <a:prstGeom prst="rect">
+            <a:avLst/>
+          </a:prstGeom>
+          <a:effectLst/>
+        </p:spPr>
+        <p:txBody>
+          <a:bodyPr vert="horz" lIns="91440" tIns="45720" rIns="91440" bIns="45720" rtlCol="0" anchor="b">
+            <a:normAutofit/>
+          </a:bodyPr>
+          <a:lstStyle>
+            <a:lvl1pPr algn="l" defTabSz="457200" rtl="0" eaLnBrk="1" latinLnBrk="0" hangingPunct="1">
+              <a:spcBef>
+                <a:spcPct val="0"/>
+              </a:spcBef>
+              <a:buNone/>
+              <a:defRPr sz="3600" kern="1200" cap="all">
+                <a:ln w="3175" cmpd="sng">
+                  <a:noFill/>
+                </a:ln>
+                <a:solidFill>
+                  <a:schemeClr val="tx1"/>
+                </a:solidFill>
+                <a:effectLst/>
+                <a:latin typeface="+mj-lt"/>
+                <a:ea typeface="+mj-ea"/>
+                <a:cs typeface="+mj-cs"/>
+              </a:defRPr>
+            </a:lvl1pPr>
+            <a:lvl2pPr eaLnBrk="1" hangingPunct="1">
+              <a:defRPr>
+                <a:solidFill>
+                  <a:schemeClr val="tx2"/>
+                </a:solidFill>
+              </a:defRPr>
+            </a:lvl2pPr>
+            <a:lvl3pPr eaLnBrk="1" hangingPunct="1">
+              <a:defRPr>
+                <a:solidFill>
+                  <a:schemeClr val="tx2"/>
+                </a:solidFill>
+              </a:defRPr>
+            </a:lvl3pPr>
+            <a:lvl4pPr eaLnBrk="1" hangingPunct="1">
+              <a:defRPr>
+                <a:solidFill>
+                  <a:schemeClr val="tx2"/>
+                </a:solidFill>
+              </a:defRPr>
+            </a:lvl4pPr>
+            <a:lvl5pPr eaLnBrk="1" hangingPunct="1">
+              <a:defRPr>
+                <a:solidFill>
+                  <a:schemeClr val="tx2"/>
+                </a:solidFill>
+              </a:defRPr>
+            </a:lvl5pPr>
+            <a:lvl6pPr eaLnBrk="1" hangingPunct="1">
+              <a:defRPr>
+                <a:solidFill>
+                  <a:schemeClr val="tx2"/>
+                </a:solidFill>
+              </a:defRPr>
+            </a:lvl6pPr>
+            <a:lvl7pPr eaLnBrk="1" hangingPunct="1">
+              <a:defRPr>
+                <a:solidFill>
+                  <a:schemeClr val="tx2"/>
+                </a:solidFill>
+              </a:defRPr>
+            </a:lvl7pPr>
+            <a:lvl8pPr eaLnBrk="1" hangingPunct="1">
+              <a:defRPr>
+                <a:solidFill>
+                  <a:schemeClr val="tx2"/>
+                </a:solidFill>
+              </a:defRPr>
+            </a:lvl8pPr>
+            <a:lvl9pPr eaLnBrk="1" hangingPunct="1">
+              <a:defRPr>
+                <a:solidFill>
+                  <a:schemeClr val="tx2"/>
+                </a:solidFill>
+              </a:defRPr>
+            </a:lvl9pPr>
+          </a:lstStyle>
+          <a:p>
+            <a:pPr algn="ctr"/>
+            <a:r>
+              <a:rPr lang="en-US" sz="3200" dirty="0" err="1"/>
+              <a:t>Tham</a:t>
+            </a:r>
+            <a:r>
+              <a:rPr lang="en-US" sz="3200" dirty="0"/>
+              <a:t> </a:t>
+            </a:r>
+            <a:r>
+              <a:rPr lang="en-US" sz="3200" dirty="0" err="1"/>
+              <a:t>Chiếu</a:t>
+            </a:r>
+            <a:endParaRPr lang="en-US" sz="3200" dirty="0"/>
+          </a:p>
+        </p:txBody>
+      </p:sp>
+      <p:sp>
+        <p:nvSpPr>
+          <p:cNvPr id="4" name="Rectangle 3">
+            <a:extLst>
+              <a:ext uri="{FF2B5EF4-FFF2-40B4-BE49-F238E27FC236}">
+                <a16:creationId xmlns:a16="http://schemas.microsoft.com/office/drawing/2014/main" id="{C9915ADC-4EED-4CB3-8DF7-B1810954BAE3}"/>
+              </a:ext>
+            </a:extLst>
+          </p:cNvPr>
+          <p:cNvSpPr/>
+          <p:nvPr/>
+        </p:nvSpPr>
+        <p:spPr>
+          <a:xfrm>
+            <a:off x="526004" y="2166151"/>
+            <a:ext cx="11600892" cy="1991557"/>
+          </a:xfrm>
+          <a:prstGeom prst="rect">
+            <a:avLst/>
+          </a:prstGeom>
+        </p:spPr>
+        <p:txBody>
+          <a:bodyPr vert="horz" lIns="91440" tIns="45720" rIns="91440" bIns="45720" rtlCol="0" anchor="ctr">
+            <a:normAutofit/>
+          </a:bodyPr>
+          <a:lstStyle/>
+          <a:p>
+            <a:pPr>
+              <a:spcAft>
+                <a:spcPts val="1000"/>
+              </a:spcAft>
+              <a:buClr>
+                <a:schemeClr val="tx1"/>
+              </a:buClr>
+              <a:buSzPct val="100000"/>
+              <a:buFont typeface="Arial"/>
+              <a:buChar char="•"/>
+            </a:pPr>
+            <a:r>
+              <a:rPr lang="en-US" sz="2400" dirty="0">
+                <a:solidFill>
+                  <a:schemeClr val="tx1">
+                    <a:lumMod val="85000"/>
+                    <a:lumOff val="15000"/>
+                  </a:schemeClr>
+                </a:solidFill>
+              </a:rPr>
+              <a:t>https://www.hacksplaining.com/prevention/sql-injection</a:t>
+            </a:r>
+          </a:p>
+          <a:p>
+            <a:pPr>
+              <a:spcAft>
+                <a:spcPts val="1000"/>
+              </a:spcAft>
+              <a:buClr>
+                <a:schemeClr val="tx1"/>
+              </a:buClr>
+              <a:buSzPct val="100000"/>
+              <a:buFont typeface="Arial"/>
+              <a:buChar char="•"/>
+            </a:pPr>
+            <a:r>
+              <a:rPr lang="en-US" sz="2400" dirty="0">
+                <a:solidFill>
+                  <a:schemeClr val="tx1">
+                    <a:lumMod val="85000"/>
+                    <a:lumOff val="15000"/>
+                  </a:schemeClr>
+                </a:solidFill>
+              </a:rPr>
+              <a:t>https://codelearn.io/sharing/giai-thich-cac-khai-niem-ve-injection-trong-software-engineering-dependency-injection-sql-injection-etc</a:t>
+            </a:r>
+          </a:p>
+          <a:p>
+            <a:pPr>
+              <a:spcAft>
+                <a:spcPts val="1000"/>
+              </a:spcAft>
+              <a:buClr>
+                <a:schemeClr val="tx1"/>
+              </a:buClr>
+              <a:buSzPct val="100000"/>
+              <a:buFont typeface="Arial"/>
+              <a:buChar char="•"/>
+            </a:pPr>
+            <a:r>
+              <a:rPr lang="en-US" sz="2400" dirty="0">
+                <a:solidFill>
+                  <a:schemeClr val="tx1">
+                    <a:lumMod val="85000"/>
+                    <a:lumOff val="15000"/>
+                  </a:schemeClr>
+                </a:solidFill>
+              </a:rPr>
+              <a:t>https://www.hacksplaining.com/prevention/sql-injection </a:t>
+            </a:r>
+          </a:p>
+        </p:txBody>
+      </p:sp>
+    </p:spTree>
+    <p:extLst>
+      <p:ext uri="{BB962C8B-B14F-4D97-AF65-F5344CB8AC3E}">
+        <p14:creationId xmlns:p14="http://schemas.microsoft.com/office/powerpoint/2010/main" val="2227443726"/>
+      </p:ext>
+    </p:extLst>
+  </p:cSld>
+  <p:clrMapOvr>
+    <a:masterClrMapping/>
+  </p:clrMapOvr>
+  <p:transition spd="slow">
+    <p:push dir="u"/>
+  </p:transition>
+</p:sld>
+</file>
+
 <file path=ppt/slides/slide3.xml><?xml version="1.0" encoding="utf-8"?>
 <p:sld xmlns:a="http://schemas.openxmlformats.org/drawingml/2006/main" xmlns:r="http://schemas.openxmlformats.org/officeDocument/2006/relationships" xmlns:p="http://schemas.openxmlformats.org/presentationml/2006/main">
   <p:cSld>
@@ -9055,7 +13432,7 @@
         </p:nvSpPr>
         <p:spPr>
           <a:xfrm>
-            <a:off x="958787" y="2325950"/>
+            <a:off x="957312" y="1987396"/>
             <a:ext cx="2794355" cy="523220"/>
           </a:xfrm>
           <a:prstGeom prst="rect">
@@ -9115,7 +13492,7 @@
         </p:nvSpPr>
         <p:spPr>
           <a:xfrm>
-            <a:off x="958787" y="2955365"/>
+            <a:off x="938197" y="2619983"/>
             <a:ext cx="2464008" cy="523220"/>
           </a:xfrm>
           <a:prstGeom prst="rect">
@@ -9167,7 +13544,7 @@
         </p:nvSpPr>
         <p:spPr>
           <a:xfrm>
-            <a:off x="957312" y="4841811"/>
+            <a:off x="957311" y="5231373"/>
             <a:ext cx="1059906" cy="523220"/>
           </a:xfrm>
           <a:prstGeom prst="rect">
@@ -9202,7 +13579,7 @@
         </p:nvSpPr>
         <p:spPr>
           <a:xfrm>
-            <a:off x="957312" y="3584780"/>
+            <a:off x="957311" y="3950559"/>
             <a:ext cx="1179297" cy="523220"/>
           </a:xfrm>
           <a:prstGeom prst="rect">
@@ -9246,7 +13623,7 @@
         </p:nvSpPr>
         <p:spPr>
           <a:xfrm>
-            <a:off x="957312" y="4214195"/>
+            <a:off x="990904" y="4598474"/>
             <a:ext cx="2465483" cy="523220"/>
           </a:xfrm>
           <a:prstGeom prst="rect">
@@ -9281,6 +13658,126 @@
               <a:t>chặn</a:t>
             </a:r>
             <a:endParaRPr lang="en-US" sz="2800" dirty="0"/>
+          </a:p>
+        </p:txBody>
+      </p:sp>
+      <p:sp>
+        <p:nvSpPr>
+          <p:cNvPr id="9" name="TextBox 8"/>
+          <p:cNvSpPr txBox="1"/>
+          <p:nvPr/>
+        </p:nvSpPr>
+        <p:spPr>
+          <a:xfrm>
+            <a:off x="938197" y="3302645"/>
+            <a:ext cx="5691683" cy="523220"/>
+          </a:xfrm>
+          <a:prstGeom prst="rect">
+            <a:avLst/>
+          </a:prstGeom>
+          <a:noFill/>
+        </p:spPr>
+        <p:txBody>
+          <a:bodyPr wrap="square" rtlCol="0">
+            <a:spAutoFit/>
+          </a:bodyPr>
+          <a:lstStyle/>
+          <a:p>
+            <a:r>
+              <a:rPr lang="en-US" sz="2800" dirty="0" err="1">
+                <a:latin typeface="Calibri" panose="020F0502020204030204" pitchFamily="34" charset="0"/>
+                <a:cs typeface="Calibri" panose="020F0502020204030204" pitchFamily="34" charset="0"/>
+              </a:rPr>
+              <a:t>Một</a:t>
+            </a:r>
+            <a:r>
+              <a:rPr lang="en-US" sz="2800" dirty="0">
+                <a:latin typeface="Calibri" panose="020F0502020204030204" pitchFamily="34" charset="0"/>
+                <a:cs typeface="Calibri" panose="020F0502020204030204" pitchFamily="34" charset="0"/>
+              </a:rPr>
+              <a:t> </a:t>
+            </a:r>
+            <a:r>
+              <a:rPr lang="en-US" sz="2800" dirty="0" err="1">
+                <a:latin typeface="Calibri" panose="020F0502020204030204" pitchFamily="34" charset="0"/>
+                <a:cs typeface="Calibri" panose="020F0502020204030204" pitchFamily="34" charset="0"/>
+              </a:rPr>
+              <a:t>số</a:t>
+            </a:r>
+            <a:r>
+              <a:rPr lang="en-US" sz="2800" dirty="0">
+                <a:latin typeface="Calibri" panose="020F0502020204030204" pitchFamily="34" charset="0"/>
+                <a:cs typeface="Calibri" panose="020F0502020204030204" pitchFamily="34" charset="0"/>
+              </a:rPr>
+              <a:t> </a:t>
+            </a:r>
+            <a:r>
+              <a:rPr lang="en-US" sz="2800" dirty="0" err="1">
+                <a:latin typeface="Calibri" panose="020F0502020204030204" pitchFamily="34" charset="0"/>
+                <a:cs typeface="Calibri" panose="020F0502020204030204" pitchFamily="34" charset="0"/>
+              </a:rPr>
+              <a:t>dạng</a:t>
+            </a:r>
+            <a:r>
+              <a:rPr lang="en-US" sz="2800" dirty="0">
+                <a:latin typeface="Calibri" panose="020F0502020204030204" pitchFamily="34" charset="0"/>
+                <a:cs typeface="Calibri" panose="020F0502020204030204" pitchFamily="34" charset="0"/>
+              </a:rPr>
+              <a:t> </a:t>
+            </a:r>
+            <a:r>
+              <a:rPr lang="en-US" sz="2800" dirty="0" err="1">
+                <a:latin typeface="Calibri" panose="020F0502020204030204" pitchFamily="34" charset="0"/>
+                <a:cs typeface="Calibri" panose="020F0502020204030204" pitchFamily="34" charset="0"/>
+              </a:rPr>
+              <a:t>tấn</a:t>
+            </a:r>
+            <a:r>
+              <a:rPr lang="en-US" sz="2800" dirty="0">
+                <a:latin typeface="Calibri" panose="020F0502020204030204" pitchFamily="34" charset="0"/>
+                <a:cs typeface="Calibri" panose="020F0502020204030204" pitchFamily="34" charset="0"/>
+              </a:rPr>
+              <a:t> </a:t>
+            </a:r>
+            <a:r>
+              <a:rPr lang="en-US" sz="2800" dirty="0" err="1">
+                <a:latin typeface="Calibri" panose="020F0502020204030204" pitchFamily="34" charset="0"/>
+                <a:cs typeface="Calibri" panose="020F0502020204030204" pitchFamily="34" charset="0"/>
+              </a:rPr>
+              <a:t>công</a:t>
+            </a:r>
+            <a:r>
+              <a:rPr lang="en-US" sz="2800" dirty="0">
+                <a:latin typeface="Calibri" panose="020F0502020204030204" pitchFamily="34" charset="0"/>
+                <a:cs typeface="Calibri" panose="020F0502020204030204" pitchFamily="34" charset="0"/>
+              </a:rPr>
+              <a:t> </a:t>
+            </a:r>
+            <a:r>
+              <a:rPr lang="en-US" sz="2800" dirty="0" err="1">
+                <a:latin typeface="Calibri" panose="020F0502020204030204" pitchFamily="34" charset="0"/>
+                <a:cs typeface="Calibri" panose="020F0502020204030204" pitchFamily="34" charset="0"/>
+              </a:rPr>
+              <a:t>thường</a:t>
+            </a:r>
+            <a:r>
+              <a:rPr lang="en-US" sz="2800" dirty="0">
+                <a:latin typeface="Calibri" panose="020F0502020204030204" pitchFamily="34" charset="0"/>
+                <a:cs typeface="Calibri" panose="020F0502020204030204" pitchFamily="34" charset="0"/>
+              </a:rPr>
+              <a:t> </a:t>
+            </a:r>
+            <a:r>
+              <a:rPr lang="en-US" sz="2800" dirty="0" err="1">
+                <a:latin typeface="Calibri" panose="020F0502020204030204" pitchFamily="34" charset="0"/>
+                <a:cs typeface="Calibri" panose="020F0502020204030204" pitchFamily="34" charset="0"/>
+              </a:rPr>
+              <a:t>gặp</a:t>
+            </a:r>
+            <a:endParaRPr lang="en-US" sz="2800" dirty="0">
+              <a:latin typeface="Calibri" panose="020F0502020204030204" pitchFamily="34" charset="0"/>
+              <a:cs typeface="Calibri" panose="020F0502020204030204" pitchFamily="34" charset="0"/>
+            </a:endParaRPr>
           </a:p>
         </p:txBody>
       </p:sp>
@@ -9323,7 +13820,7 @@
                               <p:par>
                                 <p:cTn id="5" presetID="2" presetClass="entr" presetSubtype="4" fill="hold" grpId="0" nodeType="afterEffect">
                                   <p:stCondLst>
-                                    <p:cond delay="500"/>
+                                    <p:cond delay="0"/>
                                   </p:stCondLst>
                                   <p:childTnLst>
                                     <p:set>
@@ -9399,13 +13896,13 @@
                         <p:par>
                           <p:cTn id="9" fill="hold">
                             <p:stCondLst>
-                              <p:cond delay="1000"/>
+                              <p:cond delay="500"/>
                             </p:stCondLst>
                             <p:childTnLst>
                               <p:par>
-                                <p:cTn id="10" presetID="2" presetClass="entr" presetSubtype="4" fill="hold" grpId="0" nodeType="afterEffect">
+                                <p:cTn id="10" presetID="42" presetClass="entr" presetSubtype="0" fill="hold" grpId="0" nodeType="afterEffect">
                                   <p:stCondLst>
-                                    <p:cond delay="500"/>
+                                    <p:cond delay="0"/>
                                   </p:stCondLst>
                                   <p:childTnLst>
                                     <p:set>
@@ -9426,9 +13923,17 @@
                                         <p:strVal val="visible"/>
                                       </p:to>
                                     </p:set>
+                                    <p:animEffect transition="in" filter="fade">
+                                      <p:cBhvr>
+                                        <p:cTn id="12" dur="1000"/>
+                                        <p:tgtEl>
+                                          <p:spTgt spid="4"/>
+                                        </p:tgtEl>
+                                      </p:cBhvr>
+                                    </p:animEffect>
                                     <p:anim calcmode="lin" valueType="num">
-                                      <p:cBhvr additive="base">
-                                        <p:cTn id="12" dur="500" fill="hold"/>
+                                      <p:cBhvr>
+                                        <p:cTn id="13" dur="1000" fill="hold"/>
                                         <p:tgtEl>
                                           <p:spTgt spid="4"/>
                                         </p:tgtEl>
@@ -9450,8 +13955,8 @@
                                       </p:tavLst>
                                     </p:anim>
                                     <p:anim calcmode="lin" valueType="num">
-                                      <p:cBhvr additive="base">
-                                        <p:cTn id="13" dur="500" fill="hold"/>
+                                      <p:cBhvr>
+                                        <p:cTn id="14" dur="1000" fill="hold"/>
                                         <p:tgtEl>
                                           <p:spTgt spid="4"/>
                                         </p:tgtEl>
@@ -9462,7 +13967,7 @@
                                       <p:tavLst>
                                         <p:tav tm="0">
                                           <p:val>
-                                            <p:strVal val="1+#ppt_h/2"/>
+                                            <p:strVal val="#ppt_y+.1"/>
                                           </p:val>
                                         </p:tav>
                                         <p:tav tm="100000">
@@ -9479,20 +13984,20 @@
                           </p:cTn>
                         </p:par>
                         <p:par>
-                          <p:cTn id="14" fill="hold">
+                          <p:cTn id="15" fill="hold">
                             <p:stCondLst>
-                              <p:cond delay="2000"/>
+                              <p:cond delay="1500"/>
                             </p:stCondLst>
                             <p:childTnLst>
                               <p:par>
-                                <p:cTn id="15" presetID="2" presetClass="entr" presetSubtype="4" fill="hold" grpId="0" nodeType="afterEffect">
+                                <p:cTn id="16" presetID="42" presetClass="entr" presetSubtype="0" fill="hold" grpId="0" nodeType="afterEffect">
                                   <p:stCondLst>
-                                    <p:cond delay="500"/>
+                                    <p:cond delay="0"/>
                                   </p:stCondLst>
                                   <p:childTnLst>
                                     <p:set>
                                       <p:cBhvr>
-                                        <p:cTn id="16" dur="1" fill="hold">
+                                        <p:cTn id="17" dur="1" fill="hold">
                                           <p:stCondLst>
                                             <p:cond delay="0"/>
                                           </p:stCondLst>
@@ -9508,9 +14013,17 @@
                                         <p:strVal val="visible"/>
                                       </p:to>
                                     </p:set>
+                                    <p:animEffect transition="in" filter="fade">
+                                      <p:cBhvr>
+                                        <p:cTn id="18" dur="1000"/>
+                                        <p:tgtEl>
+                                          <p:spTgt spid="5"/>
+                                        </p:tgtEl>
+                                      </p:cBhvr>
+                                    </p:animEffect>
                                     <p:anim calcmode="lin" valueType="num">
-                                      <p:cBhvr additive="base">
-                                        <p:cTn id="17" dur="500" fill="hold"/>
+                                      <p:cBhvr>
+                                        <p:cTn id="19" dur="1000" fill="hold"/>
                                         <p:tgtEl>
                                           <p:spTgt spid="5"/>
                                         </p:tgtEl>
@@ -9532,8 +14045,8 @@
                                       </p:tavLst>
                                     </p:anim>
                                     <p:anim calcmode="lin" valueType="num">
-                                      <p:cBhvr additive="base">
-                                        <p:cTn id="18" dur="500" fill="hold"/>
+                                      <p:cBhvr>
+                                        <p:cTn id="20" dur="1000" fill="hold"/>
                                         <p:tgtEl>
                                           <p:spTgt spid="5"/>
                                         </p:tgtEl>
@@ -9544,7 +14057,7 @@
                                       <p:tavLst>
                                         <p:tav tm="0">
                                           <p:val>
-                                            <p:strVal val="1+#ppt_h/2"/>
+                                            <p:strVal val="#ppt_y+.1"/>
                                           </p:val>
                                         </p:tav>
                                         <p:tav tm="100000">
@@ -9561,26 +14074,26 @@
                           </p:cTn>
                         </p:par>
                         <p:par>
-                          <p:cTn id="19" fill="hold">
+                          <p:cTn id="21" fill="hold">
                             <p:stCondLst>
-                              <p:cond delay="3000"/>
+                              <p:cond delay="2500"/>
                             </p:stCondLst>
                             <p:childTnLst>
                               <p:par>
-                                <p:cTn id="20" presetID="2" presetClass="entr" presetSubtype="4" fill="hold" grpId="0" nodeType="afterEffect">
+                                <p:cTn id="22" presetID="42" presetClass="entr" presetSubtype="0" fill="hold" grpId="0" nodeType="afterEffect">
                                   <p:stCondLst>
-                                    <p:cond delay="500"/>
+                                    <p:cond delay="0"/>
                                   </p:stCondLst>
                                   <p:childTnLst>
                                     <p:set>
                                       <p:cBhvr>
-                                        <p:cTn id="21" dur="1" fill="hold">
+                                        <p:cTn id="23" dur="1" fill="hold">
                                           <p:stCondLst>
                                             <p:cond delay="0"/>
                                           </p:stCondLst>
                                         </p:cTn>
                                         <p:tgtEl>
-                                          <p:spTgt spid="7"/>
+                                          <p:spTgt spid="9"/>
                                         </p:tgtEl>
                                         <p:attrNameLst>
                                           <p:attrName>style.visibility</p:attrName>
@@ -9590,11 +14103,19 @@
                                         <p:strVal val="visible"/>
                                       </p:to>
                                     </p:set>
+                                    <p:animEffect transition="in" filter="fade">
+                                      <p:cBhvr>
+                                        <p:cTn id="24" dur="1000"/>
+                                        <p:tgtEl>
+                                          <p:spTgt spid="9"/>
+                                        </p:tgtEl>
+                                      </p:cBhvr>
+                                    </p:animEffect>
                                     <p:anim calcmode="lin" valueType="num">
-                                      <p:cBhvr additive="base">
-                                        <p:cTn id="22" dur="500" fill="hold"/>
+                                      <p:cBhvr>
+                                        <p:cTn id="25" dur="1000" fill="hold"/>
                                         <p:tgtEl>
-                                          <p:spTgt spid="7"/>
+                                          <p:spTgt spid="9"/>
                                         </p:tgtEl>
                                         <p:attrNameLst>
                                           <p:attrName>ppt_x</p:attrName>
@@ -9614,10 +14135,10 @@
                                       </p:tavLst>
                                     </p:anim>
                                     <p:anim calcmode="lin" valueType="num">
-                                      <p:cBhvr additive="base">
-                                        <p:cTn id="23" dur="500" fill="hold"/>
+                                      <p:cBhvr>
+                                        <p:cTn id="26" dur="1000" fill="hold"/>
                                         <p:tgtEl>
-                                          <p:spTgt spid="7"/>
+                                          <p:spTgt spid="9"/>
                                         </p:tgtEl>
                                         <p:attrNameLst>
                                           <p:attrName>ppt_y</p:attrName>
@@ -9626,7 +14147,7 @@
                                       <p:tavLst>
                                         <p:tav tm="0">
                                           <p:val>
-                                            <p:strVal val="1+#ppt_h/2"/>
+                                            <p:strVal val="#ppt_y+.1"/>
                                           </p:val>
                                         </p:tav>
                                         <p:tav tm="100000">
@@ -9643,26 +14164,30 @@
                           </p:cTn>
                         </p:par>
                         <p:par>
-                          <p:cTn id="24" fill="hold">
+                          <p:cTn id="27" fill="hold">
                             <p:stCondLst>
-                              <p:cond delay="4000"/>
+                              <p:cond delay="3500"/>
                             </p:stCondLst>
                             <p:childTnLst>
                               <p:par>
-                                <p:cTn id="25" presetID="2" presetClass="entr" presetSubtype="4" fill="hold" grpId="0" nodeType="afterEffect">
+                                <p:cTn id="28" presetID="42" presetClass="entr" presetSubtype="0" fill="hold" nodeType="afterEffect">
                                   <p:stCondLst>
-                                    <p:cond delay="500"/>
+                                    <p:cond delay="0"/>
                                   </p:stCondLst>
                                   <p:childTnLst>
                                     <p:set>
                                       <p:cBhvr>
-                                        <p:cTn id="26" dur="1" fill="hold">
+                                        <p:cTn id="29" dur="1" fill="hold">
                                           <p:stCondLst>
                                             <p:cond delay="0"/>
                                           </p:stCondLst>
                                         </p:cTn>
                                         <p:tgtEl>
-                                          <p:spTgt spid="8"/>
+                                          <p:spTgt spid="7">
+                                            <p:txEl>
+                                              <p:pRg st="0" end="0"/>
+                                            </p:txEl>
+                                          </p:spTgt>
                                         </p:tgtEl>
                                         <p:attrNameLst>
                                           <p:attrName>style.visibility</p:attrName>
@@ -9672,11 +14197,27 @@
                                         <p:strVal val="visible"/>
                                       </p:to>
                                     </p:set>
+                                    <p:animEffect transition="in" filter="fade">
+                                      <p:cBhvr>
+                                        <p:cTn id="30" dur="1000"/>
+                                        <p:tgtEl>
+                                          <p:spTgt spid="7">
+                                            <p:txEl>
+                                              <p:pRg st="0" end="0"/>
+                                            </p:txEl>
+                                          </p:spTgt>
+                                        </p:tgtEl>
+                                      </p:cBhvr>
+                                    </p:animEffect>
                                     <p:anim calcmode="lin" valueType="num">
-                                      <p:cBhvr additive="base">
-                                        <p:cTn id="27" dur="500" fill="hold"/>
+                                      <p:cBhvr>
+                                        <p:cTn id="31" dur="1000" fill="hold"/>
                                         <p:tgtEl>
-                                          <p:spTgt spid="8"/>
+                                          <p:spTgt spid="7">
+                                            <p:txEl>
+                                              <p:pRg st="0" end="0"/>
+                                            </p:txEl>
+                                          </p:spTgt>
                                         </p:tgtEl>
                                         <p:attrNameLst>
                                           <p:attrName>ppt_x</p:attrName>
@@ -9696,10 +14237,14 @@
                                       </p:tavLst>
                                     </p:anim>
                                     <p:anim calcmode="lin" valueType="num">
-                                      <p:cBhvr additive="base">
-                                        <p:cTn id="28" dur="500" fill="hold"/>
+                                      <p:cBhvr>
+                                        <p:cTn id="32" dur="1000" fill="hold"/>
                                         <p:tgtEl>
-                                          <p:spTgt spid="8"/>
+                                          <p:spTgt spid="7">
+                                            <p:txEl>
+                                              <p:pRg st="0" end="0"/>
+                                            </p:txEl>
+                                          </p:spTgt>
                                         </p:tgtEl>
                                         <p:attrNameLst>
                                           <p:attrName>ppt_y</p:attrName>
@@ -9708,7 +14253,7 @@
                                       <p:tavLst>
                                         <p:tav tm="0">
                                           <p:val>
-                                            <p:strVal val="1+#ppt_h/2"/>
+                                            <p:strVal val="#ppt_y+.1"/>
                                           </p:val>
                                         </p:tav>
                                         <p:tav tm="100000">
@@ -9725,26 +14270,30 @@
                           </p:cTn>
                         </p:par>
                         <p:par>
-                          <p:cTn id="29" fill="hold">
+                          <p:cTn id="33" fill="hold">
                             <p:stCondLst>
-                              <p:cond delay="5000"/>
+                              <p:cond delay="4500"/>
                             </p:stCondLst>
                             <p:childTnLst>
                               <p:par>
-                                <p:cTn id="30" presetID="2" presetClass="entr" presetSubtype="4" fill="hold" grpId="0" nodeType="afterEffect">
+                                <p:cTn id="34" presetID="42" presetClass="entr" presetSubtype="0" fill="hold" nodeType="afterEffect">
                                   <p:stCondLst>
-                                    <p:cond delay="500"/>
+                                    <p:cond delay="0"/>
                                   </p:stCondLst>
                                   <p:childTnLst>
                                     <p:set>
                                       <p:cBhvr>
-                                        <p:cTn id="31" dur="1" fill="hold">
+                                        <p:cTn id="35" dur="1" fill="hold">
                                           <p:stCondLst>
                                             <p:cond delay="0"/>
                                           </p:stCondLst>
                                         </p:cTn>
                                         <p:tgtEl>
-                                          <p:spTgt spid="6"/>
+                                          <p:spTgt spid="8">
+                                            <p:txEl>
+                                              <p:pRg st="0" end="0"/>
+                                            </p:txEl>
+                                          </p:spTgt>
                                         </p:tgtEl>
                                         <p:attrNameLst>
                                           <p:attrName>style.visibility</p:attrName>
@@ -9754,11 +14303,27 @@
                                         <p:strVal val="visible"/>
                                       </p:to>
                                     </p:set>
+                                    <p:animEffect transition="in" filter="fade">
+                                      <p:cBhvr>
+                                        <p:cTn id="36" dur="1000"/>
+                                        <p:tgtEl>
+                                          <p:spTgt spid="8">
+                                            <p:txEl>
+                                              <p:pRg st="0" end="0"/>
+                                            </p:txEl>
+                                          </p:spTgt>
+                                        </p:tgtEl>
+                                      </p:cBhvr>
+                                    </p:animEffect>
                                     <p:anim calcmode="lin" valueType="num">
-                                      <p:cBhvr additive="base">
-                                        <p:cTn id="32" dur="500" fill="hold"/>
+                                      <p:cBhvr>
+                                        <p:cTn id="37" dur="1000" fill="hold"/>
                                         <p:tgtEl>
-                                          <p:spTgt spid="6"/>
+                                          <p:spTgt spid="8">
+                                            <p:txEl>
+                                              <p:pRg st="0" end="0"/>
+                                            </p:txEl>
+                                          </p:spTgt>
                                         </p:tgtEl>
                                         <p:attrNameLst>
                                           <p:attrName>ppt_x</p:attrName>
@@ -9778,10 +14343,14 @@
                                       </p:tavLst>
                                     </p:anim>
                                     <p:anim calcmode="lin" valueType="num">
-                                      <p:cBhvr additive="base">
-                                        <p:cTn id="33" dur="500" fill="hold"/>
+                                      <p:cBhvr>
+                                        <p:cTn id="38" dur="1000" fill="hold"/>
                                         <p:tgtEl>
-                                          <p:spTgt spid="6"/>
+                                          <p:spTgt spid="8">
+                                            <p:txEl>
+                                              <p:pRg st="0" end="0"/>
+                                            </p:txEl>
+                                          </p:spTgt>
                                         </p:tgtEl>
                                         <p:attrNameLst>
                                           <p:attrName>ppt_y</p:attrName>
@@ -9790,7 +14359,113 @@
                                       <p:tavLst>
                                         <p:tav tm="0">
                                           <p:val>
-                                            <p:strVal val="1+#ppt_h/2"/>
+                                            <p:strVal val="#ppt_y+.1"/>
+                                          </p:val>
+                                        </p:tav>
+                                        <p:tav tm="100000">
+                                          <p:val>
+                                            <p:strVal val="#ppt_y"/>
+                                          </p:val>
+                                        </p:tav>
+                                      </p:tavLst>
+                                    </p:anim>
+                                  </p:childTnLst>
+                                </p:cTn>
+                              </p:par>
+                            </p:childTnLst>
+                          </p:cTn>
+                        </p:par>
+                        <p:par>
+                          <p:cTn id="39" fill="hold">
+                            <p:stCondLst>
+                              <p:cond delay="5500"/>
+                            </p:stCondLst>
+                            <p:childTnLst>
+                              <p:par>
+                                <p:cTn id="40" presetID="42" presetClass="entr" presetSubtype="0" fill="hold" nodeType="afterEffect">
+                                  <p:stCondLst>
+                                    <p:cond delay="0"/>
+                                  </p:stCondLst>
+                                  <p:childTnLst>
+                                    <p:set>
+                                      <p:cBhvr>
+                                        <p:cTn id="41" dur="1" fill="hold">
+                                          <p:stCondLst>
+                                            <p:cond delay="0"/>
+                                          </p:stCondLst>
+                                        </p:cTn>
+                                        <p:tgtEl>
+                                          <p:spTgt spid="6">
+                                            <p:txEl>
+                                              <p:pRg st="0" end="0"/>
+                                            </p:txEl>
+                                          </p:spTgt>
+                                        </p:tgtEl>
+                                        <p:attrNameLst>
+                                          <p:attrName>style.visibility</p:attrName>
+                                        </p:attrNameLst>
+                                      </p:cBhvr>
+                                      <p:to>
+                                        <p:strVal val="visible"/>
+                                      </p:to>
+                                    </p:set>
+                                    <p:animEffect transition="in" filter="fade">
+                                      <p:cBhvr>
+                                        <p:cTn id="42" dur="1000"/>
+                                        <p:tgtEl>
+                                          <p:spTgt spid="6">
+                                            <p:txEl>
+                                              <p:pRg st="0" end="0"/>
+                                            </p:txEl>
+                                          </p:spTgt>
+                                        </p:tgtEl>
+                                      </p:cBhvr>
+                                    </p:animEffect>
+                                    <p:anim calcmode="lin" valueType="num">
+                                      <p:cBhvr>
+                                        <p:cTn id="43" dur="1000" fill="hold"/>
+                                        <p:tgtEl>
+                                          <p:spTgt spid="6">
+                                            <p:txEl>
+                                              <p:pRg st="0" end="0"/>
+                                            </p:txEl>
+                                          </p:spTgt>
+                                        </p:tgtEl>
+                                        <p:attrNameLst>
+                                          <p:attrName>ppt_x</p:attrName>
+                                        </p:attrNameLst>
+                                      </p:cBhvr>
+                                      <p:tavLst>
+                                        <p:tav tm="0">
+                                          <p:val>
+                                            <p:strVal val="#ppt_x"/>
+                                          </p:val>
+                                        </p:tav>
+                                        <p:tav tm="100000">
+                                          <p:val>
+                                            <p:strVal val="#ppt_x"/>
+                                          </p:val>
+                                        </p:tav>
+                                      </p:tavLst>
+                                    </p:anim>
+                                    <p:anim calcmode="lin" valueType="num">
+                                      <p:cBhvr>
+                                        <p:cTn id="44" dur="1000" fill="hold"/>
+                                        <p:tgtEl>
+                                          <p:spTgt spid="6">
+                                            <p:txEl>
+                                              <p:pRg st="0" end="0"/>
+                                            </p:txEl>
+                                          </p:spTgt>
+                                        </p:tgtEl>
+                                        <p:attrNameLst>
+                                          <p:attrName>ppt_y</p:attrName>
+                                        </p:attrNameLst>
+                                      </p:cBhvr>
+                                      <p:tavLst>
+                                        <p:tav tm="0">
+                                          <p:val>
+                                            <p:strVal val="#ppt_y+.1"/>
                                           </p:val>
                                         </p:tav>
                                         <p:tav tm="100000">
@@ -9834,9 +14509,7 @@
       <p:bldP spid="3" grpId="0"/>
       <p:bldP spid="4" grpId="0"/>
       <p:bldP spid="5" grpId="0"/>
-      <p:bldP spid="6" grpId="0"/>
-      <p:bldP spid="7" grpId="0"/>
-      <p:bldP spid="8" grpId="0"/>
+      <p:bldP spid="9" grpId="0"/>
     </p:bldLst>
   </p:timing>
 </p:sld>
@@ -9906,7 +14579,7 @@
         </p:nvSpPr>
         <p:spPr>
           <a:xfrm>
-            <a:off x="958787" y="2325950"/>
+            <a:off x="957312" y="1987396"/>
             <a:ext cx="2794355" cy="523220"/>
           </a:xfrm>
           <a:prstGeom prst="rect">
@@ -9966,7 +14639,7 @@
         </p:nvSpPr>
         <p:spPr>
           <a:xfrm>
-            <a:off x="958787" y="2955365"/>
+            <a:off x="938197" y="2619983"/>
             <a:ext cx="2464008" cy="523220"/>
           </a:xfrm>
           <a:prstGeom prst="rect">
@@ -10054,7 +14727,7 @@
         </p:nvSpPr>
         <p:spPr>
           <a:xfrm>
-            <a:off x="957312" y="4841811"/>
+            <a:off x="957311" y="5231373"/>
             <a:ext cx="1059906" cy="523220"/>
           </a:xfrm>
           <a:prstGeom prst="rect">
@@ -10095,7 +14768,7 @@
         </p:nvSpPr>
         <p:spPr>
           <a:xfrm>
-            <a:off x="957312" y="3584780"/>
+            <a:off x="957311" y="3950559"/>
             <a:ext cx="1179297" cy="523220"/>
           </a:xfrm>
           <a:prstGeom prst="rect">
@@ -10163,7 +14836,7 @@
         </p:nvSpPr>
         <p:spPr>
           <a:xfrm>
-            <a:off x="957312" y="4214195"/>
+            <a:off x="990904" y="4598474"/>
             <a:ext cx="2465483" cy="523220"/>
           </a:xfrm>
           <a:prstGeom prst="rect">
@@ -10237,23 +14910,213 @@
           </a:p>
         </p:txBody>
       </p:sp>
+      <p:sp>
+        <p:nvSpPr>
+          <p:cNvPr id="9" name="TextBox 8"/>
+          <p:cNvSpPr txBox="1"/>
+          <p:nvPr/>
+        </p:nvSpPr>
+        <p:spPr>
+          <a:xfrm>
+            <a:off x="938197" y="3302645"/>
+            <a:ext cx="5691683" cy="523220"/>
+          </a:xfrm>
+          <a:prstGeom prst="rect">
+            <a:avLst/>
+          </a:prstGeom>
+          <a:noFill/>
+        </p:spPr>
+        <p:txBody>
+          <a:bodyPr wrap="square" rtlCol="0">
+            <a:spAutoFit/>
+          </a:bodyPr>
+          <a:lstStyle/>
+          <a:p>
+            <a:r>
+              <a:rPr lang="en-US" sz="2800" dirty="0" err="1">
+                <a:solidFill>
+                  <a:schemeClr val="tx1">
+                    <a:lumMod val="50000"/>
+                  </a:schemeClr>
+                </a:solidFill>
+                <a:latin typeface="Calibri" panose="020F0502020204030204" pitchFamily="34" charset="0"/>
+                <a:cs typeface="Calibri" panose="020F0502020204030204" pitchFamily="34" charset="0"/>
+              </a:rPr>
+              <a:t>Một</a:t>
+            </a:r>
+            <a:r>
+              <a:rPr lang="en-US" sz="2800" dirty="0">
+                <a:solidFill>
+                  <a:schemeClr val="tx1">
+                    <a:lumMod val="50000"/>
+                  </a:schemeClr>
+                </a:solidFill>
+                <a:latin typeface="Calibri" panose="020F0502020204030204" pitchFamily="34" charset="0"/>
+                <a:cs typeface="Calibri" panose="020F0502020204030204" pitchFamily="34" charset="0"/>
+              </a:rPr>
+              <a:t> </a:t>
+            </a:r>
+            <a:r>
+              <a:rPr lang="en-US" sz="2800" dirty="0" err="1">
+                <a:solidFill>
+                  <a:schemeClr val="tx1">
+                    <a:lumMod val="50000"/>
+                  </a:schemeClr>
+                </a:solidFill>
+                <a:latin typeface="Calibri" panose="020F0502020204030204" pitchFamily="34" charset="0"/>
+                <a:cs typeface="Calibri" panose="020F0502020204030204" pitchFamily="34" charset="0"/>
+              </a:rPr>
+              <a:t>số</a:t>
+            </a:r>
+            <a:r>
+              <a:rPr lang="en-US" sz="2800" dirty="0">
+                <a:solidFill>
+                  <a:schemeClr val="tx1">
+                    <a:lumMod val="50000"/>
+                  </a:schemeClr>
+                </a:solidFill>
+                <a:latin typeface="Calibri" panose="020F0502020204030204" pitchFamily="34" charset="0"/>
+                <a:cs typeface="Calibri" panose="020F0502020204030204" pitchFamily="34" charset="0"/>
+              </a:rPr>
+              <a:t> </a:t>
+            </a:r>
+            <a:r>
+              <a:rPr lang="en-US" sz="2800" dirty="0" err="1">
+                <a:solidFill>
+                  <a:schemeClr val="tx1">
+                    <a:lumMod val="50000"/>
+                  </a:schemeClr>
+                </a:solidFill>
+                <a:latin typeface="Calibri" panose="020F0502020204030204" pitchFamily="34" charset="0"/>
+                <a:cs typeface="Calibri" panose="020F0502020204030204" pitchFamily="34" charset="0"/>
+              </a:rPr>
+              <a:t>dạng</a:t>
+            </a:r>
+            <a:r>
+              <a:rPr lang="en-US" sz="2800" dirty="0">
+                <a:solidFill>
+                  <a:schemeClr val="tx1">
+                    <a:lumMod val="50000"/>
+                  </a:schemeClr>
+                </a:solidFill>
+                <a:latin typeface="Calibri" panose="020F0502020204030204" pitchFamily="34" charset="0"/>
+                <a:cs typeface="Calibri" panose="020F0502020204030204" pitchFamily="34" charset="0"/>
+              </a:rPr>
+              <a:t> </a:t>
+            </a:r>
+            <a:r>
+              <a:rPr lang="en-US" sz="2800" dirty="0" err="1">
+                <a:solidFill>
+                  <a:schemeClr val="tx1">
+                    <a:lumMod val="50000"/>
+                  </a:schemeClr>
+                </a:solidFill>
+                <a:latin typeface="Calibri" panose="020F0502020204030204" pitchFamily="34" charset="0"/>
+                <a:cs typeface="Calibri" panose="020F0502020204030204" pitchFamily="34" charset="0"/>
+              </a:rPr>
+              <a:t>tấn</a:t>
+            </a:r>
+            <a:r>
+              <a:rPr lang="en-US" sz="2800" dirty="0">
+                <a:solidFill>
+                  <a:schemeClr val="tx1">
+                    <a:lumMod val="50000"/>
+                  </a:schemeClr>
+                </a:solidFill>
+                <a:latin typeface="Calibri" panose="020F0502020204030204" pitchFamily="34" charset="0"/>
+                <a:cs typeface="Calibri" panose="020F0502020204030204" pitchFamily="34" charset="0"/>
+              </a:rPr>
+              <a:t> </a:t>
+            </a:r>
+            <a:r>
+              <a:rPr lang="en-US" sz="2800" dirty="0" err="1">
+                <a:solidFill>
+                  <a:schemeClr val="tx1">
+                    <a:lumMod val="50000"/>
+                  </a:schemeClr>
+                </a:solidFill>
+                <a:latin typeface="Calibri" panose="020F0502020204030204" pitchFamily="34" charset="0"/>
+                <a:cs typeface="Calibri" panose="020F0502020204030204" pitchFamily="34" charset="0"/>
+              </a:rPr>
+              <a:t>công</a:t>
+            </a:r>
+            <a:r>
+              <a:rPr lang="en-US" sz="2800" dirty="0">
+                <a:solidFill>
+                  <a:schemeClr val="tx1">
+                    <a:lumMod val="50000"/>
+                  </a:schemeClr>
+                </a:solidFill>
+                <a:latin typeface="Calibri" panose="020F0502020204030204" pitchFamily="34" charset="0"/>
+                <a:cs typeface="Calibri" panose="020F0502020204030204" pitchFamily="34" charset="0"/>
+              </a:rPr>
+              <a:t> </a:t>
+            </a:r>
+            <a:r>
+              <a:rPr lang="en-US" sz="2800" dirty="0" err="1">
+                <a:solidFill>
+                  <a:schemeClr val="tx1">
+                    <a:lumMod val="50000"/>
+                  </a:schemeClr>
+                </a:solidFill>
+                <a:latin typeface="Calibri" panose="020F0502020204030204" pitchFamily="34" charset="0"/>
+                <a:cs typeface="Calibri" panose="020F0502020204030204" pitchFamily="34" charset="0"/>
+              </a:rPr>
+              <a:t>thường</a:t>
+            </a:r>
+            <a:r>
+              <a:rPr lang="en-US" sz="2800" dirty="0">
+                <a:solidFill>
+                  <a:schemeClr val="tx1">
+                    <a:lumMod val="50000"/>
+                  </a:schemeClr>
+                </a:solidFill>
+                <a:latin typeface="Calibri" panose="020F0502020204030204" pitchFamily="34" charset="0"/>
+                <a:cs typeface="Calibri" panose="020F0502020204030204" pitchFamily="34" charset="0"/>
+              </a:rPr>
+              <a:t> </a:t>
+            </a:r>
+            <a:r>
+              <a:rPr lang="en-US" sz="2800" dirty="0" err="1">
+                <a:solidFill>
+                  <a:schemeClr val="tx1">
+                    <a:lumMod val="50000"/>
+                  </a:schemeClr>
+                </a:solidFill>
+                <a:latin typeface="Calibri" panose="020F0502020204030204" pitchFamily="34" charset="0"/>
+                <a:cs typeface="Calibri" panose="020F0502020204030204" pitchFamily="34" charset="0"/>
+              </a:rPr>
+              <a:t>gặp</a:t>
+            </a:r>
+            <a:endParaRPr lang="en-US" sz="2800" dirty="0">
+              <a:solidFill>
+                <a:schemeClr val="tx1">
+                  <a:lumMod val="50000"/>
+                </a:schemeClr>
+              </a:solidFill>
+              <a:latin typeface="Calibri" panose="020F0502020204030204" pitchFamily="34" charset="0"/>
+              <a:cs typeface="Calibri" panose="020F0502020204030204" pitchFamily="34" charset="0"/>
+            </a:endParaRPr>
+          </a:p>
+        </p:txBody>
+      </p:sp>
     </p:spTree>
     <p:extLst>
       <p:ext uri="{BB962C8B-B14F-4D97-AF65-F5344CB8AC3E}">
-        <p14:creationId xmlns:p14="http://schemas.microsoft.com/office/powerpoint/2010/main" val="225217703"/>
+        <p14:creationId xmlns:p14="http://schemas.microsoft.com/office/powerpoint/2010/main" val="1327568867"/>
       </p:ext>
     </p:extLst>
   </p:cSld>
   <p:clrMapOvr>
     <a:masterClrMapping/>
   </p:clrMapOvr>
-  <mc:AlternateContent xmlns:mc="http://schemas.openxmlformats.org/markup-compatibility/2006">
-    <mc:Choice xmlns:p159="http://schemas.microsoft.com/office/powerpoint/2015/09/main" Requires="p159">
-      <p:transition spd="slow">
+  <mc:AlternateContent xmlns:mc="http://schemas.openxmlformats.org/markup-compatibility/2006" xmlns:p159="http://schemas.microsoft.com/office/powerpoint/2015/09/main">
+    <mc:Choice Requires="p159">
+      <p:transition xmlns:p14="http://schemas.microsoft.com/office/powerpoint/2010/main" spd="slow" p14:dur="2000">
         <p159:morph option="byObject"/>
       </p:transition>
     </mc:Choice>
-    <mc:Fallback>
+    <mc:Fallback xmlns="">
       <p:transition spd="slow">
         <p:fade/>
       </p:transition>
@@ -11813,7 +16676,7 @@
       </p:sp>
       <p:sp>
         <p:nvSpPr>
-          <p:cNvPr id="4" name="TextBox 3">
+          <p:cNvPr id="9" name="TextBox 8">
             <a:extLst>
               <a:ext uri="{FF2B5EF4-FFF2-40B4-BE49-F238E27FC236}">
                 <a16:creationId xmlns:a16="http://schemas.microsoft.com/office/drawing/2014/main" id="{7D5A808D-A6F2-4934-BCBB-72219B399144}"/>
@@ -11825,7 +16688,7 @@
         </p:nvSpPr>
         <p:spPr>
           <a:xfrm>
-            <a:off x="958787" y="2325950"/>
+            <a:off x="957312" y="1987396"/>
             <a:ext cx="2794355" cy="523220"/>
           </a:xfrm>
           <a:prstGeom prst="rect">
@@ -11929,7 +16792,7 @@
       </p:sp>
       <p:sp>
         <p:nvSpPr>
-          <p:cNvPr id="5" name="TextBox 4">
+          <p:cNvPr id="10" name="TextBox 9">
             <a:extLst>
               <a:ext uri="{FF2B5EF4-FFF2-40B4-BE49-F238E27FC236}">
                 <a16:creationId xmlns:a16="http://schemas.microsoft.com/office/drawing/2014/main" id="{688BCB9E-72E7-45F8-AE31-2CA6B2F9746E}"/>
@@ -11941,7 +16804,7 @@
         </p:nvSpPr>
         <p:spPr>
           <a:xfrm>
-            <a:off x="958787" y="2955365"/>
+            <a:off x="1003569" y="2596286"/>
             <a:ext cx="2464008" cy="523220"/>
           </a:xfrm>
           <a:prstGeom prst="rect">
@@ -11981,7 +16844,7 @@
       </p:sp>
       <p:sp>
         <p:nvSpPr>
-          <p:cNvPr id="6" name="TextBox 5">
+          <p:cNvPr id="11" name="TextBox 10">
             <a:extLst>
               <a:ext uri="{FF2B5EF4-FFF2-40B4-BE49-F238E27FC236}">
                 <a16:creationId xmlns:a16="http://schemas.microsoft.com/office/drawing/2014/main" id="{AD697506-962D-4AF4-AF07-7F196BB37255}"/>
@@ -11993,7 +16856,7 @@
         </p:nvSpPr>
         <p:spPr>
           <a:xfrm>
-            <a:off x="957312" y="4841811"/>
+            <a:off x="957311" y="5231373"/>
             <a:ext cx="1059906" cy="523220"/>
           </a:xfrm>
           <a:prstGeom prst="rect">
@@ -12010,8 +16873,9 @@
             <a:r>
               <a:rPr lang="en-US" sz="2800" dirty="0">
                 <a:solidFill>
-                  <a:schemeClr val="tx1">
+                  <a:schemeClr val="bg1">
                     <a:lumMod val="50000"/>
+                    <a:lumOff val="50000"/>
                   </a:schemeClr>
                 </a:solidFill>
               </a:rPr>
@@ -12022,7 +16886,7 @@
       </p:sp>
       <p:sp>
         <p:nvSpPr>
-          <p:cNvPr id="7" name="TextBox 6">
+          <p:cNvPr id="12" name="TextBox 11">
             <a:extLst>
               <a:ext uri="{FF2B5EF4-FFF2-40B4-BE49-F238E27FC236}">
                 <a16:creationId xmlns:a16="http://schemas.microsoft.com/office/drawing/2014/main" id="{8E3FAFB7-30F7-4891-936A-58C2BB5A7E15}"/>
@@ -12034,7 +16898,7 @@
         </p:nvSpPr>
         <p:spPr>
           <a:xfrm>
-            <a:off x="957312" y="3584780"/>
+            <a:off x="957311" y="3950559"/>
             <a:ext cx="1179297" cy="523220"/>
           </a:xfrm>
           <a:prstGeom prst="rect">
@@ -12051,8 +16915,9 @@
             <a:r>
               <a:rPr lang="en-US" sz="2800" dirty="0" err="1">
                 <a:solidFill>
-                  <a:schemeClr val="tx1">
+                  <a:schemeClr val="bg1">
                     <a:lumMod val="50000"/>
+                    <a:lumOff val="50000"/>
                   </a:schemeClr>
                 </a:solidFill>
               </a:rPr>
@@ -12061,8 +16926,9 @@
             <a:r>
               <a:rPr lang="en-US" sz="2800" dirty="0">
                 <a:solidFill>
-                  <a:schemeClr val="tx1">
+                  <a:schemeClr val="bg1">
                     <a:lumMod val="50000"/>
+                    <a:lumOff val="50000"/>
                   </a:schemeClr>
                 </a:solidFill>
               </a:rPr>
@@ -12071,8 +16937,9 @@
             <a:r>
               <a:rPr lang="en-US" sz="2800" dirty="0" err="1">
                 <a:solidFill>
-                  <a:schemeClr val="tx1">
+                  <a:schemeClr val="bg1">
                     <a:lumMod val="50000"/>
+                    <a:lumOff val="50000"/>
                   </a:schemeClr>
                 </a:solidFill>
               </a:rPr>
@@ -12080,8 +16947,9 @@
             </a:r>
             <a:endParaRPr lang="en-US" sz="2800" dirty="0">
               <a:solidFill>
-                <a:schemeClr val="tx1">
+                <a:schemeClr val="bg1">
                   <a:lumMod val="50000"/>
+                  <a:lumOff val="50000"/>
                 </a:schemeClr>
               </a:solidFill>
             </a:endParaRPr>
@@ -12090,7 +16958,7 @@
       </p:sp>
       <p:sp>
         <p:nvSpPr>
-          <p:cNvPr id="8" name="TextBox 7">
+          <p:cNvPr id="13" name="TextBox 12">
             <a:extLst>
               <a:ext uri="{FF2B5EF4-FFF2-40B4-BE49-F238E27FC236}">
                 <a16:creationId xmlns:a16="http://schemas.microsoft.com/office/drawing/2014/main" id="{4BC5DD41-BD3F-4DED-9D57-404D56AC1E37}"/>
@@ -12102,7 +16970,7 @@
         </p:nvSpPr>
         <p:spPr>
           <a:xfrm>
-            <a:off x="957312" y="4214195"/>
+            <a:off x="990904" y="4598474"/>
             <a:ext cx="2465483" cy="523220"/>
           </a:xfrm>
           <a:prstGeom prst="rect">
@@ -12119,8 +16987,9 @@
             <a:r>
               <a:rPr lang="en-US" sz="2800" dirty="0" err="1">
                 <a:solidFill>
-                  <a:schemeClr val="tx1">
+                  <a:schemeClr val="bg1">
                     <a:lumMod val="50000"/>
+                    <a:lumOff val="50000"/>
                   </a:schemeClr>
                 </a:solidFill>
               </a:rPr>
@@ -12129,8 +16998,9 @@
             <a:r>
               <a:rPr lang="en-US" sz="2800" dirty="0">
                 <a:solidFill>
-                  <a:schemeClr val="tx1">
+                  <a:schemeClr val="bg1">
                     <a:lumMod val="50000"/>
+                    <a:lumOff val="50000"/>
                   </a:schemeClr>
                 </a:solidFill>
               </a:rPr>
@@ -12139,8 +17009,9 @@
             <a:r>
               <a:rPr lang="en-US" sz="2800" dirty="0" err="1">
                 <a:solidFill>
-                  <a:schemeClr val="tx1">
+                  <a:schemeClr val="bg1">
                     <a:lumMod val="50000"/>
+                    <a:lumOff val="50000"/>
                   </a:schemeClr>
                 </a:solidFill>
               </a:rPr>
@@ -12149,8 +17020,9 @@
             <a:r>
               <a:rPr lang="en-US" sz="2800" dirty="0">
                 <a:solidFill>
-                  <a:schemeClr val="tx1">
+                  <a:schemeClr val="bg1">
                     <a:lumMod val="50000"/>
+                    <a:lumOff val="50000"/>
                   </a:schemeClr>
                 </a:solidFill>
               </a:rPr>
@@ -12159,8 +17031,9 @@
             <a:r>
               <a:rPr lang="en-US" sz="2800" dirty="0" err="1">
                 <a:solidFill>
-                  <a:schemeClr val="tx1">
+                  <a:schemeClr val="bg1">
                     <a:lumMod val="50000"/>
+                    <a:lumOff val="50000"/>
                   </a:schemeClr>
                 </a:solidFill>
               </a:rPr>
@@ -12168,18 +17041,57 @@
             </a:r>
             <a:endParaRPr lang="en-US" sz="2800" dirty="0">
               <a:solidFill>
-                <a:schemeClr val="tx1">
+                <a:schemeClr val="bg1">
                   <a:lumMod val="50000"/>
+                  <a:lumOff val="50000"/>
                 </a:schemeClr>
               </a:solidFill>
             </a:endParaRPr>
           </a:p>
         </p:txBody>
       </p:sp>
+      <p:sp>
+        <p:nvSpPr>
+          <p:cNvPr id="14" name="TextBox 13"/>
+          <p:cNvSpPr txBox="1"/>
+          <p:nvPr/>
+        </p:nvSpPr>
+        <p:spPr>
+          <a:xfrm>
+            <a:off x="938197" y="3302645"/>
+            <a:ext cx="5691683" cy="523220"/>
+          </a:xfrm>
+          <a:prstGeom prst="rect">
+            <a:avLst/>
+          </a:prstGeom>
+          <a:noFill/>
+        </p:spPr>
+        <p:txBody>
+          <a:bodyPr wrap="square" rtlCol="0">
+            <a:spAutoFit/>
+          </a:bodyPr>
+          <a:lstStyle/>
+          <a:p>
+            <a:r>
+              <a:rPr lang="en-US" sz="2800">
+                <a:solidFill>
+                  <a:schemeClr val="bg1">
+                    <a:lumMod val="50000"/>
+                    <a:lumOff val="50000"/>
+                  </a:schemeClr>
+                </a:solidFill>
+                <a:latin typeface="Calibri" panose="020F0502020204030204" pitchFamily="34" charset="0"/>
+                <a:cs typeface="Calibri" panose="020F0502020204030204" pitchFamily="34" charset="0"/>
+              </a:rPr>
+              <a:t>Một số dạng tấn công thường gặp</a:t>
+            </a:r>
+          </a:p>
+        </p:txBody>
+      </p:sp>
     </p:spTree>
     <p:extLst>
       <p:ext uri="{BB962C8B-B14F-4D97-AF65-F5344CB8AC3E}">
-        <p14:creationId xmlns:p14="http://schemas.microsoft.com/office/powerpoint/2010/main" val="1211280840"/>
+        <p14:creationId xmlns:p14="http://schemas.microsoft.com/office/powerpoint/2010/main" val="2589854653"/>
       </p:ext>
     </p:extLst>
   </p:cSld>
@@ -12223,7 +17135,7 @@
         </p:nvSpPr>
         <p:spPr>
           <a:xfrm>
-            <a:off x="568170" y="2308194"/>
+            <a:off x="436090" y="2672180"/>
             <a:ext cx="1509203" cy="1455937"/>
           </a:xfrm>
           <a:prstGeom prst="smileyFace">
@@ -12272,7 +17184,7 @@
         </p:nvSpPr>
         <p:spPr>
           <a:xfrm>
-            <a:off x="2379215" y="3036162"/>
+            <a:off x="2247135" y="3400148"/>
             <a:ext cx="2627790" cy="186432"/>
           </a:xfrm>
           <a:prstGeom prst="rightArrow">
@@ -12318,7 +17230,7 @@
         </p:nvSpPr>
         <p:spPr>
           <a:xfrm>
-            <a:off x="5193437" y="2607814"/>
+            <a:off x="5061357" y="2971800"/>
             <a:ext cx="2627790" cy="914400"/>
           </a:xfrm>
           <a:prstGeom prst="roundRect">
@@ -12367,7 +17279,7 @@
         </p:nvSpPr>
         <p:spPr>
           <a:xfrm>
-            <a:off x="10440140" y="2428086"/>
+            <a:off x="10308060" y="2792072"/>
             <a:ext cx="1047564" cy="1216152"/>
           </a:xfrm>
           <a:prstGeom prst="can">
@@ -12416,7 +17328,7 @@
         </p:nvSpPr>
         <p:spPr>
           <a:xfrm>
-            <a:off x="8007659" y="2978457"/>
+            <a:off x="7875579" y="3342443"/>
             <a:ext cx="2013751" cy="173114"/>
           </a:xfrm>
           <a:prstGeom prst="rightArrow">
@@ -12462,7 +17374,7 @@
         </p:nvSpPr>
         <p:spPr>
           <a:xfrm>
-            <a:off x="7821227" y="2217626"/>
+            <a:off x="7689147" y="2581612"/>
             <a:ext cx="3240348" cy="461665"/>
           </a:xfrm>
           <a:prstGeom prst="rect">
@@ -12497,7 +17409,7 @@
         </p:nvSpPr>
         <p:spPr>
           <a:xfrm>
-            <a:off x="3203987" y="2448459"/>
+            <a:off x="3071907" y="2812445"/>
             <a:ext cx="679994" cy="369332"/>
           </a:xfrm>
           <a:prstGeom prst="rect">
@@ -12528,6 +17440,365 @@
   <p:clrMapOvr>
     <a:masterClrMapping/>
   </p:clrMapOvr>
+  <p:timing>
+    <p:tnLst>
+      <p:par>
+        <p:cTn id="1" dur="indefinite" restart="never" nodeType="tmRoot">
+          <p:childTnLst>
+            <p:seq concurrent="1" nextAc="seek">
+              <p:cTn id="2" dur="indefinite" nodeType="mainSeq">
+                <p:childTnLst>
+                  <p:par>
+                    <p:cTn id="3" fill="hold">
+                      <p:stCondLst>
+                        <p:cond delay="indefinite"/>
+                        <p:cond evt="onBegin" delay="0">
+                          <p:tn val="2"/>
+                        </p:cond>
+                      </p:stCondLst>
+                      <p:childTnLst>
+                        <p:par>
+                          <p:cTn id="4" fill="hold">
+                            <p:stCondLst>
+                              <p:cond delay="0"/>
+                            </p:stCondLst>
+                            <p:childTnLst>
+                              <p:par>
+                                <p:cTn id="5" presetID="10" presetClass="entr" presetSubtype="0" fill="hold" grpId="0" nodeType="afterEffect">
+                                  <p:stCondLst>
+                                    <p:cond delay="0"/>
+                                  </p:stCondLst>
+                                  <p:childTnLst>
+                                    <p:set>
+                                      <p:cBhvr>
+                                        <p:cTn id="6" dur="1" fill="hold">
+                                          <p:stCondLst>
+                                            <p:cond delay="0"/>
+                                          </p:stCondLst>
+                                        </p:cTn>
+                                        <p:tgtEl>
+                                          <p:spTgt spid="3"/>
+                                        </p:tgtEl>
+                                        <p:attrNameLst>
+                                          <p:attrName>style.visibility</p:attrName>
+                                        </p:attrNameLst>
+                                      </p:cBhvr>
+                                      <p:to>
+                                        <p:strVal val="visible"/>
+                                      </p:to>
+                                    </p:set>
+                                    <p:animEffect transition="in" filter="fade">
+                                      <p:cBhvr>
+                                        <p:cTn id="7" dur="500"/>
+                                        <p:tgtEl>
+                                          <p:spTgt spid="3"/>
+                                        </p:tgtEl>
+                                      </p:cBhvr>
+                                    </p:animEffect>
+                                  </p:childTnLst>
+                                </p:cTn>
+                              </p:par>
+                            </p:childTnLst>
+                          </p:cTn>
+                        </p:par>
+                        <p:par>
+                          <p:cTn id="8" fill="hold">
+                            <p:stCondLst>
+                              <p:cond delay="500"/>
+                            </p:stCondLst>
+                            <p:childTnLst>
+                              <p:par>
+                                <p:cTn id="9" presetID="10" presetClass="entr" presetSubtype="0" fill="hold" grpId="0" nodeType="afterEffect">
+                                  <p:stCondLst>
+                                    <p:cond delay="0"/>
+                                  </p:stCondLst>
+                                  <p:childTnLst>
+                                    <p:set>
+                                      <p:cBhvr>
+                                        <p:cTn id="10" dur="1" fill="hold">
+                                          <p:stCondLst>
+                                            <p:cond delay="0"/>
+                                          </p:stCondLst>
+                                        </p:cTn>
+                                        <p:tgtEl>
+                                          <p:spTgt spid="4"/>
+                                        </p:tgtEl>
+                                        <p:attrNameLst>
+                                          <p:attrName>style.visibility</p:attrName>
+                                        </p:attrNameLst>
+                                      </p:cBhvr>
+                                      <p:to>
+                                        <p:strVal val="visible"/>
+                                      </p:to>
+                                    </p:set>
+                                    <p:animEffect transition="in" filter="fade">
+                                      <p:cBhvr>
+                                        <p:cTn id="11" dur="500"/>
+                                        <p:tgtEl>
+                                          <p:spTgt spid="4"/>
+                                        </p:tgtEl>
+                                      </p:cBhvr>
+                                    </p:animEffect>
+                                  </p:childTnLst>
+                                </p:cTn>
+                              </p:par>
+                            </p:childTnLst>
+                          </p:cTn>
+                        </p:par>
+                        <p:par>
+                          <p:cTn id="12" fill="hold">
+                            <p:stCondLst>
+                              <p:cond delay="1000"/>
+                            </p:stCondLst>
+                            <p:childTnLst>
+                              <p:par>
+                                <p:cTn id="13" presetID="10" presetClass="entr" presetSubtype="0" fill="hold" grpId="0" nodeType="afterEffect">
+                                  <p:stCondLst>
+                                    <p:cond delay="0"/>
+                                  </p:stCondLst>
+                                  <p:childTnLst>
+                                    <p:set>
+                                      <p:cBhvr>
+                                        <p:cTn id="14" dur="1" fill="hold">
+                                          <p:stCondLst>
+                                            <p:cond delay="0"/>
+                                          </p:stCondLst>
+                                        </p:cTn>
+                                        <p:tgtEl>
+                                          <p:spTgt spid="5"/>
+                                        </p:tgtEl>
+                                        <p:attrNameLst>
+                                          <p:attrName>style.visibility</p:attrName>
+                                        </p:attrNameLst>
+                                      </p:cBhvr>
+                                      <p:to>
+                                        <p:strVal val="visible"/>
+                                      </p:to>
+                                    </p:set>
+                                    <p:animEffect transition="in" filter="fade">
+                                      <p:cBhvr>
+                                        <p:cTn id="15" dur="500"/>
+                                        <p:tgtEl>
+                                          <p:spTgt spid="5"/>
+                                        </p:tgtEl>
+                                      </p:cBhvr>
+                                    </p:animEffect>
+                                  </p:childTnLst>
+                                </p:cTn>
+                              </p:par>
+                            </p:childTnLst>
+                          </p:cTn>
+                        </p:par>
+                        <p:par>
+                          <p:cTn id="16" fill="hold">
+                            <p:stCondLst>
+                              <p:cond delay="1500"/>
+                            </p:stCondLst>
+                            <p:childTnLst>
+                              <p:par>
+                                <p:cTn id="17" presetID="10" presetClass="entr" presetSubtype="0" fill="hold" grpId="0" nodeType="afterEffect">
+                                  <p:stCondLst>
+                                    <p:cond delay="0"/>
+                                  </p:stCondLst>
+                                  <p:childTnLst>
+                                    <p:set>
+                                      <p:cBhvr>
+                                        <p:cTn id="18" dur="1" fill="hold">
+                                          <p:stCondLst>
+                                            <p:cond delay="0"/>
+                                          </p:stCondLst>
+                                        </p:cTn>
+                                        <p:tgtEl>
+                                          <p:spTgt spid="6"/>
+                                        </p:tgtEl>
+                                        <p:attrNameLst>
+                                          <p:attrName>style.visibility</p:attrName>
+                                        </p:attrNameLst>
+                                      </p:cBhvr>
+                                      <p:to>
+                                        <p:strVal val="visible"/>
+                                      </p:to>
+                                    </p:set>
+                                    <p:animEffect transition="in" filter="fade">
+                                      <p:cBhvr>
+                                        <p:cTn id="19" dur="500"/>
+                                        <p:tgtEl>
+                                          <p:spTgt spid="6"/>
+                                        </p:tgtEl>
+                                      </p:cBhvr>
+                                    </p:animEffect>
+                                  </p:childTnLst>
+                                </p:cTn>
+                              </p:par>
+                            </p:childTnLst>
+                          </p:cTn>
+                        </p:par>
+                        <p:par>
+                          <p:cTn id="20" fill="hold">
+                            <p:stCondLst>
+                              <p:cond delay="2000"/>
+                            </p:stCondLst>
+                            <p:childTnLst>
+                              <p:par>
+                                <p:cTn id="21" presetID="10" presetClass="entr" presetSubtype="0" fill="hold" grpId="0" nodeType="afterEffect">
+                                  <p:stCondLst>
+                                    <p:cond delay="0"/>
+                                  </p:stCondLst>
+                                  <p:childTnLst>
+                                    <p:set>
+                                      <p:cBhvr>
+                                        <p:cTn id="22" dur="1" fill="hold">
+                                          <p:stCondLst>
+                                            <p:cond delay="0"/>
+                                          </p:stCondLst>
+                                        </p:cTn>
+                                        <p:tgtEl>
+                                          <p:spTgt spid="7"/>
+                                        </p:tgtEl>
+                                        <p:attrNameLst>
+                                          <p:attrName>style.visibility</p:attrName>
+                                        </p:attrNameLst>
+                                      </p:cBhvr>
+                                      <p:to>
+                                        <p:strVal val="visible"/>
+                                      </p:to>
+                                    </p:set>
+                                    <p:animEffect transition="in" filter="fade">
+                                      <p:cBhvr>
+                                        <p:cTn id="23" dur="500"/>
+                                        <p:tgtEl>
+                                          <p:spTgt spid="7"/>
+                                        </p:tgtEl>
+                                      </p:cBhvr>
+                                    </p:animEffect>
+                                  </p:childTnLst>
+                                </p:cTn>
+                              </p:par>
+                            </p:childTnLst>
+                          </p:cTn>
+                        </p:par>
+                        <p:par>
+                          <p:cTn id="24" fill="hold">
+                            <p:stCondLst>
+                              <p:cond delay="2500"/>
+                            </p:stCondLst>
+                            <p:childTnLst>
+                              <p:par>
+                                <p:cTn id="25" presetID="10" presetClass="entr" presetSubtype="0" fill="hold" grpId="0" nodeType="afterEffect">
+                                  <p:stCondLst>
+                                    <p:cond delay="0"/>
+                                  </p:stCondLst>
+                                  <p:childTnLst>
+                                    <p:set>
+                                      <p:cBhvr>
+                                        <p:cTn id="26" dur="1" fill="hold">
+                                          <p:stCondLst>
+                                            <p:cond delay="0"/>
+                                          </p:stCondLst>
+                                        </p:cTn>
+                                        <p:tgtEl>
+                                          <p:spTgt spid="8"/>
+                                        </p:tgtEl>
+                                        <p:attrNameLst>
+                                          <p:attrName>style.visibility</p:attrName>
+                                        </p:attrNameLst>
+                                      </p:cBhvr>
+                                      <p:to>
+                                        <p:strVal val="visible"/>
+                                      </p:to>
+                                    </p:set>
+                                    <p:animEffect transition="in" filter="fade">
+                                      <p:cBhvr>
+                                        <p:cTn id="27" dur="500"/>
+                                        <p:tgtEl>
+                                          <p:spTgt spid="8"/>
+                                        </p:tgtEl>
+                                      </p:cBhvr>
+                                    </p:animEffect>
+                                  </p:childTnLst>
+                                </p:cTn>
+                              </p:par>
+                            </p:childTnLst>
+                          </p:cTn>
+                        </p:par>
+                        <p:par>
+                          <p:cTn id="28" fill="hold">
+                            <p:stCondLst>
+                              <p:cond delay="3000"/>
+                            </p:stCondLst>
+                            <p:childTnLst>
+                              <p:par>
+                                <p:cTn id="29" presetID="10" presetClass="entr" presetSubtype="0" fill="hold" grpId="0" nodeType="afterEffect">
+                                  <p:stCondLst>
+                                    <p:cond delay="0"/>
+                                  </p:stCondLst>
+                                  <p:childTnLst>
+                                    <p:set>
+                                      <p:cBhvr>
+                                        <p:cTn id="30" dur="1" fill="hold">
+                                          <p:stCondLst>
+                                            <p:cond delay="0"/>
+                                          </p:stCondLst>
+                                        </p:cTn>
+                                        <p:tgtEl>
+                                          <p:spTgt spid="9"/>
+                                        </p:tgtEl>
+                                        <p:attrNameLst>
+                                          <p:attrName>style.visibility</p:attrName>
+                                        </p:attrNameLst>
+                                      </p:cBhvr>
+                                      <p:to>
+                                        <p:strVal val="visible"/>
+                                      </p:to>
+                                    </p:set>
+                                    <p:animEffect transition="in" filter="fade">
+                                      <p:cBhvr>
+                                        <p:cTn id="31" dur="500"/>
+                                        <p:tgtEl>
+                                          <p:spTgt spid="9"/>
+                                        </p:tgtEl>
+                                      </p:cBhvr>
+                                    </p:animEffect>
+                                  </p:childTnLst>
+                                </p:cTn>
+                              </p:par>
+                            </p:childTnLst>
+                          </p:cTn>
+                        </p:par>
+                      </p:childTnLst>
+                    </p:cTn>
+                  </p:par>
+                </p:childTnLst>
+              </p:cTn>
+              <p:prevCondLst>
+                <p:cond evt="onPrev" delay="0">
+                  <p:tgtEl>
+                    <p:sldTgt/>
+                  </p:tgtEl>
+                </p:cond>
+              </p:prevCondLst>
+              <p:nextCondLst>
+                <p:cond evt="onNext" delay="0">
+                  <p:tgtEl>
+                    <p:sldTgt/>
+                  </p:tgtEl>
+                </p:cond>
+              </p:nextCondLst>
+            </p:seq>
+          </p:childTnLst>
+        </p:cTn>
+      </p:par>
+    </p:tnLst>
+    <p:bldLst>
+      <p:bldP spid="3" grpId="0" animBg="1"/>
+      <p:bldP spid="4" grpId="0" animBg="1"/>
+      <p:bldP spid="5" grpId="0" animBg="1"/>
+      <p:bldP spid="6" grpId="0" animBg="1"/>
+      <p:bldP spid="7" grpId="0" animBg="1"/>
+      <p:bldP spid="8" grpId="0"/>
+      <p:bldP spid="9" grpId="0"/>
+    </p:bldLst>
+  </p:timing>
 </p:sld>
 </file>
 
@@ -12583,7 +17854,7 @@
       </p:sp>
       <p:sp>
         <p:nvSpPr>
-          <p:cNvPr id="4" name="TextBox 3">
+          <p:cNvPr id="9" name="TextBox 8">
             <a:extLst>
               <a:ext uri="{FF2B5EF4-FFF2-40B4-BE49-F238E27FC236}">
                 <a16:creationId xmlns:a16="http://schemas.microsoft.com/office/drawing/2014/main" id="{7D5A808D-A6F2-4934-BCBB-72219B399144}"/>
@@ -12595,7 +17866,7 @@
         </p:nvSpPr>
         <p:spPr>
           <a:xfrm>
-            <a:off x="958787" y="2325950"/>
+            <a:off x="957312" y="1987396"/>
             <a:ext cx="2794355" cy="523220"/>
           </a:xfrm>
           <a:prstGeom prst="rect">
@@ -12699,7 +17970,7 @@
       </p:sp>
       <p:sp>
         <p:nvSpPr>
-          <p:cNvPr id="5" name="TextBox 4">
+          <p:cNvPr id="10" name="TextBox 9">
             <a:extLst>
               <a:ext uri="{FF2B5EF4-FFF2-40B4-BE49-F238E27FC236}">
                 <a16:creationId xmlns:a16="http://schemas.microsoft.com/office/drawing/2014/main" id="{688BCB9E-72E7-45F8-AE31-2CA6B2F9746E}"/>
@@ -12711,7 +17982,7 @@
         </p:nvSpPr>
         <p:spPr>
           <a:xfrm>
-            <a:off x="958787" y="2955365"/>
+            <a:off x="1003569" y="2596286"/>
             <a:ext cx="2464008" cy="523220"/>
           </a:xfrm>
           <a:prstGeom prst="rect">
@@ -12728,8 +17999,9 @@
             <a:r>
               <a:rPr lang="en-US" sz="2800" dirty="0" err="1">
                 <a:solidFill>
-                  <a:schemeClr val="tx1">
+                  <a:schemeClr val="bg1">
                     <a:lumMod val="50000"/>
+                    <a:lumOff val="50000"/>
                   </a:schemeClr>
                 </a:solidFill>
               </a:rPr>
@@ -12738,8 +18010,9 @@
             <a:r>
               <a:rPr lang="en-US" sz="2800" dirty="0">
                 <a:solidFill>
-                  <a:schemeClr val="tx1">
+                  <a:schemeClr val="bg1">
                     <a:lumMod val="50000"/>
+                    <a:lumOff val="50000"/>
                   </a:schemeClr>
                 </a:solidFill>
               </a:rPr>
@@ -12748,8 +18021,9 @@
             <a:r>
               <a:rPr lang="en-US" sz="2800" dirty="0" err="1">
                 <a:solidFill>
-                  <a:schemeClr val="tx1">
+                  <a:schemeClr val="bg1">
                     <a:lumMod val="50000"/>
+                    <a:lumOff val="50000"/>
                   </a:schemeClr>
                 </a:solidFill>
               </a:rPr>
@@ -12758,8 +18032,9 @@
             <a:r>
               <a:rPr lang="en-US" sz="2800" dirty="0">
                 <a:solidFill>
-                  <a:schemeClr val="tx1">
+                  <a:schemeClr val="bg1">
                     <a:lumMod val="50000"/>
+                    <a:lumOff val="50000"/>
                   </a:schemeClr>
                 </a:solidFill>
               </a:rPr>
@@ -12768,8 +18043,9 @@
             <a:r>
               <a:rPr lang="en-US" sz="2800" dirty="0" err="1">
                 <a:solidFill>
-                  <a:schemeClr val="tx1">
+                  <a:schemeClr val="bg1">
                     <a:lumMod val="50000"/>
+                    <a:lumOff val="50000"/>
                   </a:schemeClr>
                 </a:solidFill>
               </a:rPr>
@@ -12777,8 +18053,9 @@
             </a:r>
             <a:endParaRPr lang="en-US" sz="2800" dirty="0">
               <a:solidFill>
-                <a:schemeClr val="tx1">
+                <a:schemeClr val="bg1">
                   <a:lumMod val="50000"/>
+                  <a:lumOff val="50000"/>
                 </a:schemeClr>
               </a:solidFill>
             </a:endParaRPr>
@@ -12787,7 +18064,7 @@
       </p:sp>
       <p:sp>
         <p:nvSpPr>
-          <p:cNvPr id="6" name="TextBox 5">
+          <p:cNvPr id="11" name="TextBox 10">
             <a:extLst>
               <a:ext uri="{FF2B5EF4-FFF2-40B4-BE49-F238E27FC236}">
                 <a16:creationId xmlns:a16="http://schemas.microsoft.com/office/drawing/2014/main" id="{AD697506-962D-4AF4-AF07-7F196BB37255}"/>
@@ -12799,7 +18076,7 @@
         </p:nvSpPr>
         <p:spPr>
           <a:xfrm>
-            <a:off x="957312" y="4841811"/>
+            <a:off x="957311" y="5231373"/>
             <a:ext cx="1059906" cy="523220"/>
           </a:xfrm>
           <a:prstGeom prst="rect">
@@ -12816,8 +18093,9 @@
             <a:r>
               <a:rPr lang="en-US" sz="2800" dirty="0">
                 <a:solidFill>
-                  <a:schemeClr val="tx1">
+                  <a:schemeClr val="bg1">
                     <a:lumMod val="50000"/>
+                    <a:lumOff val="50000"/>
                   </a:schemeClr>
                 </a:solidFill>
               </a:rPr>
@@ -12828,7 +18106,7 @@
       </p:sp>
       <p:sp>
         <p:nvSpPr>
-          <p:cNvPr id="7" name="TextBox 6">
+          <p:cNvPr id="12" name="TextBox 11">
             <a:extLst>
               <a:ext uri="{FF2B5EF4-FFF2-40B4-BE49-F238E27FC236}">
                 <a16:creationId xmlns:a16="http://schemas.microsoft.com/office/drawing/2014/main" id="{8E3FAFB7-30F7-4891-936A-58C2BB5A7E15}"/>
@@ -12840,7 +18118,7 @@
         </p:nvSpPr>
         <p:spPr>
           <a:xfrm>
-            <a:off x="957312" y="3584780"/>
+            <a:off x="957311" y="3950559"/>
             <a:ext cx="1179297" cy="523220"/>
           </a:xfrm>
           <a:prstGeom prst="rect">
@@ -12855,24 +18133,52 @@
           <a:lstStyle/>
           <a:p>
             <a:r>
-              <a:rPr lang="en-US" sz="2800" dirty="0" err="1"/>
+              <a:rPr lang="en-US" sz="2800" dirty="0" err="1">
+                <a:solidFill>
+                  <a:schemeClr val="bg1">
+                    <a:lumMod val="50000"/>
+                    <a:lumOff val="50000"/>
+                  </a:schemeClr>
+                </a:solidFill>
+              </a:rPr>
               <a:t>Tác</a:t>
             </a:r>
             <a:r>
-              <a:rPr lang="en-US" sz="2800" dirty="0"/>
+              <a:rPr lang="en-US" sz="2800" dirty="0">
+                <a:solidFill>
+                  <a:schemeClr val="bg1">
+                    <a:lumMod val="50000"/>
+                    <a:lumOff val="50000"/>
+                  </a:schemeClr>
+                </a:solidFill>
+              </a:rPr>
               <a:t> </a:t>
             </a:r>
             <a:r>
-              <a:rPr lang="en-US" sz="2800" dirty="0" err="1"/>
+              <a:rPr lang="en-US" sz="2800" dirty="0" err="1">
+                <a:solidFill>
+                  <a:schemeClr val="bg1">
+                    <a:lumMod val="50000"/>
+                    <a:lumOff val="50000"/>
+                  </a:schemeClr>
+                </a:solidFill>
+              </a:rPr>
               <a:t>hại</a:t>
             </a:r>
-            <a:endParaRPr lang="en-US" sz="2800" dirty="0"/>
-          </a:p>
-        </p:txBody>
-      </p:sp>
-      <p:sp>
-        <p:nvSpPr>
-          <p:cNvPr id="8" name="TextBox 7">
+            <a:endParaRPr lang="en-US" sz="2800" dirty="0">
+              <a:solidFill>
+                <a:schemeClr val="bg1">
+                  <a:lumMod val="50000"/>
+                  <a:lumOff val="50000"/>
+                </a:schemeClr>
+              </a:solidFill>
+            </a:endParaRPr>
+          </a:p>
+        </p:txBody>
+      </p:sp>
+      <p:sp>
+        <p:nvSpPr>
+          <p:cNvPr id="13" name="TextBox 12">
             <a:extLst>
               <a:ext uri="{FF2B5EF4-FFF2-40B4-BE49-F238E27FC236}">
                 <a16:creationId xmlns:a16="http://schemas.microsoft.com/office/drawing/2014/main" id="{4BC5DD41-BD3F-4DED-9D57-404D56AC1E37}"/>
@@ -12884,7 +18190,7 @@
         </p:nvSpPr>
         <p:spPr>
           <a:xfrm>
-            <a:off x="957312" y="4214195"/>
+            <a:off x="990904" y="4598474"/>
             <a:ext cx="2465483" cy="523220"/>
           </a:xfrm>
           <a:prstGeom prst="rect">
@@ -12901,8 +18207,9 @@
             <a:r>
               <a:rPr lang="en-US" sz="2800" dirty="0" err="1">
                 <a:solidFill>
-                  <a:schemeClr val="tx1">
+                  <a:schemeClr val="bg1">
                     <a:lumMod val="50000"/>
+                    <a:lumOff val="50000"/>
                   </a:schemeClr>
                 </a:solidFill>
               </a:rPr>
@@ -12911,8 +18218,9 @@
             <a:r>
               <a:rPr lang="en-US" sz="2800" dirty="0">
                 <a:solidFill>
-                  <a:schemeClr val="tx1">
+                  <a:schemeClr val="bg1">
                     <a:lumMod val="50000"/>
+                    <a:lumOff val="50000"/>
                   </a:schemeClr>
                 </a:solidFill>
               </a:rPr>
@@ -12921,8 +18229,9 @@
             <a:r>
               <a:rPr lang="en-US" sz="2800" dirty="0" err="1">
                 <a:solidFill>
-                  <a:schemeClr val="tx1">
+                  <a:schemeClr val="bg1">
                     <a:lumMod val="50000"/>
+                    <a:lumOff val="50000"/>
                   </a:schemeClr>
                 </a:solidFill>
               </a:rPr>
@@ -12931,8 +18240,9 @@
             <a:r>
               <a:rPr lang="en-US" sz="2800" dirty="0">
                 <a:solidFill>
-                  <a:schemeClr val="tx1">
+                  <a:schemeClr val="bg1">
                     <a:lumMod val="50000"/>
+                    <a:lumOff val="50000"/>
                   </a:schemeClr>
                 </a:solidFill>
               </a:rPr>
@@ -12941,8 +18251,9 @@
             <a:r>
               <a:rPr lang="en-US" sz="2800" dirty="0" err="1">
                 <a:solidFill>
-                  <a:schemeClr val="tx1">
+                  <a:schemeClr val="bg1">
                     <a:lumMod val="50000"/>
+                    <a:lumOff val="50000"/>
                   </a:schemeClr>
                 </a:solidFill>
               </a:rPr>
@@ -12950,27 +18261,69 @@
             </a:r>
             <a:endParaRPr lang="en-US" sz="2800" dirty="0">
               <a:solidFill>
-                <a:schemeClr val="tx1">
+                <a:schemeClr val="bg1">
                   <a:lumMod val="50000"/>
+                  <a:lumOff val="50000"/>
                 </a:schemeClr>
               </a:solidFill>
             </a:endParaRPr>
           </a:p>
         </p:txBody>
       </p:sp>
+      <p:sp>
+        <p:nvSpPr>
+          <p:cNvPr id="14" name="TextBox 13"/>
+          <p:cNvSpPr txBox="1"/>
+          <p:nvPr/>
+        </p:nvSpPr>
+        <p:spPr>
+          <a:xfrm>
+            <a:off x="938197" y="3302645"/>
+            <a:ext cx="5691683" cy="523220"/>
+          </a:xfrm>
+          <a:prstGeom prst="rect">
+            <a:avLst/>
+          </a:prstGeom>
+          <a:noFill/>
+        </p:spPr>
+        <p:txBody>
+          <a:bodyPr wrap="square" rtlCol="0">
+            <a:spAutoFit/>
+          </a:bodyPr>
+          <a:lstStyle/>
+          <a:p>
+            <a:r>
+              <a:rPr lang="en-US" sz="2800">
+                <a:latin typeface="Calibri" panose="020F0502020204030204" pitchFamily="34" charset="0"/>
+                <a:cs typeface="Calibri" panose="020F0502020204030204" pitchFamily="34" charset="0"/>
+              </a:rPr>
+              <a:t>Một số dạng tấn công thường gặp</a:t>
+            </a:r>
+          </a:p>
+        </p:txBody>
+      </p:sp>
     </p:spTree>
     <p:extLst>
       <p:ext uri="{BB962C8B-B14F-4D97-AF65-F5344CB8AC3E}">
-        <p14:creationId xmlns:p14="http://schemas.microsoft.com/office/powerpoint/2010/main" val="2975415333"/>
+        <p14:creationId xmlns:p14="http://schemas.microsoft.com/office/powerpoint/2010/main" val="2239012711"/>
       </p:ext>
     </p:extLst>
   </p:cSld>
   <p:clrMapOvr>
     <a:masterClrMapping/>
   </p:clrMapOvr>
-  <p:transition spd="slow">
-    <p:push dir="u"/>
-  </p:transition>
+  <mc:AlternateContent xmlns:mc="http://schemas.openxmlformats.org/markup-compatibility/2006" xmlns:p159="http://schemas.microsoft.com/office/powerpoint/2015/09/main">
+    <mc:Choice Requires="p159">
+      <p:transition spd="slow">
+        <p159:morph option="byObject"/>
+      </p:transition>
+    </mc:Choice>
+    <mc:Fallback xmlns="">
+      <p:transition spd="slow">
+        <p:fade/>
+      </p:transition>
+    </mc:Fallback>
+  </mc:AlternateContent>
 </p:sld>
 </file>
 
@@ -13221,4 +18574,299 @@
     </a:ext>
   </a:extLst>
 </a:theme>
+</file>
+
+<file path=ppt/theme/theme2.xml><?xml version="1.0" encoding="utf-8"?>
+<a:theme xmlns:a="http://schemas.openxmlformats.org/drawingml/2006/main" name="Office Theme">
+  <a:themeElements>
+    <a:clrScheme name="Office">
+      <a:dk1>
+        <a:sysClr val="windowText" lastClr="000000"/>
+      </a:dk1>
+      <a:lt1>
+        <a:sysClr val="window" lastClr="FFFFFF"/>
+      </a:lt1>
+      <a:dk2>
+        <a:srgbClr val="44546A"/>
+      </a:dk2>
+      <a:lt2>
+        <a:srgbClr val="E7E6E6"/>
+      </a:lt2>
+      <a:accent1>
+        <a:srgbClr val="4472C4"/>
+      </a:accent1>
+      <a:accent2>
+        <a:srgbClr val="ED7D31"/>
+      </a:accent2>
+      <a:accent3>
+        <a:srgbClr val="A5A5A5"/>
+      </a:accent3>
+      <a:accent4>
+        <a:srgbClr val="FFC000"/>
+      </a:accent4>
+      <a:accent5>
+        <a:srgbClr val="5B9BD5"/>
+      </a:accent5>
+      <a:accent6>
+        <a:srgbClr val="70AD47"/>
+      </a:accent6>
+      <a:hlink>
+        <a:srgbClr val="0563C1"/>
+      </a:hlink>
+      <a:folHlink>
+        <a:srgbClr val="954F72"/>
+      </a:folHlink>
+    </a:clrScheme>
+    <a:fontScheme name="Office">
+      <a:majorFont>
+        <a:latin typeface="Calibri Light" panose="020F0302020204030204"/>
+        <a:ea typeface=""/>
+        <a:cs typeface=""/>
+        <a:font script="Jpan" typeface="游ゴシック Light"/>
+        <a:font script="Hang" typeface="맑은 고딕"/>
+        <a:font script="Hans" typeface="等线 Light"/>
+        <a:font script="Hant" typeface="新細明體"/>
+        <a:font script="Arab" typeface="Times New Roman"/>
+        <a:font script="Hebr" typeface="Times New Roman"/>
+        <a:font script="Thai" typeface="Angsana New"/>
+        <a:font script="Ethi" typeface="Nyala"/>
+        <a:font script="Beng" typeface="Vrinda"/>
+        <a:font script="Gujr" typeface="Shruti"/>
+        <a:font script="Khmr" typeface="MoolBoran"/>
+        <a:font script="Knda" typeface="Tunga"/>
+        <a:font script="Guru" typeface="Raavi"/>
+        <a:font script="Cans" typeface="Euphemia"/>
+        <a:font script="Cher" typeface="Plantagenet Cherokee"/>
+        <a:font script="Yiii" typeface="Microsoft Yi Baiti"/>
+        <a:font script="Tibt" typeface="Microsoft Himalaya"/>
+        <a:font script="Thaa" typeface="MV Boli"/>
+        <a:font script="Deva" typeface="Mangal"/>
+        <a:font script="Telu" typeface="Gautami"/>
+        <a:font script="Taml" typeface="Latha"/>
+        <a:font script="Syrc" typeface="Estrangelo Edessa"/>
+        <a:font script="Orya" typeface="Kalinga"/>
+        <a:font script="Mlym" typeface="Kartika"/>
+        <a:font script="Laoo" typeface="DokChampa"/>
+        <a:font script="Sinh" typeface="Iskoola Pota"/>
+        <a:font script="Mong" typeface="Mongolian Baiti"/>
+        <a:font script="Viet" typeface="Times New Roman"/>
+        <a:font script="Uigh" typeface="Microsoft Uighur"/>
+        <a:font script="Geor" typeface="Sylfaen"/>
+        <a:font script="Armn" typeface="Arial"/>
+        <a:font script="Bugi" typeface="Leelawadee UI"/>
+        <a:font script="Bopo" typeface="Microsoft JhengHei"/>
+        <a:font script="Java" typeface="Javanese Text"/>
+        <a:font script="Lisu" typeface="Segoe UI"/>
+        <a:font script="Mymr" typeface="Myanmar Text"/>
+        <a:font script="Nkoo" typeface="Ebrima"/>
+        <a:font script="Olck" typeface="Nirmala UI"/>
+        <a:font script="Osma" typeface="Ebrima"/>
+        <a:font script="Phag" typeface="Phagspa"/>
+        <a:font script="Syrn" typeface="Estrangelo Edessa"/>
+        <a:font script="Syrj" typeface="Estrangelo Edessa"/>
+        <a:font script="Syre" typeface="Estrangelo Edessa"/>
+        <a:font script="Sora" typeface="Nirmala UI"/>
+        <a:font script="Tale" typeface="Microsoft Tai Le"/>
+        <a:font script="Talu" typeface="Microsoft New Tai Lue"/>
+        <a:font script="Tfng" typeface="Ebrima"/>
+      </a:majorFont>
+      <a:minorFont>
+        <a:latin typeface="Calibri" panose="020F0502020204030204"/>
+        <a:ea typeface=""/>
+        <a:cs typeface=""/>
+        <a:font script="Jpan" typeface="游ゴシック"/>
+        <a:font script="Hang" typeface="맑은 고딕"/>
+        <a:font script="Hans" typeface="等线"/>
+        <a:font script="Hant" typeface="新細明體"/>
+        <a:font script="Arab" typeface="Arial"/>
+        <a:font script="Hebr" typeface="Arial"/>
+        <a:font script="Thai" typeface="Cordia New"/>
+        <a:font script="Ethi" typeface="Nyala"/>
+        <a:font script="Beng" typeface="Vrinda"/>
+        <a:font script="Gujr" typeface="Shruti"/>
+        <a:font script="Khmr" typeface="DaunPenh"/>
+        <a:font script="Knda" typeface="Tunga"/>
+        <a:font script="Guru" typeface="Raavi"/>
+        <a:font script="Cans" typeface="Euphemia"/>
+        <a:font script="Cher" typeface="Plantagenet Cherokee"/>
+        <a:font script="Yiii" typeface="Microsoft Yi Baiti"/>
+        <a:font script="Tibt" typeface="Microsoft Himalaya"/>
+        <a:font script="Thaa" typeface="MV Boli"/>
+        <a:font script="Deva" typeface="Mangal"/>
+        <a:font script="Telu" typeface="Gautami"/>
+        <a:font script="Taml" typeface="Latha"/>
+        <a:font script="Syrc" typeface="Estrangelo Edessa"/>
+        <a:font script="Orya" typeface="Kalinga"/>
+        <a:font script="Mlym" typeface="Kartika"/>
+        <a:font script="Laoo" typeface="DokChampa"/>
+        <a:font script="Sinh" typeface="Iskoola Pota"/>
+        <a:font script="Mong" typeface="Mongolian Baiti"/>
+        <a:font script="Viet" typeface="Arial"/>
+        <a:font script="Uigh" typeface="Microsoft Uighur"/>
+        <a:font script="Geor" typeface="Sylfaen"/>
+        <a:font script="Armn" typeface="Arial"/>
+        <a:font script="Bugi" typeface="Leelawadee UI"/>
+        <a:font script="Bopo" typeface="Microsoft JhengHei"/>
+        <a:font script="Java" typeface="Javanese Text"/>
+        <a:font script="Lisu" typeface="Segoe UI"/>
+        <a:font script="Mymr" typeface="Myanmar Text"/>
+        <a:font script="Nkoo" typeface="Ebrima"/>
+        <a:font script="Olck" typeface="Nirmala UI"/>
+        <a:font script="Osma" typeface="Ebrima"/>
+        <a:font script="Phag" typeface="Phagspa"/>
+        <a:font script="Syrn" typeface="Estrangelo Edessa"/>
+        <a:font script="Syrj" typeface="Estrangelo Edessa"/>
+        <a:font script="Syre" typeface="Estrangelo Edessa"/>
+        <a:font script="Sora" typeface="Nirmala UI"/>
+        <a:font script="Tale" typeface="Microsoft Tai Le"/>
+        <a:font script="Talu" typeface="Microsoft New Tai Lue"/>
+        <a:font script="Tfng" typeface="Ebrima"/>
+      </a:minorFont>
+    </a:fontScheme>
+    <a:fmtScheme name="Office">
+      <a:fillStyleLst>
+        <a:solidFill>
+          <a:schemeClr val="phClr"/>
+        </a:solidFill>
+        <a:gradFill rotWithShape="1">
+          <a:gsLst>
+            <a:gs pos="0">
+              <a:schemeClr val="phClr">
+                <a:lumMod val="110000"/>
+                <a:satMod val="105000"/>
+                <a:tint val="67000"/>
+              </a:schemeClr>
+            </a:gs>
+            <a:gs pos="50000">
+              <a:schemeClr val="phClr">
+                <a:lumMod val="105000"/>
+                <a:satMod val="103000"/>
+                <a:tint val="73000"/>
+              </a:schemeClr>
+            </a:gs>
+            <a:gs pos="100000">
+              <a:schemeClr val="phClr">
+                <a:lumMod val="105000"/>
+                <a:satMod val="109000"/>
+                <a:tint val="81000"/>
+              </a:schemeClr>
+            </a:gs>
+          </a:gsLst>
+          <a:lin ang="5400000" scaled="0"/>
+        </a:gradFill>
+        <a:gradFill rotWithShape="1">
+          <a:gsLst>
+            <a:gs pos="0">
+              <a:schemeClr val="phClr">
+                <a:satMod val="103000"/>
+                <a:lumMod val="102000"/>
+                <a:tint val="94000"/>
+              </a:schemeClr>
+            </a:gs>
+            <a:gs pos="50000">
+              <a:schemeClr val="phClr">
+                <a:satMod val="110000"/>
+                <a:lumMod val="100000"/>
+                <a:shade val="100000"/>
+              </a:schemeClr>
+            </a:gs>
+            <a:gs pos="100000">
+              <a:schemeClr val="phClr">
+                <a:lumMod val="99000"/>
+                <a:satMod val="120000"/>
+                <a:shade val="78000"/>
+              </a:schemeClr>
+            </a:gs>
+          </a:gsLst>
+          <a:lin ang="5400000" scaled="0"/>
+        </a:gradFill>
+      </a:fillStyleLst>
+      <a:lnStyleLst>
+        <a:ln w="6350" cap="flat" cmpd="sng" algn="ctr">
+          <a:solidFill>
+            <a:schemeClr val="phClr"/>
+          </a:solidFill>
+          <a:prstDash val="solid"/>
+          <a:miter lim="800000"/>
+        </a:ln>
+        <a:ln w="12700" cap="flat" cmpd="sng" algn="ctr">
+          <a:solidFill>
+            <a:schemeClr val="phClr"/>
+          </a:solidFill>
+          <a:prstDash val="solid"/>
+          <a:miter lim="800000"/>
+        </a:ln>
+        <a:ln w="19050" cap="flat" cmpd="sng" algn="ctr">
+          <a:solidFill>
+            <a:schemeClr val="phClr"/>
+          </a:solidFill>
+          <a:prstDash val="solid"/>
+          <a:miter lim="800000"/>
+        </a:ln>
+      </a:lnStyleLst>
+      <a:effectStyleLst>
+        <a:effectStyle>
+          <a:effectLst/>
+        </a:effectStyle>
+        <a:effectStyle>
+          <a:effectLst/>
+        </a:effectStyle>
+        <a:effectStyle>
+          <a:effectLst>
+            <a:outerShdw blurRad="57150" dist="19050" dir="5400000" algn="ctr" rotWithShape="0">
+              <a:srgbClr val="000000">
+                <a:alpha val="63000"/>
+              </a:srgbClr>
+            </a:outerShdw>
+          </a:effectLst>
+        </a:effectStyle>
+      </a:effectStyleLst>
+      <a:bgFillStyleLst>
+        <a:solidFill>
+          <a:schemeClr val="phClr"/>
+        </a:solidFill>
+        <a:solidFill>
+          <a:schemeClr val="phClr">
+            <a:tint val="95000"/>
+            <a:satMod val="170000"/>
+          </a:schemeClr>
+        </a:solidFill>
+        <a:gradFill rotWithShape="1">
+          <a:gsLst>
+            <a:gs pos="0">
+              <a:schemeClr val="phClr">
+                <a:tint val="93000"/>
+                <a:satMod val="150000"/>
+                <a:shade val="98000"/>
+                <a:lumMod val="102000"/>
+              </a:schemeClr>
+            </a:gs>
+            <a:gs pos="50000">
+              <a:schemeClr val="phClr">
+                <a:tint val="98000"/>
+                <a:satMod val="130000"/>
+                <a:shade val="90000"/>
+                <a:lumMod val="103000"/>
+              </a:schemeClr>
+            </a:gs>
+            <a:gs pos="100000">
+              <a:schemeClr val="phClr">
+                <a:shade val="63000"/>
+                <a:satMod val="120000"/>
+              </a:schemeClr>
+            </a:gs>
+          </a:gsLst>
+          <a:lin ang="5400000" scaled="0"/>
+        </a:gradFill>
+      </a:bgFillStyleLst>
+    </a:fmtScheme>
+  </a:themeElements>
+  <a:objectDefaults/>
+  <a:extraClrSchemeLst/>
+  <a:extLst>
+    <a:ext uri="{05A4C25C-085E-4340-85A3-A5531E510DB2}">
+      <thm15:themeFamily xmlns:thm15="http://schemas.microsoft.com/office/thememl/2012/main" name="Office Theme" id="{62F939B6-93AF-4DB8-9C6B-D6C7DFDC589F}" vid="{4A3C46E8-61CC-4603-A589-7422A47A8E4A}"/>
+    </a:ext>
+  </a:extLst>
+</a:theme>
 </file>